--- a/Document/渲染系统.pptx
+++ b/Document/渲染系统.pptx
@@ -10,7 +10,9 @@
     <p:sldId id="261" r:id="rId4"/>
     <p:sldId id="259" r:id="rId5"/>
     <p:sldId id="262" r:id="rId6"/>
-    <p:sldId id="258" r:id="rId7"/>
+    <p:sldId id="265" r:id="rId7"/>
+    <p:sldId id="263" r:id="rId8"/>
+    <p:sldId id="264" r:id="rId9"/>
   </p:sldIdLst>
   <p:sldSz cx="9144000" cy="6858000" type="screen4x3"/>
   <p:notesSz cx="6858000" cy="9144000"/>
@@ -293,7 +295,7 @@
           <a:p>
             <a:fld id="{530820CF-B880-4189-942D-D702A7CBA730}" type="datetimeFigureOut">
               <a:rPr lang="zh-CN" altLang="en-US" smtClean="0"/>
-              <a:t>2014/5/16</a:t>
+              <a:t>2014/5/20</a:t>
             </a:fld>
             <a:endParaRPr lang="zh-CN" altLang="en-US"/>
           </a:p>
@@ -458,7 +460,7 @@
           <a:p>
             <a:fld id="{530820CF-B880-4189-942D-D702A7CBA730}" type="datetimeFigureOut">
               <a:rPr lang="zh-CN" altLang="en-US" smtClean="0"/>
-              <a:t>2014/5/16</a:t>
+              <a:t>2014/5/20</a:t>
             </a:fld>
             <a:endParaRPr lang="zh-CN" altLang="en-US"/>
           </a:p>
@@ -633,7 +635,7 @@
           <a:p>
             <a:fld id="{530820CF-B880-4189-942D-D702A7CBA730}" type="datetimeFigureOut">
               <a:rPr lang="zh-CN" altLang="en-US" smtClean="0"/>
-              <a:t>2014/5/16</a:t>
+              <a:t>2014/5/20</a:t>
             </a:fld>
             <a:endParaRPr lang="zh-CN" altLang="en-US"/>
           </a:p>
@@ -798,7 +800,7 @@
           <a:p>
             <a:fld id="{530820CF-B880-4189-942D-D702A7CBA730}" type="datetimeFigureOut">
               <a:rPr lang="zh-CN" altLang="en-US" smtClean="0"/>
-              <a:t>2014/5/16</a:t>
+              <a:t>2014/5/20</a:t>
             </a:fld>
             <a:endParaRPr lang="zh-CN" altLang="en-US"/>
           </a:p>
@@ -1039,7 +1041,7 @@
           <a:p>
             <a:fld id="{530820CF-B880-4189-942D-D702A7CBA730}" type="datetimeFigureOut">
               <a:rPr lang="zh-CN" altLang="en-US" smtClean="0"/>
-              <a:t>2014/5/16</a:t>
+              <a:t>2014/5/20</a:t>
             </a:fld>
             <a:endParaRPr lang="zh-CN" altLang="en-US"/>
           </a:p>
@@ -1322,7 +1324,7 @@
           <a:p>
             <a:fld id="{530820CF-B880-4189-942D-D702A7CBA730}" type="datetimeFigureOut">
               <a:rPr lang="zh-CN" altLang="en-US" smtClean="0"/>
-              <a:t>2014/5/16</a:t>
+              <a:t>2014/5/20</a:t>
             </a:fld>
             <a:endParaRPr lang="zh-CN" altLang="en-US"/>
           </a:p>
@@ -1739,7 +1741,7 @@
           <a:p>
             <a:fld id="{530820CF-B880-4189-942D-D702A7CBA730}" type="datetimeFigureOut">
               <a:rPr lang="zh-CN" altLang="en-US" smtClean="0"/>
-              <a:t>2014/5/16</a:t>
+              <a:t>2014/5/20</a:t>
             </a:fld>
             <a:endParaRPr lang="zh-CN" altLang="en-US"/>
           </a:p>
@@ -1852,7 +1854,7 @@
           <a:p>
             <a:fld id="{530820CF-B880-4189-942D-D702A7CBA730}" type="datetimeFigureOut">
               <a:rPr lang="zh-CN" altLang="en-US" smtClean="0"/>
-              <a:t>2014/5/16</a:t>
+              <a:t>2014/5/20</a:t>
             </a:fld>
             <a:endParaRPr lang="zh-CN" altLang="en-US"/>
           </a:p>
@@ -1942,7 +1944,7 @@
           <a:p>
             <a:fld id="{530820CF-B880-4189-942D-D702A7CBA730}" type="datetimeFigureOut">
               <a:rPr lang="zh-CN" altLang="en-US" smtClean="0"/>
-              <a:t>2014/5/16</a:t>
+              <a:t>2014/5/20</a:t>
             </a:fld>
             <a:endParaRPr lang="zh-CN" altLang="en-US"/>
           </a:p>
@@ -2214,7 +2216,7 @@
           <a:p>
             <a:fld id="{530820CF-B880-4189-942D-D702A7CBA730}" type="datetimeFigureOut">
               <a:rPr lang="zh-CN" altLang="en-US" smtClean="0"/>
-              <a:t>2014/5/16</a:t>
+              <a:t>2014/5/20</a:t>
             </a:fld>
             <a:endParaRPr lang="zh-CN" altLang="en-US"/>
           </a:p>
@@ -2462,7 +2464,7 @@
           <a:p>
             <a:fld id="{530820CF-B880-4189-942D-D702A7CBA730}" type="datetimeFigureOut">
               <a:rPr lang="zh-CN" altLang="en-US" smtClean="0"/>
-              <a:t>2014/5/16</a:t>
+              <a:t>2014/5/20</a:t>
             </a:fld>
             <a:endParaRPr lang="zh-CN" altLang="en-US"/>
           </a:p>
@@ -2670,7 +2672,7 @@
           <a:p>
             <a:fld id="{530820CF-B880-4189-942D-D702A7CBA730}" type="datetimeFigureOut">
               <a:rPr lang="zh-CN" altLang="en-US" smtClean="0"/>
-              <a:t>2014/5/16</a:t>
+              <a:t>2014/5/20</a:t>
             </a:fld>
             <a:endParaRPr lang="zh-CN" altLang="en-US"/>
           </a:p>
@@ -4739,7 +4741,6 @@
               <a:rPr lang="zh-CN" altLang="en-US" sz="1400"/>
               <a:t>缓冲</a:t>
             </a:r>
-            <a:endParaRPr lang="zh-CN" altLang="en-US" sz="1400"/>
           </a:p>
         </p:txBody>
       </p:sp>
@@ -4826,296 +4827,985 @@
           <a:lstStyle/>
           <a:p>
             <a:r>
-              <a:rPr lang="zh-CN" altLang="en-US" smtClean="0"/>
-              <a:t>脚本体系</a:t>
+              <a:rPr lang="zh-CN" altLang="en-US"/>
+              <a:t>渲染代码生成</a:t>
             </a:r>
             <a:endParaRPr lang="zh-CN" altLang="en-US"/>
+          </a:p>
+        </p:txBody>
+      </p:sp>
+      <p:sp>
+        <p:nvSpPr>
+          <p:cNvPr id="8" name="下箭头 7"/>
+          <p:cNvSpPr/>
+          <p:nvPr/>
+        </p:nvSpPr>
+        <p:spPr>
+          <a:xfrm>
+            <a:off x="4157955" y="1926726"/>
+            <a:ext cx="288032" cy="411799"/>
+          </a:xfrm>
+          <a:prstGeom prst="downArrow">
+            <a:avLst/>
+          </a:prstGeom>
+        </p:spPr>
+        <p:style>
+          <a:lnRef idx="1">
+            <a:schemeClr val="accent4"/>
+          </a:lnRef>
+          <a:fillRef idx="2">
+            <a:schemeClr val="accent4"/>
+          </a:fillRef>
+          <a:effectRef idx="1">
+            <a:schemeClr val="accent4"/>
+          </a:effectRef>
+          <a:fontRef idx="minor">
+            <a:schemeClr val="dk1"/>
+          </a:fontRef>
+        </p:style>
+        <p:txBody>
+          <a:bodyPr rtlCol="0" anchor="ctr"/>
+          <a:lstStyle/>
+          <a:p>
+            <a:pPr algn="ctr"/>
+            <a:endParaRPr lang="zh-CN" altLang="en-US"/>
+          </a:p>
+        </p:txBody>
+      </p:sp>
+      <p:sp>
+        <p:nvSpPr>
+          <p:cNvPr id="23" name="下箭头 22"/>
+          <p:cNvSpPr/>
+          <p:nvPr/>
+        </p:nvSpPr>
+        <p:spPr>
+          <a:xfrm>
+            <a:off x="2735797" y="1926726"/>
+            <a:ext cx="288032" cy="411799"/>
+          </a:xfrm>
+          <a:prstGeom prst="downArrow">
+            <a:avLst/>
+          </a:prstGeom>
+        </p:spPr>
+        <p:style>
+          <a:lnRef idx="1">
+            <a:schemeClr val="accent4"/>
+          </a:lnRef>
+          <a:fillRef idx="2">
+            <a:schemeClr val="accent4"/>
+          </a:fillRef>
+          <a:effectRef idx="1">
+            <a:schemeClr val="accent4"/>
+          </a:effectRef>
+          <a:fontRef idx="minor">
+            <a:schemeClr val="dk1"/>
+          </a:fontRef>
+        </p:style>
+        <p:txBody>
+          <a:bodyPr rtlCol="0" anchor="ctr"/>
+          <a:lstStyle/>
+          <a:p>
+            <a:pPr algn="ctr"/>
+            <a:endParaRPr lang="zh-CN" altLang="en-US"/>
+          </a:p>
+        </p:txBody>
+      </p:sp>
+      <p:sp>
+        <p:nvSpPr>
+          <p:cNvPr id="25" name="下箭头 24"/>
+          <p:cNvSpPr/>
+          <p:nvPr/>
+        </p:nvSpPr>
+        <p:spPr>
+          <a:xfrm>
+            <a:off x="5580113" y="1926726"/>
+            <a:ext cx="288032" cy="411799"/>
+          </a:xfrm>
+          <a:prstGeom prst="downArrow">
+            <a:avLst/>
+          </a:prstGeom>
+        </p:spPr>
+        <p:style>
+          <a:lnRef idx="1">
+            <a:schemeClr val="accent4"/>
+          </a:lnRef>
+          <a:fillRef idx="2">
+            <a:schemeClr val="accent4"/>
+          </a:fillRef>
+          <a:effectRef idx="1">
+            <a:schemeClr val="accent4"/>
+          </a:effectRef>
+          <a:fontRef idx="minor">
+            <a:schemeClr val="dk1"/>
+          </a:fontRef>
+        </p:style>
+        <p:txBody>
+          <a:bodyPr rtlCol="0" anchor="ctr"/>
+          <a:lstStyle/>
+          <a:p>
+            <a:pPr algn="ctr"/>
+            <a:endParaRPr lang="zh-CN" altLang="en-US"/>
+          </a:p>
+        </p:txBody>
+      </p:sp>
+      <p:sp>
+        <p:nvSpPr>
+          <p:cNvPr id="27" name="下箭头 26"/>
+          <p:cNvSpPr/>
+          <p:nvPr/>
+        </p:nvSpPr>
+        <p:spPr>
+          <a:xfrm>
+            <a:off x="1313639" y="1926726"/>
+            <a:ext cx="288032" cy="411799"/>
+          </a:xfrm>
+          <a:prstGeom prst="downArrow">
+            <a:avLst/>
+          </a:prstGeom>
+        </p:spPr>
+        <p:style>
+          <a:lnRef idx="1">
+            <a:schemeClr val="accent4"/>
+          </a:lnRef>
+          <a:fillRef idx="2">
+            <a:schemeClr val="accent4"/>
+          </a:fillRef>
+          <a:effectRef idx="1">
+            <a:schemeClr val="accent4"/>
+          </a:effectRef>
+          <a:fontRef idx="minor">
+            <a:schemeClr val="dk1"/>
+          </a:fontRef>
+        </p:style>
+        <p:txBody>
+          <a:bodyPr rtlCol="0" anchor="ctr"/>
+          <a:lstStyle/>
+          <a:p>
+            <a:pPr algn="ctr"/>
+            <a:endParaRPr lang="zh-CN" altLang="en-US"/>
+          </a:p>
+        </p:txBody>
+      </p:sp>
+      <p:sp>
+        <p:nvSpPr>
+          <p:cNvPr id="29" name="下箭头 28"/>
+          <p:cNvSpPr/>
+          <p:nvPr/>
+        </p:nvSpPr>
+        <p:spPr>
+          <a:xfrm>
+            <a:off x="7002271" y="1926726"/>
+            <a:ext cx="288032" cy="411799"/>
+          </a:xfrm>
+          <a:prstGeom prst="downArrow">
+            <a:avLst/>
+          </a:prstGeom>
+        </p:spPr>
+        <p:style>
+          <a:lnRef idx="1">
+            <a:schemeClr val="accent4"/>
+          </a:lnRef>
+          <a:fillRef idx="2">
+            <a:schemeClr val="accent4"/>
+          </a:fillRef>
+          <a:effectRef idx="1">
+            <a:schemeClr val="accent4"/>
+          </a:effectRef>
+          <a:fontRef idx="minor">
+            <a:schemeClr val="dk1"/>
+          </a:fontRef>
+        </p:style>
+        <p:txBody>
+          <a:bodyPr rtlCol="0" anchor="ctr"/>
+          <a:lstStyle/>
+          <a:p>
+            <a:pPr algn="ctr"/>
+            <a:endParaRPr lang="zh-CN" altLang="en-US"/>
+          </a:p>
+        </p:txBody>
+      </p:sp>
+      <p:sp>
+        <p:nvSpPr>
+          <p:cNvPr id="9" name="圆角矩形 8"/>
+          <p:cNvSpPr/>
+          <p:nvPr/>
+        </p:nvSpPr>
+        <p:spPr>
+          <a:xfrm>
+            <a:off x="845587" y="1412776"/>
+            <a:ext cx="1224136" cy="446862"/>
+          </a:xfrm>
+          <a:prstGeom prst="roundRect">
+            <a:avLst/>
+          </a:prstGeom>
+        </p:spPr>
+        <p:style>
+          <a:lnRef idx="1">
+            <a:schemeClr val="accent6"/>
+          </a:lnRef>
+          <a:fillRef idx="2">
+            <a:schemeClr val="accent6"/>
+          </a:fillRef>
+          <a:effectRef idx="1">
+            <a:schemeClr val="accent6"/>
+          </a:effectRef>
+          <a:fontRef idx="minor">
+            <a:schemeClr val="dk1"/>
+          </a:fontRef>
+        </p:style>
+        <p:txBody>
+          <a:bodyPr rtlCol="0" anchor="ctr"/>
+          <a:lstStyle/>
+          <a:p>
+            <a:pPr algn="ctr"/>
+            <a:r>
+              <a:rPr lang="zh-CN" altLang="en-US" sz="1100"/>
+              <a:t>渲染</a:t>
+            </a:r>
+            <a:r>
+              <a:rPr lang="zh-CN" altLang="en-US" sz="1100" smtClean="0"/>
+              <a:t>设备</a:t>
+            </a:r>
+            <a:endParaRPr lang="en-US" altLang="zh-CN" sz="1100" smtClean="0"/>
+          </a:p>
+          <a:p>
+            <a:pPr algn="ctr"/>
+            <a:r>
+              <a:rPr lang="en-US" altLang="zh-CN" sz="1100" smtClean="0"/>
+              <a:t>RenderDevice</a:t>
+            </a:r>
+            <a:endParaRPr lang="zh-CN" altLang="en-US" sz="1100"/>
+          </a:p>
+        </p:txBody>
+      </p:sp>
+      <p:sp>
+        <p:nvSpPr>
+          <p:cNvPr id="31" name="圆角矩形 30"/>
+          <p:cNvSpPr/>
+          <p:nvPr/>
+        </p:nvSpPr>
+        <p:spPr>
+          <a:xfrm>
+            <a:off x="2267745" y="1412776"/>
+            <a:ext cx="1224136" cy="446862"/>
+          </a:xfrm>
+          <a:prstGeom prst="roundRect">
+            <a:avLst/>
+          </a:prstGeom>
+        </p:spPr>
+        <p:style>
+          <a:lnRef idx="1">
+            <a:schemeClr val="accent6"/>
+          </a:lnRef>
+          <a:fillRef idx="2">
+            <a:schemeClr val="accent6"/>
+          </a:fillRef>
+          <a:effectRef idx="1">
+            <a:schemeClr val="accent6"/>
+          </a:effectRef>
+          <a:fontRef idx="minor">
+            <a:schemeClr val="dk1"/>
+          </a:fontRef>
+        </p:style>
+        <p:txBody>
+          <a:bodyPr rtlCol="0" anchor="ctr"/>
+          <a:lstStyle/>
+          <a:p>
+            <a:pPr algn="ctr"/>
+            <a:r>
+              <a:rPr lang="zh-CN" altLang="en-US" sz="1100" smtClean="0"/>
+              <a:t>渲染</a:t>
+            </a:r>
+            <a:r>
+              <a:rPr lang="zh-CN" altLang="en-US" sz="1100"/>
+              <a:t>管道</a:t>
+            </a:r>
+            <a:endParaRPr lang="en-US" altLang="zh-CN" sz="1100" smtClean="0"/>
+          </a:p>
+          <a:p>
+            <a:pPr algn="ctr"/>
+            <a:r>
+              <a:rPr lang="en-US" altLang="zh-CN" sz="1100" smtClean="0"/>
+              <a:t>RenderPipeline</a:t>
+            </a:r>
+            <a:endParaRPr lang="zh-CN" altLang="en-US" sz="1100"/>
+          </a:p>
+        </p:txBody>
+      </p:sp>
+      <p:sp>
+        <p:nvSpPr>
+          <p:cNvPr id="34" name="圆角矩形 33"/>
+          <p:cNvSpPr/>
+          <p:nvPr/>
+        </p:nvSpPr>
+        <p:spPr>
+          <a:xfrm>
+            <a:off x="3689903" y="1412776"/>
+            <a:ext cx="1224136" cy="446862"/>
+          </a:xfrm>
+          <a:prstGeom prst="roundRect">
+            <a:avLst/>
+          </a:prstGeom>
+        </p:spPr>
+        <p:style>
+          <a:lnRef idx="1">
+            <a:schemeClr val="accent6"/>
+          </a:lnRef>
+          <a:fillRef idx="2">
+            <a:schemeClr val="accent6"/>
+          </a:fillRef>
+          <a:effectRef idx="1">
+            <a:schemeClr val="accent6"/>
+          </a:effectRef>
+          <a:fontRef idx="minor">
+            <a:schemeClr val="dk1"/>
+          </a:fontRef>
+        </p:style>
+        <p:txBody>
+          <a:bodyPr rtlCol="0" anchor="ctr"/>
+          <a:lstStyle/>
+          <a:p>
+            <a:pPr algn="ctr"/>
+            <a:r>
+              <a:rPr lang="zh-CN" altLang="en-US" sz="1100" smtClean="0"/>
+              <a:t>渲染</a:t>
+            </a:r>
+            <a:r>
+              <a:rPr lang="zh-CN" altLang="en-US" sz="1100"/>
+              <a:t>过程</a:t>
+            </a:r>
+            <a:endParaRPr lang="en-US" altLang="zh-CN" sz="1100" smtClean="0"/>
+          </a:p>
+          <a:p>
+            <a:pPr algn="ctr"/>
+            <a:r>
+              <a:rPr lang="en-US" altLang="zh-CN" sz="1100" smtClean="0"/>
+              <a:t>PipelinePass</a:t>
+            </a:r>
+            <a:endParaRPr lang="zh-CN" altLang="en-US" sz="1100"/>
+          </a:p>
+        </p:txBody>
+      </p:sp>
+      <p:sp>
+        <p:nvSpPr>
+          <p:cNvPr id="35" name="圆角矩形 34"/>
+          <p:cNvSpPr/>
+          <p:nvPr/>
+        </p:nvSpPr>
+        <p:spPr>
+          <a:xfrm>
+            <a:off x="5112061" y="1412776"/>
+            <a:ext cx="1224136" cy="446862"/>
+          </a:xfrm>
+          <a:prstGeom prst="roundRect">
+            <a:avLst/>
+          </a:prstGeom>
+        </p:spPr>
+        <p:style>
+          <a:lnRef idx="1">
+            <a:schemeClr val="accent6"/>
+          </a:lnRef>
+          <a:fillRef idx="2">
+            <a:schemeClr val="accent6"/>
+          </a:fillRef>
+          <a:effectRef idx="1">
+            <a:schemeClr val="accent6"/>
+          </a:effectRef>
+          <a:fontRef idx="minor">
+            <a:schemeClr val="dk1"/>
+          </a:fontRef>
+        </p:style>
+        <p:txBody>
+          <a:bodyPr rtlCol="0" anchor="ctr"/>
+          <a:lstStyle/>
+          <a:p>
+            <a:pPr algn="ctr"/>
+            <a:r>
+              <a:rPr lang="zh-CN" altLang="en-US" sz="1100" smtClean="0"/>
+              <a:t>渲染</a:t>
+            </a:r>
+            <a:r>
+              <a:rPr lang="zh-CN" altLang="en-US" sz="1100"/>
+              <a:t>对象</a:t>
+            </a:r>
+            <a:endParaRPr lang="en-US" altLang="zh-CN" sz="1100" smtClean="0"/>
+          </a:p>
+          <a:p>
+            <a:pPr algn="ctr"/>
+            <a:r>
+              <a:rPr lang="en-US" altLang="zh-CN" sz="1100" smtClean="0"/>
+              <a:t>Renderable</a:t>
+            </a:r>
+            <a:endParaRPr lang="zh-CN" altLang="en-US" sz="1100"/>
+          </a:p>
+        </p:txBody>
+      </p:sp>
+      <p:sp>
+        <p:nvSpPr>
+          <p:cNvPr id="36" name="圆角矩形 35"/>
+          <p:cNvSpPr/>
+          <p:nvPr/>
+        </p:nvSpPr>
+        <p:spPr>
+          <a:xfrm>
+            <a:off x="6534219" y="1412776"/>
+            <a:ext cx="1224136" cy="446862"/>
+          </a:xfrm>
+          <a:prstGeom prst="roundRect">
+            <a:avLst/>
+          </a:prstGeom>
+        </p:spPr>
+        <p:style>
+          <a:lnRef idx="1">
+            <a:schemeClr val="accent6"/>
+          </a:lnRef>
+          <a:fillRef idx="2">
+            <a:schemeClr val="accent6"/>
+          </a:fillRef>
+          <a:effectRef idx="1">
+            <a:schemeClr val="accent6"/>
+          </a:effectRef>
+          <a:fontRef idx="minor">
+            <a:schemeClr val="dk1"/>
+          </a:fontRef>
+        </p:style>
+        <p:txBody>
+          <a:bodyPr rtlCol="0" anchor="ctr"/>
+          <a:lstStyle/>
+          <a:p>
+            <a:pPr algn="ctr"/>
+            <a:r>
+              <a:rPr lang="zh-CN" altLang="en-US" sz="1100" smtClean="0"/>
+              <a:t>效果器</a:t>
+            </a:r>
+            <a:endParaRPr lang="en-US" altLang="zh-CN" sz="1100" smtClean="0"/>
+          </a:p>
+          <a:p>
+            <a:pPr algn="ctr"/>
+            <a:r>
+              <a:rPr lang="en-US" altLang="zh-CN" sz="1100" smtClean="0"/>
+              <a:t>Effect</a:t>
+            </a:r>
+            <a:endParaRPr lang="zh-CN" altLang="en-US" sz="1100"/>
+          </a:p>
+        </p:txBody>
+      </p:sp>
+      <p:sp>
+        <p:nvSpPr>
+          <p:cNvPr id="10" name="圆角矩形 9"/>
+          <p:cNvSpPr/>
+          <p:nvPr/>
+        </p:nvSpPr>
+        <p:spPr>
+          <a:xfrm>
+            <a:off x="725616" y="2442837"/>
+            <a:ext cx="7152710" cy="417991"/>
+          </a:xfrm>
+          <a:prstGeom prst="roundRect">
+            <a:avLst/>
+          </a:prstGeom>
+        </p:spPr>
+        <p:style>
+          <a:lnRef idx="1">
+            <a:schemeClr val="accent1"/>
+          </a:lnRef>
+          <a:fillRef idx="2">
+            <a:schemeClr val="accent1"/>
+          </a:fillRef>
+          <a:effectRef idx="1">
+            <a:schemeClr val="accent1"/>
+          </a:effectRef>
+          <a:fontRef idx="minor">
+            <a:schemeClr val="dk1"/>
+          </a:fontRef>
+        </p:style>
+        <p:txBody>
+          <a:bodyPr rtlCol="0" anchor="ctr"/>
+          <a:lstStyle/>
+          <a:p>
+            <a:pPr algn="ctr"/>
+            <a:r>
+              <a:rPr lang="zh-CN" altLang="en-US" sz="1600"/>
+              <a:t>模板</a:t>
+            </a:r>
+            <a:r>
+              <a:rPr lang="zh-CN" altLang="en-US" sz="1600" smtClean="0"/>
+              <a:t>环境 </a:t>
+            </a:r>
+            <a:r>
+              <a:rPr lang="en-US" altLang="zh-CN" sz="1600" smtClean="0"/>
+              <a:t>(TemplateContext)</a:t>
+            </a:r>
+            <a:endParaRPr lang="zh-CN" altLang="en-US" sz="1600"/>
+          </a:p>
+        </p:txBody>
+      </p:sp>
+      <p:sp>
+        <p:nvSpPr>
+          <p:cNvPr id="11" name="椭圆 10"/>
+          <p:cNvSpPr/>
+          <p:nvPr/>
+        </p:nvSpPr>
+        <p:spPr>
+          <a:xfrm>
+            <a:off x="3347865" y="3419337"/>
+            <a:ext cx="1908212" cy="792088"/>
+          </a:xfrm>
+          <a:prstGeom prst="ellipse">
+            <a:avLst/>
+          </a:prstGeom>
+        </p:spPr>
+        <p:style>
+          <a:lnRef idx="1">
+            <a:schemeClr val="accent2"/>
+          </a:lnRef>
+          <a:fillRef idx="2">
+            <a:schemeClr val="accent2"/>
+          </a:fillRef>
+          <a:effectRef idx="1">
+            <a:schemeClr val="accent2"/>
+          </a:effectRef>
+          <a:fontRef idx="minor">
+            <a:schemeClr val="dk1"/>
+          </a:fontRef>
+        </p:style>
+        <p:txBody>
+          <a:bodyPr rtlCol="0" anchor="ctr"/>
+          <a:lstStyle/>
+          <a:p>
+            <a:pPr algn="ctr"/>
+            <a:r>
+              <a:rPr lang="zh-CN" altLang="en-US" sz="1400" smtClean="0"/>
+              <a:t>模板解析器</a:t>
+            </a:r>
+            <a:endParaRPr lang="en-US" altLang="zh-CN" sz="1400" smtClean="0"/>
+          </a:p>
+          <a:p>
+            <a:pPr algn="ctr"/>
+            <a:r>
+              <a:rPr lang="en-US" altLang="zh-CN" sz="1400" smtClean="0"/>
+              <a:t>TemplateParser</a:t>
+            </a:r>
+            <a:endParaRPr lang="zh-CN" altLang="en-US"/>
+          </a:p>
+        </p:txBody>
+      </p:sp>
+      <p:sp>
+        <p:nvSpPr>
+          <p:cNvPr id="37" name="下箭头 36"/>
+          <p:cNvSpPr/>
+          <p:nvPr/>
+        </p:nvSpPr>
+        <p:spPr>
+          <a:xfrm>
+            <a:off x="4157955" y="2924944"/>
+            <a:ext cx="288032" cy="420707"/>
+          </a:xfrm>
+          <a:prstGeom prst="downArrow">
+            <a:avLst/>
+          </a:prstGeom>
+        </p:spPr>
+        <p:style>
+          <a:lnRef idx="1">
+            <a:schemeClr val="accent4"/>
+          </a:lnRef>
+          <a:fillRef idx="2">
+            <a:schemeClr val="accent4"/>
+          </a:fillRef>
+          <a:effectRef idx="1">
+            <a:schemeClr val="accent4"/>
+          </a:effectRef>
+          <a:fontRef idx="minor">
+            <a:schemeClr val="dk1"/>
+          </a:fontRef>
+        </p:style>
+        <p:txBody>
+          <a:bodyPr rtlCol="0" anchor="ctr"/>
+          <a:lstStyle/>
+          <a:p>
+            <a:pPr algn="ctr"/>
+            <a:endParaRPr lang="zh-CN" altLang="en-US"/>
+          </a:p>
+        </p:txBody>
+      </p:sp>
+      <p:sp>
+        <p:nvSpPr>
+          <p:cNvPr id="39" name="圆角矩形 38"/>
+          <p:cNvSpPr/>
+          <p:nvPr/>
+        </p:nvSpPr>
+        <p:spPr>
+          <a:xfrm>
+            <a:off x="1457655" y="3591950"/>
+            <a:ext cx="1224136" cy="446862"/>
+          </a:xfrm>
+          <a:prstGeom prst="roundRect">
+            <a:avLst/>
+          </a:prstGeom>
+        </p:spPr>
+        <p:style>
+          <a:lnRef idx="1">
+            <a:schemeClr val="accent6"/>
+          </a:lnRef>
+          <a:fillRef idx="2">
+            <a:schemeClr val="accent6"/>
+          </a:fillRef>
+          <a:effectRef idx="1">
+            <a:schemeClr val="accent6"/>
+          </a:effectRef>
+          <a:fontRef idx="minor">
+            <a:schemeClr val="dk1"/>
+          </a:fontRef>
+        </p:style>
+        <p:txBody>
+          <a:bodyPr rtlCol="0" anchor="ctr"/>
+          <a:lstStyle/>
+          <a:p>
+            <a:pPr algn="ctr"/>
+            <a:r>
+              <a:rPr lang="zh-CN" altLang="en-US" sz="1100" smtClean="0"/>
+              <a:t>解析标签</a:t>
+            </a:r>
+            <a:endParaRPr lang="en-US" altLang="zh-CN" sz="1100" smtClean="0"/>
+          </a:p>
+          <a:p>
+            <a:pPr algn="ctr"/>
+            <a:r>
+              <a:rPr lang="en-US" altLang="zh-CN" sz="1100" smtClean="0"/>
+              <a:t>TemplateTag</a:t>
+            </a:r>
+            <a:endParaRPr lang="zh-CN" altLang="en-US" sz="1100"/>
+          </a:p>
+        </p:txBody>
+      </p:sp>
+      <p:sp>
+        <p:nvSpPr>
+          <p:cNvPr id="42" name="下箭头 41"/>
+          <p:cNvSpPr/>
+          <p:nvPr/>
+        </p:nvSpPr>
+        <p:spPr>
+          <a:xfrm rot="16200000">
+            <a:off x="2879813" y="3609480"/>
+            <a:ext cx="288032" cy="411799"/>
+          </a:xfrm>
+          <a:prstGeom prst="downArrow">
+            <a:avLst/>
+          </a:prstGeom>
+        </p:spPr>
+        <p:style>
+          <a:lnRef idx="1">
+            <a:schemeClr val="accent4"/>
+          </a:lnRef>
+          <a:fillRef idx="2">
+            <a:schemeClr val="accent4"/>
+          </a:fillRef>
+          <a:effectRef idx="1">
+            <a:schemeClr val="accent4"/>
+          </a:effectRef>
+          <a:fontRef idx="minor">
+            <a:schemeClr val="dk1"/>
+          </a:fontRef>
+        </p:style>
+        <p:txBody>
+          <a:bodyPr rtlCol="0" anchor="ctr"/>
+          <a:lstStyle/>
+          <a:p>
+            <a:pPr algn="ctr"/>
+            <a:endParaRPr lang="zh-CN" altLang="en-US"/>
+          </a:p>
+        </p:txBody>
+      </p:sp>
+      <p:sp>
+        <p:nvSpPr>
+          <p:cNvPr id="43" name="下箭头 42"/>
+          <p:cNvSpPr/>
+          <p:nvPr/>
+        </p:nvSpPr>
+        <p:spPr>
+          <a:xfrm rot="5400000">
+            <a:off x="5436097" y="3617598"/>
+            <a:ext cx="288032" cy="411799"/>
+          </a:xfrm>
+          <a:prstGeom prst="downArrow">
+            <a:avLst/>
+          </a:prstGeom>
+        </p:spPr>
+        <p:style>
+          <a:lnRef idx="1">
+            <a:schemeClr val="accent4"/>
+          </a:lnRef>
+          <a:fillRef idx="2">
+            <a:schemeClr val="accent4"/>
+          </a:fillRef>
+          <a:effectRef idx="1">
+            <a:schemeClr val="accent4"/>
+          </a:effectRef>
+          <a:fontRef idx="minor">
+            <a:schemeClr val="dk1"/>
+          </a:fontRef>
+        </p:style>
+        <p:txBody>
+          <a:bodyPr rtlCol="0" anchor="ctr"/>
+          <a:lstStyle/>
+          <a:p>
+            <a:pPr algn="ctr"/>
+            <a:endParaRPr lang="zh-CN" altLang="en-US"/>
+          </a:p>
+        </p:txBody>
+      </p:sp>
+      <p:sp>
+        <p:nvSpPr>
+          <p:cNvPr id="44" name="圆角矩形 43"/>
+          <p:cNvSpPr/>
+          <p:nvPr/>
+        </p:nvSpPr>
+        <p:spPr>
+          <a:xfrm>
+            <a:off x="5922151" y="3600066"/>
+            <a:ext cx="1224136" cy="446862"/>
+          </a:xfrm>
+          <a:prstGeom prst="roundRect">
+            <a:avLst/>
+          </a:prstGeom>
+        </p:spPr>
+        <p:style>
+          <a:lnRef idx="1">
+            <a:schemeClr val="accent6"/>
+          </a:lnRef>
+          <a:fillRef idx="2">
+            <a:schemeClr val="accent6"/>
+          </a:fillRef>
+          <a:effectRef idx="1">
+            <a:schemeClr val="accent6"/>
+          </a:effectRef>
+          <a:fontRef idx="minor">
+            <a:schemeClr val="dk1"/>
+          </a:fontRef>
+        </p:style>
+        <p:txBody>
+          <a:bodyPr rtlCol="0" anchor="ctr"/>
+          <a:lstStyle/>
+          <a:p>
+            <a:pPr algn="ctr"/>
+            <a:r>
+              <a:rPr lang="zh-CN" altLang="en-US" sz="1100"/>
+              <a:t>模板</a:t>
+            </a:r>
+            <a:r>
+              <a:rPr lang="zh-CN" altLang="en-US" sz="1100" smtClean="0"/>
+              <a:t>代码</a:t>
+            </a:r>
+            <a:endParaRPr lang="en-US" altLang="zh-CN" sz="1100" smtClean="0"/>
+          </a:p>
+          <a:p>
+            <a:pPr algn="ctr"/>
+            <a:r>
+              <a:rPr lang="en-US" altLang="zh-CN" sz="1100" smtClean="0"/>
+              <a:t>TemplateSource</a:t>
+            </a:r>
+            <a:endParaRPr lang="zh-CN" altLang="en-US" sz="1100"/>
+          </a:p>
+        </p:txBody>
+      </p:sp>
+      <p:sp>
+        <p:nvSpPr>
+          <p:cNvPr id="47" name="下箭头 46"/>
+          <p:cNvSpPr/>
+          <p:nvPr/>
+        </p:nvSpPr>
+        <p:spPr>
+          <a:xfrm rot="1268289">
+            <a:off x="3866336" y="4286263"/>
+            <a:ext cx="288032" cy="627252"/>
+          </a:xfrm>
+          <a:prstGeom prst="downArrow">
+            <a:avLst/>
+          </a:prstGeom>
+        </p:spPr>
+        <p:style>
+          <a:lnRef idx="1">
+            <a:schemeClr val="accent4"/>
+          </a:lnRef>
+          <a:fillRef idx="2">
+            <a:schemeClr val="accent4"/>
+          </a:fillRef>
+          <a:effectRef idx="1">
+            <a:schemeClr val="accent4"/>
+          </a:effectRef>
+          <a:fontRef idx="minor">
+            <a:schemeClr val="dk1"/>
+          </a:fontRef>
+        </p:style>
+        <p:txBody>
+          <a:bodyPr rtlCol="0" anchor="ctr"/>
+          <a:lstStyle/>
+          <a:p>
+            <a:pPr algn="ctr"/>
+            <a:endParaRPr lang="zh-CN" altLang="en-US"/>
+          </a:p>
+        </p:txBody>
+      </p:sp>
+      <p:sp>
+        <p:nvSpPr>
+          <p:cNvPr id="48" name="下箭头 47"/>
+          <p:cNvSpPr/>
+          <p:nvPr/>
+        </p:nvSpPr>
+        <p:spPr>
+          <a:xfrm rot="19786659">
+            <a:off x="4578555" y="4287232"/>
+            <a:ext cx="288032" cy="627252"/>
+          </a:xfrm>
+          <a:prstGeom prst="downArrow">
+            <a:avLst/>
+          </a:prstGeom>
+        </p:spPr>
+        <p:style>
+          <a:lnRef idx="1">
+            <a:schemeClr val="accent4"/>
+          </a:lnRef>
+          <a:fillRef idx="2">
+            <a:schemeClr val="accent4"/>
+          </a:fillRef>
+          <a:effectRef idx="1">
+            <a:schemeClr val="accent4"/>
+          </a:effectRef>
+          <a:fontRef idx="minor">
+            <a:schemeClr val="dk1"/>
+          </a:fontRef>
+        </p:style>
+        <p:txBody>
+          <a:bodyPr rtlCol="0" anchor="ctr"/>
+          <a:lstStyle/>
+          <a:p>
+            <a:pPr algn="ctr"/>
+            <a:endParaRPr lang="zh-CN" altLang="en-US"/>
+          </a:p>
+        </p:txBody>
+      </p:sp>
+      <p:sp>
+        <p:nvSpPr>
+          <p:cNvPr id="49" name="圆角矩形 48"/>
+          <p:cNvSpPr/>
+          <p:nvPr/>
+        </p:nvSpPr>
+        <p:spPr>
+          <a:xfrm>
+            <a:off x="2838887" y="4944347"/>
+            <a:ext cx="1224136" cy="446862"/>
+          </a:xfrm>
+          <a:prstGeom prst="roundRect">
+            <a:avLst/>
+          </a:prstGeom>
+        </p:spPr>
+        <p:style>
+          <a:lnRef idx="1">
+            <a:schemeClr val="accent5"/>
+          </a:lnRef>
+          <a:fillRef idx="2">
+            <a:schemeClr val="accent5"/>
+          </a:fillRef>
+          <a:effectRef idx="1">
+            <a:schemeClr val="accent5"/>
+          </a:effectRef>
+          <a:fontRef idx="minor">
+            <a:schemeClr val="dk1"/>
+          </a:fontRef>
+        </p:style>
+        <p:txBody>
+          <a:bodyPr rtlCol="0" anchor="ctr"/>
+          <a:lstStyle/>
+          <a:p>
+            <a:pPr algn="ctr"/>
+            <a:r>
+              <a:rPr lang="zh-CN" altLang="en-US" sz="1100"/>
+              <a:t>顶点代码</a:t>
+            </a:r>
+            <a:endParaRPr lang="en-US" altLang="zh-CN" sz="1100" smtClean="0"/>
+          </a:p>
+          <a:p>
+            <a:pPr algn="ctr"/>
+            <a:r>
+              <a:rPr lang="en-US" altLang="zh-CN" sz="1100" smtClean="0"/>
+              <a:t>VertexSource</a:t>
+            </a:r>
+            <a:endParaRPr lang="zh-CN" altLang="en-US" sz="1100"/>
+          </a:p>
+        </p:txBody>
+      </p:sp>
+      <p:sp>
+        <p:nvSpPr>
+          <p:cNvPr id="52" name="圆角矩形 51"/>
+          <p:cNvSpPr/>
+          <p:nvPr/>
+        </p:nvSpPr>
+        <p:spPr>
+          <a:xfrm>
+            <a:off x="4728295" y="4944347"/>
+            <a:ext cx="1224136" cy="446862"/>
+          </a:xfrm>
+          <a:prstGeom prst="roundRect">
+            <a:avLst/>
+          </a:prstGeom>
+        </p:spPr>
+        <p:style>
+          <a:lnRef idx="1">
+            <a:schemeClr val="accent5"/>
+          </a:lnRef>
+          <a:fillRef idx="2">
+            <a:schemeClr val="accent5"/>
+          </a:fillRef>
+          <a:effectRef idx="1">
+            <a:schemeClr val="accent5"/>
+          </a:effectRef>
+          <a:fontRef idx="minor">
+            <a:schemeClr val="dk1"/>
+          </a:fontRef>
+        </p:style>
+        <p:txBody>
+          <a:bodyPr rtlCol="0" anchor="ctr"/>
+          <a:lstStyle/>
+          <a:p>
+            <a:pPr algn="ctr"/>
+            <a:r>
+              <a:rPr lang="zh-CN" altLang="en-US" sz="1100"/>
+              <a:t>像素</a:t>
+            </a:r>
+            <a:r>
+              <a:rPr lang="zh-CN" altLang="en-US" sz="1100" smtClean="0"/>
+              <a:t>代码</a:t>
+            </a:r>
+            <a:endParaRPr lang="en-US" altLang="zh-CN" sz="1100" smtClean="0"/>
+          </a:p>
+          <a:p>
+            <a:pPr algn="ctr"/>
+            <a:r>
+              <a:rPr lang="en-US" altLang="zh-CN" sz="1100" smtClean="0"/>
+              <a:t>FragmentSource</a:t>
+            </a:r>
+            <a:endParaRPr lang="zh-CN" altLang="en-US" sz="1100"/>
           </a:p>
         </p:txBody>
       </p:sp>
       <p:cxnSp>
         <p:nvCxnSpPr>
-          <p:cNvPr id="19" name="直接连接符 18"/>
+          <p:cNvPr id="21" name="肘形连接符 20"/>
           <p:cNvCxnSpPr>
-            <a:stCxn id="14" idx="2"/>
+            <a:stCxn id="36" idx="3"/>
+            <a:endCxn id="53" idx="0"/>
           </p:cNvCxnSpPr>
           <p:nvPr/>
         </p:nvCxnSpPr>
         <p:spPr>
           <a:xfrm>
-            <a:off x="1890027" y="1844824"/>
-            <a:ext cx="0" cy="4356325"/>
-          </a:xfrm>
-          <a:prstGeom prst="line">
-            <a:avLst/>
-          </a:prstGeom>
-        </p:spPr>
-        <p:style>
-          <a:lnRef idx="2">
-            <a:schemeClr val="accent1"/>
-          </a:lnRef>
-          <a:fillRef idx="0">
-            <a:schemeClr val="accent1"/>
-          </a:fillRef>
-          <a:effectRef idx="1">
-            <a:schemeClr val="accent1"/>
-          </a:effectRef>
-          <a:fontRef idx="minor">
-            <a:schemeClr val="tx1"/>
-          </a:fontRef>
-        </p:style>
-      </p:cxnSp>
-      <p:cxnSp>
-        <p:nvCxnSpPr>
-          <p:cNvPr id="21" name="直接连接符 20"/>
-          <p:cNvCxnSpPr/>
-          <p:nvPr/>
-        </p:nvCxnSpPr>
-        <p:spPr>
-          <a:xfrm>
-            <a:off x="3226532" y="1814641"/>
-            <a:ext cx="0" cy="4356325"/>
-          </a:xfrm>
-          <a:prstGeom prst="line">
-            <a:avLst/>
-          </a:prstGeom>
-        </p:spPr>
-        <p:style>
-          <a:lnRef idx="2">
-            <a:schemeClr val="accent1"/>
-          </a:lnRef>
-          <a:fillRef idx="0">
-            <a:schemeClr val="accent1"/>
-          </a:fillRef>
-          <a:effectRef idx="1">
-            <a:schemeClr val="accent1"/>
-          </a:effectRef>
-          <a:fontRef idx="minor">
-            <a:schemeClr val="tx1"/>
-          </a:fontRef>
-        </p:style>
-      </p:cxnSp>
-      <p:cxnSp>
-        <p:nvCxnSpPr>
-          <p:cNvPr id="22" name="直接连接符 21"/>
-          <p:cNvCxnSpPr/>
-          <p:nvPr/>
-        </p:nvCxnSpPr>
-        <p:spPr>
-          <a:xfrm>
-            <a:off x="4590327" y="1824495"/>
-            <a:ext cx="0" cy="4356325"/>
-          </a:xfrm>
-          <a:prstGeom prst="line">
-            <a:avLst/>
-          </a:prstGeom>
-        </p:spPr>
-        <p:style>
-          <a:lnRef idx="2">
-            <a:schemeClr val="accent1"/>
-          </a:lnRef>
-          <a:fillRef idx="0">
-            <a:schemeClr val="accent1"/>
-          </a:fillRef>
-          <a:effectRef idx="1">
-            <a:schemeClr val="accent1"/>
-          </a:effectRef>
-          <a:fontRef idx="minor">
-            <a:schemeClr val="tx1"/>
-          </a:fontRef>
-        </p:style>
-      </p:cxnSp>
-      <p:cxnSp>
-        <p:nvCxnSpPr>
-          <p:cNvPr id="23" name="直接连接符 22"/>
-          <p:cNvCxnSpPr/>
-          <p:nvPr/>
-        </p:nvCxnSpPr>
-        <p:spPr>
-          <a:xfrm>
-            <a:off x="7262924" y="1852172"/>
-            <a:ext cx="0" cy="4356325"/>
-          </a:xfrm>
-          <a:prstGeom prst="line">
-            <a:avLst/>
-          </a:prstGeom>
-        </p:spPr>
-        <p:style>
-          <a:lnRef idx="2">
-            <a:schemeClr val="accent1"/>
-          </a:lnRef>
-          <a:fillRef idx="0">
-            <a:schemeClr val="accent1"/>
-          </a:fillRef>
-          <a:effectRef idx="1">
-            <a:schemeClr val="accent1"/>
-          </a:effectRef>
-          <a:fontRef idx="minor">
-            <a:schemeClr val="tx1"/>
-          </a:fontRef>
-        </p:style>
-      </p:cxnSp>
-      <p:sp>
-        <p:nvSpPr>
-          <p:cNvPr id="24" name="矩形 23"/>
-          <p:cNvSpPr/>
-          <p:nvPr/>
-        </p:nvSpPr>
-        <p:spPr>
-          <a:xfrm>
-            <a:off x="1813000" y="2060848"/>
-            <a:ext cx="144016" cy="3744416"/>
-          </a:xfrm>
-          <a:prstGeom prst="rect">
-            <a:avLst/>
-          </a:prstGeom>
-        </p:spPr>
-        <p:style>
-          <a:lnRef idx="1">
-            <a:schemeClr val="accent5"/>
-          </a:lnRef>
-          <a:fillRef idx="2">
-            <a:schemeClr val="accent5"/>
-          </a:fillRef>
-          <a:effectRef idx="1">
-            <a:schemeClr val="accent5"/>
-          </a:effectRef>
-          <a:fontRef idx="minor">
-            <a:schemeClr val="dk1"/>
-          </a:fontRef>
-        </p:style>
-        <p:txBody>
-          <a:bodyPr rtlCol="0" anchor="ctr"/>
-          <a:lstStyle/>
-          <a:p>
-            <a:pPr algn="ctr"/>
-            <a:endParaRPr lang="zh-CN" altLang="en-US"/>
-          </a:p>
-        </p:txBody>
-      </p:sp>
-      <p:sp>
-        <p:nvSpPr>
-          <p:cNvPr id="25" name="矩形 24"/>
-          <p:cNvSpPr/>
-          <p:nvPr/>
-        </p:nvSpPr>
-        <p:spPr>
-          <a:xfrm>
-            <a:off x="4518319" y="2225411"/>
-            <a:ext cx="144016" cy="1275597"/>
-          </a:xfrm>
-          <a:prstGeom prst="rect">
-            <a:avLst/>
-          </a:prstGeom>
-        </p:spPr>
-        <p:style>
-          <a:lnRef idx="1">
-            <a:schemeClr val="accent5"/>
-          </a:lnRef>
-          <a:fillRef idx="2">
-            <a:schemeClr val="accent5"/>
-          </a:fillRef>
-          <a:effectRef idx="1">
-            <a:schemeClr val="accent5"/>
-          </a:effectRef>
-          <a:fontRef idx="minor">
-            <a:schemeClr val="dk1"/>
-          </a:fontRef>
-        </p:style>
-        <p:txBody>
-          <a:bodyPr rtlCol="0" anchor="ctr"/>
-          <a:lstStyle/>
-          <a:p>
-            <a:pPr algn="ctr"/>
-            <a:endParaRPr lang="zh-CN" altLang="en-US"/>
-          </a:p>
-        </p:txBody>
-      </p:sp>
-      <p:sp>
-        <p:nvSpPr>
-          <p:cNvPr id="26" name="左大括号 25"/>
-          <p:cNvSpPr/>
-          <p:nvPr/>
-        </p:nvSpPr>
-        <p:spPr>
-          <a:xfrm>
-            <a:off x="1475656" y="2060848"/>
-            <a:ext cx="216024" cy="3744416"/>
-          </a:xfrm>
-          <a:prstGeom prst="leftBrace">
-            <a:avLst>
-              <a:gd name="adj1" fmla="val 165625"/>
-              <a:gd name="adj2" fmla="val 50000"/>
-            </a:avLst>
-          </a:prstGeom>
-        </p:spPr>
-        <p:style>
-          <a:lnRef idx="1">
-            <a:schemeClr val="accent2"/>
-          </a:lnRef>
-          <a:fillRef idx="0">
-            <a:schemeClr val="accent2"/>
-          </a:fillRef>
-          <a:effectRef idx="0">
-            <a:schemeClr val="accent2"/>
-          </a:effectRef>
-          <a:fontRef idx="minor">
-            <a:schemeClr val="tx1"/>
-          </a:fontRef>
-        </p:style>
-        <p:txBody>
-          <a:bodyPr rtlCol="0" anchor="ctr"/>
-          <a:lstStyle/>
-          <a:p>
-            <a:pPr algn="ctr"/>
-            <a:endParaRPr lang="zh-CN" altLang="en-US"/>
-          </a:p>
-        </p:txBody>
-      </p:sp>
-      <p:sp>
-        <p:nvSpPr>
-          <p:cNvPr id="27" name="TextBox 26"/>
-          <p:cNvSpPr txBox="1"/>
-          <p:nvPr/>
-        </p:nvSpPr>
-        <p:spPr>
-          <a:xfrm>
-            <a:off x="1043608" y="3748390"/>
-            <a:ext cx="364202" cy="307777"/>
-          </a:xfrm>
-          <a:prstGeom prst="rect">
-            <a:avLst/>
-          </a:prstGeom>
-          <a:noFill/>
-        </p:spPr>
-        <p:txBody>
-          <a:bodyPr wrap="none" rtlCol="0">
-            <a:spAutoFit/>
-          </a:bodyPr>
-          <a:lstStyle/>
-          <a:p>
-            <a:r>
-              <a:rPr lang="zh-CN" altLang="en-US" sz="1400"/>
-              <a:t>帧</a:t>
-            </a:r>
-          </a:p>
-        </p:txBody>
-      </p:sp>
-      <p:cxnSp>
-        <p:nvCxnSpPr>
-          <p:cNvPr id="29" name="直接箭头连接符 28"/>
-          <p:cNvCxnSpPr/>
-          <p:nvPr/>
-        </p:nvCxnSpPr>
-        <p:spPr>
-          <a:xfrm>
-            <a:off x="1957016" y="2276872"/>
-            <a:ext cx="2561303" cy="0"/>
-          </a:xfrm>
-          <a:prstGeom prst="straightConnector1">
-            <a:avLst/>
-          </a:prstGeom>
-          <a:ln w="28575">
+            <a:off x="7758355" y="1636207"/>
+            <a:ext cx="450049" cy="1446029"/>
+          </a:xfrm>
+          <a:prstGeom prst="bentConnector2">
+            <a:avLst/>
+          </a:prstGeom>
+          <a:ln w="38100">
             <a:solidFill>
               <a:schemeClr val="accent6">
                 <a:lumMod val="75000"/>
@@ -5141,370 +5831,79 @@
       </p:cxnSp>
       <p:sp>
         <p:nvSpPr>
-          <p:cNvPr id="17" name="矩形 16"/>
-          <p:cNvSpPr/>
-          <p:nvPr/>
-        </p:nvSpPr>
-        <p:spPr>
-          <a:xfrm>
-            <a:off x="2614464" y="1592796"/>
-            <a:ext cx="1224136" cy="252028"/>
+          <p:cNvPr id="53" name="TextBox 52"/>
+          <p:cNvSpPr txBox="1"/>
+          <p:nvPr/>
+        </p:nvSpPr>
+        <p:spPr>
+          <a:xfrm>
+            <a:off x="7452320" y="3082236"/>
+            <a:ext cx="1512168" cy="1200329"/>
           </a:xfrm>
           <a:prstGeom prst="rect">
             <a:avLst/>
           </a:prstGeom>
-        </p:spPr>
-        <p:style>
-          <a:lnRef idx="1">
-            <a:schemeClr val="accent6"/>
-          </a:lnRef>
-          <a:fillRef idx="2">
-            <a:schemeClr val="accent6"/>
-          </a:fillRef>
-          <a:effectRef idx="1">
-            <a:schemeClr val="accent6"/>
-          </a:effectRef>
-          <a:fontRef idx="minor">
-            <a:schemeClr val="dk1"/>
-          </a:fontRef>
-        </p:style>
-        <p:txBody>
-          <a:bodyPr rtlCol="0" anchor="ctr"/>
-          <a:lstStyle/>
-          <a:p>
-            <a:pPr algn="ctr"/>
-            <a:r>
-              <a:rPr lang="zh-CN" altLang="en-US" sz="1400" smtClean="0"/>
-              <a:t>渲染引擎</a:t>
-            </a:r>
-            <a:endParaRPr lang="zh-CN" altLang="en-US" sz="1400"/>
-          </a:p>
-        </p:txBody>
-      </p:sp>
-      <p:sp>
-        <p:nvSpPr>
-          <p:cNvPr id="16" name="矩形 15"/>
-          <p:cNvSpPr/>
-          <p:nvPr/>
-        </p:nvSpPr>
-        <p:spPr>
-          <a:xfrm>
-            <a:off x="3978259" y="1592796"/>
-            <a:ext cx="1224136" cy="252028"/>
-          </a:xfrm>
-          <a:prstGeom prst="rect">
-            <a:avLst/>
-          </a:prstGeom>
-        </p:spPr>
-        <p:style>
-          <a:lnRef idx="1">
-            <a:schemeClr val="accent6"/>
-          </a:lnRef>
-          <a:fillRef idx="2">
-            <a:schemeClr val="accent6"/>
-          </a:fillRef>
-          <a:effectRef idx="1">
-            <a:schemeClr val="accent6"/>
-          </a:effectRef>
-          <a:fontRef idx="minor">
-            <a:schemeClr val="dk1"/>
-          </a:fontRef>
-        </p:style>
-        <p:txBody>
-          <a:bodyPr rtlCol="0" anchor="ctr"/>
-          <a:lstStyle/>
-          <a:p>
-            <a:pPr algn="ctr"/>
-            <a:r>
-              <a:rPr lang="zh-CN" altLang="en-US" sz="1400" smtClean="0"/>
-              <a:t>引擎事件</a:t>
-            </a:r>
-            <a:endParaRPr lang="zh-CN" altLang="en-US" sz="1400"/>
-          </a:p>
-        </p:txBody>
-      </p:sp>
-      <p:sp>
-        <p:nvSpPr>
-          <p:cNvPr id="15" name="矩形 14"/>
-          <p:cNvSpPr/>
-          <p:nvPr/>
-        </p:nvSpPr>
-        <p:spPr>
-          <a:xfrm>
-            <a:off x="6655544" y="1592796"/>
-            <a:ext cx="1224136" cy="252028"/>
-          </a:xfrm>
-          <a:prstGeom prst="rect">
-            <a:avLst/>
-          </a:prstGeom>
-        </p:spPr>
-        <p:style>
-          <a:lnRef idx="1">
-            <a:schemeClr val="accent6"/>
-          </a:lnRef>
-          <a:fillRef idx="2">
-            <a:schemeClr val="accent6"/>
-          </a:fillRef>
-          <a:effectRef idx="1">
-            <a:schemeClr val="accent6"/>
-          </a:effectRef>
-          <a:fontRef idx="minor">
-            <a:schemeClr val="dk1"/>
-          </a:fontRef>
-        </p:style>
-        <p:txBody>
-          <a:bodyPr rtlCol="0" anchor="ctr"/>
-          <a:lstStyle/>
-          <a:p>
-            <a:pPr algn="ctr"/>
-            <a:r>
-              <a:rPr lang="zh-CN" altLang="en-US" sz="1400" smtClean="0"/>
-              <a:t>脚本</a:t>
-            </a:r>
-            <a:endParaRPr lang="zh-CN" altLang="en-US" sz="1400"/>
-          </a:p>
-        </p:txBody>
-      </p:sp>
-      <p:sp>
-        <p:nvSpPr>
-          <p:cNvPr id="14" name="矩形 13"/>
-          <p:cNvSpPr/>
-          <p:nvPr/>
-        </p:nvSpPr>
-        <p:spPr>
-          <a:xfrm>
-            <a:off x="1277959" y="1592796"/>
-            <a:ext cx="1224136" cy="252028"/>
-          </a:xfrm>
-          <a:prstGeom prst="rect">
-            <a:avLst/>
-          </a:prstGeom>
-        </p:spPr>
-        <p:style>
-          <a:lnRef idx="1">
-            <a:schemeClr val="accent6"/>
-          </a:lnRef>
-          <a:fillRef idx="2">
-            <a:schemeClr val="accent6"/>
-          </a:fillRef>
-          <a:effectRef idx="1">
-            <a:schemeClr val="accent6"/>
-          </a:effectRef>
-          <a:fontRef idx="minor">
-            <a:schemeClr val="dk1"/>
-          </a:fontRef>
-        </p:style>
-        <p:txBody>
-          <a:bodyPr rtlCol="0" anchor="ctr"/>
-          <a:lstStyle/>
-          <a:p>
-            <a:pPr algn="ctr"/>
-            <a:r>
-              <a:rPr lang="zh-CN" altLang="en-US" sz="1400"/>
-              <a:t>引擎</a:t>
-            </a:r>
+          <a:noFill/>
+        </p:spPr>
+        <p:txBody>
+          <a:bodyPr wrap="square" rtlCol="0">
+            <a:spAutoFit/>
+          </a:bodyPr>
+          <a:lstStyle/>
+          <a:p>
+            <a:r>
+              <a:rPr lang="zh-CN" altLang="en-US" sz="1200"/>
+              <a:t>效果</a:t>
+            </a:r>
+            <a:r>
+              <a:rPr lang="zh-CN" altLang="en-US" sz="1200" smtClean="0"/>
+              <a:t>器根据模板环境定义，</a:t>
+            </a:r>
+            <a:r>
+              <a:rPr lang="zh-CN" altLang="en-US" sz="1200" smtClean="0"/>
+              <a:t>生成当前程序的</a:t>
+            </a:r>
+            <a:r>
+              <a:rPr lang="zh-CN" altLang="en-US" sz="1200" b="1" smtClean="0">
+                <a:solidFill>
+                  <a:srgbClr val="FF0000"/>
+                </a:solidFill>
+              </a:rPr>
+              <a:t>唯一代码</a:t>
+            </a:r>
+            <a:r>
+              <a:rPr lang="zh-CN" altLang="en-US" sz="1200" smtClean="0"/>
+              <a:t>。</a:t>
+            </a:r>
+            <a:endParaRPr lang="en-US" altLang="zh-CN" sz="1200" smtClean="0"/>
+          </a:p>
+          <a:p>
+            <a:r>
+              <a:rPr lang="zh-CN" altLang="en-US" sz="1200" smtClean="0"/>
+              <a:t>如果代码相同，则认为是同一个效果器。</a:t>
+            </a:r>
+            <a:endParaRPr lang="zh-CN" altLang="en-US" sz="1200"/>
           </a:p>
         </p:txBody>
       </p:sp>
       <p:cxnSp>
         <p:nvCxnSpPr>
-          <p:cNvPr id="30" name="直接箭头连接符 29"/>
-          <p:cNvCxnSpPr/>
+          <p:cNvPr id="55" name="肘形连接符 54"/>
+          <p:cNvCxnSpPr>
+            <a:stCxn id="10" idx="3"/>
+            <a:endCxn id="53" idx="0"/>
+          </p:cNvCxnSpPr>
           <p:nvPr/>
         </p:nvCxnSpPr>
         <p:spPr>
           <a:xfrm>
-            <a:off x="1957016" y="3356992"/>
-            <a:ext cx="2561303" cy="0"/>
-          </a:xfrm>
-          <a:prstGeom prst="straightConnector1">
-            <a:avLst/>
-          </a:prstGeom>
-          <a:ln w="28575">
-            <a:solidFill>
-              <a:schemeClr val="accent6">
-                <a:lumMod val="75000"/>
-              </a:schemeClr>
-            </a:solidFill>
-            <a:headEnd type="triangle" w="med" len="lg"/>
-            <a:tailEnd type="none" w="med" len="med"/>
-          </a:ln>
-        </p:spPr>
-        <p:style>
-          <a:lnRef idx="1">
-            <a:schemeClr val="accent1"/>
-          </a:lnRef>
-          <a:fillRef idx="0">
-            <a:schemeClr val="accent1"/>
-          </a:fillRef>
-          <a:effectRef idx="0">
-            <a:schemeClr val="accent1"/>
-          </a:effectRef>
-          <a:fontRef idx="minor">
-            <a:schemeClr val="tx1"/>
-          </a:fontRef>
-        </p:style>
-      </p:cxnSp>
-      <p:sp>
-        <p:nvSpPr>
-          <p:cNvPr id="31" name="矩形 30"/>
-          <p:cNvSpPr/>
-          <p:nvPr/>
-        </p:nvSpPr>
-        <p:spPr>
-          <a:xfrm>
-            <a:off x="7190916" y="2060848"/>
-            <a:ext cx="144016" cy="3744416"/>
-          </a:xfrm>
-          <a:prstGeom prst="rect">
-            <a:avLst/>
-          </a:prstGeom>
-        </p:spPr>
-        <p:style>
-          <a:lnRef idx="1">
-            <a:schemeClr val="accent5"/>
-          </a:lnRef>
-          <a:fillRef idx="2">
-            <a:schemeClr val="accent5"/>
-          </a:fillRef>
-          <a:effectRef idx="1">
-            <a:schemeClr val="accent5"/>
-          </a:effectRef>
-          <a:fontRef idx="minor">
-            <a:schemeClr val="dk1"/>
-          </a:fontRef>
-        </p:style>
-        <p:txBody>
-          <a:bodyPr rtlCol="0" anchor="ctr"/>
-          <a:lstStyle/>
-          <a:p>
-            <a:pPr algn="ctr"/>
-            <a:endParaRPr lang="zh-CN" altLang="en-US"/>
-          </a:p>
-        </p:txBody>
-      </p:sp>
-      <p:cxnSp>
-        <p:nvCxnSpPr>
-          <p:cNvPr id="32" name="直接箭头连接符 31"/>
-          <p:cNvCxnSpPr/>
-          <p:nvPr/>
-        </p:nvCxnSpPr>
-        <p:spPr>
-          <a:xfrm>
-            <a:off x="6011624" y="2471191"/>
-            <a:ext cx="1165117" cy="0"/>
-          </a:xfrm>
-          <a:prstGeom prst="straightConnector1">
-            <a:avLst/>
-          </a:prstGeom>
-          <a:ln w="28575">
-            <a:solidFill>
-              <a:schemeClr val="accent6">
-                <a:lumMod val="75000"/>
-              </a:schemeClr>
-            </a:solidFill>
-            <a:headEnd type="triangle" w="med" len="lg"/>
-            <a:tailEnd type="none" w="med" len="med"/>
-          </a:ln>
-        </p:spPr>
-        <p:style>
-          <a:lnRef idx="1">
-            <a:schemeClr val="accent1"/>
-          </a:lnRef>
-          <a:fillRef idx="0">
-            <a:schemeClr val="accent1"/>
-          </a:fillRef>
-          <a:effectRef idx="0">
-            <a:schemeClr val="accent1"/>
-          </a:effectRef>
-          <a:fontRef idx="minor">
-            <a:schemeClr val="tx1"/>
-          </a:fontRef>
-        </p:style>
-      </p:cxnSp>
-      <p:sp>
-        <p:nvSpPr>
-          <p:cNvPr id="34" name="TextBox 33"/>
-          <p:cNvSpPr txBox="1"/>
-          <p:nvPr/>
-        </p:nvSpPr>
-        <p:spPr>
-          <a:xfrm>
-            <a:off x="6142776" y="2163414"/>
-            <a:ext cx="902811" cy="307777"/>
-          </a:xfrm>
-          <a:prstGeom prst="rect">
-            <a:avLst/>
-          </a:prstGeom>
-          <a:noFill/>
-        </p:spPr>
-        <p:txBody>
-          <a:bodyPr wrap="none" rtlCol="0">
-            <a:spAutoFit/>
-          </a:bodyPr>
-          <a:lstStyle/>
-          <a:p>
-            <a:r>
-              <a:rPr lang="zh-CN" altLang="en-US" sz="1400" smtClean="0"/>
-              <a:t>生成事件</a:t>
-            </a:r>
-            <a:endParaRPr lang="zh-CN" altLang="en-US" sz="1400"/>
-          </a:p>
-        </p:txBody>
-      </p:sp>
-      <p:sp>
-        <p:nvSpPr>
-          <p:cNvPr id="35" name="矩形 34"/>
-          <p:cNvSpPr/>
-          <p:nvPr/>
-        </p:nvSpPr>
-        <p:spPr>
-          <a:xfrm>
-            <a:off x="3154524" y="4002657"/>
-            <a:ext cx="144016" cy="1370559"/>
-          </a:xfrm>
-          <a:prstGeom prst="rect">
-            <a:avLst/>
-          </a:prstGeom>
-        </p:spPr>
-        <p:style>
-          <a:lnRef idx="1">
-            <a:schemeClr val="accent5"/>
-          </a:lnRef>
-          <a:fillRef idx="2">
-            <a:schemeClr val="accent5"/>
-          </a:fillRef>
-          <a:effectRef idx="1">
-            <a:schemeClr val="accent5"/>
-          </a:effectRef>
-          <a:fontRef idx="minor">
-            <a:schemeClr val="dk1"/>
-          </a:fontRef>
-        </p:style>
-        <p:txBody>
-          <a:bodyPr rtlCol="0" anchor="ctr"/>
-          <a:lstStyle/>
-          <a:p>
-            <a:pPr algn="ctr"/>
-            <a:endParaRPr lang="zh-CN" altLang="en-US"/>
-          </a:p>
-        </p:txBody>
-      </p:sp>
-      <p:cxnSp>
-        <p:nvCxnSpPr>
-          <p:cNvPr id="36" name="直接箭头连接符 35"/>
-          <p:cNvCxnSpPr/>
-          <p:nvPr/>
-        </p:nvCxnSpPr>
-        <p:spPr>
-          <a:xfrm>
-            <a:off x="1957016" y="4149080"/>
-            <a:ext cx="1197508" cy="0"/>
-          </a:xfrm>
-          <a:prstGeom prst="straightConnector1">
-            <a:avLst/>
-          </a:prstGeom>
-          <a:ln w="28575">
+            <a:off x="7878326" y="2651833"/>
+            <a:ext cx="330078" cy="430403"/>
+          </a:xfrm>
+          <a:prstGeom prst="bentConnector2">
+            <a:avLst/>
+          </a:prstGeom>
+          <a:ln w="38100">
             <a:solidFill>
               <a:schemeClr val="accent6">
                 <a:lumMod val="75000"/>
@@ -5530,265 +5929,78 @@
       </p:cxnSp>
       <p:sp>
         <p:nvSpPr>
-          <p:cNvPr id="39" name="TextBox 38"/>
-          <p:cNvSpPr txBox="1"/>
-          <p:nvPr/>
-        </p:nvSpPr>
-        <p:spPr>
-          <a:xfrm>
-            <a:off x="2104364" y="3838914"/>
-            <a:ext cx="902811" cy="307777"/>
-          </a:xfrm>
-          <a:prstGeom prst="rect">
-            <a:avLst/>
-          </a:prstGeom>
-          <a:noFill/>
-        </p:spPr>
-        <p:txBody>
-          <a:bodyPr wrap="none" rtlCol="0">
-            <a:spAutoFit/>
-          </a:bodyPr>
-          <a:lstStyle/>
-          <a:p>
-            <a:r>
-              <a:rPr lang="zh-CN" altLang="en-US" sz="1400"/>
-              <a:t>渲染</a:t>
-            </a:r>
-            <a:r>
-              <a:rPr lang="zh-CN" altLang="en-US" sz="1400" smtClean="0"/>
-              <a:t>命令</a:t>
-            </a:r>
-            <a:endParaRPr lang="zh-CN" altLang="en-US" sz="1400"/>
-          </a:p>
-        </p:txBody>
-      </p:sp>
-      <p:sp>
-        <p:nvSpPr>
-          <p:cNvPr id="40" name="TextBox 39"/>
-          <p:cNvSpPr txBox="1"/>
-          <p:nvPr/>
-        </p:nvSpPr>
-        <p:spPr>
-          <a:xfrm>
-            <a:off x="6139080" y="2552608"/>
-            <a:ext cx="902811" cy="307777"/>
-          </a:xfrm>
-          <a:prstGeom prst="rect">
-            <a:avLst/>
-          </a:prstGeom>
-          <a:noFill/>
-        </p:spPr>
-        <p:txBody>
-          <a:bodyPr wrap="none" rtlCol="0">
-            <a:spAutoFit/>
-          </a:bodyPr>
-          <a:lstStyle/>
-          <a:p>
-            <a:r>
-              <a:rPr lang="zh-CN" altLang="en-US" sz="1400" smtClean="0"/>
-              <a:t>锁定排入</a:t>
-            </a:r>
-            <a:endParaRPr lang="zh-CN" altLang="en-US" sz="1400"/>
-          </a:p>
-        </p:txBody>
-      </p:sp>
-      <p:sp>
-        <p:nvSpPr>
-          <p:cNvPr id="41" name="TextBox 40"/>
-          <p:cNvSpPr txBox="1"/>
-          <p:nvPr/>
-        </p:nvSpPr>
-        <p:spPr>
-          <a:xfrm>
-            <a:off x="3707904" y="2636912"/>
-            <a:ext cx="800219" cy="276999"/>
-          </a:xfrm>
-          <a:prstGeom prst="rect">
-            <a:avLst/>
-          </a:prstGeom>
-          <a:noFill/>
-        </p:spPr>
-        <p:txBody>
-          <a:bodyPr wrap="none" rtlCol="0">
-            <a:spAutoFit/>
-          </a:bodyPr>
-          <a:lstStyle/>
-          <a:p>
-            <a:r>
-              <a:rPr lang="zh-CN" altLang="en-US" sz="1200" smtClean="0"/>
-              <a:t>处理事件</a:t>
-            </a:r>
-            <a:endParaRPr lang="zh-CN" altLang="en-US" sz="1200"/>
+          <p:cNvPr id="76" name="圆角矩形 75"/>
+          <p:cNvSpPr/>
+          <p:nvPr/>
+        </p:nvSpPr>
+        <p:spPr>
+          <a:xfrm>
+            <a:off x="3833920" y="5880451"/>
+            <a:ext cx="1224136" cy="446862"/>
+          </a:xfrm>
+          <a:prstGeom prst="roundRect">
+            <a:avLst/>
+          </a:prstGeom>
+        </p:spPr>
+        <p:style>
+          <a:lnRef idx="1">
+            <a:schemeClr val="accent1"/>
+          </a:lnRef>
+          <a:fillRef idx="2">
+            <a:schemeClr val="accent1"/>
+          </a:fillRef>
+          <a:effectRef idx="1">
+            <a:schemeClr val="accent1"/>
+          </a:effectRef>
+          <a:fontRef idx="minor">
+            <a:schemeClr val="dk1"/>
+          </a:fontRef>
+        </p:style>
+        <p:txBody>
+          <a:bodyPr rtlCol="0" anchor="ctr"/>
+          <a:lstStyle/>
+          <a:p>
+            <a:pPr algn="ctr"/>
+            <a:r>
+              <a:rPr lang="zh-CN" altLang="en-US" sz="1100" smtClean="0"/>
+              <a:t>渲染程序</a:t>
+            </a:r>
+            <a:endParaRPr lang="en-US" altLang="zh-CN" sz="1100" smtClean="0"/>
+          </a:p>
+          <a:p>
+            <a:pPr algn="ctr"/>
+            <a:r>
+              <a:rPr lang="en-US" altLang="zh-CN" sz="1100" smtClean="0"/>
+              <a:t>RenderProgram</a:t>
+            </a:r>
+            <a:endParaRPr lang="zh-CN" altLang="en-US" sz="1100"/>
           </a:p>
         </p:txBody>
       </p:sp>
       <p:cxnSp>
         <p:nvCxnSpPr>
-          <p:cNvPr id="46" name="直接连接符 45"/>
-          <p:cNvCxnSpPr/>
+          <p:cNvPr id="77" name="肘形连接符 76"/>
+          <p:cNvCxnSpPr>
+            <a:stCxn id="49" idx="2"/>
+            <a:endCxn id="76" idx="0"/>
+          </p:cNvCxnSpPr>
           <p:nvPr/>
         </p:nvCxnSpPr>
         <p:spPr>
-          <a:xfrm>
-            <a:off x="5935754" y="1824495"/>
-            <a:ext cx="0" cy="4356325"/>
-          </a:xfrm>
-          <a:prstGeom prst="line">
-            <a:avLst/>
-          </a:prstGeom>
-        </p:spPr>
-        <p:style>
-          <a:lnRef idx="2">
-            <a:schemeClr val="accent1"/>
-          </a:lnRef>
-          <a:fillRef idx="0">
-            <a:schemeClr val="accent1"/>
-          </a:fillRef>
-          <a:effectRef idx="1">
-            <a:schemeClr val="accent1"/>
-          </a:effectRef>
-          <a:fontRef idx="minor">
-            <a:schemeClr val="tx1"/>
-          </a:fontRef>
-        </p:style>
-      </p:cxnSp>
-      <p:sp>
-        <p:nvSpPr>
-          <p:cNvPr id="47" name="矩形 46"/>
-          <p:cNvSpPr/>
-          <p:nvPr/>
-        </p:nvSpPr>
-        <p:spPr>
-          <a:xfrm>
-            <a:off x="5863746" y="2225411"/>
-            <a:ext cx="147878" cy="3723869"/>
-          </a:xfrm>
-          <a:prstGeom prst="rect">
-            <a:avLst/>
-          </a:prstGeom>
-        </p:spPr>
-        <p:style>
-          <a:lnRef idx="1">
-            <a:schemeClr val="accent5"/>
-          </a:lnRef>
-          <a:fillRef idx="2">
-            <a:schemeClr val="accent5"/>
-          </a:fillRef>
-          <a:effectRef idx="1">
-            <a:schemeClr val="accent5"/>
-          </a:effectRef>
-          <a:fontRef idx="minor">
-            <a:schemeClr val="dk1"/>
-          </a:fontRef>
-        </p:style>
-        <p:txBody>
-          <a:bodyPr rtlCol="0" anchor="ctr"/>
-          <a:lstStyle/>
-          <a:p>
-            <a:pPr algn="ctr"/>
-            <a:endParaRPr lang="zh-CN" altLang="en-US"/>
-          </a:p>
-        </p:txBody>
-      </p:sp>
-      <p:sp>
-        <p:nvSpPr>
-          <p:cNvPr id="48" name="矩形 47"/>
-          <p:cNvSpPr/>
-          <p:nvPr/>
-        </p:nvSpPr>
-        <p:spPr>
-          <a:xfrm>
-            <a:off x="5323686" y="1592796"/>
-            <a:ext cx="1224136" cy="252028"/>
-          </a:xfrm>
-          <a:prstGeom prst="rect">
-            <a:avLst/>
-          </a:prstGeom>
-        </p:spPr>
-        <p:style>
-          <a:lnRef idx="1">
-            <a:schemeClr val="accent6"/>
-          </a:lnRef>
-          <a:fillRef idx="2">
-            <a:schemeClr val="accent6"/>
-          </a:fillRef>
-          <a:effectRef idx="1">
-            <a:schemeClr val="accent6"/>
-          </a:effectRef>
-          <a:fontRef idx="minor">
-            <a:schemeClr val="dk1"/>
-          </a:fontRef>
-        </p:style>
-        <p:txBody>
-          <a:bodyPr rtlCol="0" anchor="ctr"/>
-          <a:lstStyle/>
-          <a:p>
-            <a:pPr algn="ctr"/>
-            <a:r>
-              <a:rPr lang="zh-CN" altLang="en-US" sz="1400" smtClean="0"/>
-              <a:t>脚本事件</a:t>
-            </a:r>
-            <a:endParaRPr lang="zh-CN" altLang="en-US" sz="1400"/>
-          </a:p>
-        </p:txBody>
-      </p:sp>
-      <p:cxnSp>
-        <p:nvCxnSpPr>
-          <p:cNvPr id="49" name="直接箭头连接符 48"/>
-          <p:cNvCxnSpPr/>
-          <p:nvPr/>
-        </p:nvCxnSpPr>
-        <p:spPr>
-          <a:xfrm>
-            <a:off x="4662335" y="2789724"/>
-            <a:ext cx="1201411" cy="0"/>
-          </a:xfrm>
-          <a:prstGeom prst="straightConnector1">
-            <a:avLst/>
-          </a:prstGeom>
-          <a:ln w="28575">
+          <a:xfrm rot="16200000" flipH="1">
+            <a:off x="3703850" y="5138313"/>
+            <a:ext cx="489242" cy="995033"/>
+          </a:xfrm>
+          <a:prstGeom prst="bentConnector3">
+            <a:avLst>
+              <a:gd name="adj1" fmla="val 50000"/>
+            </a:avLst>
+          </a:prstGeom>
+          <a:ln w="38100">
             <a:solidFill>
-              <a:schemeClr val="accent6">
-                <a:lumMod val="75000"/>
-              </a:schemeClr>
-            </a:solidFill>
-            <a:headEnd type="triangle" w="med" len="lg"/>
-            <a:tailEnd type="triangle" w="med" len="lg"/>
-          </a:ln>
-        </p:spPr>
-        <p:style>
-          <a:lnRef idx="1">
-            <a:schemeClr val="accent1"/>
-          </a:lnRef>
-          <a:fillRef idx="0">
-            <a:schemeClr val="accent1"/>
-          </a:fillRef>
-          <a:effectRef idx="0">
-            <a:schemeClr val="accent1"/>
-          </a:effectRef>
-          <a:fontRef idx="minor">
-            <a:schemeClr val="tx1"/>
-          </a:fontRef>
-        </p:style>
-      </p:cxnSp>
-      <p:cxnSp>
-        <p:nvCxnSpPr>
-          <p:cNvPr id="52" name="直接箭头连接符 51"/>
-          <p:cNvCxnSpPr/>
-          <p:nvPr/>
-        </p:nvCxnSpPr>
-        <p:spPr>
-          <a:xfrm>
-            <a:off x="6011624" y="3492955"/>
-            <a:ext cx="1197508" cy="0"/>
-          </a:xfrm>
-          <a:prstGeom prst="straightConnector1">
-            <a:avLst/>
-          </a:prstGeom>
-          <a:ln w="28575">
-            <a:solidFill>
-              <a:schemeClr val="accent6">
-                <a:lumMod val="75000"/>
+              <a:schemeClr val="tx2">
+                <a:lumMod val="60000"/>
+                <a:lumOff val="40000"/>
               </a:schemeClr>
             </a:solidFill>
             <a:tailEnd type="triangle" w="med" len="lg"/>
@@ -5809,88 +6021,33 @@
           </a:fontRef>
         </p:style>
       </p:cxnSp>
-      <p:sp>
-        <p:nvSpPr>
-          <p:cNvPr id="53" name="TextBox 52"/>
-          <p:cNvSpPr txBox="1"/>
-          <p:nvPr/>
-        </p:nvSpPr>
-        <p:spPr>
-          <a:xfrm>
-            <a:off x="6158972" y="3185178"/>
-            <a:ext cx="902811" cy="307777"/>
-          </a:xfrm>
-          <a:prstGeom prst="rect">
-            <a:avLst/>
-          </a:prstGeom>
-          <a:noFill/>
-        </p:spPr>
-        <p:txBody>
-          <a:bodyPr wrap="none" rtlCol="0">
-            <a:spAutoFit/>
-          </a:bodyPr>
-          <a:lstStyle/>
-          <a:p>
-            <a:r>
-              <a:rPr lang="zh-CN" altLang="en-US" sz="1400" smtClean="0"/>
-              <a:t>结束事件</a:t>
-            </a:r>
-            <a:endParaRPr lang="zh-CN" altLang="en-US" sz="1400"/>
-          </a:p>
-        </p:txBody>
-      </p:sp>
-      <p:sp>
-        <p:nvSpPr>
-          <p:cNvPr id="55" name="TextBox 54"/>
-          <p:cNvSpPr txBox="1"/>
-          <p:nvPr/>
-        </p:nvSpPr>
-        <p:spPr>
-          <a:xfrm>
-            <a:off x="4811634" y="2853630"/>
-            <a:ext cx="902811" cy="307777"/>
-          </a:xfrm>
-          <a:prstGeom prst="rect">
-            <a:avLst/>
-          </a:prstGeom>
-          <a:noFill/>
-        </p:spPr>
-        <p:txBody>
-          <a:bodyPr wrap="none" rtlCol="0">
-            <a:spAutoFit/>
-          </a:bodyPr>
-          <a:lstStyle/>
-          <a:p>
-            <a:r>
-              <a:rPr lang="zh-CN" altLang="en-US" sz="1400" smtClean="0"/>
-              <a:t>交换处理</a:t>
-            </a:r>
-            <a:endParaRPr lang="zh-CN" altLang="en-US" sz="1400"/>
-          </a:p>
-        </p:txBody>
-      </p:sp>
       <p:cxnSp>
         <p:nvCxnSpPr>
-          <p:cNvPr id="56" name="直接箭头连接符 55"/>
-          <p:cNvCxnSpPr/>
+          <p:cNvPr id="80" name="肘形连接符 79"/>
+          <p:cNvCxnSpPr>
+            <a:stCxn id="52" idx="2"/>
+            <a:endCxn id="76" idx="0"/>
+          </p:cNvCxnSpPr>
           <p:nvPr/>
         </p:nvCxnSpPr>
         <p:spPr>
-          <a:xfrm>
-            <a:off x="1957016" y="5301208"/>
-            <a:ext cx="1165117" cy="0"/>
-          </a:xfrm>
-          <a:prstGeom prst="straightConnector1">
-            <a:avLst/>
-          </a:prstGeom>
-          <a:ln w="28575">
+          <a:xfrm rot="5400000">
+            <a:off x="4648555" y="5188643"/>
+            <a:ext cx="489242" cy="894375"/>
+          </a:xfrm>
+          <a:prstGeom prst="bentConnector3">
+            <a:avLst>
+              <a:gd name="adj1" fmla="val 50000"/>
+            </a:avLst>
+          </a:prstGeom>
+          <a:ln w="38100">
             <a:solidFill>
-              <a:schemeClr val="accent6">
-                <a:lumMod val="75000"/>
+              <a:schemeClr val="tx2">
+                <a:lumMod val="60000"/>
+                <a:lumOff val="40000"/>
               </a:schemeClr>
             </a:solidFill>
-            <a:headEnd type="triangle" w="med" len="lg"/>
-            <a:tailEnd type="none" w="med" len="med"/>
+            <a:tailEnd type="triangle" w="med" len="lg"/>
           </a:ln>
         </p:spPr>
         <p:style>
@@ -5908,177 +6065,2341 @@
           </a:fontRef>
         </p:style>
       </p:cxnSp>
-      <p:sp>
-        <p:nvSpPr>
-          <p:cNvPr id="57" name="TextBox 56"/>
-          <p:cNvSpPr txBox="1"/>
-          <p:nvPr/>
-        </p:nvSpPr>
-        <p:spPr>
-          <a:xfrm>
-            <a:off x="2104364" y="4993431"/>
-            <a:ext cx="902811" cy="307777"/>
-          </a:xfrm>
-          <a:prstGeom prst="rect">
-            <a:avLst/>
-          </a:prstGeom>
-          <a:noFill/>
-        </p:spPr>
-        <p:txBody>
-          <a:bodyPr wrap="none" rtlCol="0">
-            <a:spAutoFit/>
-          </a:bodyPr>
-          <a:lstStyle/>
-          <a:p>
-            <a:r>
-              <a:rPr lang="zh-CN" altLang="en-US" sz="1400" smtClean="0"/>
-              <a:t>渲染</a:t>
-            </a:r>
-            <a:r>
-              <a:rPr lang="zh-CN" altLang="en-US" sz="1400"/>
-              <a:t>结束</a:t>
-            </a:r>
-          </a:p>
-        </p:txBody>
-      </p:sp>
-      <p:sp>
-        <p:nvSpPr>
-          <p:cNvPr id="59" name="TextBox 58"/>
-          <p:cNvSpPr txBox="1"/>
-          <p:nvPr/>
-        </p:nvSpPr>
-        <p:spPr>
-          <a:xfrm>
-            <a:off x="3298540" y="4531766"/>
-            <a:ext cx="893193" cy="646331"/>
-          </a:xfrm>
-          <a:prstGeom prst="rect">
-            <a:avLst/>
-          </a:prstGeom>
-          <a:noFill/>
-        </p:spPr>
-        <p:txBody>
-          <a:bodyPr wrap="none" rtlCol="0">
-            <a:spAutoFit/>
-          </a:bodyPr>
-          <a:lstStyle/>
-          <a:p>
-            <a:r>
-              <a:rPr lang="zh-CN" altLang="en-US" sz="1200" smtClean="0"/>
-              <a:t>渲染画面</a:t>
-            </a:r>
-            <a:endParaRPr lang="en-US" altLang="zh-CN" sz="1200" smtClean="0"/>
-          </a:p>
-          <a:p>
-            <a:r>
-              <a:rPr lang="en-US" altLang="zh-CN" sz="1200" smtClean="0"/>
-              <a:t>(</a:t>
-            </a:r>
-            <a:r>
-              <a:rPr lang="zh-CN" altLang="en-US" sz="1200" smtClean="0"/>
-              <a:t>异步动画</a:t>
-            </a:r>
-            <a:r>
-              <a:rPr lang="en-US" altLang="zh-CN" sz="1200" smtClean="0"/>
-              <a:t>)</a:t>
-            </a:r>
-          </a:p>
-          <a:p>
-            <a:r>
-              <a:rPr lang="en-US" altLang="zh-CN" sz="1200" smtClean="0"/>
-              <a:t>(</a:t>
-            </a:r>
-            <a:r>
-              <a:rPr lang="zh-CN" altLang="en-US" sz="1200"/>
-              <a:t>异步</a:t>
-            </a:r>
-            <a:r>
-              <a:rPr lang="zh-CN" altLang="en-US" sz="1200" smtClean="0"/>
-              <a:t>排序</a:t>
-            </a:r>
-            <a:r>
-              <a:rPr lang="en-US" altLang="zh-CN" sz="1200" smtClean="0"/>
-              <a:t>)</a:t>
-            </a:r>
-            <a:endParaRPr lang="zh-CN" altLang="en-US" sz="1200"/>
-          </a:p>
-        </p:txBody>
-      </p:sp>
-      <p:sp>
-        <p:nvSpPr>
-          <p:cNvPr id="60" name="TextBox 59"/>
-          <p:cNvSpPr txBox="1"/>
-          <p:nvPr/>
-        </p:nvSpPr>
-        <p:spPr>
-          <a:xfrm>
-            <a:off x="3298540" y="5373216"/>
-            <a:ext cx="800219" cy="276999"/>
-          </a:xfrm>
-          <a:prstGeom prst="rect">
-            <a:avLst/>
-          </a:prstGeom>
-          <a:noFill/>
-        </p:spPr>
-        <p:txBody>
-          <a:bodyPr wrap="none" rtlCol="0">
-            <a:spAutoFit/>
-          </a:bodyPr>
-          <a:lstStyle/>
-          <a:p>
-            <a:r>
-              <a:rPr lang="zh-CN" altLang="en-US" sz="1200" smtClean="0"/>
-              <a:t>休眠处理</a:t>
-            </a:r>
-            <a:endParaRPr lang="zh-CN" altLang="en-US" sz="1200"/>
-          </a:p>
-        </p:txBody>
-      </p:sp>
-      <p:sp>
-        <p:nvSpPr>
-          <p:cNvPr id="61" name="TextBox 60"/>
-          <p:cNvSpPr txBox="1"/>
-          <p:nvPr/>
-        </p:nvSpPr>
-        <p:spPr>
-          <a:xfrm>
-            <a:off x="3298540" y="3948845"/>
-            <a:ext cx="800219" cy="461665"/>
-          </a:xfrm>
-          <a:prstGeom prst="rect">
-            <a:avLst/>
-          </a:prstGeom>
-          <a:noFill/>
-        </p:spPr>
-        <p:txBody>
-          <a:bodyPr wrap="none" rtlCol="0">
-            <a:spAutoFit/>
-          </a:bodyPr>
-          <a:lstStyle/>
-          <a:p>
-            <a:r>
-              <a:rPr lang="zh-CN" altLang="en-US" sz="1200" smtClean="0"/>
-              <a:t>活动场景</a:t>
-            </a:r>
-            <a:endParaRPr lang="en-US" altLang="zh-CN" sz="1200" smtClean="0"/>
-          </a:p>
-          <a:p>
-            <a:r>
-              <a:rPr lang="zh-CN" altLang="en-US" sz="1200"/>
-              <a:t>活动</a:t>
-            </a:r>
-            <a:r>
-              <a:rPr lang="zh-CN" altLang="en-US" sz="1200" smtClean="0"/>
-              <a:t>管线</a:t>
-            </a:r>
-            <a:endParaRPr lang="zh-CN" altLang="en-US" sz="1200"/>
-          </a:p>
-        </p:txBody>
-      </p:sp>
     </p:spTree>
     <p:extLst>
       <p:ext uri="{BB962C8B-B14F-4D97-AF65-F5344CB8AC3E}">
-        <p14:creationId xmlns:p14="http://schemas.microsoft.com/office/powerpoint/2010/main" val="3378136842"/>
+        <p14:creationId xmlns:p14="http://schemas.microsoft.com/office/powerpoint/2010/main" val="1549760189"/>
+      </p:ext>
+    </p:extLst>
+  </p:cSld>
+  <p:clrMapOvr>
+    <a:masterClrMapping/>
+  </p:clrMapOvr>
+</p:sld>
+</file>
+
+<file path=ppt/slides/slide7.xml><?xml version="1.0" encoding="utf-8"?>
+<p:sld xmlns:a="http://schemas.openxmlformats.org/drawingml/2006/main" xmlns:r="http://schemas.openxmlformats.org/officeDocument/2006/relationships" xmlns:p="http://schemas.openxmlformats.org/presentationml/2006/main">
+  <p:cSld>
+    <p:spTree>
+      <p:nvGrpSpPr>
+        <p:cNvPr id="1" name=""/>
+        <p:cNvGrpSpPr/>
+        <p:nvPr/>
+      </p:nvGrpSpPr>
+      <p:grpSpPr>
+        <a:xfrm>
+          <a:off x="0" y="0"/>
+          <a:ext cx="0" cy="0"/>
+          <a:chOff x="0" y="0"/>
+          <a:chExt cx="0" cy="0"/>
+        </a:xfrm>
+      </p:grpSpPr>
+      <p:sp>
+        <p:nvSpPr>
+          <p:cNvPr id="6" name="矩形 5"/>
+          <p:cNvSpPr/>
+          <p:nvPr/>
+        </p:nvSpPr>
+        <p:spPr>
+          <a:xfrm>
+            <a:off x="773261" y="1735839"/>
+            <a:ext cx="2328113" cy="252028"/>
+          </a:xfrm>
+          <a:prstGeom prst="rect">
+            <a:avLst/>
+          </a:prstGeom>
+        </p:spPr>
+        <p:style>
+          <a:lnRef idx="1">
+            <a:schemeClr val="accent6"/>
+          </a:lnRef>
+          <a:fillRef idx="2">
+            <a:schemeClr val="accent6"/>
+          </a:fillRef>
+          <a:effectRef idx="1">
+            <a:schemeClr val="accent6"/>
+          </a:effectRef>
+          <a:fontRef idx="minor">
+            <a:schemeClr val="dk1"/>
+          </a:fontRef>
+        </p:style>
+        <p:txBody>
+          <a:bodyPr rtlCol="0" anchor="ctr"/>
+          <a:lstStyle/>
+          <a:p>
+            <a:pPr algn="ctr"/>
+            <a:r>
+              <a:rPr lang="en-US" altLang="zh-CN" sz="1200" smtClean="0"/>
+              <a:t>RenderProgram</a:t>
+            </a:r>
+            <a:endParaRPr lang="zh-CN" altLang="en-US" sz="1200"/>
+          </a:p>
+        </p:txBody>
+      </p:sp>
+      <p:sp>
+        <p:nvSpPr>
+          <p:cNvPr id="7" name="矩形 6"/>
+          <p:cNvSpPr/>
+          <p:nvPr/>
+        </p:nvSpPr>
+        <p:spPr>
+          <a:xfrm>
+            <a:off x="2351583" y="3454299"/>
+            <a:ext cx="2328113" cy="252028"/>
+          </a:xfrm>
+          <a:prstGeom prst="rect">
+            <a:avLst/>
+          </a:prstGeom>
+        </p:spPr>
+        <p:style>
+          <a:lnRef idx="1">
+            <a:schemeClr val="accent5"/>
+          </a:lnRef>
+          <a:fillRef idx="2">
+            <a:schemeClr val="accent5"/>
+          </a:fillRef>
+          <a:effectRef idx="1">
+            <a:schemeClr val="accent5"/>
+          </a:effectRef>
+          <a:fontRef idx="minor">
+            <a:schemeClr val="dk1"/>
+          </a:fontRef>
+        </p:style>
+        <p:txBody>
+          <a:bodyPr rtlCol="0" anchor="ctr"/>
+          <a:lstStyle/>
+          <a:p>
+            <a:pPr algn="ctr"/>
+            <a:r>
+              <a:rPr lang="en-US" altLang="zh-CN" sz="1200" smtClean="0"/>
+              <a:t>RenderProgramParameter</a:t>
+            </a:r>
+            <a:endParaRPr lang="zh-CN" altLang="en-US" sz="1200"/>
+          </a:p>
+        </p:txBody>
+      </p:sp>
+      <p:cxnSp>
+        <p:nvCxnSpPr>
+          <p:cNvPr id="18" name="直接箭头连接符 12"/>
+          <p:cNvCxnSpPr>
+            <a:stCxn id="6" idx="2"/>
+            <a:endCxn id="7" idx="1"/>
+          </p:cNvCxnSpPr>
+          <p:nvPr/>
+        </p:nvCxnSpPr>
+        <p:spPr>
+          <a:xfrm rot="16200000" flipH="1">
+            <a:off x="1348227" y="2576957"/>
+            <a:ext cx="1592446" cy="414265"/>
+          </a:xfrm>
+          <a:prstGeom prst="bentConnector2">
+            <a:avLst/>
+          </a:prstGeom>
+          <a:ln w="28575">
+            <a:headEnd type="none" w="med" len="med"/>
+            <a:tailEnd type="triangle" w="med" len="lg"/>
+          </a:ln>
+        </p:spPr>
+        <p:style>
+          <a:lnRef idx="1">
+            <a:schemeClr val="accent1"/>
+          </a:lnRef>
+          <a:fillRef idx="0">
+            <a:schemeClr val="accent1"/>
+          </a:fillRef>
+          <a:effectRef idx="0">
+            <a:schemeClr val="accent1"/>
+          </a:effectRef>
+          <a:fontRef idx="minor">
+            <a:schemeClr val="tx1"/>
+          </a:fontRef>
+        </p:style>
+      </p:cxnSp>
+      <p:sp>
+        <p:nvSpPr>
+          <p:cNvPr id="24" name="矩形 23"/>
+          <p:cNvSpPr/>
+          <p:nvPr/>
+        </p:nvSpPr>
+        <p:spPr>
+          <a:xfrm>
+            <a:off x="2351583" y="2165454"/>
+            <a:ext cx="2328113" cy="252028"/>
+          </a:xfrm>
+          <a:prstGeom prst="rect">
+            <a:avLst/>
+          </a:prstGeom>
+        </p:spPr>
+        <p:style>
+          <a:lnRef idx="1">
+            <a:schemeClr val="accent6"/>
+          </a:lnRef>
+          <a:fillRef idx="2">
+            <a:schemeClr val="accent6"/>
+          </a:fillRef>
+          <a:effectRef idx="1">
+            <a:schemeClr val="accent6"/>
+          </a:effectRef>
+          <a:fontRef idx="minor">
+            <a:schemeClr val="dk1"/>
+          </a:fontRef>
+        </p:style>
+        <p:txBody>
+          <a:bodyPr rtlCol="0" anchor="ctr"/>
+          <a:lstStyle/>
+          <a:p>
+            <a:pPr algn="ctr"/>
+            <a:r>
+              <a:rPr lang="en-US" altLang="zh-CN" sz="1200" smtClean="0"/>
+              <a:t>RenderVertexShader</a:t>
+            </a:r>
+            <a:endParaRPr lang="zh-CN" altLang="en-US" sz="1200"/>
+          </a:p>
+        </p:txBody>
+      </p:sp>
+      <p:cxnSp>
+        <p:nvCxnSpPr>
+          <p:cNvPr id="25" name="直接箭头连接符 12"/>
+          <p:cNvCxnSpPr>
+            <a:stCxn id="6" idx="2"/>
+            <a:endCxn id="24" idx="1"/>
+          </p:cNvCxnSpPr>
+          <p:nvPr/>
+        </p:nvCxnSpPr>
+        <p:spPr>
+          <a:xfrm rot="16200000" flipH="1">
+            <a:off x="1992650" y="1932534"/>
+            <a:ext cx="303601" cy="414265"/>
+          </a:xfrm>
+          <a:prstGeom prst="bentConnector2">
+            <a:avLst/>
+          </a:prstGeom>
+          <a:ln w="28575">
+            <a:headEnd type="none" w="med" len="med"/>
+            <a:tailEnd type="triangle" w="med" len="lg"/>
+          </a:ln>
+        </p:spPr>
+        <p:style>
+          <a:lnRef idx="1">
+            <a:schemeClr val="accent1"/>
+          </a:lnRef>
+          <a:fillRef idx="0">
+            <a:schemeClr val="accent1"/>
+          </a:fillRef>
+          <a:effectRef idx="0">
+            <a:schemeClr val="accent1"/>
+          </a:effectRef>
+          <a:fontRef idx="minor">
+            <a:schemeClr val="tx1"/>
+          </a:fontRef>
+        </p:style>
+      </p:cxnSp>
+      <p:sp>
+        <p:nvSpPr>
+          <p:cNvPr id="29" name="矩形 28"/>
+          <p:cNvSpPr/>
+          <p:nvPr/>
+        </p:nvSpPr>
+        <p:spPr>
+          <a:xfrm>
+            <a:off x="2351583" y="2595069"/>
+            <a:ext cx="2328113" cy="252028"/>
+          </a:xfrm>
+          <a:prstGeom prst="rect">
+            <a:avLst/>
+          </a:prstGeom>
+        </p:spPr>
+        <p:style>
+          <a:lnRef idx="1">
+            <a:schemeClr val="accent6"/>
+          </a:lnRef>
+          <a:fillRef idx="2">
+            <a:schemeClr val="accent6"/>
+          </a:fillRef>
+          <a:effectRef idx="1">
+            <a:schemeClr val="accent6"/>
+          </a:effectRef>
+          <a:fontRef idx="minor">
+            <a:schemeClr val="dk1"/>
+          </a:fontRef>
+        </p:style>
+        <p:txBody>
+          <a:bodyPr rtlCol="0" anchor="ctr"/>
+          <a:lstStyle/>
+          <a:p>
+            <a:pPr algn="ctr"/>
+            <a:r>
+              <a:rPr lang="en-US" altLang="zh-CN" sz="1200" smtClean="0"/>
+              <a:t>RenderFragmentShader</a:t>
+            </a:r>
+            <a:endParaRPr lang="zh-CN" altLang="en-US" sz="1200"/>
+          </a:p>
+        </p:txBody>
+      </p:sp>
+      <p:cxnSp>
+        <p:nvCxnSpPr>
+          <p:cNvPr id="30" name="直接箭头连接符 12"/>
+          <p:cNvCxnSpPr>
+            <a:stCxn id="6" idx="2"/>
+            <a:endCxn id="29" idx="1"/>
+          </p:cNvCxnSpPr>
+          <p:nvPr/>
+        </p:nvCxnSpPr>
+        <p:spPr>
+          <a:xfrm rot="16200000" flipH="1">
+            <a:off x="1777842" y="2147342"/>
+            <a:ext cx="733216" cy="414265"/>
+          </a:xfrm>
+          <a:prstGeom prst="bentConnector2">
+            <a:avLst/>
+          </a:prstGeom>
+          <a:ln w="28575">
+            <a:headEnd type="none" w="med" len="med"/>
+            <a:tailEnd type="triangle" w="med" len="lg"/>
+          </a:ln>
+        </p:spPr>
+        <p:style>
+          <a:lnRef idx="1">
+            <a:schemeClr val="accent1"/>
+          </a:lnRef>
+          <a:fillRef idx="0">
+            <a:schemeClr val="accent1"/>
+          </a:fillRef>
+          <a:effectRef idx="0">
+            <a:schemeClr val="accent1"/>
+          </a:effectRef>
+          <a:fontRef idx="minor">
+            <a:schemeClr val="tx1"/>
+          </a:fontRef>
+        </p:style>
+      </p:cxnSp>
+      <p:sp>
+        <p:nvSpPr>
+          <p:cNvPr id="38" name="矩形 37"/>
+          <p:cNvSpPr/>
+          <p:nvPr/>
+        </p:nvSpPr>
+        <p:spPr>
+          <a:xfrm>
+            <a:off x="2351583" y="3883914"/>
+            <a:ext cx="2328113" cy="252028"/>
+          </a:xfrm>
+          <a:prstGeom prst="rect">
+            <a:avLst/>
+          </a:prstGeom>
+        </p:spPr>
+        <p:style>
+          <a:lnRef idx="1">
+            <a:schemeClr val="accent5"/>
+          </a:lnRef>
+          <a:fillRef idx="2">
+            <a:schemeClr val="accent5"/>
+          </a:fillRef>
+          <a:effectRef idx="1">
+            <a:schemeClr val="accent5"/>
+          </a:effectRef>
+          <a:fontRef idx="minor">
+            <a:schemeClr val="dk1"/>
+          </a:fontRef>
+        </p:style>
+        <p:txBody>
+          <a:bodyPr rtlCol="0" anchor="ctr"/>
+          <a:lstStyle/>
+          <a:p>
+            <a:pPr algn="ctr"/>
+            <a:r>
+              <a:rPr lang="en-US" altLang="zh-CN" sz="1200"/>
+              <a:t>RenderProgramAttribute</a:t>
+            </a:r>
+            <a:endParaRPr lang="zh-CN" altLang="en-US" sz="1200"/>
+          </a:p>
+        </p:txBody>
+      </p:sp>
+      <p:cxnSp>
+        <p:nvCxnSpPr>
+          <p:cNvPr id="39" name="直接箭头连接符 12"/>
+          <p:cNvCxnSpPr>
+            <a:stCxn id="6" idx="2"/>
+            <a:endCxn id="38" idx="1"/>
+          </p:cNvCxnSpPr>
+          <p:nvPr/>
+        </p:nvCxnSpPr>
+        <p:spPr>
+          <a:xfrm rot="16200000" flipH="1">
+            <a:off x="1133420" y="2791764"/>
+            <a:ext cx="2022061" cy="414265"/>
+          </a:xfrm>
+          <a:prstGeom prst="bentConnector2">
+            <a:avLst/>
+          </a:prstGeom>
+          <a:ln w="28575">
+            <a:headEnd type="none" w="med" len="med"/>
+            <a:tailEnd type="triangle" w="med" len="lg"/>
+          </a:ln>
+        </p:spPr>
+        <p:style>
+          <a:lnRef idx="1">
+            <a:schemeClr val="accent1"/>
+          </a:lnRef>
+          <a:fillRef idx="0">
+            <a:schemeClr val="accent1"/>
+          </a:fillRef>
+          <a:effectRef idx="0">
+            <a:schemeClr val="accent1"/>
+          </a:effectRef>
+          <a:fontRef idx="minor">
+            <a:schemeClr val="tx1"/>
+          </a:fontRef>
+        </p:style>
+      </p:cxnSp>
+      <p:cxnSp>
+        <p:nvCxnSpPr>
+          <p:cNvPr id="42" name="直接箭头连接符 12"/>
+          <p:cNvCxnSpPr>
+            <a:stCxn id="6" idx="2"/>
+            <a:endCxn id="47" idx="1"/>
+          </p:cNvCxnSpPr>
+          <p:nvPr/>
+        </p:nvCxnSpPr>
+        <p:spPr>
+          <a:xfrm rot="16200000" flipH="1">
+            <a:off x="918613" y="3006571"/>
+            <a:ext cx="2451674" cy="414265"/>
+          </a:xfrm>
+          <a:prstGeom prst="bentConnector2">
+            <a:avLst/>
+          </a:prstGeom>
+          <a:ln w="28575">
+            <a:headEnd type="none" w="med" len="med"/>
+            <a:tailEnd type="triangle" w="med" len="lg"/>
+          </a:ln>
+        </p:spPr>
+        <p:style>
+          <a:lnRef idx="1">
+            <a:schemeClr val="accent1"/>
+          </a:lnRef>
+          <a:fillRef idx="0">
+            <a:schemeClr val="accent1"/>
+          </a:fillRef>
+          <a:effectRef idx="0">
+            <a:schemeClr val="accent1"/>
+          </a:effectRef>
+          <a:fontRef idx="minor">
+            <a:schemeClr val="tx1"/>
+          </a:fontRef>
+        </p:style>
+      </p:cxnSp>
+      <p:sp>
+        <p:nvSpPr>
+          <p:cNvPr id="47" name="矩形 46"/>
+          <p:cNvSpPr/>
+          <p:nvPr/>
+        </p:nvSpPr>
+        <p:spPr>
+          <a:xfrm>
+            <a:off x="2351583" y="4313527"/>
+            <a:ext cx="2328113" cy="252028"/>
+          </a:xfrm>
+          <a:prstGeom prst="rect">
+            <a:avLst/>
+          </a:prstGeom>
+        </p:spPr>
+        <p:style>
+          <a:lnRef idx="1">
+            <a:schemeClr val="accent5"/>
+          </a:lnRef>
+          <a:fillRef idx="2">
+            <a:schemeClr val="accent5"/>
+          </a:fillRef>
+          <a:effectRef idx="1">
+            <a:schemeClr val="accent5"/>
+          </a:effectRef>
+          <a:fontRef idx="minor">
+            <a:schemeClr val="dk1"/>
+          </a:fontRef>
+        </p:style>
+        <p:txBody>
+          <a:bodyPr rtlCol="0" anchor="ctr"/>
+          <a:lstStyle/>
+          <a:p>
+            <a:pPr algn="ctr"/>
+            <a:r>
+              <a:rPr lang="en-US" altLang="zh-CN" sz="1200"/>
+              <a:t>RenderProgramSampler</a:t>
+            </a:r>
+            <a:endParaRPr lang="zh-CN" altLang="en-US" sz="1200"/>
+          </a:p>
+        </p:txBody>
+      </p:sp>
+      <p:sp>
+        <p:nvSpPr>
+          <p:cNvPr id="52" name="矩形 51"/>
+          <p:cNvSpPr/>
+          <p:nvPr/>
+        </p:nvSpPr>
+        <p:spPr>
+          <a:xfrm>
+            <a:off x="2351583" y="3024684"/>
+            <a:ext cx="2328113" cy="252028"/>
+          </a:xfrm>
+          <a:prstGeom prst="rect">
+            <a:avLst/>
+          </a:prstGeom>
+        </p:spPr>
+        <p:style>
+          <a:lnRef idx="1">
+            <a:schemeClr val="accent5"/>
+          </a:lnRef>
+          <a:fillRef idx="2">
+            <a:schemeClr val="accent5"/>
+          </a:fillRef>
+          <a:effectRef idx="1">
+            <a:schemeClr val="accent5"/>
+          </a:effectRef>
+          <a:fontRef idx="minor">
+            <a:schemeClr val="dk1"/>
+          </a:fontRef>
+        </p:style>
+        <p:txBody>
+          <a:bodyPr rtlCol="0" anchor="ctr"/>
+          <a:lstStyle/>
+          <a:p>
+            <a:pPr algn="ctr"/>
+            <a:r>
+              <a:rPr lang="en-US" altLang="zh-CN" sz="1200" smtClean="0"/>
+              <a:t>Render</a:t>
+            </a:r>
+            <a:r>
+              <a:rPr lang="en-US" altLang="zh-CN" sz="1200"/>
+              <a:t>Program</a:t>
+            </a:r>
+            <a:r>
+              <a:rPr lang="en-US" altLang="zh-CN" sz="1200" smtClean="0"/>
+              <a:t>Buffer</a:t>
+            </a:r>
+            <a:endParaRPr lang="zh-CN" altLang="en-US" sz="1200"/>
+          </a:p>
+        </p:txBody>
+      </p:sp>
+      <p:cxnSp>
+        <p:nvCxnSpPr>
+          <p:cNvPr id="53" name="直接箭头连接符 12"/>
+          <p:cNvCxnSpPr>
+            <a:stCxn id="6" idx="2"/>
+            <a:endCxn id="52" idx="1"/>
+          </p:cNvCxnSpPr>
+          <p:nvPr/>
+        </p:nvCxnSpPr>
+        <p:spPr>
+          <a:xfrm rot="16200000" flipH="1">
+            <a:off x="1563035" y="2362149"/>
+            <a:ext cx="1162831" cy="414265"/>
+          </a:xfrm>
+          <a:prstGeom prst="bentConnector2">
+            <a:avLst/>
+          </a:prstGeom>
+          <a:ln w="28575">
+            <a:headEnd type="none" w="med" len="med"/>
+            <a:tailEnd type="triangle" w="med" len="lg"/>
+          </a:ln>
+        </p:spPr>
+        <p:style>
+          <a:lnRef idx="1">
+            <a:schemeClr val="accent1"/>
+          </a:lnRef>
+          <a:fillRef idx="0">
+            <a:schemeClr val="accent1"/>
+          </a:fillRef>
+          <a:effectRef idx="0">
+            <a:schemeClr val="accent1"/>
+          </a:effectRef>
+          <a:fontRef idx="minor">
+            <a:schemeClr val="tx1"/>
+          </a:fontRef>
+        </p:style>
+      </p:cxnSp>
+      <p:sp>
+        <p:nvSpPr>
+          <p:cNvPr id="70" name="标题 69"/>
+          <p:cNvSpPr>
+            <a:spLocks noGrp="1"/>
+          </p:cNvSpPr>
+          <p:nvPr>
+            <p:ph type="title"/>
+          </p:nvPr>
+        </p:nvSpPr>
+        <p:spPr/>
+        <p:txBody>
+          <a:bodyPr/>
+          <a:lstStyle/>
+          <a:p>
+            <a:r>
+              <a:rPr lang="zh-CN" altLang="en-US" smtClean="0"/>
+              <a:t>渲染程序结构</a:t>
+            </a:r>
+            <a:endParaRPr lang="zh-CN" altLang="en-US"/>
+          </a:p>
+        </p:txBody>
+      </p:sp>
+      <p:sp>
+        <p:nvSpPr>
+          <p:cNvPr id="73" name="TextBox 72"/>
+          <p:cNvSpPr txBox="1"/>
+          <p:nvPr/>
+        </p:nvSpPr>
+        <p:spPr>
+          <a:xfrm>
+            <a:off x="4862924" y="2152967"/>
+            <a:ext cx="3168353" cy="276999"/>
+          </a:xfrm>
+          <a:prstGeom prst="rect">
+            <a:avLst/>
+          </a:prstGeom>
+          <a:noFill/>
+        </p:spPr>
+        <p:txBody>
+          <a:bodyPr wrap="square" rtlCol="0">
+            <a:spAutoFit/>
+          </a:bodyPr>
+          <a:lstStyle/>
+          <a:p>
+            <a:r>
+              <a:rPr lang="zh-CN" altLang="en-US" sz="1200" smtClean="0"/>
+              <a:t>顶点渲染器</a:t>
+            </a:r>
+            <a:endParaRPr lang="zh-CN" altLang="en-US" sz="1200"/>
+          </a:p>
+        </p:txBody>
+      </p:sp>
+      <p:sp>
+        <p:nvSpPr>
+          <p:cNvPr id="74" name="TextBox 73"/>
+          <p:cNvSpPr txBox="1"/>
+          <p:nvPr/>
+        </p:nvSpPr>
+        <p:spPr>
+          <a:xfrm>
+            <a:off x="4862924" y="2582583"/>
+            <a:ext cx="3168353" cy="276999"/>
+          </a:xfrm>
+          <a:prstGeom prst="rect">
+            <a:avLst/>
+          </a:prstGeom>
+          <a:noFill/>
+        </p:spPr>
+        <p:txBody>
+          <a:bodyPr wrap="square" rtlCol="0">
+            <a:spAutoFit/>
+          </a:bodyPr>
+          <a:lstStyle/>
+          <a:p>
+            <a:r>
+              <a:rPr lang="zh-CN" altLang="en-US" sz="1200" smtClean="0"/>
+              <a:t>像素渲染器</a:t>
+            </a:r>
+            <a:endParaRPr lang="zh-CN" altLang="en-US" sz="1200"/>
+          </a:p>
+        </p:txBody>
+      </p:sp>
+      <p:sp>
+        <p:nvSpPr>
+          <p:cNvPr id="75" name="TextBox 74"/>
+          <p:cNvSpPr txBox="1"/>
+          <p:nvPr/>
+        </p:nvSpPr>
+        <p:spPr>
+          <a:xfrm>
+            <a:off x="4862924" y="3012198"/>
+            <a:ext cx="3168353" cy="276999"/>
+          </a:xfrm>
+          <a:prstGeom prst="rect">
+            <a:avLst/>
+          </a:prstGeom>
+          <a:noFill/>
+        </p:spPr>
+        <p:txBody>
+          <a:bodyPr wrap="square" rtlCol="0">
+            <a:spAutoFit/>
+          </a:bodyPr>
+          <a:lstStyle/>
+          <a:p>
+            <a:r>
+              <a:rPr lang="zh-CN" altLang="en-US" sz="1200" smtClean="0"/>
+              <a:t>程序缓冲</a:t>
+            </a:r>
+            <a:endParaRPr lang="zh-CN" altLang="en-US" sz="1200"/>
+          </a:p>
+        </p:txBody>
+      </p:sp>
+      <p:sp>
+        <p:nvSpPr>
+          <p:cNvPr id="76" name="TextBox 75"/>
+          <p:cNvSpPr txBox="1"/>
+          <p:nvPr/>
+        </p:nvSpPr>
+        <p:spPr>
+          <a:xfrm>
+            <a:off x="4862924" y="3441813"/>
+            <a:ext cx="3168353" cy="276999"/>
+          </a:xfrm>
+          <a:prstGeom prst="rect">
+            <a:avLst/>
+          </a:prstGeom>
+          <a:noFill/>
+        </p:spPr>
+        <p:txBody>
+          <a:bodyPr wrap="square" rtlCol="0">
+            <a:spAutoFit/>
+          </a:bodyPr>
+          <a:lstStyle/>
+          <a:p>
+            <a:r>
+              <a:rPr lang="zh-CN" altLang="en-US" sz="1200" smtClean="0"/>
+              <a:t>程序参数</a:t>
+            </a:r>
+            <a:endParaRPr lang="zh-CN" altLang="en-US" sz="1200"/>
+          </a:p>
+        </p:txBody>
+      </p:sp>
+      <p:sp>
+        <p:nvSpPr>
+          <p:cNvPr id="77" name="TextBox 76"/>
+          <p:cNvSpPr txBox="1"/>
+          <p:nvPr/>
+        </p:nvSpPr>
+        <p:spPr>
+          <a:xfrm>
+            <a:off x="4862924" y="3871428"/>
+            <a:ext cx="3168353" cy="276999"/>
+          </a:xfrm>
+          <a:prstGeom prst="rect">
+            <a:avLst/>
+          </a:prstGeom>
+          <a:noFill/>
+        </p:spPr>
+        <p:txBody>
+          <a:bodyPr wrap="square" rtlCol="0">
+            <a:spAutoFit/>
+          </a:bodyPr>
+          <a:lstStyle/>
+          <a:p>
+            <a:r>
+              <a:rPr lang="zh-CN" altLang="en-US" sz="1200" smtClean="0"/>
+              <a:t>程序属性</a:t>
+            </a:r>
+            <a:endParaRPr lang="zh-CN" altLang="en-US" sz="1200"/>
+          </a:p>
+        </p:txBody>
+      </p:sp>
+      <p:sp>
+        <p:nvSpPr>
+          <p:cNvPr id="78" name="TextBox 77"/>
+          <p:cNvSpPr txBox="1"/>
+          <p:nvPr/>
+        </p:nvSpPr>
+        <p:spPr>
+          <a:xfrm>
+            <a:off x="4862924" y="4301041"/>
+            <a:ext cx="3168353" cy="276999"/>
+          </a:xfrm>
+          <a:prstGeom prst="rect">
+            <a:avLst/>
+          </a:prstGeom>
+          <a:noFill/>
+        </p:spPr>
+        <p:txBody>
+          <a:bodyPr wrap="square" rtlCol="0">
+            <a:spAutoFit/>
+          </a:bodyPr>
+          <a:lstStyle/>
+          <a:p>
+            <a:r>
+              <a:rPr lang="zh-CN" altLang="en-US" sz="1200" smtClean="0"/>
+              <a:t>程序取样器</a:t>
+            </a:r>
+            <a:endParaRPr lang="zh-CN" altLang="en-US" sz="1200"/>
+          </a:p>
+        </p:txBody>
+      </p:sp>
+    </p:spTree>
+    <p:extLst>
+      <p:ext uri="{BB962C8B-B14F-4D97-AF65-F5344CB8AC3E}">
+        <p14:creationId xmlns:p14="http://schemas.microsoft.com/office/powerpoint/2010/main" val="3410901558"/>
+      </p:ext>
+    </p:extLst>
+  </p:cSld>
+  <p:clrMapOvr>
+    <a:masterClrMapping/>
+  </p:clrMapOvr>
+</p:sld>
+</file>
+
+<file path=ppt/slides/slide8.xml><?xml version="1.0" encoding="utf-8"?>
+<p:sld xmlns:a="http://schemas.openxmlformats.org/drawingml/2006/main" xmlns:r="http://schemas.openxmlformats.org/officeDocument/2006/relationships" xmlns:p="http://schemas.openxmlformats.org/presentationml/2006/main">
+  <p:cSld>
+    <p:spTree>
+      <p:nvGrpSpPr>
+        <p:cNvPr id="1" name=""/>
+        <p:cNvGrpSpPr/>
+        <p:nvPr/>
+      </p:nvGrpSpPr>
+      <p:grpSpPr>
+        <a:xfrm>
+          <a:off x="0" y="0"/>
+          <a:ext cx="0" cy="0"/>
+          <a:chOff x="0" y="0"/>
+          <a:chExt cx="0" cy="0"/>
+        </a:xfrm>
+      </p:grpSpPr>
+      <p:sp>
+        <p:nvSpPr>
+          <p:cNvPr id="6" name="矩形 5"/>
+          <p:cNvSpPr/>
+          <p:nvPr/>
+        </p:nvSpPr>
+        <p:spPr>
+          <a:xfrm>
+            <a:off x="434922" y="1272690"/>
+            <a:ext cx="2710763" cy="223127"/>
+          </a:xfrm>
+          <a:prstGeom prst="rect">
+            <a:avLst/>
+          </a:prstGeom>
+        </p:spPr>
+        <p:style>
+          <a:lnRef idx="1">
+            <a:schemeClr val="accent6"/>
+          </a:lnRef>
+          <a:fillRef idx="2">
+            <a:schemeClr val="accent6"/>
+          </a:fillRef>
+          <a:effectRef idx="1">
+            <a:schemeClr val="accent6"/>
+          </a:effectRef>
+          <a:fontRef idx="minor">
+            <a:schemeClr val="dk1"/>
+          </a:fontRef>
+        </p:style>
+        <p:txBody>
+          <a:bodyPr rtlCol="0" anchor="ctr"/>
+          <a:lstStyle/>
+          <a:p>
+            <a:pPr algn="ctr"/>
+            <a:r>
+              <a:rPr lang="en-US" altLang="zh-CN" sz="1200" smtClean="0"/>
+              <a:t>Renderable:FRenderable</a:t>
+            </a:r>
+            <a:endParaRPr lang="zh-CN" altLang="en-US" sz="1200"/>
+          </a:p>
+        </p:txBody>
+      </p:sp>
+      <p:sp>
+        <p:nvSpPr>
+          <p:cNvPr id="7" name="矩形 6"/>
+          <p:cNvSpPr/>
+          <p:nvPr/>
+        </p:nvSpPr>
+        <p:spPr>
+          <a:xfrm>
+            <a:off x="2411759" y="5665178"/>
+            <a:ext cx="2710763" cy="223127"/>
+          </a:xfrm>
+          <a:prstGeom prst="rect">
+            <a:avLst/>
+          </a:prstGeom>
+        </p:spPr>
+        <p:style>
+          <a:lnRef idx="1">
+            <a:schemeClr val="accent5"/>
+          </a:lnRef>
+          <a:fillRef idx="2">
+            <a:schemeClr val="accent5"/>
+          </a:fillRef>
+          <a:effectRef idx="1">
+            <a:schemeClr val="accent5"/>
+          </a:effectRef>
+          <a:fontRef idx="minor">
+            <a:schemeClr val="dk1"/>
+          </a:fontRef>
+        </p:style>
+        <p:txBody>
+          <a:bodyPr rtlCol="0" anchor="ctr"/>
+          <a:lstStyle/>
+          <a:p>
+            <a:pPr algn="ctr"/>
+            <a:r>
+              <a:rPr lang="en-US" altLang="zh-CN" sz="1200" smtClean="0"/>
+              <a:t>samplers:GRenderableParameterPtrs</a:t>
+            </a:r>
+            <a:endParaRPr lang="zh-CN" altLang="en-US" sz="1200"/>
+          </a:p>
+        </p:txBody>
+      </p:sp>
+      <p:cxnSp>
+        <p:nvCxnSpPr>
+          <p:cNvPr id="18" name="直接箭头连接符 12"/>
+          <p:cNvCxnSpPr>
+            <a:stCxn id="6" idx="2"/>
+            <a:endCxn id="41" idx="1"/>
+          </p:cNvCxnSpPr>
+          <p:nvPr/>
+        </p:nvCxnSpPr>
+        <p:spPr>
+          <a:xfrm rot="16200000" flipH="1">
+            <a:off x="-363467" y="3649587"/>
+            <a:ext cx="4928997" cy="621455"/>
+          </a:xfrm>
+          <a:prstGeom prst="bentConnector2">
+            <a:avLst/>
+          </a:prstGeom>
+          <a:ln w="28575">
+            <a:headEnd type="none" w="med" len="med"/>
+            <a:tailEnd type="triangle" w="med" len="lg"/>
+          </a:ln>
+        </p:spPr>
+        <p:style>
+          <a:lnRef idx="1">
+            <a:schemeClr val="accent1"/>
+          </a:lnRef>
+          <a:fillRef idx="0">
+            <a:schemeClr val="accent1"/>
+          </a:fillRef>
+          <a:effectRef idx="0">
+            <a:schemeClr val="accent1"/>
+          </a:effectRef>
+          <a:fontRef idx="minor">
+            <a:schemeClr val="tx1"/>
+          </a:fontRef>
+        </p:style>
+      </p:cxnSp>
+      <p:sp>
+        <p:nvSpPr>
+          <p:cNvPr id="24" name="矩形 23"/>
+          <p:cNvSpPr/>
+          <p:nvPr/>
+        </p:nvSpPr>
+        <p:spPr>
+          <a:xfrm>
+            <a:off x="2411760" y="2352810"/>
+            <a:ext cx="2710763" cy="223127"/>
+          </a:xfrm>
+          <a:prstGeom prst="rect">
+            <a:avLst/>
+          </a:prstGeom>
+        </p:spPr>
+        <p:style>
+          <a:lnRef idx="1">
+            <a:schemeClr val="accent6"/>
+          </a:lnRef>
+          <a:fillRef idx="2">
+            <a:schemeClr val="accent6"/>
+          </a:fillRef>
+          <a:effectRef idx="1">
+            <a:schemeClr val="accent6"/>
+          </a:effectRef>
+          <a:fontRef idx="minor">
+            <a:schemeClr val="dk1"/>
+          </a:fontRef>
+        </p:style>
+        <p:txBody>
+          <a:bodyPr rtlCol="0" anchor="ctr"/>
+          <a:lstStyle/>
+          <a:p>
+            <a:pPr algn="ctr"/>
+            <a:r>
+              <a:rPr lang="en-US" altLang="zh-CN" sz="1200" smtClean="0"/>
+              <a:t>material:FMaterial</a:t>
+            </a:r>
+            <a:endParaRPr lang="zh-CN" altLang="en-US" sz="1200"/>
+          </a:p>
+        </p:txBody>
+      </p:sp>
+      <p:cxnSp>
+        <p:nvCxnSpPr>
+          <p:cNvPr id="25" name="直接箭头连接符 12"/>
+          <p:cNvCxnSpPr>
+            <a:stCxn id="6" idx="2"/>
+            <a:endCxn id="24" idx="1"/>
+          </p:cNvCxnSpPr>
+          <p:nvPr/>
+        </p:nvCxnSpPr>
+        <p:spPr>
+          <a:xfrm rot="16200000" flipH="1">
+            <a:off x="1616754" y="1669367"/>
+            <a:ext cx="968557" cy="621456"/>
+          </a:xfrm>
+          <a:prstGeom prst="bentConnector2">
+            <a:avLst/>
+          </a:prstGeom>
+          <a:ln w="28575">
+            <a:headEnd type="none" w="med" len="med"/>
+            <a:tailEnd type="triangle" w="med" len="lg"/>
+          </a:ln>
+        </p:spPr>
+        <p:style>
+          <a:lnRef idx="1">
+            <a:schemeClr val="accent1"/>
+          </a:lnRef>
+          <a:fillRef idx="0">
+            <a:schemeClr val="accent1"/>
+          </a:fillRef>
+          <a:effectRef idx="0">
+            <a:schemeClr val="accent1"/>
+          </a:effectRef>
+          <a:fontRef idx="minor">
+            <a:schemeClr val="tx1"/>
+          </a:fontRef>
+        </p:style>
+      </p:cxnSp>
+      <p:sp>
+        <p:nvSpPr>
+          <p:cNvPr id="29" name="矩形 28"/>
+          <p:cNvSpPr/>
+          <p:nvPr/>
+        </p:nvSpPr>
+        <p:spPr>
+          <a:xfrm>
+            <a:off x="2411760" y="2712850"/>
+            <a:ext cx="2710763" cy="223127"/>
+          </a:xfrm>
+          <a:prstGeom prst="rect">
+            <a:avLst/>
+          </a:prstGeom>
+        </p:spPr>
+        <p:style>
+          <a:lnRef idx="1">
+            <a:schemeClr val="accent6"/>
+          </a:lnRef>
+          <a:fillRef idx="2">
+            <a:schemeClr val="accent6"/>
+          </a:fillRef>
+          <a:effectRef idx="1">
+            <a:schemeClr val="accent6"/>
+          </a:effectRef>
+          <a:fontRef idx="minor">
+            <a:schemeClr val="dk1"/>
+          </a:fontRef>
+        </p:style>
+        <p:txBody>
+          <a:bodyPr rtlCol="0" anchor="ctr"/>
+          <a:lstStyle/>
+          <a:p>
+            <a:pPr algn="ctr"/>
+            <a:r>
+              <a:rPr lang="en-US" altLang="zh-CN" sz="1200" smtClean="0"/>
+              <a:t>materialReference:FMaterial</a:t>
+            </a:r>
+            <a:endParaRPr lang="zh-CN" altLang="en-US" sz="1200"/>
+          </a:p>
+        </p:txBody>
+      </p:sp>
+      <p:cxnSp>
+        <p:nvCxnSpPr>
+          <p:cNvPr id="30" name="直接箭头连接符 12"/>
+          <p:cNvCxnSpPr>
+            <a:stCxn id="6" idx="2"/>
+            <a:endCxn id="29" idx="1"/>
+          </p:cNvCxnSpPr>
+          <p:nvPr/>
+        </p:nvCxnSpPr>
+        <p:spPr>
+          <a:xfrm rot="16200000" flipH="1">
+            <a:off x="1436734" y="1849387"/>
+            <a:ext cx="1328597" cy="621456"/>
+          </a:xfrm>
+          <a:prstGeom prst="bentConnector2">
+            <a:avLst/>
+          </a:prstGeom>
+          <a:ln w="28575">
+            <a:headEnd type="none" w="med" len="med"/>
+            <a:tailEnd type="triangle" w="med" len="lg"/>
+          </a:ln>
+        </p:spPr>
+        <p:style>
+          <a:lnRef idx="1">
+            <a:schemeClr val="accent1"/>
+          </a:lnRef>
+          <a:fillRef idx="0">
+            <a:schemeClr val="accent1"/>
+          </a:fillRef>
+          <a:effectRef idx="0">
+            <a:schemeClr val="accent1"/>
+          </a:effectRef>
+          <a:fontRef idx="minor">
+            <a:schemeClr val="tx1"/>
+          </a:fontRef>
+        </p:style>
+      </p:cxnSp>
+      <p:sp>
+        <p:nvSpPr>
+          <p:cNvPr id="38" name="矩形 37"/>
+          <p:cNvSpPr/>
+          <p:nvPr/>
+        </p:nvSpPr>
+        <p:spPr>
+          <a:xfrm>
+            <a:off x="4199953" y="5953210"/>
+            <a:ext cx="2710763" cy="223127"/>
+          </a:xfrm>
+          <a:prstGeom prst="rect">
+            <a:avLst/>
+          </a:prstGeom>
+        </p:spPr>
+        <p:style>
+          <a:lnRef idx="1">
+            <a:schemeClr val="accent3"/>
+          </a:lnRef>
+          <a:fillRef idx="2">
+            <a:schemeClr val="accent3"/>
+          </a:fillRef>
+          <a:effectRef idx="1">
+            <a:schemeClr val="accent3"/>
+          </a:effectRef>
+          <a:fontRef idx="minor">
+            <a:schemeClr val="dk1"/>
+          </a:fontRef>
+        </p:style>
+        <p:txBody>
+          <a:bodyPr rtlCol="0" anchor="ctr"/>
+          <a:lstStyle/>
+          <a:p>
+            <a:pPr algn="ctr"/>
+            <a:r>
+              <a:rPr lang="en-US" altLang="zh-CN" sz="1200" smtClean="0"/>
+              <a:t>texture:FRenderTexture</a:t>
+            </a:r>
+            <a:endParaRPr lang="zh-CN" altLang="en-US" sz="1200"/>
+          </a:p>
+        </p:txBody>
+      </p:sp>
+      <p:cxnSp>
+        <p:nvCxnSpPr>
+          <p:cNvPr id="39" name="直接箭头连接符 12"/>
+          <p:cNvCxnSpPr>
+            <a:stCxn id="7" idx="2"/>
+            <a:endCxn id="38" idx="1"/>
+          </p:cNvCxnSpPr>
+          <p:nvPr/>
+        </p:nvCxnSpPr>
+        <p:spPr>
+          <a:xfrm rot="16200000" flipH="1">
+            <a:off x="3895313" y="5760133"/>
+            <a:ext cx="176469" cy="432812"/>
+          </a:xfrm>
+          <a:prstGeom prst="bentConnector2">
+            <a:avLst/>
+          </a:prstGeom>
+          <a:ln w="28575">
+            <a:headEnd type="none" w="med" len="med"/>
+            <a:tailEnd type="triangle" w="med" len="lg"/>
+          </a:ln>
+        </p:spPr>
+        <p:style>
+          <a:lnRef idx="1">
+            <a:schemeClr val="accent1"/>
+          </a:lnRef>
+          <a:fillRef idx="0">
+            <a:schemeClr val="accent1"/>
+          </a:fillRef>
+          <a:effectRef idx="0">
+            <a:schemeClr val="accent1"/>
+          </a:effectRef>
+          <a:fontRef idx="minor">
+            <a:schemeClr val="tx1"/>
+          </a:fontRef>
+        </p:style>
+      </p:cxnSp>
+      <p:cxnSp>
+        <p:nvCxnSpPr>
+          <p:cNvPr id="42" name="直接箭头连接符 12"/>
+          <p:cNvCxnSpPr>
+            <a:stCxn id="52" idx="2"/>
+            <a:endCxn id="47" idx="1"/>
+          </p:cNvCxnSpPr>
+          <p:nvPr/>
+        </p:nvCxnSpPr>
+        <p:spPr>
+          <a:xfrm rot="16200000" flipH="1">
+            <a:off x="3893192" y="5179087"/>
+            <a:ext cx="180710" cy="432812"/>
+          </a:xfrm>
+          <a:prstGeom prst="bentConnector2">
+            <a:avLst/>
+          </a:prstGeom>
+          <a:ln w="28575">
+            <a:headEnd type="none" w="med" len="med"/>
+            <a:tailEnd type="triangle" w="med" len="lg"/>
+          </a:ln>
+        </p:spPr>
+        <p:style>
+          <a:lnRef idx="1">
+            <a:schemeClr val="accent1"/>
+          </a:lnRef>
+          <a:fillRef idx="0">
+            <a:schemeClr val="accent1"/>
+          </a:fillRef>
+          <a:effectRef idx="0">
+            <a:schemeClr val="accent1"/>
+          </a:effectRef>
+          <a:fontRef idx="minor">
+            <a:schemeClr val="tx1"/>
+          </a:fontRef>
+        </p:style>
+      </p:cxnSp>
+      <p:sp>
+        <p:nvSpPr>
+          <p:cNvPr id="47" name="矩形 46"/>
+          <p:cNvSpPr/>
+          <p:nvPr/>
+        </p:nvSpPr>
+        <p:spPr>
+          <a:xfrm>
+            <a:off x="4199953" y="5374284"/>
+            <a:ext cx="2710763" cy="223127"/>
+          </a:xfrm>
+          <a:prstGeom prst="rect">
+            <a:avLst/>
+          </a:prstGeom>
+        </p:spPr>
+        <p:style>
+          <a:lnRef idx="1">
+            <a:schemeClr val="accent3"/>
+          </a:lnRef>
+          <a:fillRef idx="2">
+            <a:schemeClr val="accent3"/>
+          </a:fillRef>
+          <a:effectRef idx="1">
+            <a:schemeClr val="accent3"/>
+          </a:effectRef>
+          <a:fontRef idx="minor">
+            <a:schemeClr val="dk1"/>
+          </a:fontRef>
+        </p:style>
+        <p:txBody>
+          <a:bodyPr rtlCol="0" anchor="ctr"/>
+          <a:lstStyle/>
+          <a:p>
+            <a:pPr algn="ctr"/>
+            <a:r>
+              <a:rPr lang="en-US" altLang="zh-CN" sz="1200" smtClean="0"/>
+              <a:t>vertexBuffer:FRenderVertexBuffer</a:t>
+            </a:r>
+            <a:endParaRPr lang="zh-CN" altLang="en-US" sz="1200"/>
+          </a:p>
+        </p:txBody>
+      </p:sp>
+      <p:sp>
+        <p:nvSpPr>
+          <p:cNvPr id="52" name="矩形 51"/>
+          <p:cNvSpPr/>
+          <p:nvPr/>
+        </p:nvSpPr>
+        <p:spPr>
+          <a:xfrm>
+            <a:off x="2411759" y="5082011"/>
+            <a:ext cx="2710763" cy="223127"/>
+          </a:xfrm>
+          <a:prstGeom prst="rect">
+            <a:avLst/>
+          </a:prstGeom>
+        </p:spPr>
+        <p:style>
+          <a:lnRef idx="1">
+            <a:schemeClr val="accent5"/>
+          </a:lnRef>
+          <a:fillRef idx="2">
+            <a:schemeClr val="accent5"/>
+          </a:fillRef>
+          <a:effectRef idx="1">
+            <a:schemeClr val="accent5"/>
+          </a:effectRef>
+          <a:fontRef idx="minor">
+            <a:schemeClr val="dk1"/>
+          </a:fontRef>
+        </p:style>
+        <p:txBody>
+          <a:bodyPr rtlCol="0" anchor="ctr"/>
+          <a:lstStyle/>
+          <a:p>
+            <a:pPr algn="ctr"/>
+            <a:r>
+              <a:rPr lang="en-US" altLang="zh-CN" sz="1200" smtClean="0"/>
+              <a:t>attributes:GRenderableAttributePtrs</a:t>
+            </a:r>
+            <a:endParaRPr lang="zh-CN" altLang="en-US" sz="1200"/>
+          </a:p>
+        </p:txBody>
+      </p:sp>
+      <p:cxnSp>
+        <p:nvCxnSpPr>
+          <p:cNvPr id="53" name="直接箭头连接符 12"/>
+          <p:cNvCxnSpPr>
+            <a:stCxn id="6" idx="2"/>
+            <a:endCxn id="52" idx="1"/>
+          </p:cNvCxnSpPr>
+          <p:nvPr/>
+        </p:nvCxnSpPr>
+        <p:spPr>
+          <a:xfrm rot="16200000" flipH="1">
+            <a:off x="252152" y="3033968"/>
+            <a:ext cx="3697758" cy="621455"/>
+          </a:xfrm>
+          <a:prstGeom prst="bentConnector2">
+            <a:avLst/>
+          </a:prstGeom>
+          <a:ln w="28575">
+            <a:headEnd type="none" w="med" len="med"/>
+            <a:tailEnd type="triangle" w="med" len="lg"/>
+          </a:ln>
+        </p:spPr>
+        <p:style>
+          <a:lnRef idx="1">
+            <a:schemeClr val="accent1"/>
+          </a:lnRef>
+          <a:fillRef idx="0">
+            <a:schemeClr val="accent1"/>
+          </a:fillRef>
+          <a:effectRef idx="0">
+            <a:schemeClr val="accent1"/>
+          </a:effectRef>
+          <a:fontRef idx="minor">
+            <a:schemeClr val="tx1"/>
+          </a:fontRef>
+        </p:style>
+      </p:cxnSp>
+      <p:sp>
+        <p:nvSpPr>
+          <p:cNvPr id="70" name="标题 69"/>
+          <p:cNvSpPr>
+            <a:spLocks noGrp="1"/>
+          </p:cNvSpPr>
+          <p:nvPr>
+            <p:ph type="title"/>
+          </p:nvPr>
+        </p:nvSpPr>
+        <p:spPr/>
+        <p:txBody>
+          <a:bodyPr/>
+          <a:lstStyle/>
+          <a:p>
+            <a:r>
+              <a:rPr lang="zh-CN" altLang="en-US" smtClean="0"/>
+              <a:t>渲染对象结构</a:t>
+            </a:r>
+            <a:endParaRPr lang="zh-CN" altLang="en-US"/>
+          </a:p>
+        </p:txBody>
+      </p:sp>
+      <p:sp>
+        <p:nvSpPr>
+          <p:cNvPr id="26" name="矩形 25"/>
+          <p:cNvSpPr/>
+          <p:nvPr/>
+        </p:nvSpPr>
+        <p:spPr>
+          <a:xfrm>
+            <a:off x="2411760" y="3072890"/>
+            <a:ext cx="2710763" cy="223127"/>
+          </a:xfrm>
+          <a:prstGeom prst="rect">
+            <a:avLst/>
+          </a:prstGeom>
+        </p:spPr>
+        <p:style>
+          <a:lnRef idx="1">
+            <a:schemeClr val="accent6"/>
+          </a:lnRef>
+          <a:fillRef idx="2">
+            <a:schemeClr val="accent6"/>
+          </a:fillRef>
+          <a:effectRef idx="1">
+            <a:schemeClr val="accent6"/>
+          </a:effectRef>
+          <a:fontRef idx="minor">
+            <a:schemeClr val="dk1"/>
+          </a:fontRef>
+        </p:style>
+        <p:txBody>
+          <a:bodyPr rtlCol="0" anchor="ctr"/>
+          <a:lstStyle/>
+          <a:p>
+            <a:pPr algn="ctr"/>
+            <a:r>
+              <a:rPr lang="en-US" altLang="zh-CN" sz="1200" smtClean="0"/>
+              <a:t>visualInfo:FRenderableInfo</a:t>
+            </a:r>
+            <a:endParaRPr lang="zh-CN" altLang="en-US" sz="1200"/>
+          </a:p>
+        </p:txBody>
+      </p:sp>
+      <p:cxnSp>
+        <p:nvCxnSpPr>
+          <p:cNvPr id="27" name="直接箭头连接符 12"/>
+          <p:cNvCxnSpPr>
+            <a:stCxn id="6" idx="2"/>
+            <a:endCxn id="26" idx="1"/>
+          </p:cNvCxnSpPr>
+          <p:nvPr/>
+        </p:nvCxnSpPr>
+        <p:spPr>
+          <a:xfrm rot="16200000" flipH="1">
+            <a:off x="1256714" y="2029407"/>
+            <a:ext cx="1688637" cy="621456"/>
+          </a:xfrm>
+          <a:prstGeom prst="bentConnector2">
+            <a:avLst/>
+          </a:prstGeom>
+          <a:ln w="28575">
+            <a:headEnd type="none" w="med" len="med"/>
+            <a:tailEnd type="triangle" w="med" len="lg"/>
+          </a:ln>
+        </p:spPr>
+        <p:style>
+          <a:lnRef idx="1">
+            <a:schemeClr val="accent1"/>
+          </a:lnRef>
+          <a:fillRef idx="0">
+            <a:schemeClr val="accent1"/>
+          </a:fillRef>
+          <a:effectRef idx="0">
+            <a:schemeClr val="accent1"/>
+          </a:effectRef>
+          <a:fontRef idx="minor">
+            <a:schemeClr val="tx1"/>
+          </a:fontRef>
+        </p:style>
+      </p:cxnSp>
+      <p:sp>
+        <p:nvSpPr>
+          <p:cNvPr id="41" name="矩形 40"/>
+          <p:cNvSpPr/>
+          <p:nvPr/>
+        </p:nvSpPr>
+        <p:spPr>
+          <a:xfrm>
+            <a:off x="2411759" y="6313250"/>
+            <a:ext cx="2710763" cy="223127"/>
+          </a:xfrm>
+          <a:prstGeom prst="rect">
+            <a:avLst/>
+          </a:prstGeom>
+        </p:spPr>
+        <p:style>
+          <a:lnRef idx="1">
+            <a:schemeClr val="accent5"/>
+          </a:lnRef>
+          <a:fillRef idx="2">
+            <a:schemeClr val="accent5"/>
+          </a:fillRef>
+          <a:effectRef idx="1">
+            <a:schemeClr val="accent5"/>
+          </a:effectRef>
+          <a:fontRef idx="minor">
+            <a:schemeClr val="dk1"/>
+          </a:fontRef>
+        </p:style>
+        <p:txBody>
+          <a:bodyPr rtlCol="0" anchor="ctr"/>
+          <a:lstStyle/>
+          <a:p>
+            <a:pPr algn="ctr"/>
+            <a:r>
+              <a:rPr lang="en-US" altLang="zh-CN" sz="1200" smtClean="0"/>
+              <a:t>indexBuffer:FRenderIndexBuffer</a:t>
+            </a:r>
+            <a:endParaRPr lang="zh-CN" altLang="en-US" sz="1200"/>
+          </a:p>
+        </p:txBody>
+      </p:sp>
+      <p:sp>
+        <p:nvSpPr>
+          <p:cNvPr id="49" name="矩形 48"/>
+          <p:cNvSpPr/>
+          <p:nvPr/>
+        </p:nvSpPr>
+        <p:spPr>
+          <a:xfrm>
+            <a:off x="2411760" y="3792970"/>
+            <a:ext cx="2710763" cy="223127"/>
+          </a:xfrm>
+          <a:prstGeom prst="rect">
+            <a:avLst/>
+          </a:prstGeom>
+        </p:spPr>
+        <p:style>
+          <a:lnRef idx="1">
+            <a:schemeClr val="accent6"/>
+          </a:lnRef>
+          <a:fillRef idx="2">
+            <a:schemeClr val="accent6"/>
+          </a:fillRef>
+          <a:effectRef idx="1">
+            <a:schemeClr val="accent6"/>
+          </a:effectRef>
+          <a:fontRef idx="minor">
+            <a:schemeClr val="dk1"/>
+          </a:fontRef>
+        </p:style>
+        <p:txBody>
+          <a:bodyPr rtlCol="0" anchor="ctr"/>
+          <a:lstStyle/>
+          <a:p>
+            <a:pPr algn="ctr"/>
+            <a:r>
+              <a:rPr lang="en-US" altLang="zh-CN" sz="1200" smtClean="0"/>
+              <a:t>effects:GRenderableEffectPtrs</a:t>
+            </a:r>
+            <a:endParaRPr lang="zh-CN" altLang="en-US" sz="1200"/>
+          </a:p>
+        </p:txBody>
+      </p:sp>
+      <p:cxnSp>
+        <p:nvCxnSpPr>
+          <p:cNvPr id="51" name="直接箭头连接符 12"/>
+          <p:cNvCxnSpPr>
+            <a:stCxn id="6" idx="2"/>
+            <a:endCxn id="7" idx="1"/>
+          </p:cNvCxnSpPr>
+          <p:nvPr/>
+        </p:nvCxnSpPr>
+        <p:spPr>
+          <a:xfrm rot="16200000" flipH="1">
+            <a:off x="-39431" y="3325551"/>
+            <a:ext cx="4280925" cy="621455"/>
+          </a:xfrm>
+          <a:prstGeom prst="bentConnector2">
+            <a:avLst/>
+          </a:prstGeom>
+          <a:ln w="28575">
+            <a:headEnd type="none" w="med" len="med"/>
+            <a:tailEnd type="triangle" w="med" len="lg"/>
+          </a:ln>
+        </p:spPr>
+        <p:style>
+          <a:lnRef idx="1">
+            <a:schemeClr val="accent1"/>
+          </a:lnRef>
+          <a:fillRef idx="0">
+            <a:schemeClr val="accent1"/>
+          </a:fillRef>
+          <a:effectRef idx="0">
+            <a:schemeClr val="accent1"/>
+          </a:effectRef>
+          <a:fontRef idx="minor">
+            <a:schemeClr val="tx1"/>
+          </a:fontRef>
+        </p:style>
+      </p:cxnSp>
+      <p:cxnSp>
+        <p:nvCxnSpPr>
+          <p:cNvPr id="54" name="直接箭头连接符 12"/>
+          <p:cNvCxnSpPr>
+            <a:stCxn id="6" idx="2"/>
+            <a:endCxn id="49" idx="1"/>
+          </p:cNvCxnSpPr>
+          <p:nvPr/>
+        </p:nvCxnSpPr>
+        <p:spPr>
+          <a:xfrm rot="16200000" flipH="1">
+            <a:off x="896674" y="2389447"/>
+            <a:ext cx="2408717" cy="621456"/>
+          </a:xfrm>
+          <a:prstGeom prst="bentConnector2">
+            <a:avLst/>
+          </a:prstGeom>
+          <a:ln w="28575">
+            <a:headEnd type="none" w="med" len="med"/>
+            <a:tailEnd type="triangle" w="med" len="lg"/>
+          </a:ln>
+        </p:spPr>
+        <p:style>
+          <a:lnRef idx="1">
+            <a:schemeClr val="accent1"/>
+          </a:lnRef>
+          <a:fillRef idx="0">
+            <a:schemeClr val="accent1"/>
+          </a:fillRef>
+          <a:effectRef idx="0">
+            <a:schemeClr val="accent1"/>
+          </a:effectRef>
+          <a:fontRef idx="minor">
+            <a:schemeClr val="tx1"/>
+          </a:fontRef>
+        </p:style>
+      </p:cxnSp>
+      <p:sp>
+        <p:nvSpPr>
+          <p:cNvPr id="58" name="矩形 57"/>
+          <p:cNvSpPr/>
+          <p:nvPr/>
+        </p:nvSpPr>
+        <p:spPr>
+          <a:xfrm>
+            <a:off x="2411760" y="3432930"/>
+            <a:ext cx="2710763" cy="223127"/>
+          </a:xfrm>
+          <a:prstGeom prst="rect">
+            <a:avLst/>
+          </a:prstGeom>
+        </p:spPr>
+        <p:style>
+          <a:lnRef idx="1">
+            <a:schemeClr val="accent5"/>
+          </a:lnRef>
+          <a:fillRef idx="2">
+            <a:schemeClr val="accent5"/>
+          </a:fillRef>
+          <a:effectRef idx="1">
+            <a:schemeClr val="accent5"/>
+          </a:effectRef>
+          <a:fontRef idx="minor">
+            <a:schemeClr val="dk1"/>
+          </a:fontRef>
+        </p:style>
+        <p:txBody>
+          <a:bodyPr rtlCol="0" anchor="ctr"/>
+          <a:lstStyle/>
+          <a:p>
+            <a:pPr algn="ctr"/>
+            <a:r>
+              <a:rPr lang="en-US" altLang="zh-CN" sz="1200" smtClean="0"/>
+              <a:t>activeEffect:FRenderableEffect</a:t>
+            </a:r>
+            <a:endParaRPr lang="zh-CN" altLang="en-US" sz="1200"/>
+          </a:p>
+        </p:txBody>
+      </p:sp>
+      <p:cxnSp>
+        <p:nvCxnSpPr>
+          <p:cNvPr id="59" name="直接箭头连接符 12"/>
+          <p:cNvCxnSpPr>
+            <a:stCxn id="6" idx="2"/>
+            <a:endCxn id="58" idx="1"/>
+          </p:cNvCxnSpPr>
+          <p:nvPr/>
+        </p:nvCxnSpPr>
+        <p:spPr>
+          <a:xfrm rot="16200000" flipH="1">
+            <a:off x="1076694" y="2209427"/>
+            <a:ext cx="2048677" cy="621456"/>
+          </a:xfrm>
+          <a:prstGeom prst="bentConnector2">
+            <a:avLst/>
+          </a:prstGeom>
+          <a:ln w="28575">
+            <a:headEnd type="none" w="med" len="med"/>
+            <a:tailEnd type="triangle" w="med" len="lg"/>
+          </a:ln>
+        </p:spPr>
+        <p:style>
+          <a:lnRef idx="1">
+            <a:schemeClr val="accent1"/>
+          </a:lnRef>
+          <a:fillRef idx="0">
+            <a:schemeClr val="accent1"/>
+          </a:fillRef>
+          <a:effectRef idx="0">
+            <a:schemeClr val="accent1"/>
+          </a:effectRef>
+          <a:fontRef idx="minor">
+            <a:schemeClr val="tx1"/>
+          </a:fontRef>
+        </p:style>
+      </p:cxnSp>
+      <p:sp>
+        <p:nvSpPr>
+          <p:cNvPr id="85" name="矩形 84"/>
+          <p:cNvSpPr/>
+          <p:nvPr/>
+        </p:nvSpPr>
+        <p:spPr>
+          <a:xfrm>
+            <a:off x="2411760" y="1992770"/>
+            <a:ext cx="2710763" cy="223127"/>
+          </a:xfrm>
+          <a:prstGeom prst="rect">
+            <a:avLst/>
+          </a:prstGeom>
+        </p:spPr>
+        <p:style>
+          <a:lnRef idx="1">
+            <a:schemeClr val="accent5"/>
+          </a:lnRef>
+          <a:fillRef idx="2">
+            <a:schemeClr val="accent5"/>
+          </a:fillRef>
+          <a:effectRef idx="1">
+            <a:schemeClr val="accent5"/>
+          </a:effectRef>
+          <a:fontRef idx="minor">
+            <a:schemeClr val="dk1"/>
+          </a:fontRef>
+        </p:style>
+        <p:txBody>
+          <a:bodyPr rtlCol="0" anchor="ctr"/>
+          <a:lstStyle/>
+          <a:p>
+            <a:pPr algn="ctr"/>
+            <a:r>
+              <a:rPr lang="en-US" altLang="zh-CN" sz="1200" smtClean="0"/>
+              <a:t>matrix:SMatrix3d</a:t>
+            </a:r>
+            <a:endParaRPr lang="zh-CN" altLang="en-US" sz="1200"/>
+          </a:p>
+        </p:txBody>
+      </p:sp>
+      <p:cxnSp>
+        <p:nvCxnSpPr>
+          <p:cNvPr id="86" name="直接箭头连接符 12"/>
+          <p:cNvCxnSpPr>
+            <a:stCxn id="6" idx="2"/>
+            <a:endCxn id="85" idx="1"/>
+          </p:cNvCxnSpPr>
+          <p:nvPr/>
+        </p:nvCxnSpPr>
+        <p:spPr>
+          <a:xfrm rot="16200000" flipH="1">
+            <a:off x="1796774" y="1489347"/>
+            <a:ext cx="608517" cy="621456"/>
+          </a:xfrm>
+          <a:prstGeom prst="bentConnector2">
+            <a:avLst/>
+          </a:prstGeom>
+          <a:ln w="28575">
+            <a:headEnd type="none" w="med" len="med"/>
+            <a:tailEnd type="triangle" w="med" len="lg"/>
+          </a:ln>
+        </p:spPr>
+        <p:style>
+          <a:lnRef idx="1">
+            <a:schemeClr val="accent1"/>
+          </a:lnRef>
+          <a:fillRef idx="0">
+            <a:schemeClr val="accent1"/>
+          </a:fillRef>
+          <a:effectRef idx="0">
+            <a:schemeClr val="accent1"/>
+          </a:effectRef>
+          <a:fontRef idx="minor">
+            <a:schemeClr val="tx1"/>
+          </a:fontRef>
+        </p:style>
+      </p:cxnSp>
+      <p:sp>
+        <p:nvSpPr>
+          <p:cNvPr id="110" name="矩形 109"/>
+          <p:cNvSpPr/>
+          <p:nvPr/>
+        </p:nvSpPr>
+        <p:spPr>
+          <a:xfrm>
+            <a:off x="2411760" y="1632730"/>
+            <a:ext cx="2710763" cy="223127"/>
+          </a:xfrm>
+          <a:prstGeom prst="rect">
+            <a:avLst/>
+          </a:prstGeom>
+        </p:spPr>
+        <p:style>
+          <a:lnRef idx="1">
+            <a:schemeClr val="accent5"/>
+          </a:lnRef>
+          <a:fillRef idx="2">
+            <a:schemeClr val="accent5"/>
+          </a:fillRef>
+          <a:effectRef idx="1">
+            <a:schemeClr val="accent5"/>
+          </a:effectRef>
+          <a:fontRef idx="minor">
+            <a:schemeClr val="dk1"/>
+          </a:fontRef>
+        </p:style>
+        <p:txBody>
+          <a:bodyPr rtlCol="0" anchor="ctr"/>
+          <a:lstStyle/>
+          <a:p>
+            <a:pPr algn="ctr"/>
+            <a:r>
+              <a:rPr lang="en-US" altLang="zh-CN" sz="1200" smtClean="0"/>
+              <a:t>options:SRenderableOptions</a:t>
+            </a:r>
+            <a:endParaRPr lang="zh-CN" altLang="en-US" sz="1200"/>
+          </a:p>
+        </p:txBody>
+      </p:sp>
+      <p:cxnSp>
+        <p:nvCxnSpPr>
+          <p:cNvPr id="111" name="直接箭头连接符 12"/>
+          <p:cNvCxnSpPr>
+            <a:stCxn id="6" idx="2"/>
+            <a:endCxn id="110" idx="1"/>
+          </p:cNvCxnSpPr>
+          <p:nvPr/>
+        </p:nvCxnSpPr>
+        <p:spPr>
+          <a:xfrm rot="16200000" flipH="1">
+            <a:off x="1976794" y="1309327"/>
+            <a:ext cx="248477" cy="621456"/>
+          </a:xfrm>
+          <a:prstGeom prst="bentConnector2">
+            <a:avLst/>
+          </a:prstGeom>
+          <a:ln w="28575">
+            <a:headEnd type="none" w="med" len="med"/>
+            <a:tailEnd type="triangle" w="med" len="lg"/>
+          </a:ln>
+        </p:spPr>
+        <p:style>
+          <a:lnRef idx="1">
+            <a:schemeClr val="accent1"/>
+          </a:lnRef>
+          <a:fillRef idx="0">
+            <a:schemeClr val="accent1"/>
+          </a:fillRef>
+          <a:effectRef idx="0">
+            <a:schemeClr val="accent1"/>
+          </a:effectRef>
+          <a:fontRef idx="minor">
+            <a:schemeClr val="tx1"/>
+          </a:fontRef>
+        </p:style>
+      </p:cxnSp>
+      <p:sp>
+        <p:nvSpPr>
+          <p:cNvPr id="124" name="TextBox 123"/>
+          <p:cNvSpPr txBox="1"/>
+          <p:nvPr/>
+        </p:nvSpPr>
+        <p:spPr>
+          <a:xfrm>
+            <a:off x="5254530" y="1632730"/>
+            <a:ext cx="3168353" cy="276999"/>
+          </a:xfrm>
+          <a:prstGeom prst="rect">
+            <a:avLst/>
+          </a:prstGeom>
+          <a:noFill/>
+        </p:spPr>
+        <p:txBody>
+          <a:bodyPr wrap="square" rtlCol="0">
+            <a:spAutoFit/>
+          </a:bodyPr>
+          <a:lstStyle/>
+          <a:p>
+            <a:r>
+              <a:rPr lang="zh-CN" altLang="en-US" sz="1200" smtClean="0"/>
+              <a:t>配置信息集合</a:t>
+            </a:r>
+            <a:endParaRPr lang="zh-CN" altLang="en-US" sz="1200"/>
+          </a:p>
+        </p:txBody>
+      </p:sp>
+      <p:sp>
+        <p:nvSpPr>
+          <p:cNvPr id="125" name="TextBox 124"/>
+          <p:cNvSpPr txBox="1"/>
+          <p:nvPr/>
+        </p:nvSpPr>
+        <p:spPr>
+          <a:xfrm>
+            <a:off x="5254530" y="1992770"/>
+            <a:ext cx="3168353" cy="276999"/>
+          </a:xfrm>
+          <a:prstGeom prst="rect">
+            <a:avLst/>
+          </a:prstGeom>
+          <a:noFill/>
+        </p:spPr>
+        <p:txBody>
+          <a:bodyPr wrap="square" rtlCol="0">
+            <a:spAutoFit/>
+          </a:bodyPr>
+          <a:lstStyle/>
+          <a:p>
+            <a:r>
+              <a:rPr lang="zh-CN" altLang="en-US" sz="1200" smtClean="0"/>
+              <a:t>空间矩阵</a:t>
+            </a:r>
+            <a:endParaRPr lang="zh-CN" altLang="en-US" sz="1200"/>
+          </a:p>
+        </p:txBody>
+      </p:sp>
+      <p:sp>
+        <p:nvSpPr>
+          <p:cNvPr id="126" name="TextBox 125"/>
+          <p:cNvSpPr txBox="1"/>
+          <p:nvPr/>
+        </p:nvSpPr>
+        <p:spPr>
+          <a:xfrm>
+            <a:off x="5254530" y="2352810"/>
+            <a:ext cx="3168353" cy="276999"/>
+          </a:xfrm>
+          <a:prstGeom prst="rect">
+            <a:avLst/>
+          </a:prstGeom>
+          <a:noFill/>
+        </p:spPr>
+        <p:txBody>
+          <a:bodyPr wrap="square" rtlCol="0">
+            <a:spAutoFit/>
+          </a:bodyPr>
+          <a:lstStyle/>
+          <a:p>
+            <a:r>
+              <a:rPr lang="zh-CN" altLang="en-US" sz="1200"/>
+              <a:t>当前</a:t>
+            </a:r>
+            <a:r>
+              <a:rPr lang="zh-CN" altLang="en-US" sz="1200" smtClean="0"/>
+              <a:t>材质（由参考材质和光源材质计算获得）</a:t>
+            </a:r>
+            <a:endParaRPr lang="zh-CN" altLang="en-US" sz="1200"/>
+          </a:p>
+        </p:txBody>
+      </p:sp>
+      <p:sp>
+        <p:nvSpPr>
+          <p:cNvPr id="127" name="TextBox 126"/>
+          <p:cNvSpPr txBox="1"/>
+          <p:nvPr/>
+        </p:nvSpPr>
+        <p:spPr>
+          <a:xfrm>
+            <a:off x="5254530" y="2712850"/>
+            <a:ext cx="3168353" cy="276999"/>
+          </a:xfrm>
+          <a:prstGeom prst="rect">
+            <a:avLst/>
+          </a:prstGeom>
+          <a:noFill/>
+        </p:spPr>
+        <p:txBody>
+          <a:bodyPr wrap="square" rtlCol="0">
+            <a:spAutoFit/>
+          </a:bodyPr>
+          <a:lstStyle/>
+          <a:p>
+            <a:r>
+              <a:rPr lang="zh-CN" altLang="en-US" sz="1200"/>
+              <a:t>参考</a:t>
+            </a:r>
+            <a:r>
+              <a:rPr lang="zh-CN" altLang="en-US" sz="1200" smtClean="0"/>
+              <a:t>材质</a:t>
+            </a:r>
+            <a:endParaRPr lang="zh-CN" altLang="en-US" sz="1200"/>
+          </a:p>
+        </p:txBody>
+      </p:sp>
+      <p:sp>
+        <p:nvSpPr>
+          <p:cNvPr id="128" name="TextBox 127"/>
+          <p:cNvSpPr txBox="1"/>
+          <p:nvPr/>
+        </p:nvSpPr>
+        <p:spPr>
+          <a:xfrm>
+            <a:off x="5254530" y="3072890"/>
+            <a:ext cx="3168353" cy="276999"/>
+          </a:xfrm>
+          <a:prstGeom prst="rect">
+            <a:avLst/>
+          </a:prstGeom>
+          <a:noFill/>
+        </p:spPr>
+        <p:txBody>
+          <a:bodyPr wrap="square" rtlCol="0">
+            <a:spAutoFit/>
+          </a:bodyPr>
+          <a:lstStyle/>
+          <a:p>
+            <a:r>
+              <a:rPr lang="zh-CN" altLang="en-US" sz="1200" smtClean="0"/>
+              <a:t>可见信息</a:t>
+            </a:r>
+            <a:r>
+              <a:rPr lang="zh-CN" altLang="en-US" sz="1200" smtClean="0"/>
+              <a:t>（空间排序和可视化处理用）</a:t>
+            </a:r>
+            <a:endParaRPr lang="zh-CN" altLang="en-US" sz="1200"/>
+          </a:p>
+        </p:txBody>
+      </p:sp>
+      <p:sp>
+        <p:nvSpPr>
+          <p:cNvPr id="129" name="TextBox 128"/>
+          <p:cNvSpPr txBox="1"/>
+          <p:nvPr/>
+        </p:nvSpPr>
+        <p:spPr>
+          <a:xfrm>
+            <a:off x="5254530" y="3432930"/>
+            <a:ext cx="3168353" cy="276999"/>
+          </a:xfrm>
+          <a:prstGeom prst="rect">
+            <a:avLst/>
+          </a:prstGeom>
+          <a:noFill/>
+        </p:spPr>
+        <p:txBody>
+          <a:bodyPr wrap="square" rtlCol="0">
+            <a:spAutoFit/>
+          </a:bodyPr>
+          <a:lstStyle/>
+          <a:p>
+            <a:r>
+              <a:rPr lang="zh-CN" altLang="en-US" sz="1200"/>
+              <a:t>当前</a:t>
+            </a:r>
+            <a:r>
+              <a:rPr lang="zh-CN" altLang="en-US" sz="1200"/>
+              <a:t>激活</a:t>
+            </a:r>
+            <a:r>
+              <a:rPr lang="zh-CN" altLang="en-US" sz="1200" smtClean="0"/>
+              <a:t>的效果器</a:t>
+            </a:r>
+            <a:endParaRPr lang="zh-CN" altLang="en-US" sz="1200"/>
+          </a:p>
+        </p:txBody>
+      </p:sp>
+      <p:sp>
+        <p:nvSpPr>
+          <p:cNvPr id="131" name="TextBox 130"/>
+          <p:cNvSpPr txBox="1"/>
+          <p:nvPr/>
+        </p:nvSpPr>
+        <p:spPr>
+          <a:xfrm>
+            <a:off x="5254529" y="5028139"/>
+            <a:ext cx="3168353" cy="276999"/>
+          </a:xfrm>
+          <a:prstGeom prst="rect">
+            <a:avLst/>
+          </a:prstGeom>
+          <a:noFill/>
+        </p:spPr>
+        <p:txBody>
+          <a:bodyPr wrap="square" rtlCol="0">
+            <a:spAutoFit/>
+          </a:bodyPr>
+          <a:lstStyle/>
+          <a:p>
+            <a:r>
+              <a:rPr lang="zh-CN" altLang="en-US" sz="1200"/>
+              <a:t>属性</a:t>
+            </a:r>
+            <a:r>
+              <a:rPr lang="zh-CN" altLang="en-US" sz="1200" smtClean="0"/>
+              <a:t>流集合</a:t>
+            </a:r>
+            <a:endParaRPr lang="zh-CN" altLang="en-US" sz="1200"/>
+          </a:p>
+        </p:txBody>
+      </p:sp>
+      <p:sp>
+        <p:nvSpPr>
+          <p:cNvPr id="132" name="TextBox 131"/>
+          <p:cNvSpPr txBox="1"/>
+          <p:nvPr/>
+        </p:nvSpPr>
+        <p:spPr>
+          <a:xfrm>
+            <a:off x="5254529" y="5665178"/>
+            <a:ext cx="3168353" cy="276999"/>
+          </a:xfrm>
+          <a:prstGeom prst="rect">
+            <a:avLst/>
+          </a:prstGeom>
+          <a:noFill/>
+        </p:spPr>
+        <p:txBody>
+          <a:bodyPr wrap="square" rtlCol="0">
+            <a:spAutoFit/>
+          </a:bodyPr>
+          <a:lstStyle/>
+          <a:p>
+            <a:r>
+              <a:rPr lang="zh-CN" altLang="en-US" sz="1200" smtClean="0"/>
+              <a:t>取样器集合</a:t>
+            </a:r>
+            <a:endParaRPr lang="zh-CN" altLang="en-US" sz="1200"/>
+          </a:p>
+        </p:txBody>
+      </p:sp>
+      <p:sp>
+        <p:nvSpPr>
+          <p:cNvPr id="133" name="TextBox 132"/>
+          <p:cNvSpPr txBox="1"/>
+          <p:nvPr/>
+        </p:nvSpPr>
+        <p:spPr>
+          <a:xfrm>
+            <a:off x="5254529" y="6313250"/>
+            <a:ext cx="3168353" cy="276999"/>
+          </a:xfrm>
+          <a:prstGeom prst="rect">
+            <a:avLst/>
+          </a:prstGeom>
+          <a:noFill/>
+        </p:spPr>
+        <p:txBody>
+          <a:bodyPr wrap="square" rtlCol="0">
+            <a:spAutoFit/>
+          </a:bodyPr>
+          <a:lstStyle/>
+          <a:p>
+            <a:r>
+              <a:rPr lang="zh-CN" altLang="en-US" sz="1200" smtClean="0"/>
+              <a:t>顶点索引缓冲</a:t>
+            </a:r>
+            <a:endParaRPr lang="zh-CN" altLang="en-US" sz="1200"/>
+          </a:p>
+        </p:txBody>
+      </p:sp>
+      <p:sp>
+        <p:nvSpPr>
+          <p:cNvPr id="138" name="矩形 137"/>
+          <p:cNvSpPr/>
+          <p:nvPr/>
+        </p:nvSpPr>
+        <p:spPr>
+          <a:xfrm>
+            <a:off x="4127943" y="4145907"/>
+            <a:ext cx="2710763" cy="223127"/>
+          </a:xfrm>
+          <a:prstGeom prst="rect">
+            <a:avLst/>
+          </a:prstGeom>
+        </p:spPr>
+        <p:style>
+          <a:lnRef idx="1">
+            <a:schemeClr val="accent3"/>
+          </a:lnRef>
+          <a:fillRef idx="2">
+            <a:schemeClr val="accent3"/>
+          </a:fillRef>
+          <a:effectRef idx="1">
+            <a:schemeClr val="accent3"/>
+          </a:effectRef>
+          <a:fontRef idx="minor">
+            <a:schemeClr val="dk1"/>
+          </a:fontRef>
+        </p:style>
+        <p:txBody>
+          <a:bodyPr rtlCol="0" anchor="ctr"/>
+          <a:lstStyle/>
+          <a:p>
+            <a:pPr algn="ctr"/>
+            <a:r>
+              <a:rPr lang="en-US" altLang="zh-CN" sz="1200" smtClean="0"/>
+              <a:t>effect:FRenderableEffect</a:t>
+            </a:r>
+            <a:endParaRPr lang="zh-CN" altLang="en-US" sz="1200"/>
+          </a:p>
+        </p:txBody>
+      </p:sp>
+      <p:cxnSp>
+        <p:nvCxnSpPr>
+          <p:cNvPr id="139" name="直接箭头连接符 12"/>
+          <p:cNvCxnSpPr>
+            <a:stCxn id="49" idx="2"/>
+            <a:endCxn id="138" idx="1"/>
+          </p:cNvCxnSpPr>
+          <p:nvPr/>
+        </p:nvCxnSpPr>
+        <p:spPr>
+          <a:xfrm rot="16200000" flipH="1">
+            <a:off x="3826855" y="3956383"/>
+            <a:ext cx="241374" cy="360801"/>
+          </a:xfrm>
+          <a:prstGeom prst="bentConnector2">
+            <a:avLst/>
+          </a:prstGeom>
+          <a:ln w="28575">
+            <a:headEnd type="none" w="med" len="med"/>
+            <a:tailEnd type="triangle" w="med" len="lg"/>
+          </a:ln>
+        </p:spPr>
+        <p:style>
+          <a:lnRef idx="1">
+            <a:schemeClr val="accent1"/>
+          </a:lnRef>
+          <a:fillRef idx="0">
+            <a:schemeClr val="accent1"/>
+          </a:fillRef>
+          <a:effectRef idx="0">
+            <a:schemeClr val="accent1"/>
+          </a:effectRef>
+          <a:fontRef idx="minor">
+            <a:schemeClr val="tx1"/>
+          </a:fontRef>
+        </p:style>
+      </p:cxnSp>
+      <p:sp>
+        <p:nvSpPr>
+          <p:cNvPr id="148" name="矩形 147"/>
+          <p:cNvSpPr/>
+          <p:nvPr/>
+        </p:nvSpPr>
+        <p:spPr>
+          <a:xfrm>
+            <a:off x="5865624" y="4729074"/>
+            <a:ext cx="2710763" cy="223127"/>
+          </a:xfrm>
+          <a:prstGeom prst="rect">
+            <a:avLst/>
+          </a:prstGeom>
+        </p:spPr>
+        <p:style>
+          <a:lnRef idx="1">
+            <a:schemeClr val="accent3"/>
+          </a:lnRef>
+          <a:fillRef idx="2">
+            <a:schemeClr val="accent3"/>
+          </a:fillRef>
+          <a:effectRef idx="1">
+            <a:schemeClr val="accent3"/>
+          </a:effectRef>
+          <a:fontRef idx="minor">
+            <a:schemeClr val="dk1"/>
+          </a:fontRef>
+        </p:style>
+        <p:txBody>
+          <a:bodyPr rtlCol="0" anchor="ctr"/>
+          <a:lstStyle/>
+          <a:p>
+            <a:pPr algn="ctr"/>
+            <a:r>
+              <a:rPr lang="en-US" altLang="zh-CN" sz="1200" smtClean="0"/>
+              <a:t>layout:FRenderableLayout</a:t>
+            </a:r>
+            <a:endParaRPr lang="zh-CN" altLang="en-US" sz="1200"/>
+          </a:p>
+        </p:txBody>
+      </p:sp>
+      <p:sp>
+        <p:nvSpPr>
+          <p:cNvPr id="149" name="矩形 148"/>
+          <p:cNvSpPr/>
+          <p:nvPr/>
+        </p:nvSpPr>
+        <p:spPr>
+          <a:xfrm>
+            <a:off x="5865625" y="4441042"/>
+            <a:ext cx="2710763" cy="223127"/>
+          </a:xfrm>
+          <a:prstGeom prst="rect">
+            <a:avLst/>
+          </a:prstGeom>
+        </p:spPr>
+        <p:style>
+          <a:lnRef idx="1">
+            <a:schemeClr val="accent3"/>
+          </a:lnRef>
+          <a:fillRef idx="2">
+            <a:schemeClr val="accent3"/>
+          </a:fillRef>
+          <a:effectRef idx="1">
+            <a:schemeClr val="accent3"/>
+          </a:effectRef>
+          <a:fontRef idx="minor">
+            <a:schemeClr val="dk1"/>
+          </a:fontRef>
+        </p:style>
+        <p:txBody>
+          <a:bodyPr rtlCol="0" anchor="ctr"/>
+          <a:lstStyle/>
+          <a:p>
+            <a:pPr algn="ctr"/>
+            <a:r>
+              <a:rPr lang="en-US" altLang="zh-CN" sz="1200" smtClean="0"/>
+              <a:t>effect:FEffect</a:t>
+            </a:r>
+            <a:endParaRPr lang="zh-CN" altLang="en-US" sz="1200"/>
+          </a:p>
+        </p:txBody>
+      </p:sp>
+      <p:cxnSp>
+        <p:nvCxnSpPr>
+          <p:cNvPr id="156" name="直接箭头连接符 12"/>
+          <p:cNvCxnSpPr>
+            <a:stCxn id="138" idx="2"/>
+            <a:endCxn id="149" idx="1"/>
+          </p:cNvCxnSpPr>
+          <p:nvPr/>
+        </p:nvCxnSpPr>
+        <p:spPr>
+          <a:xfrm rot="16200000" flipH="1">
+            <a:off x="5582689" y="4269670"/>
+            <a:ext cx="183572" cy="382300"/>
+          </a:xfrm>
+          <a:prstGeom prst="bentConnector2">
+            <a:avLst/>
+          </a:prstGeom>
+          <a:ln w="28575">
+            <a:headEnd type="none" w="med" len="med"/>
+            <a:tailEnd type="triangle" w="med" len="lg"/>
+          </a:ln>
+        </p:spPr>
+        <p:style>
+          <a:lnRef idx="1">
+            <a:schemeClr val="accent1"/>
+          </a:lnRef>
+          <a:fillRef idx="0">
+            <a:schemeClr val="accent1"/>
+          </a:fillRef>
+          <a:effectRef idx="0">
+            <a:schemeClr val="accent1"/>
+          </a:effectRef>
+          <a:fontRef idx="minor">
+            <a:schemeClr val="tx1"/>
+          </a:fontRef>
+        </p:style>
+      </p:cxnSp>
+      <p:cxnSp>
+        <p:nvCxnSpPr>
+          <p:cNvPr id="160" name="直接箭头连接符 12"/>
+          <p:cNvCxnSpPr>
+            <a:stCxn id="138" idx="2"/>
+            <a:endCxn id="148" idx="1"/>
+          </p:cNvCxnSpPr>
+          <p:nvPr/>
+        </p:nvCxnSpPr>
+        <p:spPr>
+          <a:xfrm rot="16200000" flipH="1">
+            <a:off x="5438672" y="4413686"/>
+            <a:ext cx="471604" cy="382299"/>
+          </a:xfrm>
+          <a:prstGeom prst="bentConnector2">
+            <a:avLst/>
+          </a:prstGeom>
+          <a:ln w="28575">
+            <a:headEnd type="none" w="med" len="med"/>
+            <a:tailEnd type="triangle" w="med" len="lg"/>
+          </a:ln>
+        </p:spPr>
+        <p:style>
+          <a:lnRef idx="1">
+            <a:schemeClr val="accent1"/>
+          </a:lnRef>
+          <a:fillRef idx="0">
+            <a:schemeClr val="accent1"/>
+          </a:fillRef>
+          <a:effectRef idx="0">
+            <a:schemeClr val="accent1"/>
+          </a:effectRef>
+          <a:fontRef idx="minor">
+            <a:schemeClr val="tx1"/>
+          </a:fontRef>
+        </p:style>
+      </p:cxnSp>
+    </p:spTree>
+    <p:extLst>
+      <p:ext uri="{BB962C8B-B14F-4D97-AF65-F5344CB8AC3E}">
+        <p14:creationId xmlns:p14="http://schemas.microsoft.com/office/powerpoint/2010/main" val="1077149208"/>
       </p:ext>
     </p:extLst>
   </p:cSld>

--- a/Document/渲染系统.pptx
+++ b/Document/渲染系统.pptx
@@ -295,7 +295,7 @@
           <a:p>
             <a:fld id="{530820CF-B880-4189-942D-D702A7CBA730}" type="datetimeFigureOut">
               <a:rPr lang="zh-CN" altLang="en-US" smtClean="0"/>
-              <a:t>2014/5/20</a:t>
+              <a:t>2014/5/22</a:t>
             </a:fld>
             <a:endParaRPr lang="zh-CN" altLang="en-US"/>
           </a:p>
@@ -460,7 +460,7 @@
           <a:p>
             <a:fld id="{530820CF-B880-4189-942D-D702A7CBA730}" type="datetimeFigureOut">
               <a:rPr lang="zh-CN" altLang="en-US" smtClean="0"/>
-              <a:t>2014/5/20</a:t>
+              <a:t>2014/5/22</a:t>
             </a:fld>
             <a:endParaRPr lang="zh-CN" altLang="en-US"/>
           </a:p>
@@ -635,7 +635,7 @@
           <a:p>
             <a:fld id="{530820CF-B880-4189-942D-D702A7CBA730}" type="datetimeFigureOut">
               <a:rPr lang="zh-CN" altLang="en-US" smtClean="0"/>
-              <a:t>2014/5/20</a:t>
+              <a:t>2014/5/22</a:t>
             </a:fld>
             <a:endParaRPr lang="zh-CN" altLang="en-US"/>
           </a:p>
@@ -800,7 +800,7 @@
           <a:p>
             <a:fld id="{530820CF-B880-4189-942D-D702A7CBA730}" type="datetimeFigureOut">
               <a:rPr lang="zh-CN" altLang="en-US" smtClean="0"/>
-              <a:t>2014/5/20</a:t>
+              <a:t>2014/5/22</a:t>
             </a:fld>
             <a:endParaRPr lang="zh-CN" altLang="en-US"/>
           </a:p>
@@ -1041,7 +1041,7 @@
           <a:p>
             <a:fld id="{530820CF-B880-4189-942D-D702A7CBA730}" type="datetimeFigureOut">
               <a:rPr lang="zh-CN" altLang="en-US" smtClean="0"/>
-              <a:t>2014/5/20</a:t>
+              <a:t>2014/5/22</a:t>
             </a:fld>
             <a:endParaRPr lang="zh-CN" altLang="en-US"/>
           </a:p>
@@ -1324,7 +1324,7 @@
           <a:p>
             <a:fld id="{530820CF-B880-4189-942D-D702A7CBA730}" type="datetimeFigureOut">
               <a:rPr lang="zh-CN" altLang="en-US" smtClean="0"/>
-              <a:t>2014/5/20</a:t>
+              <a:t>2014/5/22</a:t>
             </a:fld>
             <a:endParaRPr lang="zh-CN" altLang="en-US"/>
           </a:p>
@@ -1741,7 +1741,7 @@
           <a:p>
             <a:fld id="{530820CF-B880-4189-942D-D702A7CBA730}" type="datetimeFigureOut">
               <a:rPr lang="zh-CN" altLang="en-US" smtClean="0"/>
-              <a:t>2014/5/20</a:t>
+              <a:t>2014/5/22</a:t>
             </a:fld>
             <a:endParaRPr lang="zh-CN" altLang="en-US"/>
           </a:p>
@@ -1854,7 +1854,7 @@
           <a:p>
             <a:fld id="{530820CF-B880-4189-942D-D702A7CBA730}" type="datetimeFigureOut">
               <a:rPr lang="zh-CN" altLang="en-US" smtClean="0"/>
-              <a:t>2014/5/20</a:t>
+              <a:t>2014/5/22</a:t>
             </a:fld>
             <a:endParaRPr lang="zh-CN" altLang="en-US"/>
           </a:p>
@@ -1944,7 +1944,7 @@
           <a:p>
             <a:fld id="{530820CF-B880-4189-942D-D702A7CBA730}" type="datetimeFigureOut">
               <a:rPr lang="zh-CN" altLang="en-US" smtClean="0"/>
-              <a:t>2014/5/20</a:t>
+              <a:t>2014/5/22</a:t>
             </a:fld>
             <a:endParaRPr lang="zh-CN" altLang="en-US"/>
           </a:p>
@@ -2216,7 +2216,7 @@
           <a:p>
             <a:fld id="{530820CF-B880-4189-942D-D702A7CBA730}" type="datetimeFigureOut">
               <a:rPr lang="zh-CN" altLang="en-US" smtClean="0"/>
-              <a:t>2014/5/20</a:t>
+              <a:t>2014/5/22</a:t>
             </a:fld>
             <a:endParaRPr lang="zh-CN" altLang="en-US"/>
           </a:p>
@@ -2464,7 +2464,7 @@
           <a:p>
             <a:fld id="{530820CF-B880-4189-942D-D702A7CBA730}" type="datetimeFigureOut">
               <a:rPr lang="zh-CN" altLang="en-US" smtClean="0"/>
-              <a:t>2014/5/20</a:t>
+              <a:t>2014/5/22</a:t>
             </a:fld>
             <a:endParaRPr lang="zh-CN" altLang="en-US"/>
           </a:p>
@@ -2672,7 +2672,7 @@
           <a:p>
             <a:fld id="{530820CF-B880-4189-942D-D702A7CBA730}" type="datetimeFigureOut">
               <a:rPr lang="zh-CN" altLang="en-US" smtClean="0"/>
-              <a:t>2014/5/20</a:t>
+              <a:t>2014/5/22</a:t>
             </a:fld>
             <a:endParaRPr lang="zh-CN" altLang="en-US"/>
           </a:p>
@@ -4830,7 +4830,6 @@
               <a:rPr lang="zh-CN" altLang="en-US"/>
               <a:t>渲染代码生成</a:t>
             </a:r>
-            <a:endParaRPr lang="zh-CN" altLang="en-US"/>
           </a:p>
         </p:txBody>
       </p:sp>
@@ -5857,11 +5856,7 @@
             </a:r>
             <a:r>
               <a:rPr lang="zh-CN" altLang="en-US" sz="1200" smtClean="0"/>
-              <a:t>器根据模板环境定义，</a:t>
-            </a:r>
-            <a:r>
-              <a:rPr lang="zh-CN" altLang="en-US" sz="1200" smtClean="0"/>
-              <a:t>生成当前程序的</a:t>
+              <a:t>器根据模板环境定义，生成当前程序的</a:t>
             </a:r>
             <a:r>
               <a:rPr lang="zh-CN" altLang="en-US" sz="1200" b="1" smtClean="0">
@@ -6902,7 +6897,7 @@
         </p:nvSpPr>
         <p:spPr>
           <a:xfrm>
-            <a:off x="2411759" y="5665178"/>
+            <a:off x="2411759" y="6317614"/>
             <a:ext cx="2710763" cy="223127"/>
           </a:xfrm>
           <a:prstGeom prst="rect">
@@ -6947,8 +6942,8 @@
         </p:nvCxnSpPr>
         <p:spPr>
           <a:xfrm rot="16200000" flipH="1">
-            <a:off x="-363467" y="3649587"/>
-            <a:ext cx="4928997" cy="621455"/>
+            <a:off x="284763" y="3001358"/>
+            <a:ext cx="3632536" cy="621454"/>
           </a:xfrm>
           <a:prstGeom prst="bentConnector2">
             <a:avLst/>
@@ -7139,7 +7134,7 @@
         </p:nvSpPr>
         <p:spPr>
           <a:xfrm>
-            <a:off x="4199953" y="5953210"/>
+            <a:off x="4199953" y="6605646"/>
             <a:ext cx="2710763" cy="223127"/>
           </a:xfrm>
           <a:prstGeom prst="rect">
@@ -7184,7 +7179,7 @@
         </p:nvCxnSpPr>
         <p:spPr>
           <a:xfrm rot="16200000" flipH="1">
-            <a:off x="3895313" y="5760133"/>
+            <a:off x="3895313" y="6412569"/>
             <a:ext cx="176469" cy="432812"/>
           </a:xfrm>
           <a:prstGeom prst="bentConnector2">
@@ -7214,18 +7209,20 @@
         <p:nvCxnSpPr>
           <p:cNvPr id="42" name="直接箭头连接符 12"/>
           <p:cNvCxnSpPr>
-            <a:stCxn id="52" idx="2"/>
+            <a:stCxn id="52" idx="3"/>
             <a:endCxn id="47" idx="1"/>
           </p:cNvCxnSpPr>
           <p:nvPr/>
         </p:nvCxnSpPr>
         <p:spPr>
-          <a:xfrm rot="16200000" flipH="1">
-            <a:off x="3893192" y="5179087"/>
-            <a:ext cx="180710" cy="432812"/>
-          </a:xfrm>
-          <a:prstGeom prst="bentConnector2">
-            <a:avLst/>
+          <a:xfrm>
+            <a:off x="7199649" y="5507056"/>
+            <a:ext cx="396687" cy="24267"/>
+          </a:xfrm>
+          <a:prstGeom prst="bentConnector3">
+            <a:avLst>
+              <a:gd name="adj1" fmla="val 50000"/>
+            </a:avLst>
           </a:prstGeom>
           <a:ln w="28575">
             <a:headEnd type="none" w="med" len="med"/>
@@ -7255,7 +7252,7 @@
         </p:nvSpPr>
         <p:spPr>
           <a:xfrm>
-            <a:off x="4199953" y="5374284"/>
+            <a:off x="7596336" y="5419759"/>
             <a:ext cx="2710763" cy="223127"/>
           </a:xfrm>
           <a:prstGeom prst="rect">
@@ -7297,7 +7294,7 @@
         </p:nvSpPr>
         <p:spPr>
           <a:xfrm>
-            <a:off x="2411759" y="5082011"/>
+            <a:off x="4488886" y="5395492"/>
             <a:ext cx="2710763" cy="223127"/>
           </a:xfrm>
           <a:prstGeom prst="rect">
@@ -7335,15 +7332,15 @@
         <p:nvCxnSpPr>
           <p:cNvPr id="53" name="直接箭头连接符 12"/>
           <p:cNvCxnSpPr>
-            <a:stCxn id="6" idx="2"/>
+            <a:stCxn id="41" idx="2"/>
             <a:endCxn id="52" idx="1"/>
           </p:cNvCxnSpPr>
           <p:nvPr/>
         </p:nvCxnSpPr>
         <p:spPr>
           <a:xfrm rot="16200000" flipH="1">
-            <a:off x="252152" y="3033968"/>
-            <a:ext cx="3697758" cy="621455"/>
+            <a:off x="3994443" y="5012613"/>
+            <a:ext cx="267140" cy="721746"/>
           </a:xfrm>
           <a:prstGeom prst="bentConnector2">
             <a:avLst/>
@@ -7478,7 +7475,7 @@
         </p:nvSpPr>
         <p:spPr>
           <a:xfrm>
-            <a:off x="2411759" y="6313250"/>
+            <a:off x="2411758" y="5016789"/>
             <a:ext cx="2710763" cy="223127"/>
           </a:xfrm>
           <a:prstGeom prst="rect">
@@ -7487,13 +7484,13 @@
         </p:spPr>
         <p:style>
           <a:lnRef idx="1">
-            <a:schemeClr val="accent5"/>
+            <a:schemeClr val="accent6"/>
           </a:lnRef>
           <a:fillRef idx="2">
-            <a:schemeClr val="accent5"/>
+            <a:schemeClr val="accent6"/>
           </a:fillRef>
           <a:effectRef idx="1">
-            <a:schemeClr val="accent5"/>
+            <a:schemeClr val="accent6"/>
           </a:effectRef>
           <a:fontRef idx="minor">
             <a:schemeClr val="dk1"/>
@@ -7506,7 +7503,7 @@
             <a:pPr algn="ctr"/>
             <a:r>
               <a:rPr lang="en-US" altLang="zh-CN" sz="1200" smtClean="0"/>
-              <a:t>indexBuffer:FRenderIndexBuffer</a:t>
+              <a:t>data:FRenderableData</a:t>
             </a:r>
             <a:endParaRPr lang="zh-CN" altLang="en-US" sz="1200"/>
           </a:p>
@@ -7565,8 +7562,8 @@
         </p:nvCxnSpPr>
         <p:spPr>
           <a:xfrm rot="16200000" flipH="1">
-            <a:off x="-39431" y="3325551"/>
-            <a:ext cx="4280925" cy="621455"/>
+            <a:off x="-365649" y="3651769"/>
+            <a:ext cx="4933361" cy="621455"/>
           </a:xfrm>
           <a:prstGeom prst="bentConnector2">
             <a:avLst/>
@@ -8017,11 +8014,7 @@
           <a:p>
             <a:r>
               <a:rPr lang="zh-CN" altLang="en-US" sz="1200" smtClean="0"/>
-              <a:t>可见信息</a:t>
-            </a:r>
-            <a:r>
-              <a:rPr lang="zh-CN" altLang="en-US" sz="1200" smtClean="0"/>
-              <a:t>（空间排序和可视化处理用）</a:t>
+              <a:t>可见信息（空间排序和可视化处理用）</a:t>
             </a:r>
             <a:endParaRPr lang="zh-CN" altLang="en-US" sz="1200"/>
           </a:p>
@@ -8051,11 +8044,7 @@
           <a:p>
             <a:r>
               <a:rPr lang="zh-CN" altLang="en-US" sz="1200"/>
-              <a:t>当前</a:t>
-            </a:r>
-            <a:r>
-              <a:rPr lang="zh-CN" altLang="en-US" sz="1200"/>
-              <a:t>激活</a:t>
+              <a:t>当前激活</a:t>
             </a:r>
             <a:r>
               <a:rPr lang="zh-CN" altLang="en-US" sz="1200" smtClean="0"/>
@@ -8107,7 +8096,7 @@
         </p:nvSpPr>
         <p:spPr>
           <a:xfrm>
-            <a:off x="5254529" y="5665178"/>
+            <a:off x="7092280" y="6402241"/>
             <a:ext cx="3168353" cy="276999"/>
           </a:xfrm>
           <a:prstGeom prst="rect">
@@ -8372,6 +8361,85 @@
           <a:xfrm rot="16200000" flipH="1">
             <a:off x="5438672" y="4413686"/>
             <a:ext cx="471604" cy="382299"/>
+          </a:xfrm>
+          <a:prstGeom prst="bentConnector2">
+            <a:avLst/>
+          </a:prstGeom>
+          <a:ln w="28575">
+            <a:headEnd type="none" w="med" len="med"/>
+            <a:tailEnd type="triangle" w="med" len="lg"/>
+          </a:ln>
+        </p:spPr>
+        <p:style>
+          <a:lnRef idx="1">
+            <a:schemeClr val="accent1"/>
+          </a:lnRef>
+          <a:fillRef idx="0">
+            <a:schemeClr val="accent1"/>
+          </a:fillRef>
+          <a:effectRef idx="0">
+            <a:schemeClr val="accent1"/>
+          </a:effectRef>
+          <a:fontRef idx="minor">
+            <a:schemeClr val="tx1"/>
+          </a:fontRef>
+        </p:style>
+      </p:cxnSp>
+      <p:sp>
+        <p:nvSpPr>
+          <p:cNvPr id="50" name="矩形 49"/>
+          <p:cNvSpPr/>
+          <p:nvPr/>
+        </p:nvSpPr>
+        <p:spPr>
+          <a:xfrm>
+            <a:off x="4488886" y="5841305"/>
+            <a:ext cx="2710763" cy="223127"/>
+          </a:xfrm>
+          <a:prstGeom prst="rect">
+            <a:avLst/>
+          </a:prstGeom>
+        </p:spPr>
+        <p:style>
+          <a:lnRef idx="1">
+            <a:schemeClr val="accent5"/>
+          </a:lnRef>
+          <a:fillRef idx="2">
+            <a:schemeClr val="accent5"/>
+          </a:fillRef>
+          <a:effectRef idx="1">
+            <a:schemeClr val="accent5"/>
+          </a:effectRef>
+          <a:fontRef idx="minor">
+            <a:schemeClr val="dk1"/>
+          </a:fontRef>
+        </p:style>
+        <p:txBody>
+          <a:bodyPr rtlCol="0" anchor="ctr"/>
+          <a:lstStyle/>
+          <a:p>
+            <a:pPr algn="ctr"/>
+            <a:r>
+              <a:rPr lang="en-US" altLang="zh-CN" sz="1200" smtClean="0"/>
+              <a:t>indexBuffer:FRenderIndexBuffer</a:t>
+            </a:r>
+            <a:endParaRPr lang="zh-CN" altLang="en-US" sz="1200"/>
+          </a:p>
+        </p:txBody>
+      </p:sp>
+      <p:cxnSp>
+        <p:nvCxnSpPr>
+          <p:cNvPr id="55" name="直接箭头连接符 12"/>
+          <p:cNvCxnSpPr>
+            <a:stCxn id="41" idx="2"/>
+            <a:endCxn id="50" idx="1"/>
+          </p:cNvCxnSpPr>
+          <p:nvPr/>
+        </p:nvCxnSpPr>
+        <p:spPr>
+          <a:xfrm rot="16200000" flipH="1">
+            <a:off x="3771537" y="5235519"/>
+            <a:ext cx="712953" cy="721746"/>
           </a:xfrm>
           <a:prstGeom prst="bentConnector2">
             <a:avLst/>

--- a/Document/渲染系统.pptx
+++ b/Document/渲染系统.pptx
@@ -6897,7 +6897,7 @@
         </p:nvSpPr>
         <p:spPr>
           <a:xfrm>
-            <a:off x="2411759" y="6317614"/>
+            <a:off x="2411760" y="4608359"/>
             <a:ext cx="2710763" cy="223127"/>
           </a:xfrm>
           <a:prstGeom prst="rect">
@@ -6942,8 +6942,8 @@
         </p:nvCxnSpPr>
         <p:spPr>
           <a:xfrm rot="16200000" flipH="1">
-            <a:off x="284763" y="3001358"/>
-            <a:ext cx="3632536" cy="621454"/>
+            <a:off x="1060446" y="2225675"/>
+            <a:ext cx="2036266" cy="576550"/>
           </a:xfrm>
           <a:prstGeom prst="bentConnector2">
             <a:avLst/>
@@ -7134,7 +7134,7 @@
         </p:nvSpPr>
         <p:spPr>
           <a:xfrm>
-            <a:off x="4199953" y="6605646"/>
+            <a:off x="4199954" y="4896391"/>
             <a:ext cx="2710763" cy="223127"/>
           </a:xfrm>
           <a:prstGeom prst="rect">
@@ -7179,7 +7179,7 @@
         </p:nvCxnSpPr>
         <p:spPr>
           <a:xfrm rot="16200000" flipH="1">
-            <a:off x="3895313" y="6412569"/>
+            <a:off x="3895314" y="4703314"/>
             <a:ext cx="176469" cy="432812"/>
           </a:xfrm>
           <a:prstGeom prst="bentConnector2">
@@ -7216,7 +7216,7 @@
         </p:nvCxnSpPr>
         <p:spPr>
           <a:xfrm>
-            <a:off x="7199649" y="5507056"/>
+            <a:off x="7154745" y="3910786"/>
             <a:ext cx="396687" cy="24267"/>
           </a:xfrm>
           <a:prstGeom prst="bentConnector3">
@@ -7252,7 +7252,7 @@
         </p:nvSpPr>
         <p:spPr>
           <a:xfrm>
-            <a:off x="7596336" y="5419759"/>
+            <a:off x="7551432" y="3823489"/>
             <a:ext cx="2710763" cy="223127"/>
           </a:xfrm>
           <a:prstGeom prst="rect">
@@ -7294,7 +7294,7 @@
         </p:nvSpPr>
         <p:spPr>
           <a:xfrm>
-            <a:off x="4488886" y="5395492"/>
+            <a:off x="4443982" y="3799222"/>
             <a:ext cx="2710763" cy="223127"/>
           </a:xfrm>
           <a:prstGeom prst="rect">
@@ -7339,7 +7339,7 @@
         </p:nvCxnSpPr>
         <p:spPr>
           <a:xfrm rot="16200000" flipH="1">
-            <a:off x="3994443" y="5012613"/>
+            <a:off x="3949539" y="3416343"/>
             <a:ext cx="267140" cy="721746"/>
           </a:xfrm>
           <a:prstGeom prst="bentConnector2">
@@ -7475,7 +7475,7 @@
         </p:nvSpPr>
         <p:spPr>
           <a:xfrm>
-            <a:off x="2411758" y="5016789"/>
+            <a:off x="2366854" y="3420519"/>
             <a:ext cx="2710763" cy="223127"/>
           </a:xfrm>
           <a:prstGeom prst="rect">
@@ -7517,7 +7517,7 @@
         </p:nvSpPr>
         <p:spPr>
           <a:xfrm>
-            <a:off x="2411760" y="3792970"/>
+            <a:off x="2411761" y="5566289"/>
             <a:ext cx="2710763" cy="223127"/>
           </a:xfrm>
           <a:prstGeom prst="rect">
@@ -7562,8 +7562,8 @@
         </p:nvCxnSpPr>
         <p:spPr>
           <a:xfrm rot="16200000" flipH="1">
-            <a:off x="-365649" y="3651769"/>
-            <a:ext cx="4933361" cy="621455"/>
+            <a:off x="488979" y="2797142"/>
+            <a:ext cx="3224106" cy="621456"/>
           </a:xfrm>
           <a:prstGeom prst="bentConnector2">
             <a:avLst/>
@@ -7599,8 +7599,8 @@
         </p:nvCxnSpPr>
         <p:spPr>
           <a:xfrm rot="16200000" flipH="1">
-            <a:off x="896674" y="2389447"/>
-            <a:ext cx="2408717" cy="621456"/>
+            <a:off x="10014" y="3276106"/>
+            <a:ext cx="4182036" cy="621457"/>
           </a:xfrm>
           <a:prstGeom prst="bentConnector2">
             <a:avLst/>
@@ -7633,7 +7633,7 @@
         </p:nvSpPr>
         <p:spPr>
           <a:xfrm>
-            <a:off x="2411760" y="3432930"/>
+            <a:off x="2411761" y="5206249"/>
             <a:ext cx="2710763" cy="223127"/>
           </a:xfrm>
           <a:prstGeom prst="rect">
@@ -7678,8 +7678,8 @@
         </p:nvCxnSpPr>
         <p:spPr>
           <a:xfrm rot="16200000" flipH="1">
-            <a:off x="1076694" y="2209427"/>
-            <a:ext cx="2048677" cy="621456"/>
+            <a:off x="190034" y="3096086"/>
+            <a:ext cx="3821996" cy="621457"/>
           </a:xfrm>
           <a:prstGeom prst="bentConnector2">
             <a:avLst/>
@@ -8028,7 +8028,7 @@
         </p:nvSpPr>
         <p:spPr>
           <a:xfrm>
-            <a:off x="5254530" y="3432930"/>
+            <a:off x="6793801" y="836712"/>
             <a:ext cx="3168353" cy="276999"/>
           </a:xfrm>
           <a:prstGeom prst="rect">
@@ -8062,7 +8062,7 @@
         </p:nvSpPr>
         <p:spPr>
           <a:xfrm>
-            <a:off x="5254529" y="5028139"/>
+            <a:off x="5209625" y="3431869"/>
             <a:ext cx="3168353" cy="276999"/>
           </a:xfrm>
           <a:prstGeom prst="rect">
@@ -8096,7 +8096,7 @@
         </p:nvSpPr>
         <p:spPr>
           <a:xfrm>
-            <a:off x="7092280" y="6402241"/>
+            <a:off x="6910717" y="4919720"/>
             <a:ext cx="3168353" cy="276999"/>
           </a:xfrm>
           <a:prstGeom prst="rect">
@@ -8126,7 +8126,7 @@
         </p:nvSpPr>
         <p:spPr>
           <a:xfrm>
-            <a:off x="5254529" y="6313250"/>
+            <a:off x="7322636" y="4245035"/>
             <a:ext cx="3168353" cy="276999"/>
           </a:xfrm>
           <a:prstGeom prst="rect">
@@ -8156,7 +8156,7 @@
         </p:nvSpPr>
         <p:spPr>
           <a:xfrm>
-            <a:off x="4127943" y="4145907"/>
+            <a:off x="4127944" y="5919226"/>
             <a:ext cx="2710763" cy="223127"/>
           </a:xfrm>
           <a:prstGeom prst="rect">
@@ -8201,7 +8201,7 @@
         </p:nvCxnSpPr>
         <p:spPr>
           <a:xfrm rot="16200000" flipH="1">
-            <a:off x="3826855" y="3956383"/>
+            <a:off x="3826856" y="5729702"/>
             <a:ext cx="241374" cy="360801"/>
           </a:xfrm>
           <a:prstGeom prst="bentConnector2">
@@ -8235,7 +8235,7 @@
         </p:nvSpPr>
         <p:spPr>
           <a:xfrm>
-            <a:off x="5865624" y="4729074"/>
+            <a:off x="5865625" y="6502393"/>
             <a:ext cx="2710763" cy="223127"/>
           </a:xfrm>
           <a:prstGeom prst="rect">
@@ -8277,7 +8277,7 @@
         </p:nvSpPr>
         <p:spPr>
           <a:xfrm>
-            <a:off x="5865625" y="4441042"/>
+            <a:off x="5865626" y="6214361"/>
             <a:ext cx="2710763" cy="223127"/>
           </a:xfrm>
           <a:prstGeom prst="rect">
@@ -8322,7 +8322,7 @@
         </p:nvCxnSpPr>
         <p:spPr>
           <a:xfrm rot="16200000" flipH="1">
-            <a:off x="5582689" y="4269670"/>
+            <a:off x="5582690" y="6042989"/>
             <a:ext cx="183572" cy="382300"/>
           </a:xfrm>
           <a:prstGeom prst="bentConnector2">
@@ -8359,7 +8359,7 @@
         </p:nvCxnSpPr>
         <p:spPr>
           <a:xfrm rot="16200000" flipH="1">
-            <a:off x="5438672" y="4413686"/>
+            <a:off x="5438673" y="6187005"/>
             <a:ext cx="471604" cy="382299"/>
           </a:xfrm>
           <a:prstGeom prst="bentConnector2">
@@ -8393,7 +8393,7 @@
         </p:nvSpPr>
         <p:spPr>
           <a:xfrm>
-            <a:off x="4488886" y="5841305"/>
+            <a:off x="4443982" y="4245035"/>
             <a:ext cx="2710763" cy="223127"/>
           </a:xfrm>
           <a:prstGeom prst="rect">
@@ -8438,7 +8438,7 @@
         </p:nvCxnSpPr>
         <p:spPr>
           <a:xfrm rot="16200000" flipH="1">
-            <a:off x="3771537" y="5235519"/>
+            <a:off x="3726633" y="3639249"/>
             <a:ext cx="712953" cy="721746"/>
           </a:xfrm>
           <a:prstGeom prst="bentConnector2">

--- a/Document/渲染系统.pptx
+++ b/Document/渲染系统.pptx
@@ -11,8 +11,11 @@
     <p:sldId id="259" r:id="rId5"/>
     <p:sldId id="262" r:id="rId6"/>
     <p:sldId id="265" r:id="rId7"/>
-    <p:sldId id="263" r:id="rId8"/>
-    <p:sldId id="264" r:id="rId9"/>
+    <p:sldId id="266" r:id="rId8"/>
+    <p:sldId id="267" r:id="rId9"/>
+    <p:sldId id="268" r:id="rId10"/>
+    <p:sldId id="263" r:id="rId11"/>
+    <p:sldId id="264" r:id="rId12"/>
   </p:sldIdLst>
   <p:sldSz cx="9144000" cy="6858000" type="screen4x3"/>
   <p:notesSz cx="6858000" cy="9144000"/>
@@ -295,7 +298,7 @@
           <a:p>
             <a:fld id="{530820CF-B880-4189-942D-D702A7CBA730}" type="datetimeFigureOut">
               <a:rPr lang="zh-CN" altLang="en-US" smtClean="0"/>
-              <a:t>2014/5/22</a:t>
+              <a:t>2014/5/28</a:t>
             </a:fld>
             <a:endParaRPr lang="zh-CN" altLang="en-US"/>
           </a:p>
@@ -460,7 +463,7 @@
           <a:p>
             <a:fld id="{530820CF-B880-4189-942D-D702A7CBA730}" type="datetimeFigureOut">
               <a:rPr lang="zh-CN" altLang="en-US" smtClean="0"/>
-              <a:t>2014/5/22</a:t>
+              <a:t>2014/5/28</a:t>
             </a:fld>
             <a:endParaRPr lang="zh-CN" altLang="en-US"/>
           </a:p>
@@ -635,7 +638,7 @@
           <a:p>
             <a:fld id="{530820CF-B880-4189-942D-D702A7CBA730}" type="datetimeFigureOut">
               <a:rPr lang="zh-CN" altLang="en-US" smtClean="0"/>
-              <a:t>2014/5/22</a:t>
+              <a:t>2014/5/28</a:t>
             </a:fld>
             <a:endParaRPr lang="zh-CN" altLang="en-US"/>
           </a:p>
@@ -800,7 +803,7 @@
           <a:p>
             <a:fld id="{530820CF-B880-4189-942D-D702A7CBA730}" type="datetimeFigureOut">
               <a:rPr lang="zh-CN" altLang="en-US" smtClean="0"/>
-              <a:t>2014/5/22</a:t>
+              <a:t>2014/5/28</a:t>
             </a:fld>
             <a:endParaRPr lang="zh-CN" altLang="en-US"/>
           </a:p>
@@ -1041,7 +1044,7 @@
           <a:p>
             <a:fld id="{530820CF-B880-4189-942D-D702A7CBA730}" type="datetimeFigureOut">
               <a:rPr lang="zh-CN" altLang="en-US" smtClean="0"/>
-              <a:t>2014/5/22</a:t>
+              <a:t>2014/5/28</a:t>
             </a:fld>
             <a:endParaRPr lang="zh-CN" altLang="en-US"/>
           </a:p>
@@ -1324,7 +1327,7 @@
           <a:p>
             <a:fld id="{530820CF-B880-4189-942D-D702A7CBA730}" type="datetimeFigureOut">
               <a:rPr lang="zh-CN" altLang="en-US" smtClean="0"/>
-              <a:t>2014/5/22</a:t>
+              <a:t>2014/5/28</a:t>
             </a:fld>
             <a:endParaRPr lang="zh-CN" altLang="en-US"/>
           </a:p>
@@ -1741,7 +1744,7 @@
           <a:p>
             <a:fld id="{530820CF-B880-4189-942D-D702A7CBA730}" type="datetimeFigureOut">
               <a:rPr lang="zh-CN" altLang="en-US" smtClean="0"/>
-              <a:t>2014/5/22</a:t>
+              <a:t>2014/5/28</a:t>
             </a:fld>
             <a:endParaRPr lang="zh-CN" altLang="en-US"/>
           </a:p>
@@ -1854,7 +1857,7 @@
           <a:p>
             <a:fld id="{530820CF-B880-4189-942D-D702A7CBA730}" type="datetimeFigureOut">
               <a:rPr lang="zh-CN" altLang="en-US" smtClean="0"/>
-              <a:t>2014/5/22</a:t>
+              <a:t>2014/5/28</a:t>
             </a:fld>
             <a:endParaRPr lang="zh-CN" altLang="en-US"/>
           </a:p>
@@ -1944,7 +1947,7 @@
           <a:p>
             <a:fld id="{530820CF-B880-4189-942D-D702A7CBA730}" type="datetimeFigureOut">
               <a:rPr lang="zh-CN" altLang="en-US" smtClean="0"/>
-              <a:t>2014/5/22</a:t>
+              <a:t>2014/5/28</a:t>
             </a:fld>
             <a:endParaRPr lang="zh-CN" altLang="en-US"/>
           </a:p>
@@ -2216,7 +2219,7 @@
           <a:p>
             <a:fld id="{530820CF-B880-4189-942D-D702A7CBA730}" type="datetimeFigureOut">
               <a:rPr lang="zh-CN" altLang="en-US" smtClean="0"/>
-              <a:t>2014/5/22</a:t>
+              <a:t>2014/5/28</a:t>
             </a:fld>
             <a:endParaRPr lang="zh-CN" altLang="en-US"/>
           </a:p>
@@ -2464,7 +2467,7 @@
           <a:p>
             <a:fld id="{530820CF-B880-4189-942D-D702A7CBA730}" type="datetimeFigureOut">
               <a:rPr lang="zh-CN" altLang="en-US" smtClean="0"/>
-              <a:t>2014/5/22</a:t>
+              <a:t>2014/5/28</a:t>
             </a:fld>
             <a:endParaRPr lang="zh-CN" altLang="en-US"/>
           </a:p>
@@ -2672,7 +2675,7 @@
           <a:p>
             <a:fld id="{530820CF-B880-4189-942D-D702A7CBA730}" type="datetimeFigureOut">
               <a:rPr lang="zh-CN" altLang="en-US" smtClean="0"/>
-              <a:t>2014/5/22</a:t>
+              <a:t>2014/5/28</a:t>
             </a:fld>
             <a:endParaRPr lang="zh-CN" altLang="en-US"/>
           </a:p>
@@ -3100,6 +3103,2410 @@
 </p:sld>
 </file>
 
+<file path=ppt/slides/slide10.xml><?xml version="1.0" encoding="utf-8"?>
+<p:sld xmlns:a="http://schemas.openxmlformats.org/drawingml/2006/main" xmlns:r="http://schemas.openxmlformats.org/officeDocument/2006/relationships" xmlns:p="http://schemas.openxmlformats.org/presentationml/2006/main">
+  <p:cSld>
+    <p:spTree>
+      <p:nvGrpSpPr>
+        <p:cNvPr id="1" name=""/>
+        <p:cNvGrpSpPr/>
+        <p:nvPr/>
+      </p:nvGrpSpPr>
+      <p:grpSpPr>
+        <a:xfrm>
+          <a:off x="0" y="0"/>
+          <a:ext cx="0" cy="0"/>
+          <a:chOff x="0" y="0"/>
+          <a:chExt cx="0" cy="0"/>
+        </a:xfrm>
+      </p:grpSpPr>
+      <p:sp>
+        <p:nvSpPr>
+          <p:cNvPr id="6" name="矩形 5"/>
+          <p:cNvSpPr/>
+          <p:nvPr/>
+        </p:nvSpPr>
+        <p:spPr>
+          <a:xfrm>
+            <a:off x="773261" y="1735839"/>
+            <a:ext cx="2328113" cy="252028"/>
+          </a:xfrm>
+          <a:prstGeom prst="rect">
+            <a:avLst/>
+          </a:prstGeom>
+        </p:spPr>
+        <p:style>
+          <a:lnRef idx="1">
+            <a:schemeClr val="accent6"/>
+          </a:lnRef>
+          <a:fillRef idx="2">
+            <a:schemeClr val="accent6"/>
+          </a:fillRef>
+          <a:effectRef idx="1">
+            <a:schemeClr val="accent6"/>
+          </a:effectRef>
+          <a:fontRef idx="minor">
+            <a:schemeClr val="dk1"/>
+          </a:fontRef>
+        </p:style>
+        <p:txBody>
+          <a:bodyPr rtlCol="0" anchor="ctr"/>
+          <a:lstStyle/>
+          <a:p>
+            <a:pPr algn="ctr"/>
+            <a:r>
+              <a:rPr lang="en-US" altLang="zh-CN" sz="1200" smtClean="0"/>
+              <a:t>RenderProgram</a:t>
+            </a:r>
+            <a:endParaRPr lang="zh-CN" altLang="en-US" sz="1200"/>
+          </a:p>
+        </p:txBody>
+      </p:sp>
+      <p:sp>
+        <p:nvSpPr>
+          <p:cNvPr id="7" name="矩形 6"/>
+          <p:cNvSpPr/>
+          <p:nvPr/>
+        </p:nvSpPr>
+        <p:spPr>
+          <a:xfrm>
+            <a:off x="2351583" y="3454299"/>
+            <a:ext cx="2328113" cy="252028"/>
+          </a:xfrm>
+          <a:prstGeom prst="rect">
+            <a:avLst/>
+          </a:prstGeom>
+        </p:spPr>
+        <p:style>
+          <a:lnRef idx="1">
+            <a:schemeClr val="accent5"/>
+          </a:lnRef>
+          <a:fillRef idx="2">
+            <a:schemeClr val="accent5"/>
+          </a:fillRef>
+          <a:effectRef idx="1">
+            <a:schemeClr val="accent5"/>
+          </a:effectRef>
+          <a:fontRef idx="minor">
+            <a:schemeClr val="dk1"/>
+          </a:fontRef>
+        </p:style>
+        <p:txBody>
+          <a:bodyPr rtlCol="0" anchor="ctr"/>
+          <a:lstStyle/>
+          <a:p>
+            <a:pPr algn="ctr"/>
+            <a:r>
+              <a:rPr lang="en-US" altLang="zh-CN" sz="1200" smtClean="0"/>
+              <a:t>RenderProgramParameter</a:t>
+            </a:r>
+            <a:endParaRPr lang="zh-CN" altLang="en-US" sz="1200"/>
+          </a:p>
+        </p:txBody>
+      </p:sp>
+      <p:cxnSp>
+        <p:nvCxnSpPr>
+          <p:cNvPr id="18" name="直接箭头连接符 12"/>
+          <p:cNvCxnSpPr>
+            <a:stCxn id="6" idx="2"/>
+            <a:endCxn id="7" idx="1"/>
+          </p:cNvCxnSpPr>
+          <p:nvPr/>
+        </p:nvCxnSpPr>
+        <p:spPr>
+          <a:xfrm rot="16200000" flipH="1">
+            <a:off x="1348227" y="2576957"/>
+            <a:ext cx="1592446" cy="414265"/>
+          </a:xfrm>
+          <a:prstGeom prst="bentConnector2">
+            <a:avLst/>
+          </a:prstGeom>
+          <a:ln w="28575">
+            <a:headEnd type="none" w="med" len="med"/>
+            <a:tailEnd type="triangle" w="med" len="lg"/>
+          </a:ln>
+        </p:spPr>
+        <p:style>
+          <a:lnRef idx="1">
+            <a:schemeClr val="accent1"/>
+          </a:lnRef>
+          <a:fillRef idx="0">
+            <a:schemeClr val="accent1"/>
+          </a:fillRef>
+          <a:effectRef idx="0">
+            <a:schemeClr val="accent1"/>
+          </a:effectRef>
+          <a:fontRef idx="minor">
+            <a:schemeClr val="tx1"/>
+          </a:fontRef>
+        </p:style>
+      </p:cxnSp>
+      <p:sp>
+        <p:nvSpPr>
+          <p:cNvPr id="24" name="矩形 23"/>
+          <p:cNvSpPr/>
+          <p:nvPr/>
+        </p:nvSpPr>
+        <p:spPr>
+          <a:xfrm>
+            <a:off x="2351583" y="2165454"/>
+            <a:ext cx="2328113" cy="252028"/>
+          </a:xfrm>
+          <a:prstGeom prst="rect">
+            <a:avLst/>
+          </a:prstGeom>
+        </p:spPr>
+        <p:style>
+          <a:lnRef idx="1">
+            <a:schemeClr val="accent6"/>
+          </a:lnRef>
+          <a:fillRef idx="2">
+            <a:schemeClr val="accent6"/>
+          </a:fillRef>
+          <a:effectRef idx="1">
+            <a:schemeClr val="accent6"/>
+          </a:effectRef>
+          <a:fontRef idx="minor">
+            <a:schemeClr val="dk1"/>
+          </a:fontRef>
+        </p:style>
+        <p:txBody>
+          <a:bodyPr rtlCol="0" anchor="ctr"/>
+          <a:lstStyle/>
+          <a:p>
+            <a:pPr algn="ctr"/>
+            <a:r>
+              <a:rPr lang="en-US" altLang="zh-CN" sz="1200" smtClean="0"/>
+              <a:t>RenderVertexShader</a:t>
+            </a:r>
+            <a:endParaRPr lang="zh-CN" altLang="en-US" sz="1200"/>
+          </a:p>
+        </p:txBody>
+      </p:sp>
+      <p:cxnSp>
+        <p:nvCxnSpPr>
+          <p:cNvPr id="25" name="直接箭头连接符 12"/>
+          <p:cNvCxnSpPr>
+            <a:stCxn id="6" idx="2"/>
+            <a:endCxn id="24" idx="1"/>
+          </p:cNvCxnSpPr>
+          <p:nvPr/>
+        </p:nvCxnSpPr>
+        <p:spPr>
+          <a:xfrm rot="16200000" flipH="1">
+            <a:off x="1992650" y="1932534"/>
+            <a:ext cx="303601" cy="414265"/>
+          </a:xfrm>
+          <a:prstGeom prst="bentConnector2">
+            <a:avLst/>
+          </a:prstGeom>
+          <a:ln w="28575">
+            <a:headEnd type="none" w="med" len="med"/>
+            <a:tailEnd type="triangle" w="med" len="lg"/>
+          </a:ln>
+        </p:spPr>
+        <p:style>
+          <a:lnRef idx="1">
+            <a:schemeClr val="accent1"/>
+          </a:lnRef>
+          <a:fillRef idx="0">
+            <a:schemeClr val="accent1"/>
+          </a:fillRef>
+          <a:effectRef idx="0">
+            <a:schemeClr val="accent1"/>
+          </a:effectRef>
+          <a:fontRef idx="minor">
+            <a:schemeClr val="tx1"/>
+          </a:fontRef>
+        </p:style>
+      </p:cxnSp>
+      <p:sp>
+        <p:nvSpPr>
+          <p:cNvPr id="29" name="矩形 28"/>
+          <p:cNvSpPr/>
+          <p:nvPr/>
+        </p:nvSpPr>
+        <p:spPr>
+          <a:xfrm>
+            <a:off x="2351583" y="2595069"/>
+            <a:ext cx="2328113" cy="252028"/>
+          </a:xfrm>
+          <a:prstGeom prst="rect">
+            <a:avLst/>
+          </a:prstGeom>
+        </p:spPr>
+        <p:style>
+          <a:lnRef idx="1">
+            <a:schemeClr val="accent6"/>
+          </a:lnRef>
+          <a:fillRef idx="2">
+            <a:schemeClr val="accent6"/>
+          </a:fillRef>
+          <a:effectRef idx="1">
+            <a:schemeClr val="accent6"/>
+          </a:effectRef>
+          <a:fontRef idx="minor">
+            <a:schemeClr val="dk1"/>
+          </a:fontRef>
+        </p:style>
+        <p:txBody>
+          <a:bodyPr rtlCol="0" anchor="ctr"/>
+          <a:lstStyle/>
+          <a:p>
+            <a:pPr algn="ctr"/>
+            <a:r>
+              <a:rPr lang="en-US" altLang="zh-CN" sz="1200" smtClean="0"/>
+              <a:t>RenderFragmentShader</a:t>
+            </a:r>
+            <a:endParaRPr lang="zh-CN" altLang="en-US" sz="1200"/>
+          </a:p>
+        </p:txBody>
+      </p:sp>
+      <p:cxnSp>
+        <p:nvCxnSpPr>
+          <p:cNvPr id="30" name="直接箭头连接符 12"/>
+          <p:cNvCxnSpPr>
+            <a:stCxn id="6" idx="2"/>
+            <a:endCxn id="29" idx="1"/>
+          </p:cNvCxnSpPr>
+          <p:nvPr/>
+        </p:nvCxnSpPr>
+        <p:spPr>
+          <a:xfrm rot="16200000" flipH="1">
+            <a:off x="1777842" y="2147342"/>
+            <a:ext cx="733216" cy="414265"/>
+          </a:xfrm>
+          <a:prstGeom prst="bentConnector2">
+            <a:avLst/>
+          </a:prstGeom>
+          <a:ln w="28575">
+            <a:headEnd type="none" w="med" len="med"/>
+            <a:tailEnd type="triangle" w="med" len="lg"/>
+          </a:ln>
+        </p:spPr>
+        <p:style>
+          <a:lnRef idx="1">
+            <a:schemeClr val="accent1"/>
+          </a:lnRef>
+          <a:fillRef idx="0">
+            <a:schemeClr val="accent1"/>
+          </a:fillRef>
+          <a:effectRef idx="0">
+            <a:schemeClr val="accent1"/>
+          </a:effectRef>
+          <a:fontRef idx="minor">
+            <a:schemeClr val="tx1"/>
+          </a:fontRef>
+        </p:style>
+      </p:cxnSp>
+      <p:sp>
+        <p:nvSpPr>
+          <p:cNvPr id="38" name="矩形 37"/>
+          <p:cNvSpPr/>
+          <p:nvPr/>
+        </p:nvSpPr>
+        <p:spPr>
+          <a:xfrm>
+            <a:off x="2351583" y="3883914"/>
+            <a:ext cx="2328113" cy="252028"/>
+          </a:xfrm>
+          <a:prstGeom prst="rect">
+            <a:avLst/>
+          </a:prstGeom>
+        </p:spPr>
+        <p:style>
+          <a:lnRef idx="1">
+            <a:schemeClr val="accent5"/>
+          </a:lnRef>
+          <a:fillRef idx="2">
+            <a:schemeClr val="accent5"/>
+          </a:fillRef>
+          <a:effectRef idx="1">
+            <a:schemeClr val="accent5"/>
+          </a:effectRef>
+          <a:fontRef idx="minor">
+            <a:schemeClr val="dk1"/>
+          </a:fontRef>
+        </p:style>
+        <p:txBody>
+          <a:bodyPr rtlCol="0" anchor="ctr"/>
+          <a:lstStyle/>
+          <a:p>
+            <a:pPr algn="ctr"/>
+            <a:r>
+              <a:rPr lang="en-US" altLang="zh-CN" sz="1200"/>
+              <a:t>RenderProgramAttribute</a:t>
+            </a:r>
+            <a:endParaRPr lang="zh-CN" altLang="en-US" sz="1200"/>
+          </a:p>
+        </p:txBody>
+      </p:sp>
+      <p:cxnSp>
+        <p:nvCxnSpPr>
+          <p:cNvPr id="39" name="直接箭头连接符 12"/>
+          <p:cNvCxnSpPr>
+            <a:stCxn id="6" idx="2"/>
+            <a:endCxn id="38" idx="1"/>
+          </p:cNvCxnSpPr>
+          <p:nvPr/>
+        </p:nvCxnSpPr>
+        <p:spPr>
+          <a:xfrm rot="16200000" flipH="1">
+            <a:off x="1133420" y="2791764"/>
+            <a:ext cx="2022061" cy="414265"/>
+          </a:xfrm>
+          <a:prstGeom prst="bentConnector2">
+            <a:avLst/>
+          </a:prstGeom>
+          <a:ln w="28575">
+            <a:headEnd type="none" w="med" len="med"/>
+            <a:tailEnd type="triangle" w="med" len="lg"/>
+          </a:ln>
+        </p:spPr>
+        <p:style>
+          <a:lnRef idx="1">
+            <a:schemeClr val="accent1"/>
+          </a:lnRef>
+          <a:fillRef idx="0">
+            <a:schemeClr val="accent1"/>
+          </a:fillRef>
+          <a:effectRef idx="0">
+            <a:schemeClr val="accent1"/>
+          </a:effectRef>
+          <a:fontRef idx="minor">
+            <a:schemeClr val="tx1"/>
+          </a:fontRef>
+        </p:style>
+      </p:cxnSp>
+      <p:cxnSp>
+        <p:nvCxnSpPr>
+          <p:cNvPr id="42" name="直接箭头连接符 12"/>
+          <p:cNvCxnSpPr>
+            <a:stCxn id="6" idx="2"/>
+            <a:endCxn id="47" idx="1"/>
+          </p:cNvCxnSpPr>
+          <p:nvPr/>
+        </p:nvCxnSpPr>
+        <p:spPr>
+          <a:xfrm rot="16200000" flipH="1">
+            <a:off x="918613" y="3006571"/>
+            <a:ext cx="2451674" cy="414265"/>
+          </a:xfrm>
+          <a:prstGeom prst="bentConnector2">
+            <a:avLst/>
+          </a:prstGeom>
+          <a:ln w="28575">
+            <a:headEnd type="none" w="med" len="med"/>
+            <a:tailEnd type="triangle" w="med" len="lg"/>
+          </a:ln>
+        </p:spPr>
+        <p:style>
+          <a:lnRef idx="1">
+            <a:schemeClr val="accent1"/>
+          </a:lnRef>
+          <a:fillRef idx="0">
+            <a:schemeClr val="accent1"/>
+          </a:fillRef>
+          <a:effectRef idx="0">
+            <a:schemeClr val="accent1"/>
+          </a:effectRef>
+          <a:fontRef idx="minor">
+            <a:schemeClr val="tx1"/>
+          </a:fontRef>
+        </p:style>
+      </p:cxnSp>
+      <p:sp>
+        <p:nvSpPr>
+          <p:cNvPr id="47" name="矩形 46"/>
+          <p:cNvSpPr/>
+          <p:nvPr/>
+        </p:nvSpPr>
+        <p:spPr>
+          <a:xfrm>
+            <a:off x="2351583" y="4313527"/>
+            <a:ext cx="2328113" cy="252028"/>
+          </a:xfrm>
+          <a:prstGeom prst="rect">
+            <a:avLst/>
+          </a:prstGeom>
+        </p:spPr>
+        <p:style>
+          <a:lnRef idx="1">
+            <a:schemeClr val="accent5"/>
+          </a:lnRef>
+          <a:fillRef idx="2">
+            <a:schemeClr val="accent5"/>
+          </a:fillRef>
+          <a:effectRef idx="1">
+            <a:schemeClr val="accent5"/>
+          </a:effectRef>
+          <a:fontRef idx="minor">
+            <a:schemeClr val="dk1"/>
+          </a:fontRef>
+        </p:style>
+        <p:txBody>
+          <a:bodyPr rtlCol="0" anchor="ctr"/>
+          <a:lstStyle/>
+          <a:p>
+            <a:pPr algn="ctr"/>
+            <a:r>
+              <a:rPr lang="en-US" altLang="zh-CN" sz="1200"/>
+              <a:t>RenderProgramSampler</a:t>
+            </a:r>
+            <a:endParaRPr lang="zh-CN" altLang="en-US" sz="1200"/>
+          </a:p>
+        </p:txBody>
+      </p:sp>
+      <p:sp>
+        <p:nvSpPr>
+          <p:cNvPr id="52" name="矩形 51"/>
+          <p:cNvSpPr/>
+          <p:nvPr/>
+        </p:nvSpPr>
+        <p:spPr>
+          <a:xfrm>
+            <a:off x="2351583" y="3024684"/>
+            <a:ext cx="2328113" cy="252028"/>
+          </a:xfrm>
+          <a:prstGeom prst="rect">
+            <a:avLst/>
+          </a:prstGeom>
+        </p:spPr>
+        <p:style>
+          <a:lnRef idx="1">
+            <a:schemeClr val="accent5"/>
+          </a:lnRef>
+          <a:fillRef idx="2">
+            <a:schemeClr val="accent5"/>
+          </a:fillRef>
+          <a:effectRef idx="1">
+            <a:schemeClr val="accent5"/>
+          </a:effectRef>
+          <a:fontRef idx="minor">
+            <a:schemeClr val="dk1"/>
+          </a:fontRef>
+        </p:style>
+        <p:txBody>
+          <a:bodyPr rtlCol="0" anchor="ctr"/>
+          <a:lstStyle/>
+          <a:p>
+            <a:pPr algn="ctr"/>
+            <a:r>
+              <a:rPr lang="en-US" altLang="zh-CN" sz="1200" smtClean="0"/>
+              <a:t>Render</a:t>
+            </a:r>
+            <a:r>
+              <a:rPr lang="en-US" altLang="zh-CN" sz="1200"/>
+              <a:t>Program</a:t>
+            </a:r>
+            <a:r>
+              <a:rPr lang="en-US" altLang="zh-CN" sz="1200" smtClean="0"/>
+              <a:t>Buffer</a:t>
+            </a:r>
+            <a:endParaRPr lang="zh-CN" altLang="en-US" sz="1200"/>
+          </a:p>
+        </p:txBody>
+      </p:sp>
+      <p:cxnSp>
+        <p:nvCxnSpPr>
+          <p:cNvPr id="53" name="直接箭头连接符 12"/>
+          <p:cNvCxnSpPr>
+            <a:stCxn id="6" idx="2"/>
+            <a:endCxn id="52" idx="1"/>
+          </p:cNvCxnSpPr>
+          <p:nvPr/>
+        </p:nvCxnSpPr>
+        <p:spPr>
+          <a:xfrm rot="16200000" flipH="1">
+            <a:off x="1563035" y="2362149"/>
+            <a:ext cx="1162831" cy="414265"/>
+          </a:xfrm>
+          <a:prstGeom prst="bentConnector2">
+            <a:avLst/>
+          </a:prstGeom>
+          <a:ln w="28575">
+            <a:headEnd type="none" w="med" len="med"/>
+            <a:tailEnd type="triangle" w="med" len="lg"/>
+          </a:ln>
+        </p:spPr>
+        <p:style>
+          <a:lnRef idx="1">
+            <a:schemeClr val="accent1"/>
+          </a:lnRef>
+          <a:fillRef idx="0">
+            <a:schemeClr val="accent1"/>
+          </a:fillRef>
+          <a:effectRef idx="0">
+            <a:schemeClr val="accent1"/>
+          </a:effectRef>
+          <a:fontRef idx="minor">
+            <a:schemeClr val="tx1"/>
+          </a:fontRef>
+        </p:style>
+      </p:cxnSp>
+      <p:sp>
+        <p:nvSpPr>
+          <p:cNvPr id="70" name="标题 69"/>
+          <p:cNvSpPr>
+            <a:spLocks noGrp="1"/>
+          </p:cNvSpPr>
+          <p:nvPr>
+            <p:ph type="title"/>
+          </p:nvPr>
+        </p:nvSpPr>
+        <p:spPr/>
+        <p:txBody>
+          <a:bodyPr/>
+          <a:lstStyle/>
+          <a:p>
+            <a:r>
+              <a:rPr lang="zh-CN" altLang="en-US" smtClean="0"/>
+              <a:t>渲染程序结构</a:t>
+            </a:r>
+            <a:endParaRPr lang="zh-CN" altLang="en-US"/>
+          </a:p>
+        </p:txBody>
+      </p:sp>
+      <p:sp>
+        <p:nvSpPr>
+          <p:cNvPr id="73" name="TextBox 72"/>
+          <p:cNvSpPr txBox="1"/>
+          <p:nvPr/>
+        </p:nvSpPr>
+        <p:spPr>
+          <a:xfrm>
+            <a:off x="4862924" y="2152967"/>
+            <a:ext cx="3168353" cy="276999"/>
+          </a:xfrm>
+          <a:prstGeom prst="rect">
+            <a:avLst/>
+          </a:prstGeom>
+          <a:noFill/>
+        </p:spPr>
+        <p:txBody>
+          <a:bodyPr wrap="square" rtlCol="0">
+            <a:spAutoFit/>
+          </a:bodyPr>
+          <a:lstStyle/>
+          <a:p>
+            <a:r>
+              <a:rPr lang="zh-CN" altLang="en-US" sz="1200" smtClean="0"/>
+              <a:t>顶点渲染器</a:t>
+            </a:r>
+            <a:endParaRPr lang="zh-CN" altLang="en-US" sz="1200"/>
+          </a:p>
+        </p:txBody>
+      </p:sp>
+      <p:sp>
+        <p:nvSpPr>
+          <p:cNvPr id="74" name="TextBox 73"/>
+          <p:cNvSpPr txBox="1"/>
+          <p:nvPr/>
+        </p:nvSpPr>
+        <p:spPr>
+          <a:xfrm>
+            <a:off x="4862924" y="2582583"/>
+            <a:ext cx="3168353" cy="276999"/>
+          </a:xfrm>
+          <a:prstGeom prst="rect">
+            <a:avLst/>
+          </a:prstGeom>
+          <a:noFill/>
+        </p:spPr>
+        <p:txBody>
+          <a:bodyPr wrap="square" rtlCol="0">
+            <a:spAutoFit/>
+          </a:bodyPr>
+          <a:lstStyle/>
+          <a:p>
+            <a:r>
+              <a:rPr lang="zh-CN" altLang="en-US" sz="1200" smtClean="0"/>
+              <a:t>像素渲染器</a:t>
+            </a:r>
+            <a:endParaRPr lang="zh-CN" altLang="en-US" sz="1200"/>
+          </a:p>
+        </p:txBody>
+      </p:sp>
+      <p:sp>
+        <p:nvSpPr>
+          <p:cNvPr id="75" name="TextBox 74"/>
+          <p:cNvSpPr txBox="1"/>
+          <p:nvPr/>
+        </p:nvSpPr>
+        <p:spPr>
+          <a:xfrm>
+            <a:off x="4862924" y="3012198"/>
+            <a:ext cx="3168353" cy="276999"/>
+          </a:xfrm>
+          <a:prstGeom prst="rect">
+            <a:avLst/>
+          </a:prstGeom>
+          <a:noFill/>
+        </p:spPr>
+        <p:txBody>
+          <a:bodyPr wrap="square" rtlCol="0">
+            <a:spAutoFit/>
+          </a:bodyPr>
+          <a:lstStyle/>
+          <a:p>
+            <a:r>
+              <a:rPr lang="zh-CN" altLang="en-US" sz="1200" smtClean="0"/>
+              <a:t>程序缓冲</a:t>
+            </a:r>
+            <a:endParaRPr lang="zh-CN" altLang="en-US" sz="1200"/>
+          </a:p>
+        </p:txBody>
+      </p:sp>
+      <p:sp>
+        <p:nvSpPr>
+          <p:cNvPr id="76" name="TextBox 75"/>
+          <p:cNvSpPr txBox="1"/>
+          <p:nvPr/>
+        </p:nvSpPr>
+        <p:spPr>
+          <a:xfrm>
+            <a:off x="4862924" y="3441813"/>
+            <a:ext cx="3168353" cy="276999"/>
+          </a:xfrm>
+          <a:prstGeom prst="rect">
+            <a:avLst/>
+          </a:prstGeom>
+          <a:noFill/>
+        </p:spPr>
+        <p:txBody>
+          <a:bodyPr wrap="square" rtlCol="0">
+            <a:spAutoFit/>
+          </a:bodyPr>
+          <a:lstStyle/>
+          <a:p>
+            <a:r>
+              <a:rPr lang="zh-CN" altLang="en-US" sz="1200" smtClean="0"/>
+              <a:t>程序参数</a:t>
+            </a:r>
+            <a:endParaRPr lang="zh-CN" altLang="en-US" sz="1200"/>
+          </a:p>
+        </p:txBody>
+      </p:sp>
+      <p:sp>
+        <p:nvSpPr>
+          <p:cNvPr id="77" name="TextBox 76"/>
+          <p:cNvSpPr txBox="1"/>
+          <p:nvPr/>
+        </p:nvSpPr>
+        <p:spPr>
+          <a:xfrm>
+            <a:off x="4862924" y="3871428"/>
+            <a:ext cx="3168353" cy="276999"/>
+          </a:xfrm>
+          <a:prstGeom prst="rect">
+            <a:avLst/>
+          </a:prstGeom>
+          <a:noFill/>
+        </p:spPr>
+        <p:txBody>
+          <a:bodyPr wrap="square" rtlCol="0">
+            <a:spAutoFit/>
+          </a:bodyPr>
+          <a:lstStyle/>
+          <a:p>
+            <a:r>
+              <a:rPr lang="zh-CN" altLang="en-US" sz="1200" smtClean="0"/>
+              <a:t>程序属性</a:t>
+            </a:r>
+            <a:endParaRPr lang="zh-CN" altLang="en-US" sz="1200"/>
+          </a:p>
+        </p:txBody>
+      </p:sp>
+      <p:sp>
+        <p:nvSpPr>
+          <p:cNvPr id="78" name="TextBox 77"/>
+          <p:cNvSpPr txBox="1"/>
+          <p:nvPr/>
+        </p:nvSpPr>
+        <p:spPr>
+          <a:xfrm>
+            <a:off x="4862924" y="4301041"/>
+            <a:ext cx="3168353" cy="276999"/>
+          </a:xfrm>
+          <a:prstGeom prst="rect">
+            <a:avLst/>
+          </a:prstGeom>
+          <a:noFill/>
+        </p:spPr>
+        <p:txBody>
+          <a:bodyPr wrap="square" rtlCol="0">
+            <a:spAutoFit/>
+          </a:bodyPr>
+          <a:lstStyle/>
+          <a:p>
+            <a:r>
+              <a:rPr lang="zh-CN" altLang="en-US" sz="1200" smtClean="0"/>
+              <a:t>程序取样器</a:t>
+            </a:r>
+            <a:endParaRPr lang="zh-CN" altLang="en-US" sz="1200"/>
+          </a:p>
+        </p:txBody>
+      </p:sp>
+    </p:spTree>
+    <p:extLst>
+      <p:ext uri="{BB962C8B-B14F-4D97-AF65-F5344CB8AC3E}">
+        <p14:creationId xmlns:p14="http://schemas.microsoft.com/office/powerpoint/2010/main" val="3410901558"/>
+      </p:ext>
+    </p:extLst>
+  </p:cSld>
+  <p:clrMapOvr>
+    <a:masterClrMapping/>
+  </p:clrMapOvr>
+</p:sld>
+</file>
+
+<file path=ppt/slides/slide11.xml><?xml version="1.0" encoding="utf-8"?>
+<p:sld xmlns:a="http://schemas.openxmlformats.org/drawingml/2006/main" xmlns:r="http://schemas.openxmlformats.org/officeDocument/2006/relationships" xmlns:p="http://schemas.openxmlformats.org/presentationml/2006/main">
+  <p:cSld>
+    <p:spTree>
+      <p:nvGrpSpPr>
+        <p:cNvPr id="1" name=""/>
+        <p:cNvGrpSpPr/>
+        <p:nvPr/>
+      </p:nvGrpSpPr>
+      <p:grpSpPr>
+        <a:xfrm>
+          <a:off x="0" y="0"/>
+          <a:ext cx="0" cy="0"/>
+          <a:chOff x="0" y="0"/>
+          <a:chExt cx="0" cy="0"/>
+        </a:xfrm>
+      </p:grpSpPr>
+      <p:sp>
+        <p:nvSpPr>
+          <p:cNvPr id="6" name="矩形 5"/>
+          <p:cNvSpPr/>
+          <p:nvPr/>
+        </p:nvSpPr>
+        <p:spPr>
+          <a:xfrm>
+            <a:off x="434922" y="1272690"/>
+            <a:ext cx="2710763" cy="223127"/>
+          </a:xfrm>
+          <a:prstGeom prst="rect">
+            <a:avLst/>
+          </a:prstGeom>
+        </p:spPr>
+        <p:style>
+          <a:lnRef idx="1">
+            <a:schemeClr val="accent6"/>
+          </a:lnRef>
+          <a:fillRef idx="2">
+            <a:schemeClr val="accent6"/>
+          </a:fillRef>
+          <a:effectRef idx="1">
+            <a:schemeClr val="accent6"/>
+          </a:effectRef>
+          <a:fontRef idx="minor">
+            <a:schemeClr val="dk1"/>
+          </a:fontRef>
+        </p:style>
+        <p:txBody>
+          <a:bodyPr rtlCol="0" anchor="ctr"/>
+          <a:lstStyle/>
+          <a:p>
+            <a:pPr algn="ctr"/>
+            <a:r>
+              <a:rPr lang="en-US" altLang="zh-CN" sz="1200" smtClean="0"/>
+              <a:t>Renderable:FRenderable</a:t>
+            </a:r>
+            <a:endParaRPr lang="zh-CN" altLang="en-US" sz="1200"/>
+          </a:p>
+        </p:txBody>
+      </p:sp>
+      <p:sp>
+        <p:nvSpPr>
+          <p:cNvPr id="7" name="矩形 6"/>
+          <p:cNvSpPr/>
+          <p:nvPr/>
+        </p:nvSpPr>
+        <p:spPr>
+          <a:xfrm>
+            <a:off x="2411760" y="4608359"/>
+            <a:ext cx="2710763" cy="223127"/>
+          </a:xfrm>
+          <a:prstGeom prst="rect">
+            <a:avLst/>
+          </a:prstGeom>
+        </p:spPr>
+        <p:style>
+          <a:lnRef idx="1">
+            <a:schemeClr val="accent5"/>
+          </a:lnRef>
+          <a:fillRef idx="2">
+            <a:schemeClr val="accent5"/>
+          </a:fillRef>
+          <a:effectRef idx="1">
+            <a:schemeClr val="accent5"/>
+          </a:effectRef>
+          <a:fontRef idx="minor">
+            <a:schemeClr val="dk1"/>
+          </a:fontRef>
+        </p:style>
+        <p:txBody>
+          <a:bodyPr rtlCol="0" anchor="ctr"/>
+          <a:lstStyle/>
+          <a:p>
+            <a:pPr algn="ctr"/>
+            <a:r>
+              <a:rPr lang="en-US" altLang="zh-CN" sz="1200" smtClean="0"/>
+              <a:t>samplers:GRenderableParameterPtrs</a:t>
+            </a:r>
+            <a:endParaRPr lang="zh-CN" altLang="en-US" sz="1200"/>
+          </a:p>
+        </p:txBody>
+      </p:sp>
+      <p:cxnSp>
+        <p:nvCxnSpPr>
+          <p:cNvPr id="18" name="直接箭头连接符 12"/>
+          <p:cNvCxnSpPr>
+            <a:stCxn id="6" idx="2"/>
+            <a:endCxn id="41" idx="1"/>
+          </p:cNvCxnSpPr>
+          <p:nvPr/>
+        </p:nvCxnSpPr>
+        <p:spPr>
+          <a:xfrm rot="16200000" flipH="1">
+            <a:off x="1060446" y="2225675"/>
+            <a:ext cx="2036266" cy="576550"/>
+          </a:xfrm>
+          <a:prstGeom prst="bentConnector2">
+            <a:avLst/>
+          </a:prstGeom>
+          <a:ln w="28575">
+            <a:headEnd type="none" w="med" len="med"/>
+            <a:tailEnd type="triangle" w="med" len="lg"/>
+          </a:ln>
+        </p:spPr>
+        <p:style>
+          <a:lnRef idx="1">
+            <a:schemeClr val="accent1"/>
+          </a:lnRef>
+          <a:fillRef idx="0">
+            <a:schemeClr val="accent1"/>
+          </a:fillRef>
+          <a:effectRef idx="0">
+            <a:schemeClr val="accent1"/>
+          </a:effectRef>
+          <a:fontRef idx="minor">
+            <a:schemeClr val="tx1"/>
+          </a:fontRef>
+        </p:style>
+      </p:cxnSp>
+      <p:sp>
+        <p:nvSpPr>
+          <p:cNvPr id="24" name="矩形 23"/>
+          <p:cNvSpPr/>
+          <p:nvPr/>
+        </p:nvSpPr>
+        <p:spPr>
+          <a:xfrm>
+            <a:off x="2411760" y="2352810"/>
+            <a:ext cx="2710763" cy="223127"/>
+          </a:xfrm>
+          <a:prstGeom prst="rect">
+            <a:avLst/>
+          </a:prstGeom>
+        </p:spPr>
+        <p:style>
+          <a:lnRef idx="1">
+            <a:schemeClr val="accent6"/>
+          </a:lnRef>
+          <a:fillRef idx="2">
+            <a:schemeClr val="accent6"/>
+          </a:fillRef>
+          <a:effectRef idx="1">
+            <a:schemeClr val="accent6"/>
+          </a:effectRef>
+          <a:fontRef idx="minor">
+            <a:schemeClr val="dk1"/>
+          </a:fontRef>
+        </p:style>
+        <p:txBody>
+          <a:bodyPr rtlCol="0" anchor="ctr"/>
+          <a:lstStyle/>
+          <a:p>
+            <a:pPr algn="ctr"/>
+            <a:r>
+              <a:rPr lang="en-US" altLang="zh-CN" sz="1200" smtClean="0"/>
+              <a:t>material:FMaterial</a:t>
+            </a:r>
+            <a:endParaRPr lang="zh-CN" altLang="en-US" sz="1200"/>
+          </a:p>
+        </p:txBody>
+      </p:sp>
+      <p:cxnSp>
+        <p:nvCxnSpPr>
+          <p:cNvPr id="25" name="直接箭头连接符 12"/>
+          <p:cNvCxnSpPr>
+            <a:stCxn id="6" idx="2"/>
+            <a:endCxn id="24" idx="1"/>
+          </p:cNvCxnSpPr>
+          <p:nvPr/>
+        </p:nvCxnSpPr>
+        <p:spPr>
+          <a:xfrm rot="16200000" flipH="1">
+            <a:off x="1616754" y="1669367"/>
+            <a:ext cx="968557" cy="621456"/>
+          </a:xfrm>
+          <a:prstGeom prst="bentConnector2">
+            <a:avLst/>
+          </a:prstGeom>
+          <a:ln w="28575">
+            <a:headEnd type="none" w="med" len="med"/>
+            <a:tailEnd type="triangle" w="med" len="lg"/>
+          </a:ln>
+        </p:spPr>
+        <p:style>
+          <a:lnRef idx="1">
+            <a:schemeClr val="accent1"/>
+          </a:lnRef>
+          <a:fillRef idx="0">
+            <a:schemeClr val="accent1"/>
+          </a:fillRef>
+          <a:effectRef idx="0">
+            <a:schemeClr val="accent1"/>
+          </a:effectRef>
+          <a:fontRef idx="minor">
+            <a:schemeClr val="tx1"/>
+          </a:fontRef>
+        </p:style>
+      </p:cxnSp>
+      <p:sp>
+        <p:nvSpPr>
+          <p:cNvPr id="29" name="矩形 28"/>
+          <p:cNvSpPr/>
+          <p:nvPr/>
+        </p:nvSpPr>
+        <p:spPr>
+          <a:xfrm>
+            <a:off x="2411760" y="2712850"/>
+            <a:ext cx="2710763" cy="223127"/>
+          </a:xfrm>
+          <a:prstGeom prst="rect">
+            <a:avLst/>
+          </a:prstGeom>
+        </p:spPr>
+        <p:style>
+          <a:lnRef idx="1">
+            <a:schemeClr val="accent6"/>
+          </a:lnRef>
+          <a:fillRef idx="2">
+            <a:schemeClr val="accent6"/>
+          </a:fillRef>
+          <a:effectRef idx="1">
+            <a:schemeClr val="accent6"/>
+          </a:effectRef>
+          <a:fontRef idx="minor">
+            <a:schemeClr val="dk1"/>
+          </a:fontRef>
+        </p:style>
+        <p:txBody>
+          <a:bodyPr rtlCol="0" anchor="ctr"/>
+          <a:lstStyle/>
+          <a:p>
+            <a:pPr algn="ctr"/>
+            <a:r>
+              <a:rPr lang="en-US" altLang="zh-CN" sz="1200" smtClean="0"/>
+              <a:t>materialReference:FMaterial</a:t>
+            </a:r>
+            <a:endParaRPr lang="zh-CN" altLang="en-US" sz="1200"/>
+          </a:p>
+        </p:txBody>
+      </p:sp>
+      <p:cxnSp>
+        <p:nvCxnSpPr>
+          <p:cNvPr id="30" name="直接箭头连接符 12"/>
+          <p:cNvCxnSpPr>
+            <a:stCxn id="6" idx="2"/>
+            <a:endCxn id="29" idx="1"/>
+          </p:cNvCxnSpPr>
+          <p:nvPr/>
+        </p:nvCxnSpPr>
+        <p:spPr>
+          <a:xfrm rot="16200000" flipH="1">
+            <a:off x="1436734" y="1849387"/>
+            <a:ext cx="1328597" cy="621456"/>
+          </a:xfrm>
+          <a:prstGeom prst="bentConnector2">
+            <a:avLst/>
+          </a:prstGeom>
+          <a:ln w="28575">
+            <a:headEnd type="none" w="med" len="med"/>
+            <a:tailEnd type="triangle" w="med" len="lg"/>
+          </a:ln>
+        </p:spPr>
+        <p:style>
+          <a:lnRef idx="1">
+            <a:schemeClr val="accent1"/>
+          </a:lnRef>
+          <a:fillRef idx="0">
+            <a:schemeClr val="accent1"/>
+          </a:fillRef>
+          <a:effectRef idx="0">
+            <a:schemeClr val="accent1"/>
+          </a:effectRef>
+          <a:fontRef idx="minor">
+            <a:schemeClr val="tx1"/>
+          </a:fontRef>
+        </p:style>
+      </p:cxnSp>
+      <p:sp>
+        <p:nvSpPr>
+          <p:cNvPr id="38" name="矩形 37"/>
+          <p:cNvSpPr/>
+          <p:nvPr/>
+        </p:nvSpPr>
+        <p:spPr>
+          <a:xfrm>
+            <a:off x="4199954" y="4896391"/>
+            <a:ext cx="2710763" cy="223127"/>
+          </a:xfrm>
+          <a:prstGeom prst="rect">
+            <a:avLst/>
+          </a:prstGeom>
+        </p:spPr>
+        <p:style>
+          <a:lnRef idx="1">
+            <a:schemeClr val="accent3"/>
+          </a:lnRef>
+          <a:fillRef idx="2">
+            <a:schemeClr val="accent3"/>
+          </a:fillRef>
+          <a:effectRef idx="1">
+            <a:schemeClr val="accent3"/>
+          </a:effectRef>
+          <a:fontRef idx="minor">
+            <a:schemeClr val="dk1"/>
+          </a:fontRef>
+        </p:style>
+        <p:txBody>
+          <a:bodyPr rtlCol="0" anchor="ctr"/>
+          <a:lstStyle/>
+          <a:p>
+            <a:pPr algn="ctr"/>
+            <a:r>
+              <a:rPr lang="en-US" altLang="zh-CN" sz="1200" smtClean="0"/>
+              <a:t>texture:FRenderTexture</a:t>
+            </a:r>
+            <a:endParaRPr lang="zh-CN" altLang="en-US" sz="1200"/>
+          </a:p>
+        </p:txBody>
+      </p:sp>
+      <p:cxnSp>
+        <p:nvCxnSpPr>
+          <p:cNvPr id="39" name="直接箭头连接符 12"/>
+          <p:cNvCxnSpPr>
+            <a:stCxn id="7" idx="2"/>
+            <a:endCxn id="38" idx="1"/>
+          </p:cNvCxnSpPr>
+          <p:nvPr/>
+        </p:nvCxnSpPr>
+        <p:spPr>
+          <a:xfrm rot="16200000" flipH="1">
+            <a:off x="3895314" y="4703314"/>
+            <a:ext cx="176469" cy="432812"/>
+          </a:xfrm>
+          <a:prstGeom prst="bentConnector2">
+            <a:avLst/>
+          </a:prstGeom>
+          <a:ln w="28575">
+            <a:headEnd type="none" w="med" len="med"/>
+            <a:tailEnd type="triangle" w="med" len="lg"/>
+          </a:ln>
+        </p:spPr>
+        <p:style>
+          <a:lnRef idx="1">
+            <a:schemeClr val="accent1"/>
+          </a:lnRef>
+          <a:fillRef idx="0">
+            <a:schemeClr val="accent1"/>
+          </a:fillRef>
+          <a:effectRef idx="0">
+            <a:schemeClr val="accent1"/>
+          </a:effectRef>
+          <a:fontRef idx="minor">
+            <a:schemeClr val="tx1"/>
+          </a:fontRef>
+        </p:style>
+      </p:cxnSp>
+      <p:cxnSp>
+        <p:nvCxnSpPr>
+          <p:cNvPr id="42" name="直接箭头连接符 12"/>
+          <p:cNvCxnSpPr>
+            <a:stCxn id="52" idx="3"/>
+            <a:endCxn id="47" idx="1"/>
+          </p:cNvCxnSpPr>
+          <p:nvPr/>
+        </p:nvCxnSpPr>
+        <p:spPr>
+          <a:xfrm>
+            <a:off x="7154745" y="3910786"/>
+            <a:ext cx="396687" cy="24267"/>
+          </a:xfrm>
+          <a:prstGeom prst="bentConnector3">
+            <a:avLst>
+              <a:gd name="adj1" fmla="val 50000"/>
+            </a:avLst>
+          </a:prstGeom>
+          <a:ln w="28575">
+            <a:headEnd type="none" w="med" len="med"/>
+            <a:tailEnd type="triangle" w="med" len="lg"/>
+          </a:ln>
+        </p:spPr>
+        <p:style>
+          <a:lnRef idx="1">
+            <a:schemeClr val="accent1"/>
+          </a:lnRef>
+          <a:fillRef idx="0">
+            <a:schemeClr val="accent1"/>
+          </a:fillRef>
+          <a:effectRef idx="0">
+            <a:schemeClr val="accent1"/>
+          </a:effectRef>
+          <a:fontRef idx="minor">
+            <a:schemeClr val="tx1"/>
+          </a:fontRef>
+        </p:style>
+      </p:cxnSp>
+      <p:sp>
+        <p:nvSpPr>
+          <p:cNvPr id="47" name="矩形 46"/>
+          <p:cNvSpPr/>
+          <p:nvPr/>
+        </p:nvSpPr>
+        <p:spPr>
+          <a:xfrm>
+            <a:off x="7551432" y="3823489"/>
+            <a:ext cx="2710763" cy="223127"/>
+          </a:xfrm>
+          <a:prstGeom prst="rect">
+            <a:avLst/>
+          </a:prstGeom>
+        </p:spPr>
+        <p:style>
+          <a:lnRef idx="1">
+            <a:schemeClr val="accent3"/>
+          </a:lnRef>
+          <a:fillRef idx="2">
+            <a:schemeClr val="accent3"/>
+          </a:fillRef>
+          <a:effectRef idx="1">
+            <a:schemeClr val="accent3"/>
+          </a:effectRef>
+          <a:fontRef idx="minor">
+            <a:schemeClr val="dk1"/>
+          </a:fontRef>
+        </p:style>
+        <p:txBody>
+          <a:bodyPr rtlCol="0" anchor="ctr"/>
+          <a:lstStyle/>
+          <a:p>
+            <a:pPr algn="ctr"/>
+            <a:r>
+              <a:rPr lang="en-US" altLang="zh-CN" sz="1200" smtClean="0"/>
+              <a:t>vertexBuffer:FRenderVertexBuffer</a:t>
+            </a:r>
+            <a:endParaRPr lang="zh-CN" altLang="en-US" sz="1200"/>
+          </a:p>
+        </p:txBody>
+      </p:sp>
+      <p:sp>
+        <p:nvSpPr>
+          <p:cNvPr id="52" name="矩形 51"/>
+          <p:cNvSpPr/>
+          <p:nvPr/>
+        </p:nvSpPr>
+        <p:spPr>
+          <a:xfrm>
+            <a:off x="4443982" y="3799222"/>
+            <a:ext cx="2710763" cy="223127"/>
+          </a:xfrm>
+          <a:prstGeom prst="rect">
+            <a:avLst/>
+          </a:prstGeom>
+        </p:spPr>
+        <p:style>
+          <a:lnRef idx="1">
+            <a:schemeClr val="accent5"/>
+          </a:lnRef>
+          <a:fillRef idx="2">
+            <a:schemeClr val="accent5"/>
+          </a:fillRef>
+          <a:effectRef idx="1">
+            <a:schemeClr val="accent5"/>
+          </a:effectRef>
+          <a:fontRef idx="minor">
+            <a:schemeClr val="dk1"/>
+          </a:fontRef>
+        </p:style>
+        <p:txBody>
+          <a:bodyPr rtlCol="0" anchor="ctr"/>
+          <a:lstStyle/>
+          <a:p>
+            <a:pPr algn="ctr"/>
+            <a:r>
+              <a:rPr lang="en-US" altLang="zh-CN" sz="1200" smtClean="0"/>
+              <a:t>attributes:GRenderableAttributePtrs</a:t>
+            </a:r>
+            <a:endParaRPr lang="zh-CN" altLang="en-US" sz="1200"/>
+          </a:p>
+        </p:txBody>
+      </p:sp>
+      <p:cxnSp>
+        <p:nvCxnSpPr>
+          <p:cNvPr id="53" name="直接箭头连接符 12"/>
+          <p:cNvCxnSpPr>
+            <a:stCxn id="41" idx="2"/>
+            <a:endCxn id="52" idx="1"/>
+          </p:cNvCxnSpPr>
+          <p:nvPr/>
+        </p:nvCxnSpPr>
+        <p:spPr>
+          <a:xfrm rot="16200000" flipH="1">
+            <a:off x="3949539" y="3416343"/>
+            <a:ext cx="267140" cy="721746"/>
+          </a:xfrm>
+          <a:prstGeom prst="bentConnector2">
+            <a:avLst/>
+          </a:prstGeom>
+          <a:ln w="28575">
+            <a:headEnd type="none" w="med" len="med"/>
+            <a:tailEnd type="triangle" w="med" len="lg"/>
+          </a:ln>
+        </p:spPr>
+        <p:style>
+          <a:lnRef idx="1">
+            <a:schemeClr val="accent1"/>
+          </a:lnRef>
+          <a:fillRef idx="0">
+            <a:schemeClr val="accent1"/>
+          </a:fillRef>
+          <a:effectRef idx="0">
+            <a:schemeClr val="accent1"/>
+          </a:effectRef>
+          <a:fontRef idx="minor">
+            <a:schemeClr val="tx1"/>
+          </a:fontRef>
+        </p:style>
+      </p:cxnSp>
+      <p:sp>
+        <p:nvSpPr>
+          <p:cNvPr id="70" name="标题 69"/>
+          <p:cNvSpPr>
+            <a:spLocks noGrp="1"/>
+          </p:cNvSpPr>
+          <p:nvPr>
+            <p:ph type="title"/>
+          </p:nvPr>
+        </p:nvSpPr>
+        <p:spPr/>
+        <p:txBody>
+          <a:bodyPr/>
+          <a:lstStyle/>
+          <a:p>
+            <a:r>
+              <a:rPr lang="zh-CN" altLang="en-US" smtClean="0"/>
+              <a:t>渲染对象结构</a:t>
+            </a:r>
+            <a:endParaRPr lang="zh-CN" altLang="en-US"/>
+          </a:p>
+        </p:txBody>
+      </p:sp>
+      <p:sp>
+        <p:nvSpPr>
+          <p:cNvPr id="26" name="矩形 25"/>
+          <p:cNvSpPr/>
+          <p:nvPr/>
+        </p:nvSpPr>
+        <p:spPr>
+          <a:xfrm>
+            <a:off x="2411760" y="3072890"/>
+            <a:ext cx="2710763" cy="223127"/>
+          </a:xfrm>
+          <a:prstGeom prst="rect">
+            <a:avLst/>
+          </a:prstGeom>
+        </p:spPr>
+        <p:style>
+          <a:lnRef idx="1">
+            <a:schemeClr val="accent6"/>
+          </a:lnRef>
+          <a:fillRef idx="2">
+            <a:schemeClr val="accent6"/>
+          </a:fillRef>
+          <a:effectRef idx="1">
+            <a:schemeClr val="accent6"/>
+          </a:effectRef>
+          <a:fontRef idx="minor">
+            <a:schemeClr val="dk1"/>
+          </a:fontRef>
+        </p:style>
+        <p:txBody>
+          <a:bodyPr rtlCol="0" anchor="ctr"/>
+          <a:lstStyle/>
+          <a:p>
+            <a:pPr algn="ctr"/>
+            <a:r>
+              <a:rPr lang="en-US" altLang="zh-CN" sz="1200" smtClean="0"/>
+              <a:t>visualInfo:FRenderableInfo</a:t>
+            </a:r>
+            <a:endParaRPr lang="zh-CN" altLang="en-US" sz="1200"/>
+          </a:p>
+        </p:txBody>
+      </p:sp>
+      <p:cxnSp>
+        <p:nvCxnSpPr>
+          <p:cNvPr id="27" name="直接箭头连接符 12"/>
+          <p:cNvCxnSpPr>
+            <a:stCxn id="6" idx="2"/>
+            <a:endCxn id="26" idx="1"/>
+          </p:cNvCxnSpPr>
+          <p:nvPr/>
+        </p:nvCxnSpPr>
+        <p:spPr>
+          <a:xfrm rot="16200000" flipH="1">
+            <a:off x="1256714" y="2029407"/>
+            <a:ext cx="1688637" cy="621456"/>
+          </a:xfrm>
+          <a:prstGeom prst="bentConnector2">
+            <a:avLst/>
+          </a:prstGeom>
+          <a:ln w="28575">
+            <a:headEnd type="none" w="med" len="med"/>
+            <a:tailEnd type="triangle" w="med" len="lg"/>
+          </a:ln>
+        </p:spPr>
+        <p:style>
+          <a:lnRef idx="1">
+            <a:schemeClr val="accent1"/>
+          </a:lnRef>
+          <a:fillRef idx="0">
+            <a:schemeClr val="accent1"/>
+          </a:fillRef>
+          <a:effectRef idx="0">
+            <a:schemeClr val="accent1"/>
+          </a:effectRef>
+          <a:fontRef idx="minor">
+            <a:schemeClr val="tx1"/>
+          </a:fontRef>
+        </p:style>
+      </p:cxnSp>
+      <p:sp>
+        <p:nvSpPr>
+          <p:cNvPr id="41" name="矩形 40"/>
+          <p:cNvSpPr/>
+          <p:nvPr/>
+        </p:nvSpPr>
+        <p:spPr>
+          <a:xfrm>
+            <a:off x="2366854" y="3420519"/>
+            <a:ext cx="2710763" cy="223127"/>
+          </a:xfrm>
+          <a:prstGeom prst="rect">
+            <a:avLst/>
+          </a:prstGeom>
+        </p:spPr>
+        <p:style>
+          <a:lnRef idx="1">
+            <a:schemeClr val="accent6"/>
+          </a:lnRef>
+          <a:fillRef idx="2">
+            <a:schemeClr val="accent6"/>
+          </a:fillRef>
+          <a:effectRef idx="1">
+            <a:schemeClr val="accent6"/>
+          </a:effectRef>
+          <a:fontRef idx="minor">
+            <a:schemeClr val="dk1"/>
+          </a:fontRef>
+        </p:style>
+        <p:txBody>
+          <a:bodyPr rtlCol="0" anchor="ctr"/>
+          <a:lstStyle/>
+          <a:p>
+            <a:pPr algn="ctr"/>
+            <a:r>
+              <a:rPr lang="en-US" altLang="zh-CN" sz="1200" smtClean="0"/>
+              <a:t>data:FRenderableData</a:t>
+            </a:r>
+            <a:endParaRPr lang="zh-CN" altLang="en-US" sz="1200"/>
+          </a:p>
+        </p:txBody>
+      </p:sp>
+      <p:sp>
+        <p:nvSpPr>
+          <p:cNvPr id="49" name="矩形 48"/>
+          <p:cNvSpPr/>
+          <p:nvPr/>
+        </p:nvSpPr>
+        <p:spPr>
+          <a:xfrm>
+            <a:off x="2411761" y="5566289"/>
+            <a:ext cx="2710763" cy="223127"/>
+          </a:xfrm>
+          <a:prstGeom prst="rect">
+            <a:avLst/>
+          </a:prstGeom>
+        </p:spPr>
+        <p:style>
+          <a:lnRef idx="1">
+            <a:schemeClr val="accent6"/>
+          </a:lnRef>
+          <a:fillRef idx="2">
+            <a:schemeClr val="accent6"/>
+          </a:fillRef>
+          <a:effectRef idx="1">
+            <a:schemeClr val="accent6"/>
+          </a:effectRef>
+          <a:fontRef idx="minor">
+            <a:schemeClr val="dk1"/>
+          </a:fontRef>
+        </p:style>
+        <p:txBody>
+          <a:bodyPr rtlCol="0" anchor="ctr"/>
+          <a:lstStyle/>
+          <a:p>
+            <a:pPr algn="ctr"/>
+            <a:r>
+              <a:rPr lang="en-US" altLang="zh-CN" sz="1200" smtClean="0"/>
+              <a:t>effects:GRenderableEffectPtrs</a:t>
+            </a:r>
+            <a:endParaRPr lang="zh-CN" altLang="en-US" sz="1200"/>
+          </a:p>
+        </p:txBody>
+      </p:sp>
+      <p:cxnSp>
+        <p:nvCxnSpPr>
+          <p:cNvPr id="51" name="直接箭头连接符 12"/>
+          <p:cNvCxnSpPr>
+            <a:stCxn id="6" idx="2"/>
+            <a:endCxn id="7" idx="1"/>
+          </p:cNvCxnSpPr>
+          <p:nvPr/>
+        </p:nvCxnSpPr>
+        <p:spPr>
+          <a:xfrm rot="16200000" flipH="1">
+            <a:off x="488979" y="2797142"/>
+            <a:ext cx="3224106" cy="621456"/>
+          </a:xfrm>
+          <a:prstGeom prst="bentConnector2">
+            <a:avLst/>
+          </a:prstGeom>
+          <a:ln w="28575">
+            <a:headEnd type="none" w="med" len="med"/>
+            <a:tailEnd type="triangle" w="med" len="lg"/>
+          </a:ln>
+        </p:spPr>
+        <p:style>
+          <a:lnRef idx="1">
+            <a:schemeClr val="accent1"/>
+          </a:lnRef>
+          <a:fillRef idx="0">
+            <a:schemeClr val="accent1"/>
+          </a:fillRef>
+          <a:effectRef idx="0">
+            <a:schemeClr val="accent1"/>
+          </a:effectRef>
+          <a:fontRef idx="minor">
+            <a:schemeClr val="tx1"/>
+          </a:fontRef>
+        </p:style>
+      </p:cxnSp>
+      <p:cxnSp>
+        <p:nvCxnSpPr>
+          <p:cNvPr id="54" name="直接箭头连接符 12"/>
+          <p:cNvCxnSpPr>
+            <a:stCxn id="6" idx="2"/>
+            <a:endCxn id="49" idx="1"/>
+          </p:cNvCxnSpPr>
+          <p:nvPr/>
+        </p:nvCxnSpPr>
+        <p:spPr>
+          <a:xfrm rot="16200000" flipH="1">
+            <a:off x="10014" y="3276106"/>
+            <a:ext cx="4182036" cy="621457"/>
+          </a:xfrm>
+          <a:prstGeom prst="bentConnector2">
+            <a:avLst/>
+          </a:prstGeom>
+          <a:ln w="28575">
+            <a:headEnd type="none" w="med" len="med"/>
+            <a:tailEnd type="triangle" w="med" len="lg"/>
+          </a:ln>
+        </p:spPr>
+        <p:style>
+          <a:lnRef idx="1">
+            <a:schemeClr val="accent1"/>
+          </a:lnRef>
+          <a:fillRef idx="0">
+            <a:schemeClr val="accent1"/>
+          </a:fillRef>
+          <a:effectRef idx="0">
+            <a:schemeClr val="accent1"/>
+          </a:effectRef>
+          <a:fontRef idx="minor">
+            <a:schemeClr val="tx1"/>
+          </a:fontRef>
+        </p:style>
+      </p:cxnSp>
+      <p:sp>
+        <p:nvSpPr>
+          <p:cNvPr id="58" name="矩形 57"/>
+          <p:cNvSpPr/>
+          <p:nvPr/>
+        </p:nvSpPr>
+        <p:spPr>
+          <a:xfrm>
+            <a:off x="2411761" y="5206249"/>
+            <a:ext cx="2710763" cy="223127"/>
+          </a:xfrm>
+          <a:prstGeom prst="rect">
+            <a:avLst/>
+          </a:prstGeom>
+        </p:spPr>
+        <p:style>
+          <a:lnRef idx="1">
+            <a:schemeClr val="accent5"/>
+          </a:lnRef>
+          <a:fillRef idx="2">
+            <a:schemeClr val="accent5"/>
+          </a:fillRef>
+          <a:effectRef idx="1">
+            <a:schemeClr val="accent5"/>
+          </a:effectRef>
+          <a:fontRef idx="minor">
+            <a:schemeClr val="dk1"/>
+          </a:fontRef>
+        </p:style>
+        <p:txBody>
+          <a:bodyPr rtlCol="0" anchor="ctr"/>
+          <a:lstStyle/>
+          <a:p>
+            <a:pPr algn="ctr"/>
+            <a:r>
+              <a:rPr lang="en-US" altLang="zh-CN" sz="1200" smtClean="0"/>
+              <a:t>activeEffect:FRenderableEffect</a:t>
+            </a:r>
+            <a:endParaRPr lang="zh-CN" altLang="en-US" sz="1200"/>
+          </a:p>
+        </p:txBody>
+      </p:sp>
+      <p:cxnSp>
+        <p:nvCxnSpPr>
+          <p:cNvPr id="59" name="直接箭头连接符 12"/>
+          <p:cNvCxnSpPr>
+            <a:stCxn id="6" idx="2"/>
+            <a:endCxn id="58" idx="1"/>
+          </p:cNvCxnSpPr>
+          <p:nvPr/>
+        </p:nvCxnSpPr>
+        <p:spPr>
+          <a:xfrm rot="16200000" flipH="1">
+            <a:off x="190034" y="3096086"/>
+            <a:ext cx="3821996" cy="621457"/>
+          </a:xfrm>
+          <a:prstGeom prst="bentConnector2">
+            <a:avLst/>
+          </a:prstGeom>
+          <a:ln w="28575">
+            <a:headEnd type="none" w="med" len="med"/>
+            <a:tailEnd type="triangle" w="med" len="lg"/>
+          </a:ln>
+        </p:spPr>
+        <p:style>
+          <a:lnRef idx="1">
+            <a:schemeClr val="accent1"/>
+          </a:lnRef>
+          <a:fillRef idx="0">
+            <a:schemeClr val="accent1"/>
+          </a:fillRef>
+          <a:effectRef idx="0">
+            <a:schemeClr val="accent1"/>
+          </a:effectRef>
+          <a:fontRef idx="minor">
+            <a:schemeClr val="tx1"/>
+          </a:fontRef>
+        </p:style>
+      </p:cxnSp>
+      <p:sp>
+        <p:nvSpPr>
+          <p:cNvPr id="85" name="矩形 84"/>
+          <p:cNvSpPr/>
+          <p:nvPr/>
+        </p:nvSpPr>
+        <p:spPr>
+          <a:xfrm>
+            <a:off x="2411760" y="1992770"/>
+            <a:ext cx="2710763" cy="223127"/>
+          </a:xfrm>
+          <a:prstGeom prst="rect">
+            <a:avLst/>
+          </a:prstGeom>
+        </p:spPr>
+        <p:style>
+          <a:lnRef idx="1">
+            <a:schemeClr val="accent5"/>
+          </a:lnRef>
+          <a:fillRef idx="2">
+            <a:schemeClr val="accent5"/>
+          </a:fillRef>
+          <a:effectRef idx="1">
+            <a:schemeClr val="accent5"/>
+          </a:effectRef>
+          <a:fontRef idx="minor">
+            <a:schemeClr val="dk1"/>
+          </a:fontRef>
+        </p:style>
+        <p:txBody>
+          <a:bodyPr rtlCol="0" anchor="ctr"/>
+          <a:lstStyle/>
+          <a:p>
+            <a:pPr algn="ctr"/>
+            <a:r>
+              <a:rPr lang="en-US" altLang="zh-CN" sz="1200" smtClean="0"/>
+              <a:t>matrix:SMatrix3d</a:t>
+            </a:r>
+            <a:endParaRPr lang="zh-CN" altLang="en-US" sz="1200"/>
+          </a:p>
+        </p:txBody>
+      </p:sp>
+      <p:cxnSp>
+        <p:nvCxnSpPr>
+          <p:cNvPr id="86" name="直接箭头连接符 12"/>
+          <p:cNvCxnSpPr>
+            <a:stCxn id="6" idx="2"/>
+            <a:endCxn id="85" idx="1"/>
+          </p:cNvCxnSpPr>
+          <p:nvPr/>
+        </p:nvCxnSpPr>
+        <p:spPr>
+          <a:xfrm rot="16200000" flipH="1">
+            <a:off x="1796774" y="1489347"/>
+            <a:ext cx="608517" cy="621456"/>
+          </a:xfrm>
+          <a:prstGeom prst="bentConnector2">
+            <a:avLst/>
+          </a:prstGeom>
+          <a:ln w="28575">
+            <a:headEnd type="none" w="med" len="med"/>
+            <a:tailEnd type="triangle" w="med" len="lg"/>
+          </a:ln>
+        </p:spPr>
+        <p:style>
+          <a:lnRef idx="1">
+            <a:schemeClr val="accent1"/>
+          </a:lnRef>
+          <a:fillRef idx="0">
+            <a:schemeClr val="accent1"/>
+          </a:fillRef>
+          <a:effectRef idx="0">
+            <a:schemeClr val="accent1"/>
+          </a:effectRef>
+          <a:fontRef idx="minor">
+            <a:schemeClr val="tx1"/>
+          </a:fontRef>
+        </p:style>
+      </p:cxnSp>
+      <p:sp>
+        <p:nvSpPr>
+          <p:cNvPr id="110" name="矩形 109"/>
+          <p:cNvSpPr/>
+          <p:nvPr/>
+        </p:nvSpPr>
+        <p:spPr>
+          <a:xfrm>
+            <a:off x="2411760" y="1632730"/>
+            <a:ext cx="2710763" cy="223127"/>
+          </a:xfrm>
+          <a:prstGeom prst="rect">
+            <a:avLst/>
+          </a:prstGeom>
+        </p:spPr>
+        <p:style>
+          <a:lnRef idx="1">
+            <a:schemeClr val="accent5"/>
+          </a:lnRef>
+          <a:fillRef idx="2">
+            <a:schemeClr val="accent5"/>
+          </a:fillRef>
+          <a:effectRef idx="1">
+            <a:schemeClr val="accent5"/>
+          </a:effectRef>
+          <a:fontRef idx="minor">
+            <a:schemeClr val="dk1"/>
+          </a:fontRef>
+        </p:style>
+        <p:txBody>
+          <a:bodyPr rtlCol="0" anchor="ctr"/>
+          <a:lstStyle/>
+          <a:p>
+            <a:pPr algn="ctr"/>
+            <a:r>
+              <a:rPr lang="en-US" altLang="zh-CN" sz="1200" smtClean="0"/>
+              <a:t>options:SRenderableOptions</a:t>
+            </a:r>
+            <a:endParaRPr lang="zh-CN" altLang="en-US" sz="1200"/>
+          </a:p>
+        </p:txBody>
+      </p:sp>
+      <p:cxnSp>
+        <p:nvCxnSpPr>
+          <p:cNvPr id="111" name="直接箭头连接符 12"/>
+          <p:cNvCxnSpPr>
+            <a:stCxn id="6" idx="2"/>
+            <a:endCxn id="110" idx="1"/>
+          </p:cNvCxnSpPr>
+          <p:nvPr/>
+        </p:nvCxnSpPr>
+        <p:spPr>
+          <a:xfrm rot="16200000" flipH="1">
+            <a:off x="1976794" y="1309327"/>
+            <a:ext cx="248477" cy="621456"/>
+          </a:xfrm>
+          <a:prstGeom prst="bentConnector2">
+            <a:avLst/>
+          </a:prstGeom>
+          <a:ln w="28575">
+            <a:headEnd type="none" w="med" len="med"/>
+            <a:tailEnd type="triangle" w="med" len="lg"/>
+          </a:ln>
+        </p:spPr>
+        <p:style>
+          <a:lnRef idx="1">
+            <a:schemeClr val="accent1"/>
+          </a:lnRef>
+          <a:fillRef idx="0">
+            <a:schemeClr val="accent1"/>
+          </a:fillRef>
+          <a:effectRef idx="0">
+            <a:schemeClr val="accent1"/>
+          </a:effectRef>
+          <a:fontRef idx="minor">
+            <a:schemeClr val="tx1"/>
+          </a:fontRef>
+        </p:style>
+      </p:cxnSp>
+      <p:sp>
+        <p:nvSpPr>
+          <p:cNvPr id="124" name="TextBox 123"/>
+          <p:cNvSpPr txBox="1"/>
+          <p:nvPr/>
+        </p:nvSpPr>
+        <p:spPr>
+          <a:xfrm>
+            <a:off x="5254530" y="1632730"/>
+            <a:ext cx="3168353" cy="276999"/>
+          </a:xfrm>
+          <a:prstGeom prst="rect">
+            <a:avLst/>
+          </a:prstGeom>
+          <a:noFill/>
+        </p:spPr>
+        <p:txBody>
+          <a:bodyPr wrap="square" rtlCol="0">
+            <a:spAutoFit/>
+          </a:bodyPr>
+          <a:lstStyle/>
+          <a:p>
+            <a:r>
+              <a:rPr lang="zh-CN" altLang="en-US" sz="1200" smtClean="0"/>
+              <a:t>配置信息集合</a:t>
+            </a:r>
+            <a:endParaRPr lang="zh-CN" altLang="en-US" sz="1200"/>
+          </a:p>
+        </p:txBody>
+      </p:sp>
+      <p:sp>
+        <p:nvSpPr>
+          <p:cNvPr id="125" name="TextBox 124"/>
+          <p:cNvSpPr txBox="1"/>
+          <p:nvPr/>
+        </p:nvSpPr>
+        <p:spPr>
+          <a:xfrm>
+            <a:off x="5254530" y="1992770"/>
+            <a:ext cx="3168353" cy="276999"/>
+          </a:xfrm>
+          <a:prstGeom prst="rect">
+            <a:avLst/>
+          </a:prstGeom>
+          <a:noFill/>
+        </p:spPr>
+        <p:txBody>
+          <a:bodyPr wrap="square" rtlCol="0">
+            <a:spAutoFit/>
+          </a:bodyPr>
+          <a:lstStyle/>
+          <a:p>
+            <a:r>
+              <a:rPr lang="zh-CN" altLang="en-US" sz="1200" smtClean="0"/>
+              <a:t>空间矩阵</a:t>
+            </a:r>
+            <a:endParaRPr lang="zh-CN" altLang="en-US" sz="1200"/>
+          </a:p>
+        </p:txBody>
+      </p:sp>
+      <p:sp>
+        <p:nvSpPr>
+          <p:cNvPr id="126" name="TextBox 125"/>
+          <p:cNvSpPr txBox="1"/>
+          <p:nvPr/>
+        </p:nvSpPr>
+        <p:spPr>
+          <a:xfrm>
+            <a:off x="5254530" y="2352810"/>
+            <a:ext cx="3168353" cy="276999"/>
+          </a:xfrm>
+          <a:prstGeom prst="rect">
+            <a:avLst/>
+          </a:prstGeom>
+          <a:noFill/>
+        </p:spPr>
+        <p:txBody>
+          <a:bodyPr wrap="square" rtlCol="0">
+            <a:spAutoFit/>
+          </a:bodyPr>
+          <a:lstStyle/>
+          <a:p>
+            <a:r>
+              <a:rPr lang="zh-CN" altLang="en-US" sz="1200"/>
+              <a:t>当前</a:t>
+            </a:r>
+            <a:r>
+              <a:rPr lang="zh-CN" altLang="en-US" sz="1200" smtClean="0"/>
+              <a:t>材质（由参考材质和光源材质计算获得）</a:t>
+            </a:r>
+            <a:endParaRPr lang="zh-CN" altLang="en-US" sz="1200"/>
+          </a:p>
+        </p:txBody>
+      </p:sp>
+      <p:sp>
+        <p:nvSpPr>
+          <p:cNvPr id="127" name="TextBox 126"/>
+          <p:cNvSpPr txBox="1"/>
+          <p:nvPr/>
+        </p:nvSpPr>
+        <p:spPr>
+          <a:xfrm>
+            <a:off x="5254530" y="2712850"/>
+            <a:ext cx="3168353" cy="276999"/>
+          </a:xfrm>
+          <a:prstGeom prst="rect">
+            <a:avLst/>
+          </a:prstGeom>
+          <a:noFill/>
+        </p:spPr>
+        <p:txBody>
+          <a:bodyPr wrap="square" rtlCol="0">
+            <a:spAutoFit/>
+          </a:bodyPr>
+          <a:lstStyle/>
+          <a:p>
+            <a:r>
+              <a:rPr lang="zh-CN" altLang="en-US" sz="1200"/>
+              <a:t>参考</a:t>
+            </a:r>
+            <a:r>
+              <a:rPr lang="zh-CN" altLang="en-US" sz="1200" smtClean="0"/>
+              <a:t>材质</a:t>
+            </a:r>
+            <a:endParaRPr lang="zh-CN" altLang="en-US" sz="1200"/>
+          </a:p>
+        </p:txBody>
+      </p:sp>
+      <p:sp>
+        <p:nvSpPr>
+          <p:cNvPr id="128" name="TextBox 127"/>
+          <p:cNvSpPr txBox="1"/>
+          <p:nvPr/>
+        </p:nvSpPr>
+        <p:spPr>
+          <a:xfrm>
+            <a:off x="5254530" y="3072890"/>
+            <a:ext cx="3168353" cy="276999"/>
+          </a:xfrm>
+          <a:prstGeom prst="rect">
+            <a:avLst/>
+          </a:prstGeom>
+          <a:noFill/>
+        </p:spPr>
+        <p:txBody>
+          <a:bodyPr wrap="square" rtlCol="0">
+            <a:spAutoFit/>
+          </a:bodyPr>
+          <a:lstStyle/>
+          <a:p>
+            <a:r>
+              <a:rPr lang="zh-CN" altLang="en-US" sz="1200" smtClean="0"/>
+              <a:t>可见信息（空间排序和可视化处理用）</a:t>
+            </a:r>
+            <a:endParaRPr lang="zh-CN" altLang="en-US" sz="1200"/>
+          </a:p>
+        </p:txBody>
+      </p:sp>
+      <p:sp>
+        <p:nvSpPr>
+          <p:cNvPr id="129" name="TextBox 128"/>
+          <p:cNvSpPr txBox="1"/>
+          <p:nvPr/>
+        </p:nvSpPr>
+        <p:spPr>
+          <a:xfrm>
+            <a:off x="6793801" y="836712"/>
+            <a:ext cx="3168353" cy="276999"/>
+          </a:xfrm>
+          <a:prstGeom prst="rect">
+            <a:avLst/>
+          </a:prstGeom>
+          <a:noFill/>
+        </p:spPr>
+        <p:txBody>
+          <a:bodyPr wrap="square" rtlCol="0">
+            <a:spAutoFit/>
+          </a:bodyPr>
+          <a:lstStyle/>
+          <a:p>
+            <a:r>
+              <a:rPr lang="zh-CN" altLang="en-US" sz="1200"/>
+              <a:t>当前激活</a:t>
+            </a:r>
+            <a:r>
+              <a:rPr lang="zh-CN" altLang="en-US" sz="1200" smtClean="0"/>
+              <a:t>的效果器</a:t>
+            </a:r>
+            <a:endParaRPr lang="zh-CN" altLang="en-US" sz="1200"/>
+          </a:p>
+        </p:txBody>
+      </p:sp>
+      <p:sp>
+        <p:nvSpPr>
+          <p:cNvPr id="131" name="TextBox 130"/>
+          <p:cNvSpPr txBox="1"/>
+          <p:nvPr/>
+        </p:nvSpPr>
+        <p:spPr>
+          <a:xfrm>
+            <a:off x="5209625" y="3431869"/>
+            <a:ext cx="3168353" cy="276999"/>
+          </a:xfrm>
+          <a:prstGeom prst="rect">
+            <a:avLst/>
+          </a:prstGeom>
+          <a:noFill/>
+        </p:spPr>
+        <p:txBody>
+          <a:bodyPr wrap="square" rtlCol="0">
+            <a:spAutoFit/>
+          </a:bodyPr>
+          <a:lstStyle/>
+          <a:p>
+            <a:r>
+              <a:rPr lang="zh-CN" altLang="en-US" sz="1200"/>
+              <a:t>属性</a:t>
+            </a:r>
+            <a:r>
+              <a:rPr lang="zh-CN" altLang="en-US" sz="1200" smtClean="0"/>
+              <a:t>流集合</a:t>
+            </a:r>
+            <a:endParaRPr lang="zh-CN" altLang="en-US" sz="1200"/>
+          </a:p>
+        </p:txBody>
+      </p:sp>
+      <p:sp>
+        <p:nvSpPr>
+          <p:cNvPr id="132" name="TextBox 131"/>
+          <p:cNvSpPr txBox="1"/>
+          <p:nvPr/>
+        </p:nvSpPr>
+        <p:spPr>
+          <a:xfrm>
+            <a:off x="6910717" y="4919720"/>
+            <a:ext cx="3168353" cy="276999"/>
+          </a:xfrm>
+          <a:prstGeom prst="rect">
+            <a:avLst/>
+          </a:prstGeom>
+          <a:noFill/>
+        </p:spPr>
+        <p:txBody>
+          <a:bodyPr wrap="square" rtlCol="0">
+            <a:spAutoFit/>
+          </a:bodyPr>
+          <a:lstStyle/>
+          <a:p>
+            <a:r>
+              <a:rPr lang="zh-CN" altLang="en-US" sz="1200" smtClean="0"/>
+              <a:t>取样器集合</a:t>
+            </a:r>
+            <a:endParaRPr lang="zh-CN" altLang="en-US" sz="1200"/>
+          </a:p>
+        </p:txBody>
+      </p:sp>
+      <p:sp>
+        <p:nvSpPr>
+          <p:cNvPr id="133" name="TextBox 132"/>
+          <p:cNvSpPr txBox="1"/>
+          <p:nvPr/>
+        </p:nvSpPr>
+        <p:spPr>
+          <a:xfrm>
+            <a:off x="7322636" y="4245035"/>
+            <a:ext cx="3168353" cy="276999"/>
+          </a:xfrm>
+          <a:prstGeom prst="rect">
+            <a:avLst/>
+          </a:prstGeom>
+          <a:noFill/>
+        </p:spPr>
+        <p:txBody>
+          <a:bodyPr wrap="square" rtlCol="0">
+            <a:spAutoFit/>
+          </a:bodyPr>
+          <a:lstStyle/>
+          <a:p>
+            <a:r>
+              <a:rPr lang="zh-CN" altLang="en-US" sz="1200" smtClean="0"/>
+              <a:t>顶点索引缓冲</a:t>
+            </a:r>
+            <a:endParaRPr lang="zh-CN" altLang="en-US" sz="1200"/>
+          </a:p>
+        </p:txBody>
+      </p:sp>
+      <p:sp>
+        <p:nvSpPr>
+          <p:cNvPr id="138" name="矩形 137"/>
+          <p:cNvSpPr/>
+          <p:nvPr/>
+        </p:nvSpPr>
+        <p:spPr>
+          <a:xfrm>
+            <a:off x="4127944" y="5919226"/>
+            <a:ext cx="2710763" cy="223127"/>
+          </a:xfrm>
+          <a:prstGeom prst="rect">
+            <a:avLst/>
+          </a:prstGeom>
+        </p:spPr>
+        <p:style>
+          <a:lnRef idx="1">
+            <a:schemeClr val="accent3"/>
+          </a:lnRef>
+          <a:fillRef idx="2">
+            <a:schemeClr val="accent3"/>
+          </a:fillRef>
+          <a:effectRef idx="1">
+            <a:schemeClr val="accent3"/>
+          </a:effectRef>
+          <a:fontRef idx="minor">
+            <a:schemeClr val="dk1"/>
+          </a:fontRef>
+        </p:style>
+        <p:txBody>
+          <a:bodyPr rtlCol="0" anchor="ctr"/>
+          <a:lstStyle/>
+          <a:p>
+            <a:pPr algn="ctr"/>
+            <a:r>
+              <a:rPr lang="en-US" altLang="zh-CN" sz="1200" smtClean="0"/>
+              <a:t>effect:FRenderableEffect</a:t>
+            </a:r>
+            <a:endParaRPr lang="zh-CN" altLang="en-US" sz="1200"/>
+          </a:p>
+        </p:txBody>
+      </p:sp>
+      <p:cxnSp>
+        <p:nvCxnSpPr>
+          <p:cNvPr id="139" name="直接箭头连接符 12"/>
+          <p:cNvCxnSpPr>
+            <a:stCxn id="49" idx="2"/>
+            <a:endCxn id="138" idx="1"/>
+          </p:cNvCxnSpPr>
+          <p:nvPr/>
+        </p:nvCxnSpPr>
+        <p:spPr>
+          <a:xfrm rot="16200000" flipH="1">
+            <a:off x="3826856" y="5729702"/>
+            <a:ext cx="241374" cy="360801"/>
+          </a:xfrm>
+          <a:prstGeom prst="bentConnector2">
+            <a:avLst/>
+          </a:prstGeom>
+          <a:ln w="28575">
+            <a:headEnd type="none" w="med" len="med"/>
+            <a:tailEnd type="triangle" w="med" len="lg"/>
+          </a:ln>
+        </p:spPr>
+        <p:style>
+          <a:lnRef idx="1">
+            <a:schemeClr val="accent1"/>
+          </a:lnRef>
+          <a:fillRef idx="0">
+            <a:schemeClr val="accent1"/>
+          </a:fillRef>
+          <a:effectRef idx="0">
+            <a:schemeClr val="accent1"/>
+          </a:effectRef>
+          <a:fontRef idx="minor">
+            <a:schemeClr val="tx1"/>
+          </a:fontRef>
+        </p:style>
+      </p:cxnSp>
+      <p:sp>
+        <p:nvSpPr>
+          <p:cNvPr id="148" name="矩形 147"/>
+          <p:cNvSpPr/>
+          <p:nvPr/>
+        </p:nvSpPr>
+        <p:spPr>
+          <a:xfrm>
+            <a:off x="5865625" y="6502393"/>
+            <a:ext cx="2710763" cy="223127"/>
+          </a:xfrm>
+          <a:prstGeom prst="rect">
+            <a:avLst/>
+          </a:prstGeom>
+        </p:spPr>
+        <p:style>
+          <a:lnRef idx="1">
+            <a:schemeClr val="accent3"/>
+          </a:lnRef>
+          <a:fillRef idx="2">
+            <a:schemeClr val="accent3"/>
+          </a:fillRef>
+          <a:effectRef idx="1">
+            <a:schemeClr val="accent3"/>
+          </a:effectRef>
+          <a:fontRef idx="minor">
+            <a:schemeClr val="dk1"/>
+          </a:fontRef>
+        </p:style>
+        <p:txBody>
+          <a:bodyPr rtlCol="0" anchor="ctr"/>
+          <a:lstStyle/>
+          <a:p>
+            <a:pPr algn="ctr"/>
+            <a:r>
+              <a:rPr lang="en-US" altLang="zh-CN" sz="1200" smtClean="0"/>
+              <a:t>layout:FRenderableLayout</a:t>
+            </a:r>
+            <a:endParaRPr lang="zh-CN" altLang="en-US" sz="1200"/>
+          </a:p>
+        </p:txBody>
+      </p:sp>
+      <p:sp>
+        <p:nvSpPr>
+          <p:cNvPr id="149" name="矩形 148"/>
+          <p:cNvSpPr/>
+          <p:nvPr/>
+        </p:nvSpPr>
+        <p:spPr>
+          <a:xfrm>
+            <a:off x="5865626" y="6214361"/>
+            <a:ext cx="2710763" cy="223127"/>
+          </a:xfrm>
+          <a:prstGeom prst="rect">
+            <a:avLst/>
+          </a:prstGeom>
+        </p:spPr>
+        <p:style>
+          <a:lnRef idx="1">
+            <a:schemeClr val="accent3"/>
+          </a:lnRef>
+          <a:fillRef idx="2">
+            <a:schemeClr val="accent3"/>
+          </a:fillRef>
+          <a:effectRef idx="1">
+            <a:schemeClr val="accent3"/>
+          </a:effectRef>
+          <a:fontRef idx="minor">
+            <a:schemeClr val="dk1"/>
+          </a:fontRef>
+        </p:style>
+        <p:txBody>
+          <a:bodyPr rtlCol="0" anchor="ctr"/>
+          <a:lstStyle/>
+          <a:p>
+            <a:pPr algn="ctr"/>
+            <a:r>
+              <a:rPr lang="en-US" altLang="zh-CN" sz="1200" smtClean="0"/>
+              <a:t>effect:FEffect</a:t>
+            </a:r>
+            <a:endParaRPr lang="zh-CN" altLang="en-US" sz="1200"/>
+          </a:p>
+        </p:txBody>
+      </p:sp>
+      <p:cxnSp>
+        <p:nvCxnSpPr>
+          <p:cNvPr id="156" name="直接箭头连接符 12"/>
+          <p:cNvCxnSpPr>
+            <a:stCxn id="138" idx="2"/>
+            <a:endCxn id="149" idx="1"/>
+          </p:cNvCxnSpPr>
+          <p:nvPr/>
+        </p:nvCxnSpPr>
+        <p:spPr>
+          <a:xfrm rot="16200000" flipH="1">
+            <a:off x="5582690" y="6042989"/>
+            <a:ext cx="183572" cy="382300"/>
+          </a:xfrm>
+          <a:prstGeom prst="bentConnector2">
+            <a:avLst/>
+          </a:prstGeom>
+          <a:ln w="28575">
+            <a:headEnd type="none" w="med" len="med"/>
+            <a:tailEnd type="triangle" w="med" len="lg"/>
+          </a:ln>
+        </p:spPr>
+        <p:style>
+          <a:lnRef idx="1">
+            <a:schemeClr val="accent1"/>
+          </a:lnRef>
+          <a:fillRef idx="0">
+            <a:schemeClr val="accent1"/>
+          </a:fillRef>
+          <a:effectRef idx="0">
+            <a:schemeClr val="accent1"/>
+          </a:effectRef>
+          <a:fontRef idx="minor">
+            <a:schemeClr val="tx1"/>
+          </a:fontRef>
+        </p:style>
+      </p:cxnSp>
+      <p:cxnSp>
+        <p:nvCxnSpPr>
+          <p:cNvPr id="160" name="直接箭头连接符 12"/>
+          <p:cNvCxnSpPr>
+            <a:stCxn id="138" idx="2"/>
+            <a:endCxn id="148" idx="1"/>
+          </p:cNvCxnSpPr>
+          <p:nvPr/>
+        </p:nvCxnSpPr>
+        <p:spPr>
+          <a:xfrm rot="16200000" flipH="1">
+            <a:off x="5438673" y="6187005"/>
+            <a:ext cx="471604" cy="382299"/>
+          </a:xfrm>
+          <a:prstGeom prst="bentConnector2">
+            <a:avLst/>
+          </a:prstGeom>
+          <a:ln w="28575">
+            <a:headEnd type="none" w="med" len="med"/>
+            <a:tailEnd type="triangle" w="med" len="lg"/>
+          </a:ln>
+        </p:spPr>
+        <p:style>
+          <a:lnRef idx="1">
+            <a:schemeClr val="accent1"/>
+          </a:lnRef>
+          <a:fillRef idx="0">
+            <a:schemeClr val="accent1"/>
+          </a:fillRef>
+          <a:effectRef idx="0">
+            <a:schemeClr val="accent1"/>
+          </a:effectRef>
+          <a:fontRef idx="minor">
+            <a:schemeClr val="tx1"/>
+          </a:fontRef>
+        </p:style>
+      </p:cxnSp>
+      <p:sp>
+        <p:nvSpPr>
+          <p:cNvPr id="50" name="矩形 49"/>
+          <p:cNvSpPr/>
+          <p:nvPr/>
+        </p:nvSpPr>
+        <p:spPr>
+          <a:xfrm>
+            <a:off x="4443982" y="4245035"/>
+            <a:ext cx="2710763" cy="223127"/>
+          </a:xfrm>
+          <a:prstGeom prst="rect">
+            <a:avLst/>
+          </a:prstGeom>
+        </p:spPr>
+        <p:style>
+          <a:lnRef idx="1">
+            <a:schemeClr val="accent5"/>
+          </a:lnRef>
+          <a:fillRef idx="2">
+            <a:schemeClr val="accent5"/>
+          </a:fillRef>
+          <a:effectRef idx="1">
+            <a:schemeClr val="accent5"/>
+          </a:effectRef>
+          <a:fontRef idx="minor">
+            <a:schemeClr val="dk1"/>
+          </a:fontRef>
+        </p:style>
+        <p:txBody>
+          <a:bodyPr rtlCol="0" anchor="ctr"/>
+          <a:lstStyle/>
+          <a:p>
+            <a:pPr algn="ctr"/>
+            <a:r>
+              <a:rPr lang="en-US" altLang="zh-CN" sz="1200" smtClean="0"/>
+              <a:t>indexBuffer:FRenderIndexBuffer</a:t>
+            </a:r>
+            <a:endParaRPr lang="zh-CN" altLang="en-US" sz="1200"/>
+          </a:p>
+        </p:txBody>
+      </p:sp>
+      <p:cxnSp>
+        <p:nvCxnSpPr>
+          <p:cNvPr id="55" name="直接箭头连接符 12"/>
+          <p:cNvCxnSpPr>
+            <a:stCxn id="41" idx="2"/>
+            <a:endCxn id="50" idx="1"/>
+          </p:cNvCxnSpPr>
+          <p:nvPr/>
+        </p:nvCxnSpPr>
+        <p:spPr>
+          <a:xfrm rot="16200000" flipH="1">
+            <a:off x="3726633" y="3639249"/>
+            <a:ext cx="712953" cy="721746"/>
+          </a:xfrm>
+          <a:prstGeom prst="bentConnector2">
+            <a:avLst/>
+          </a:prstGeom>
+          <a:ln w="28575">
+            <a:headEnd type="none" w="med" len="med"/>
+            <a:tailEnd type="triangle" w="med" len="lg"/>
+          </a:ln>
+        </p:spPr>
+        <p:style>
+          <a:lnRef idx="1">
+            <a:schemeClr val="accent1"/>
+          </a:lnRef>
+          <a:fillRef idx="0">
+            <a:schemeClr val="accent1"/>
+          </a:fillRef>
+          <a:effectRef idx="0">
+            <a:schemeClr val="accent1"/>
+          </a:effectRef>
+          <a:fontRef idx="minor">
+            <a:schemeClr val="tx1"/>
+          </a:fontRef>
+        </p:style>
+      </p:cxnSp>
+    </p:spTree>
+    <p:extLst>
+      <p:ext uri="{BB962C8B-B14F-4D97-AF65-F5344CB8AC3E}">
+        <p14:creationId xmlns:p14="http://schemas.microsoft.com/office/powerpoint/2010/main" val="1077149208"/>
+      </p:ext>
+    </p:extLst>
+  </p:cSld>
+  <p:clrMapOvr>
+    <a:masterClrMapping/>
+  </p:clrMapOvr>
+</p:sld>
+</file>
+
 <file path=ppt/slides/slide2.xml><?xml version="1.0" encoding="utf-8"?>
 <p:sld xmlns:a="http://schemas.openxmlformats.org/drawingml/2006/main" xmlns:r="http://schemas.openxmlformats.org/officeDocument/2006/relationships" xmlns:p="http://schemas.openxmlformats.org/presentationml/2006/main">
   <p:cSld>
@@ -6092,14 +8499,109 @@
       </p:grpSpPr>
       <p:sp>
         <p:nvSpPr>
-          <p:cNvPr id="6" name="矩形 5"/>
+          <p:cNvPr id="2" name="标题 1"/>
+          <p:cNvSpPr>
+            <a:spLocks noGrp="1"/>
+          </p:cNvSpPr>
+          <p:nvPr>
+            <p:ph type="title"/>
+          </p:nvPr>
+        </p:nvSpPr>
+        <p:spPr/>
+        <p:txBody>
+          <a:bodyPr/>
+          <a:lstStyle/>
+          <a:p>
+            <a:r>
+              <a:rPr lang="zh-CN" altLang="en-US" smtClean="0"/>
+              <a:t>渲染器建立和管理</a:t>
+            </a:r>
+            <a:endParaRPr lang="zh-CN" altLang="en-US"/>
+          </a:p>
+        </p:txBody>
+      </p:sp>
+      <p:sp>
+        <p:nvSpPr>
+          <p:cNvPr id="3" name="内容占位符 2"/>
+          <p:cNvSpPr>
+            <a:spLocks noGrp="1"/>
+          </p:cNvSpPr>
+          <p:nvPr>
+            <p:ph idx="1"/>
+          </p:nvPr>
+        </p:nvSpPr>
+        <p:spPr/>
+        <p:txBody>
+          <a:bodyPr>
+            <a:normAutofit/>
+          </a:bodyPr>
+          <a:lstStyle/>
+          <a:p>
+            <a:r>
+              <a:rPr lang="en-US" altLang="zh-CN" sz="2000" smtClean="0"/>
+              <a:t>Effect</a:t>
+            </a:r>
+            <a:r>
+              <a:rPr lang="zh-CN" altLang="en-US" sz="2000" smtClean="0"/>
+              <a:t>建立：</a:t>
+            </a:r>
+            <a:endParaRPr lang="en-US" altLang="zh-CN" sz="2000" smtClean="0"/>
+          </a:p>
+          <a:p>
+            <a:pPr lvl="1"/>
+            <a:r>
+              <a:rPr lang="en-US" altLang="zh-CN" sz="1600" smtClean="0"/>
+              <a:t>Setup</a:t>
+            </a:r>
+            <a:endParaRPr lang="en-US" altLang="zh-CN" sz="1600" smtClean="0"/>
+          </a:p>
+          <a:p>
+            <a:pPr lvl="1"/>
+            <a:r>
+              <a:rPr lang="en-US" altLang="zh-CN" sz="1600" smtClean="0"/>
+              <a:t>LoadConfig</a:t>
+            </a:r>
+            <a:endParaRPr lang="en-US" altLang="zh-CN" sz="1600" smtClean="0"/>
+          </a:p>
+          <a:p>
+            <a:pPr lvl="1"/>
+            <a:r>
+              <a:rPr lang="en-US" altLang="zh-CN" sz="1600" smtClean="0"/>
+              <a:t>BuildContext</a:t>
+            </a:r>
+          </a:p>
+          <a:p>
+            <a:pPr lvl="1"/>
+            <a:r>
+              <a:rPr lang="zh-CN" altLang="en-US" sz="1600" smtClean="0"/>
+              <a:t>建立渲染代码</a:t>
+            </a:r>
+            <a:endParaRPr lang="en-US" altLang="zh-CN" sz="1600" smtClean="0"/>
+          </a:p>
+          <a:p>
+            <a:pPr lvl="1"/>
+            <a:r>
+              <a:rPr lang="en-US" altLang="zh-CN" sz="1600" smtClean="0"/>
+              <a:t>Build</a:t>
+            </a:r>
+            <a:r>
+              <a:rPr lang="zh-CN" altLang="en-US" sz="1600" smtClean="0"/>
+              <a:t>处理</a:t>
+            </a:r>
+            <a:endParaRPr lang="en-US" altLang="zh-CN" sz="1600" smtClean="0"/>
+          </a:p>
+        </p:txBody>
+      </p:sp>
+      <p:sp>
+        <p:nvSpPr>
+          <p:cNvPr id="4" name="矩形 3"/>
           <p:cNvSpPr/>
           <p:nvPr/>
         </p:nvSpPr>
         <p:spPr>
           <a:xfrm>
-            <a:off x="773261" y="1735839"/>
-            <a:ext cx="2328113" cy="252028"/>
+            <a:off x="4453523" y="4779149"/>
+            <a:ext cx="1224136" cy="252028"/>
           </a:xfrm>
           <a:prstGeom prst="rect">
             <a:avLst/>
@@ -6125,102 +8627,23 @@
           <a:p>
             <a:pPr algn="ctr"/>
             <a:r>
-              <a:rPr lang="en-US" altLang="zh-CN" sz="1200" smtClean="0"/>
-              <a:t>RenderProgram</a:t>
-            </a:r>
-            <a:endParaRPr lang="zh-CN" altLang="en-US" sz="1200"/>
-          </a:p>
-        </p:txBody>
-      </p:sp>
-      <p:sp>
-        <p:nvSpPr>
-          <p:cNvPr id="7" name="矩形 6"/>
+              <a:rPr lang="en-US" altLang="zh-CN" sz="1400" smtClean="0"/>
+              <a:t>EffectConsole</a:t>
+            </a:r>
+            <a:endParaRPr lang="zh-CN" altLang="en-US" sz="1400"/>
+          </a:p>
+        </p:txBody>
+      </p:sp>
+      <p:sp>
+        <p:nvSpPr>
+          <p:cNvPr id="5" name="矩形 4"/>
           <p:cNvSpPr/>
           <p:nvPr/>
         </p:nvSpPr>
         <p:spPr>
           <a:xfrm>
-            <a:off x="2351583" y="3454299"/>
-            <a:ext cx="2328113" cy="252028"/>
-          </a:xfrm>
-          <a:prstGeom prst="rect">
-            <a:avLst/>
-          </a:prstGeom>
-        </p:spPr>
-        <p:style>
-          <a:lnRef idx="1">
-            <a:schemeClr val="accent5"/>
-          </a:lnRef>
-          <a:fillRef idx="2">
-            <a:schemeClr val="accent5"/>
-          </a:fillRef>
-          <a:effectRef idx="1">
-            <a:schemeClr val="accent5"/>
-          </a:effectRef>
-          <a:fontRef idx="minor">
-            <a:schemeClr val="dk1"/>
-          </a:fontRef>
-        </p:style>
-        <p:txBody>
-          <a:bodyPr rtlCol="0" anchor="ctr"/>
-          <a:lstStyle/>
-          <a:p>
-            <a:pPr algn="ctr"/>
-            <a:r>
-              <a:rPr lang="en-US" altLang="zh-CN" sz="1200" smtClean="0"/>
-              <a:t>RenderProgramParameter</a:t>
-            </a:r>
-            <a:endParaRPr lang="zh-CN" altLang="en-US" sz="1200"/>
-          </a:p>
-        </p:txBody>
-      </p:sp>
-      <p:cxnSp>
-        <p:nvCxnSpPr>
-          <p:cNvPr id="18" name="直接箭头连接符 12"/>
-          <p:cNvCxnSpPr>
-            <a:stCxn id="6" idx="2"/>
-            <a:endCxn id="7" idx="1"/>
-          </p:cNvCxnSpPr>
-          <p:nvPr/>
-        </p:nvCxnSpPr>
-        <p:spPr>
-          <a:xfrm rot="16200000" flipH="1">
-            <a:off x="1348227" y="2576957"/>
-            <a:ext cx="1592446" cy="414265"/>
-          </a:xfrm>
-          <a:prstGeom prst="bentConnector2">
-            <a:avLst/>
-          </a:prstGeom>
-          <a:ln w="28575">
-            <a:headEnd type="none" w="med" len="med"/>
-            <a:tailEnd type="triangle" w="med" len="lg"/>
-          </a:ln>
-        </p:spPr>
-        <p:style>
-          <a:lnRef idx="1">
-            <a:schemeClr val="accent1"/>
-          </a:lnRef>
-          <a:fillRef idx="0">
-            <a:schemeClr val="accent1"/>
-          </a:fillRef>
-          <a:effectRef idx="0">
-            <a:schemeClr val="accent1"/>
-          </a:effectRef>
-          <a:fontRef idx="minor">
-            <a:schemeClr val="tx1"/>
-          </a:fontRef>
-        </p:style>
-      </p:cxnSp>
-      <p:sp>
-        <p:nvSpPr>
-          <p:cNvPr id="24" name="矩形 23"/>
-          <p:cNvSpPr/>
-          <p:nvPr/>
-        </p:nvSpPr>
-        <p:spPr>
-          <a:xfrm>
-            <a:off x="2351583" y="2165454"/>
-            <a:ext cx="2328113" cy="252028"/>
+            <a:off x="5767813" y="5265203"/>
+            <a:ext cx="1224136" cy="252028"/>
           </a:xfrm>
           <a:prstGeom prst="rect">
             <a:avLst/>
@@ -6246,26 +8669,26 @@
           <a:p>
             <a:pPr algn="ctr"/>
             <a:r>
-              <a:rPr lang="en-US" altLang="zh-CN" sz="1200" smtClean="0"/>
-              <a:t>RenderVertexShader</a:t>
-            </a:r>
-            <a:endParaRPr lang="zh-CN" altLang="en-US" sz="1200"/>
+              <a:rPr lang="en-US" altLang="zh-CN" sz="1400" smtClean="0"/>
+              <a:t>Effect</a:t>
+            </a:r>
+            <a:endParaRPr lang="zh-CN" altLang="en-US" sz="1400"/>
           </a:p>
         </p:txBody>
       </p:sp>
       <p:cxnSp>
         <p:nvCxnSpPr>
-          <p:cNvPr id="25" name="直接箭头连接符 12"/>
+          <p:cNvPr id="8" name="直接箭头连接符 7"/>
           <p:cNvCxnSpPr>
-            <a:stCxn id="6" idx="2"/>
-            <a:endCxn id="24" idx="1"/>
+            <a:stCxn id="4" idx="2"/>
+            <a:endCxn id="5" idx="1"/>
           </p:cNvCxnSpPr>
           <p:nvPr/>
         </p:nvCxnSpPr>
         <p:spPr>
           <a:xfrm rot="16200000" flipH="1">
-            <a:off x="1992650" y="1932534"/>
-            <a:ext cx="303601" cy="414265"/>
+            <a:off x="5236682" y="4860086"/>
+            <a:ext cx="360040" cy="702222"/>
           </a:xfrm>
           <a:prstGeom prst="bentConnector2">
             <a:avLst/>
@@ -6292,14 +8715,14 @@
       </p:cxnSp>
       <p:sp>
         <p:nvSpPr>
-          <p:cNvPr id="29" name="矩形 28"/>
+          <p:cNvPr id="14" name="矩形 13"/>
           <p:cNvSpPr/>
           <p:nvPr/>
         </p:nvSpPr>
         <p:spPr>
           <a:xfrm>
-            <a:off x="2351583" y="2595069"/>
-            <a:ext cx="2328113" cy="252028"/>
+            <a:off x="6991949" y="5625243"/>
+            <a:ext cx="1224136" cy="252028"/>
           </a:xfrm>
           <a:prstGeom prst="rect">
             <a:avLst/>
@@ -6325,26 +8748,26 @@
           <a:p>
             <a:pPr algn="ctr"/>
             <a:r>
-              <a:rPr lang="en-US" altLang="zh-CN" sz="1200" smtClean="0"/>
-              <a:t>RenderFragmentShader</a:t>
-            </a:r>
-            <a:endParaRPr lang="zh-CN" altLang="en-US" sz="1200"/>
+              <a:rPr lang="en-US" altLang="zh-CN" sz="1400" smtClean="0"/>
+              <a:t>Program</a:t>
+            </a:r>
+            <a:endParaRPr lang="zh-CN" altLang="en-US" sz="1400"/>
           </a:p>
         </p:txBody>
       </p:sp>
       <p:cxnSp>
         <p:nvCxnSpPr>
-          <p:cNvPr id="30" name="直接箭头连接符 12"/>
+          <p:cNvPr id="15" name="直接箭头连接符 7"/>
           <p:cNvCxnSpPr>
-            <a:stCxn id="6" idx="2"/>
-            <a:endCxn id="29" idx="1"/>
+            <a:stCxn id="5" idx="2"/>
+            <a:endCxn id="14" idx="1"/>
           </p:cNvCxnSpPr>
           <p:nvPr/>
         </p:nvCxnSpPr>
         <p:spPr>
           <a:xfrm rot="16200000" flipH="1">
-            <a:off x="1777842" y="2147342"/>
-            <a:ext cx="733216" cy="414265"/>
+            <a:off x="6568902" y="5328210"/>
+            <a:ext cx="234026" cy="612068"/>
           </a:xfrm>
           <a:prstGeom prst="bentConnector2">
             <a:avLst/>
@@ -6369,458 +8792,10 @@
           </a:fontRef>
         </p:style>
       </p:cxnSp>
-      <p:sp>
-        <p:nvSpPr>
-          <p:cNvPr id="38" name="矩形 37"/>
-          <p:cNvSpPr/>
-          <p:nvPr/>
-        </p:nvSpPr>
-        <p:spPr>
-          <a:xfrm>
-            <a:off x="2351583" y="3883914"/>
-            <a:ext cx="2328113" cy="252028"/>
-          </a:xfrm>
-          <a:prstGeom prst="rect">
-            <a:avLst/>
-          </a:prstGeom>
-        </p:spPr>
-        <p:style>
-          <a:lnRef idx="1">
-            <a:schemeClr val="accent5"/>
-          </a:lnRef>
-          <a:fillRef idx="2">
-            <a:schemeClr val="accent5"/>
-          </a:fillRef>
-          <a:effectRef idx="1">
-            <a:schemeClr val="accent5"/>
-          </a:effectRef>
-          <a:fontRef idx="minor">
-            <a:schemeClr val="dk1"/>
-          </a:fontRef>
-        </p:style>
-        <p:txBody>
-          <a:bodyPr rtlCol="0" anchor="ctr"/>
-          <a:lstStyle/>
-          <a:p>
-            <a:pPr algn="ctr"/>
-            <a:r>
-              <a:rPr lang="en-US" altLang="zh-CN" sz="1200"/>
-              <a:t>RenderProgramAttribute</a:t>
-            </a:r>
-            <a:endParaRPr lang="zh-CN" altLang="en-US" sz="1200"/>
-          </a:p>
-        </p:txBody>
-      </p:sp>
-      <p:cxnSp>
-        <p:nvCxnSpPr>
-          <p:cNvPr id="39" name="直接箭头连接符 12"/>
-          <p:cNvCxnSpPr>
-            <a:stCxn id="6" idx="2"/>
-            <a:endCxn id="38" idx="1"/>
-          </p:cNvCxnSpPr>
-          <p:nvPr/>
-        </p:nvCxnSpPr>
-        <p:spPr>
-          <a:xfrm rot="16200000" flipH="1">
-            <a:off x="1133420" y="2791764"/>
-            <a:ext cx="2022061" cy="414265"/>
-          </a:xfrm>
-          <a:prstGeom prst="bentConnector2">
-            <a:avLst/>
-          </a:prstGeom>
-          <a:ln w="28575">
-            <a:headEnd type="none" w="med" len="med"/>
-            <a:tailEnd type="triangle" w="med" len="lg"/>
-          </a:ln>
-        </p:spPr>
-        <p:style>
-          <a:lnRef idx="1">
-            <a:schemeClr val="accent1"/>
-          </a:lnRef>
-          <a:fillRef idx="0">
-            <a:schemeClr val="accent1"/>
-          </a:fillRef>
-          <a:effectRef idx="0">
-            <a:schemeClr val="accent1"/>
-          </a:effectRef>
-          <a:fontRef idx="minor">
-            <a:schemeClr val="tx1"/>
-          </a:fontRef>
-        </p:style>
-      </p:cxnSp>
-      <p:cxnSp>
-        <p:nvCxnSpPr>
-          <p:cNvPr id="42" name="直接箭头连接符 12"/>
-          <p:cNvCxnSpPr>
-            <a:stCxn id="6" idx="2"/>
-            <a:endCxn id="47" idx="1"/>
-          </p:cNvCxnSpPr>
-          <p:nvPr/>
-        </p:nvCxnSpPr>
-        <p:spPr>
-          <a:xfrm rot="16200000" flipH="1">
-            <a:off x="918613" y="3006571"/>
-            <a:ext cx="2451674" cy="414265"/>
-          </a:xfrm>
-          <a:prstGeom prst="bentConnector2">
-            <a:avLst/>
-          </a:prstGeom>
-          <a:ln w="28575">
-            <a:headEnd type="none" w="med" len="med"/>
-            <a:tailEnd type="triangle" w="med" len="lg"/>
-          </a:ln>
-        </p:spPr>
-        <p:style>
-          <a:lnRef idx="1">
-            <a:schemeClr val="accent1"/>
-          </a:lnRef>
-          <a:fillRef idx="0">
-            <a:schemeClr val="accent1"/>
-          </a:fillRef>
-          <a:effectRef idx="0">
-            <a:schemeClr val="accent1"/>
-          </a:effectRef>
-          <a:fontRef idx="minor">
-            <a:schemeClr val="tx1"/>
-          </a:fontRef>
-        </p:style>
-      </p:cxnSp>
-      <p:sp>
-        <p:nvSpPr>
-          <p:cNvPr id="47" name="矩形 46"/>
-          <p:cNvSpPr/>
-          <p:nvPr/>
-        </p:nvSpPr>
-        <p:spPr>
-          <a:xfrm>
-            <a:off x="2351583" y="4313527"/>
-            <a:ext cx="2328113" cy="252028"/>
-          </a:xfrm>
-          <a:prstGeom prst="rect">
-            <a:avLst/>
-          </a:prstGeom>
-        </p:spPr>
-        <p:style>
-          <a:lnRef idx="1">
-            <a:schemeClr val="accent5"/>
-          </a:lnRef>
-          <a:fillRef idx="2">
-            <a:schemeClr val="accent5"/>
-          </a:fillRef>
-          <a:effectRef idx="1">
-            <a:schemeClr val="accent5"/>
-          </a:effectRef>
-          <a:fontRef idx="minor">
-            <a:schemeClr val="dk1"/>
-          </a:fontRef>
-        </p:style>
-        <p:txBody>
-          <a:bodyPr rtlCol="0" anchor="ctr"/>
-          <a:lstStyle/>
-          <a:p>
-            <a:pPr algn="ctr"/>
-            <a:r>
-              <a:rPr lang="en-US" altLang="zh-CN" sz="1200"/>
-              <a:t>RenderProgramSampler</a:t>
-            </a:r>
-            <a:endParaRPr lang="zh-CN" altLang="en-US" sz="1200"/>
-          </a:p>
-        </p:txBody>
-      </p:sp>
-      <p:sp>
-        <p:nvSpPr>
-          <p:cNvPr id="52" name="矩形 51"/>
-          <p:cNvSpPr/>
-          <p:nvPr/>
-        </p:nvSpPr>
-        <p:spPr>
-          <a:xfrm>
-            <a:off x="2351583" y="3024684"/>
-            <a:ext cx="2328113" cy="252028"/>
-          </a:xfrm>
-          <a:prstGeom prst="rect">
-            <a:avLst/>
-          </a:prstGeom>
-        </p:spPr>
-        <p:style>
-          <a:lnRef idx="1">
-            <a:schemeClr val="accent5"/>
-          </a:lnRef>
-          <a:fillRef idx="2">
-            <a:schemeClr val="accent5"/>
-          </a:fillRef>
-          <a:effectRef idx="1">
-            <a:schemeClr val="accent5"/>
-          </a:effectRef>
-          <a:fontRef idx="minor">
-            <a:schemeClr val="dk1"/>
-          </a:fontRef>
-        </p:style>
-        <p:txBody>
-          <a:bodyPr rtlCol="0" anchor="ctr"/>
-          <a:lstStyle/>
-          <a:p>
-            <a:pPr algn="ctr"/>
-            <a:r>
-              <a:rPr lang="en-US" altLang="zh-CN" sz="1200" smtClean="0"/>
-              <a:t>Render</a:t>
-            </a:r>
-            <a:r>
-              <a:rPr lang="en-US" altLang="zh-CN" sz="1200"/>
-              <a:t>Program</a:t>
-            </a:r>
-            <a:r>
-              <a:rPr lang="en-US" altLang="zh-CN" sz="1200" smtClean="0"/>
-              <a:t>Buffer</a:t>
-            </a:r>
-            <a:endParaRPr lang="zh-CN" altLang="en-US" sz="1200"/>
-          </a:p>
-        </p:txBody>
-      </p:sp>
-      <p:cxnSp>
-        <p:nvCxnSpPr>
-          <p:cNvPr id="53" name="直接箭头连接符 12"/>
-          <p:cNvCxnSpPr>
-            <a:stCxn id="6" idx="2"/>
-            <a:endCxn id="52" idx="1"/>
-          </p:cNvCxnSpPr>
-          <p:nvPr/>
-        </p:nvCxnSpPr>
-        <p:spPr>
-          <a:xfrm rot="16200000" flipH="1">
-            <a:off x="1563035" y="2362149"/>
-            <a:ext cx="1162831" cy="414265"/>
-          </a:xfrm>
-          <a:prstGeom prst="bentConnector2">
-            <a:avLst/>
-          </a:prstGeom>
-          <a:ln w="28575">
-            <a:headEnd type="none" w="med" len="med"/>
-            <a:tailEnd type="triangle" w="med" len="lg"/>
-          </a:ln>
-        </p:spPr>
-        <p:style>
-          <a:lnRef idx="1">
-            <a:schemeClr val="accent1"/>
-          </a:lnRef>
-          <a:fillRef idx="0">
-            <a:schemeClr val="accent1"/>
-          </a:fillRef>
-          <a:effectRef idx="0">
-            <a:schemeClr val="accent1"/>
-          </a:effectRef>
-          <a:fontRef idx="minor">
-            <a:schemeClr val="tx1"/>
-          </a:fontRef>
-        </p:style>
-      </p:cxnSp>
-      <p:sp>
-        <p:nvSpPr>
-          <p:cNvPr id="70" name="标题 69"/>
-          <p:cNvSpPr>
-            <a:spLocks noGrp="1"/>
-          </p:cNvSpPr>
-          <p:nvPr>
-            <p:ph type="title"/>
-          </p:nvPr>
-        </p:nvSpPr>
-        <p:spPr/>
-        <p:txBody>
-          <a:bodyPr/>
-          <a:lstStyle/>
-          <a:p>
-            <a:r>
-              <a:rPr lang="zh-CN" altLang="en-US" smtClean="0"/>
-              <a:t>渲染程序结构</a:t>
-            </a:r>
-            <a:endParaRPr lang="zh-CN" altLang="en-US"/>
-          </a:p>
-        </p:txBody>
-      </p:sp>
-      <p:sp>
-        <p:nvSpPr>
-          <p:cNvPr id="73" name="TextBox 72"/>
-          <p:cNvSpPr txBox="1"/>
-          <p:nvPr/>
-        </p:nvSpPr>
-        <p:spPr>
-          <a:xfrm>
-            <a:off x="4862924" y="2152967"/>
-            <a:ext cx="3168353" cy="276999"/>
-          </a:xfrm>
-          <a:prstGeom prst="rect">
-            <a:avLst/>
-          </a:prstGeom>
-          <a:noFill/>
-        </p:spPr>
-        <p:txBody>
-          <a:bodyPr wrap="square" rtlCol="0">
-            <a:spAutoFit/>
-          </a:bodyPr>
-          <a:lstStyle/>
-          <a:p>
-            <a:r>
-              <a:rPr lang="zh-CN" altLang="en-US" sz="1200" smtClean="0"/>
-              <a:t>顶点渲染器</a:t>
-            </a:r>
-            <a:endParaRPr lang="zh-CN" altLang="en-US" sz="1200"/>
-          </a:p>
-        </p:txBody>
-      </p:sp>
-      <p:sp>
-        <p:nvSpPr>
-          <p:cNvPr id="74" name="TextBox 73"/>
-          <p:cNvSpPr txBox="1"/>
-          <p:nvPr/>
-        </p:nvSpPr>
-        <p:spPr>
-          <a:xfrm>
-            <a:off x="4862924" y="2582583"/>
-            <a:ext cx="3168353" cy="276999"/>
-          </a:xfrm>
-          <a:prstGeom prst="rect">
-            <a:avLst/>
-          </a:prstGeom>
-          <a:noFill/>
-        </p:spPr>
-        <p:txBody>
-          <a:bodyPr wrap="square" rtlCol="0">
-            <a:spAutoFit/>
-          </a:bodyPr>
-          <a:lstStyle/>
-          <a:p>
-            <a:r>
-              <a:rPr lang="zh-CN" altLang="en-US" sz="1200" smtClean="0"/>
-              <a:t>像素渲染器</a:t>
-            </a:r>
-            <a:endParaRPr lang="zh-CN" altLang="en-US" sz="1200"/>
-          </a:p>
-        </p:txBody>
-      </p:sp>
-      <p:sp>
-        <p:nvSpPr>
-          <p:cNvPr id="75" name="TextBox 74"/>
-          <p:cNvSpPr txBox="1"/>
-          <p:nvPr/>
-        </p:nvSpPr>
-        <p:spPr>
-          <a:xfrm>
-            <a:off x="4862924" y="3012198"/>
-            <a:ext cx="3168353" cy="276999"/>
-          </a:xfrm>
-          <a:prstGeom prst="rect">
-            <a:avLst/>
-          </a:prstGeom>
-          <a:noFill/>
-        </p:spPr>
-        <p:txBody>
-          <a:bodyPr wrap="square" rtlCol="0">
-            <a:spAutoFit/>
-          </a:bodyPr>
-          <a:lstStyle/>
-          <a:p>
-            <a:r>
-              <a:rPr lang="zh-CN" altLang="en-US" sz="1200" smtClean="0"/>
-              <a:t>程序缓冲</a:t>
-            </a:r>
-            <a:endParaRPr lang="zh-CN" altLang="en-US" sz="1200"/>
-          </a:p>
-        </p:txBody>
-      </p:sp>
-      <p:sp>
-        <p:nvSpPr>
-          <p:cNvPr id="76" name="TextBox 75"/>
-          <p:cNvSpPr txBox="1"/>
-          <p:nvPr/>
-        </p:nvSpPr>
-        <p:spPr>
-          <a:xfrm>
-            <a:off x="4862924" y="3441813"/>
-            <a:ext cx="3168353" cy="276999"/>
-          </a:xfrm>
-          <a:prstGeom prst="rect">
-            <a:avLst/>
-          </a:prstGeom>
-          <a:noFill/>
-        </p:spPr>
-        <p:txBody>
-          <a:bodyPr wrap="square" rtlCol="0">
-            <a:spAutoFit/>
-          </a:bodyPr>
-          <a:lstStyle/>
-          <a:p>
-            <a:r>
-              <a:rPr lang="zh-CN" altLang="en-US" sz="1200" smtClean="0"/>
-              <a:t>程序参数</a:t>
-            </a:r>
-            <a:endParaRPr lang="zh-CN" altLang="en-US" sz="1200"/>
-          </a:p>
-        </p:txBody>
-      </p:sp>
-      <p:sp>
-        <p:nvSpPr>
-          <p:cNvPr id="77" name="TextBox 76"/>
-          <p:cNvSpPr txBox="1"/>
-          <p:nvPr/>
-        </p:nvSpPr>
-        <p:spPr>
-          <a:xfrm>
-            <a:off x="4862924" y="3871428"/>
-            <a:ext cx="3168353" cy="276999"/>
-          </a:xfrm>
-          <a:prstGeom prst="rect">
-            <a:avLst/>
-          </a:prstGeom>
-          <a:noFill/>
-        </p:spPr>
-        <p:txBody>
-          <a:bodyPr wrap="square" rtlCol="0">
-            <a:spAutoFit/>
-          </a:bodyPr>
-          <a:lstStyle/>
-          <a:p>
-            <a:r>
-              <a:rPr lang="zh-CN" altLang="en-US" sz="1200" smtClean="0"/>
-              <a:t>程序属性</a:t>
-            </a:r>
-            <a:endParaRPr lang="zh-CN" altLang="en-US" sz="1200"/>
-          </a:p>
-        </p:txBody>
-      </p:sp>
-      <p:sp>
-        <p:nvSpPr>
-          <p:cNvPr id="78" name="TextBox 77"/>
-          <p:cNvSpPr txBox="1"/>
-          <p:nvPr/>
-        </p:nvSpPr>
-        <p:spPr>
-          <a:xfrm>
-            <a:off x="4862924" y="4301041"/>
-            <a:ext cx="3168353" cy="276999"/>
-          </a:xfrm>
-          <a:prstGeom prst="rect">
-            <a:avLst/>
-          </a:prstGeom>
-          <a:noFill/>
-        </p:spPr>
-        <p:txBody>
-          <a:bodyPr wrap="square" rtlCol="0">
-            <a:spAutoFit/>
-          </a:bodyPr>
-          <a:lstStyle/>
-          <a:p>
-            <a:r>
-              <a:rPr lang="zh-CN" altLang="en-US" sz="1200" smtClean="0"/>
-              <a:t>程序取样器</a:t>
-            </a:r>
-            <a:endParaRPr lang="zh-CN" altLang="en-US" sz="1200"/>
-          </a:p>
-        </p:txBody>
-      </p:sp>
     </p:spTree>
     <p:extLst>
       <p:ext uri="{BB962C8B-B14F-4D97-AF65-F5344CB8AC3E}">
-        <p14:creationId xmlns:p14="http://schemas.microsoft.com/office/powerpoint/2010/main" val="3410901558"/>
+        <p14:creationId xmlns:p14="http://schemas.microsoft.com/office/powerpoint/2010/main" val="2202893896"/>
       </p:ext>
     </p:extLst>
   </p:cSld>
@@ -6849,525 +8824,7 @@
       </p:grpSpPr>
       <p:sp>
         <p:nvSpPr>
-          <p:cNvPr id="6" name="矩形 5"/>
-          <p:cNvSpPr/>
-          <p:nvPr/>
-        </p:nvSpPr>
-        <p:spPr>
-          <a:xfrm>
-            <a:off x="434922" y="1272690"/>
-            <a:ext cx="2710763" cy="223127"/>
-          </a:xfrm>
-          <a:prstGeom prst="rect">
-            <a:avLst/>
-          </a:prstGeom>
-        </p:spPr>
-        <p:style>
-          <a:lnRef idx="1">
-            <a:schemeClr val="accent6"/>
-          </a:lnRef>
-          <a:fillRef idx="2">
-            <a:schemeClr val="accent6"/>
-          </a:fillRef>
-          <a:effectRef idx="1">
-            <a:schemeClr val="accent6"/>
-          </a:effectRef>
-          <a:fontRef idx="minor">
-            <a:schemeClr val="dk1"/>
-          </a:fontRef>
-        </p:style>
-        <p:txBody>
-          <a:bodyPr rtlCol="0" anchor="ctr"/>
-          <a:lstStyle/>
-          <a:p>
-            <a:pPr algn="ctr"/>
-            <a:r>
-              <a:rPr lang="en-US" altLang="zh-CN" sz="1200" smtClean="0"/>
-              <a:t>Renderable:FRenderable</a:t>
-            </a:r>
-            <a:endParaRPr lang="zh-CN" altLang="en-US" sz="1200"/>
-          </a:p>
-        </p:txBody>
-      </p:sp>
-      <p:sp>
-        <p:nvSpPr>
-          <p:cNvPr id="7" name="矩形 6"/>
-          <p:cNvSpPr/>
-          <p:nvPr/>
-        </p:nvSpPr>
-        <p:spPr>
-          <a:xfrm>
-            <a:off x="2411760" y="4608359"/>
-            <a:ext cx="2710763" cy="223127"/>
-          </a:xfrm>
-          <a:prstGeom prst="rect">
-            <a:avLst/>
-          </a:prstGeom>
-        </p:spPr>
-        <p:style>
-          <a:lnRef idx="1">
-            <a:schemeClr val="accent5"/>
-          </a:lnRef>
-          <a:fillRef idx="2">
-            <a:schemeClr val="accent5"/>
-          </a:fillRef>
-          <a:effectRef idx="1">
-            <a:schemeClr val="accent5"/>
-          </a:effectRef>
-          <a:fontRef idx="minor">
-            <a:schemeClr val="dk1"/>
-          </a:fontRef>
-        </p:style>
-        <p:txBody>
-          <a:bodyPr rtlCol="0" anchor="ctr"/>
-          <a:lstStyle/>
-          <a:p>
-            <a:pPr algn="ctr"/>
-            <a:r>
-              <a:rPr lang="en-US" altLang="zh-CN" sz="1200" smtClean="0"/>
-              <a:t>samplers:GRenderableParameterPtrs</a:t>
-            </a:r>
-            <a:endParaRPr lang="zh-CN" altLang="en-US" sz="1200"/>
-          </a:p>
-        </p:txBody>
-      </p:sp>
-      <p:cxnSp>
-        <p:nvCxnSpPr>
-          <p:cNvPr id="18" name="直接箭头连接符 12"/>
-          <p:cNvCxnSpPr>
-            <a:stCxn id="6" idx="2"/>
-            <a:endCxn id="41" idx="1"/>
-          </p:cNvCxnSpPr>
-          <p:nvPr/>
-        </p:nvCxnSpPr>
-        <p:spPr>
-          <a:xfrm rot="16200000" flipH="1">
-            <a:off x="1060446" y="2225675"/>
-            <a:ext cx="2036266" cy="576550"/>
-          </a:xfrm>
-          <a:prstGeom prst="bentConnector2">
-            <a:avLst/>
-          </a:prstGeom>
-          <a:ln w="28575">
-            <a:headEnd type="none" w="med" len="med"/>
-            <a:tailEnd type="triangle" w="med" len="lg"/>
-          </a:ln>
-        </p:spPr>
-        <p:style>
-          <a:lnRef idx="1">
-            <a:schemeClr val="accent1"/>
-          </a:lnRef>
-          <a:fillRef idx="0">
-            <a:schemeClr val="accent1"/>
-          </a:fillRef>
-          <a:effectRef idx="0">
-            <a:schemeClr val="accent1"/>
-          </a:effectRef>
-          <a:fontRef idx="minor">
-            <a:schemeClr val="tx1"/>
-          </a:fontRef>
-        </p:style>
-      </p:cxnSp>
-      <p:sp>
-        <p:nvSpPr>
-          <p:cNvPr id="24" name="矩形 23"/>
-          <p:cNvSpPr/>
-          <p:nvPr/>
-        </p:nvSpPr>
-        <p:spPr>
-          <a:xfrm>
-            <a:off x="2411760" y="2352810"/>
-            <a:ext cx="2710763" cy="223127"/>
-          </a:xfrm>
-          <a:prstGeom prst="rect">
-            <a:avLst/>
-          </a:prstGeom>
-        </p:spPr>
-        <p:style>
-          <a:lnRef idx="1">
-            <a:schemeClr val="accent6"/>
-          </a:lnRef>
-          <a:fillRef idx="2">
-            <a:schemeClr val="accent6"/>
-          </a:fillRef>
-          <a:effectRef idx="1">
-            <a:schemeClr val="accent6"/>
-          </a:effectRef>
-          <a:fontRef idx="minor">
-            <a:schemeClr val="dk1"/>
-          </a:fontRef>
-        </p:style>
-        <p:txBody>
-          <a:bodyPr rtlCol="0" anchor="ctr"/>
-          <a:lstStyle/>
-          <a:p>
-            <a:pPr algn="ctr"/>
-            <a:r>
-              <a:rPr lang="en-US" altLang="zh-CN" sz="1200" smtClean="0"/>
-              <a:t>material:FMaterial</a:t>
-            </a:r>
-            <a:endParaRPr lang="zh-CN" altLang="en-US" sz="1200"/>
-          </a:p>
-        </p:txBody>
-      </p:sp>
-      <p:cxnSp>
-        <p:nvCxnSpPr>
-          <p:cNvPr id="25" name="直接箭头连接符 12"/>
-          <p:cNvCxnSpPr>
-            <a:stCxn id="6" idx="2"/>
-            <a:endCxn id="24" idx="1"/>
-          </p:cNvCxnSpPr>
-          <p:nvPr/>
-        </p:nvCxnSpPr>
-        <p:spPr>
-          <a:xfrm rot="16200000" flipH="1">
-            <a:off x="1616754" y="1669367"/>
-            <a:ext cx="968557" cy="621456"/>
-          </a:xfrm>
-          <a:prstGeom prst="bentConnector2">
-            <a:avLst/>
-          </a:prstGeom>
-          <a:ln w="28575">
-            <a:headEnd type="none" w="med" len="med"/>
-            <a:tailEnd type="triangle" w="med" len="lg"/>
-          </a:ln>
-        </p:spPr>
-        <p:style>
-          <a:lnRef idx="1">
-            <a:schemeClr val="accent1"/>
-          </a:lnRef>
-          <a:fillRef idx="0">
-            <a:schemeClr val="accent1"/>
-          </a:fillRef>
-          <a:effectRef idx="0">
-            <a:schemeClr val="accent1"/>
-          </a:effectRef>
-          <a:fontRef idx="minor">
-            <a:schemeClr val="tx1"/>
-          </a:fontRef>
-        </p:style>
-      </p:cxnSp>
-      <p:sp>
-        <p:nvSpPr>
-          <p:cNvPr id="29" name="矩形 28"/>
-          <p:cNvSpPr/>
-          <p:nvPr/>
-        </p:nvSpPr>
-        <p:spPr>
-          <a:xfrm>
-            <a:off x="2411760" y="2712850"/>
-            <a:ext cx="2710763" cy="223127"/>
-          </a:xfrm>
-          <a:prstGeom prst="rect">
-            <a:avLst/>
-          </a:prstGeom>
-        </p:spPr>
-        <p:style>
-          <a:lnRef idx="1">
-            <a:schemeClr val="accent6"/>
-          </a:lnRef>
-          <a:fillRef idx="2">
-            <a:schemeClr val="accent6"/>
-          </a:fillRef>
-          <a:effectRef idx="1">
-            <a:schemeClr val="accent6"/>
-          </a:effectRef>
-          <a:fontRef idx="minor">
-            <a:schemeClr val="dk1"/>
-          </a:fontRef>
-        </p:style>
-        <p:txBody>
-          <a:bodyPr rtlCol="0" anchor="ctr"/>
-          <a:lstStyle/>
-          <a:p>
-            <a:pPr algn="ctr"/>
-            <a:r>
-              <a:rPr lang="en-US" altLang="zh-CN" sz="1200" smtClean="0"/>
-              <a:t>materialReference:FMaterial</a:t>
-            </a:r>
-            <a:endParaRPr lang="zh-CN" altLang="en-US" sz="1200"/>
-          </a:p>
-        </p:txBody>
-      </p:sp>
-      <p:cxnSp>
-        <p:nvCxnSpPr>
-          <p:cNvPr id="30" name="直接箭头连接符 12"/>
-          <p:cNvCxnSpPr>
-            <a:stCxn id="6" idx="2"/>
-            <a:endCxn id="29" idx="1"/>
-          </p:cNvCxnSpPr>
-          <p:nvPr/>
-        </p:nvCxnSpPr>
-        <p:spPr>
-          <a:xfrm rot="16200000" flipH="1">
-            <a:off x="1436734" y="1849387"/>
-            <a:ext cx="1328597" cy="621456"/>
-          </a:xfrm>
-          <a:prstGeom prst="bentConnector2">
-            <a:avLst/>
-          </a:prstGeom>
-          <a:ln w="28575">
-            <a:headEnd type="none" w="med" len="med"/>
-            <a:tailEnd type="triangle" w="med" len="lg"/>
-          </a:ln>
-        </p:spPr>
-        <p:style>
-          <a:lnRef idx="1">
-            <a:schemeClr val="accent1"/>
-          </a:lnRef>
-          <a:fillRef idx="0">
-            <a:schemeClr val="accent1"/>
-          </a:fillRef>
-          <a:effectRef idx="0">
-            <a:schemeClr val="accent1"/>
-          </a:effectRef>
-          <a:fontRef idx="minor">
-            <a:schemeClr val="tx1"/>
-          </a:fontRef>
-        </p:style>
-      </p:cxnSp>
-      <p:sp>
-        <p:nvSpPr>
-          <p:cNvPr id="38" name="矩形 37"/>
-          <p:cNvSpPr/>
-          <p:nvPr/>
-        </p:nvSpPr>
-        <p:spPr>
-          <a:xfrm>
-            <a:off x="4199954" y="4896391"/>
-            <a:ext cx="2710763" cy="223127"/>
-          </a:xfrm>
-          <a:prstGeom prst="rect">
-            <a:avLst/>
-          </a:prstGeom>
-        </p:spPr>
-        <p:style>
-          <a:lnRef idx="1">
-            <a:schemeClr val="accent3"/>
-          </a:lnRef>
-          <a:fillRef idx="2">
-            <a:schemeClr val="accent3"/>
-          </a:fillRef>
-          <a:effectRef idx="1">
-            <a:schemeClr val="accent3"/>
-          </a:effectRef>
-          <a:fontRef idx="minor">
-            <a:schemeClr val="dk1"/>
-          </a:fontRef>
-        </p:style>
-        <p:txBody>
-          <a:bodyPr rtlCol="0" anchor="ctr"/>
-          <a:lstStyle/>
-          <a:p>
-            <a:pPr algn="ctr"/>
-            <a:r>
-              <a:rPr lang="en-US" altLang="zh-CN" sz="1200" smtClean="0"/>
-              <a:t>texture:FRenderTexture</a:t>
-            </a:r>
-            <a:endParaRPr lang="zh-CN" altLang="en-US" sz="1200"/>
-          </a:p>
-        </p:txBody>
-      </p:sp>
-      <p:cxnSp>
-        <p:nvCxnSpPr>
-          <p:cNvPr id="39" name="直接箭头连接符 12"/>
-          <p:cNvCxnSpPr>
-            <a:stCxn id="7" idx="2"/>
-            <a:endCxn id="38" idx="1"/>
-          </p:cNvCxnSpPr>
-          <p:nvPr/>
-        </p:nvCxnSpPr>
-        <p:spPr>
-          <a:xfrm rot="16200000" flipH="1">
-            <a:off x="3895314" y="4703314"/>
-            <a:ext cx="176469" cy="432812"/>
-          </a:xfrm>
-          <a:prstGeom prst="bentConnector2">
-            <a:avLst/>
-          </a:prstGeom>
-          <a:ln w="28575">
-            <a:headEnd type="none" w="med" len="med"/>
-            <a:tailEnd type="triangle" w="med" len="lg"/>
-          </a:ln>
-        </p:spPr>
-        <p:style>
-          <a:lnRef idx="1">
-            <a:schemeClr val="accent1"/>
-          </a:lnRef>
-          <a:fillRef idx="0">
-            <a:schemeClr val="accent1"/>
-          </a:fillRef>
-          <a:effectRef idx="0">
-            <a:schemeClr val="accent1"/>
-          </a:effectRef>
-          <a:fontRef idx="minor">
-            <a:schemeClr val="tx1"/>
-          </a:fontRef>
-        </p:style>
-      </p:cxnSp>
-      <p:cxnSp>
-        <p:nvCxnSpPr>
-          <p:cNvPr id="42" name="直接箭头连接符 12"/>
-          <p:cNvCxnSpPr>
-            <a:stCxn id="52" idx="3"/>
-            <a:endCxn id="47" idx="1"/>
-          </p:cNvCxnSpPr>
-          <p:nvPr/>
-        </p:nvCxnSpPr>
-        <p:spPr>
-          <a:xfrm>
-            <a:off x="7154745" y="3910786"/>
-            <a:ext cx="396687" cy="24267"/>
-          </a:xfrm>
-          <a:prstGeom prst="bentConnector3">
-            <a:avLst>
-              <a:gd name="adj1" fmla="val 50000"/>
-            </a:avLst>
-          </a:prstGeom>
-          <a:ln w="28575">
-            <a:headEnd type="none" w="med" len="med"/>
-            <a:tailEnd type="triangle" w="med" len="lg"/>
-          </a:ln>
-        </p:spPr>
-        <p:style>
-          <a:lnRef idx="1">
-            <a:schemeClr val="accent1"/>
-          </a:lnRef>
-          <a:fillRef idx="0">
-            <a:schemeClr val="accent1"/>
-          </a:fillRef>
-          <a:effectRef idx="0">
-            <a:schemeClr val="accent1"/>
-          </a:effectRef>
-          <a:fontRef idx="minor">
-            <a:schemeClr val="tx1"/>
-          </a:fontRef>
-        </p:style>
-      </p:cxnSp>
-      <p:sp>
-        <p:nvSpPr>
-          <p:cNvPr id="47" name="矩形 46"/>
-          <p:cNvSpPr/>
-          <p:nvPr/>
-        </p:nvSpPr>
-        <p:spPr>
-          <a:xfrm>
-            <a:off x="7551432" y="3823489"/>
-            <a:ext cx="2710763" cy="223127"/>
-          </a:xfrm>
-          <a:prstGeom prst="rect">
-            <a:avLst/>
-          </a:prstGeom>
-        </p:spPr>
-        <p:style>
-          <a:lnRef idx="1">
-            <a:schemeClr val="accent3"/>
-          </a:lnRef>
-          <a:fillRef idx="2">
-            <a:schemeClr val="accent3"/>
-          </a:fillRef>
-          <a:effectRef idx="1">
-            <a:schemeClr val="accent3"/>
-          </a:effectRef>
-          <a:fontRef idx="minor">
-            <a:schemeClr val="dk1"/>
-          </a:fontRef>
-        </p:style>
-        <p:txBody>
-          <a:bodyPr rtlCol="0" anchor="ctr"/>
-          <a:lstStyle/>
-          <a:p>
-            <a:pPr algn="ctr"/>
-            <a:r>
-              <a:rPr lang="en-US" altLang="zh-CN" sz="1200" smtClean="0"/>
-              <a:t>vertexBuffer:FRenderVertexBuffer</a:t>
-            </a:r>
-            <a:endParaRPr lang="zh-CN" altLang="en-US" sz="1200"/>
-          </a:p>
-        </p:txBody>
-      </p:sp>
-      <p:sp>
-        <p:nvSpPr>
-          <p:cNvPr id="52" name="矩形 51"/>
-          <p:cNvSpPr/>
-          <p:nvPr/>
-        </p:nvSpPr>
-        <p:spPr>
-          <a:xfrm>
-            <a:off x="4443982" y="3799222"/>
-            <a:ext cx="2710763" cy="223127"/>
-          </a:xfrm>
-          <a:prstGeom prst="rect">
-            <a:avLst/>
-          </a:prstGeom>
-        </p:spPr>
-        <p:style>
-          <a:lnRef idx="1">
-            <a:schemeClr val="accent5"/>
-          </a:lnRef>
-          <a:fillRef idx="2">
-            <a:schemeClr val="accent5"/>
-          </a:fillRef>
-          <a:effectRef idx="1">
-            <a:schemeClr val="accent5"/>
-          </a:effectRef>
-          <a:fontRef idx="minor">
-            <a:schemeClr val="dk1"/>
-          </a:fontRef>
-        </p:style>
-        <p:txBody>
-          <a:bodyPr rtlCol="0" anchor="ctr"/>
-          <a:lstStyle/>
-          <a:p>
-            <a:pPr algn="ctr"/>
-            <a:r>
-              <a:rPr lang="en-US" altLang="zh-CN" sz="1200" smtClean="0"/>
-              <a:t>attributes:GRenderableAttributePtrs</a:t>
-            </a:r>
-            <a:endParaRPr lang="zh-CN" altLang="en-US" sz="1200"/>
-          </a:p>
-        </p:txBody>
-      </p:sp>
-      <p:cxnSp>
-        <p:nvCxnSpPr>
-          <p:cNvPr id="53" name="直接箭头连接符 12"/>
-          <p:cNvCxnSpPr>
-            <a:stCxn id="41" idx="2"/>
-            <a:endCxn id="52" idx="1"/>
-          </p:cNvCxnSpPr>
-          <p:nvPr/>
-        </p:nvCxnSpPr>
-        <p:spPr>
-          <a:xfrm rot="16200000" flipH="1">
-            <a:off x="3949539" y="3416343"/>
-            <a:ext cx="267140" cy="721746"/>
-          </a:xfrm>
-          <a:prstGeom prst="bentConnector2">
-            <a:avLst/>
-          </a:prstGeom>
-          <a:ln w="28575">
-            <a:headEnd type="none" w="med" len="med"/>
-            <a:tailEnd type="triangle" w="med" len="lg"/>
-          </a:ln>
-        </p:spPr>
-        <p:style>
-          <a:lnRef idx="1">
-            <a:schemeClr val="accent1"/>
-          </a:lnRef>
-          <a:fillRef idx="0">
-            <a:schemeClr val="accent1"/>
-          </a:fillRef>
-          <a:effectRef idx="0">
-            <a:schemeClr val="accent1"/>
-          </a:effectRef>
-          <a:fontRef idx="minor">
-            <a:schemeClr val="tx1"/>
-          </a:fontRef>
-        </p:style>
-      </p:cxnSp>
-      <p:sp>
-        <p:nvSpPr>
-          <p:cNvPr id="70" name="标题 69"/>
+          <p:cNvPr id="2" name="标题 1"/>
           <p:cNvSpPr>
             <a:spLocks noGrp="1"/>
           </p:cNvSpPr>
@@ -7382,1092 +8839,1453 @@
           <a:p>
             <a:r>
               <a:rPr lang="zh-CN" altLang="en-US" smtClean="0"/>
-              <a:t>渲染对象结构</a:t>
+              <a:t>渲染器</a:t>
+            </a:r>
+            <a:r>
+              <a:rPr lang="zh-CN" altLang="en-US"/>
+              <a:t>属性</a:t>
             </a:r>
             <a:endParaRPr lang="zh-CN" altLang="en-US"/>
           </a:p>
         </p:txBody>
       </p:sp>
-      <p:sp>
-        <p:nvSpPr>
-          <p:cNvPr id="26" name="矩形 25"/>
-          <p:cNvSpPr/>
-          <p:nvPr/>
-        </p:nvSpPr>
-        <p:spPr>
-          <a:xfrm>
-            <a:off x="2411760" y="3072890"/>
-            <a:ext cx="2710763" cy="223127"/>
-          </a:xfrm>
-          <a:prstGeom prst="rect">
-            <a:avLst/>
-          </a:prstGeom>
-        </p:spPr>
-        <p:style>
-          <a:lnRef idx="1">
-            <a:schemeClr val="accent6"/>
-          </a:lnRef>
-          <a:fillRef idx="2">
-            <a:schemeClr val="accent6"/>
-          </a:fillRef>
-          <a:effectRef idx="1">
-            <a:schemeClr val="accent6"/>
-          </a:effectRef>
-          <a:fontRef idx="minor">
-            <a:schemeClr val="dk1"/>
-          </a:fontRef>
-        </p:style>
-        <p:txBody>
-          <a:bodyPr rtlCol="0" anchor="ctr"/>
-          <a:lstStyle/>
-          <a:p>
-            <a:pPr algn="ctr"/>
-            <a:r>
-              <a:rPr lang="en-US" altLang="zh-CN" sz="1200" smtClean="0"/>
-              <a:t>visualInfo:FRenderableInfo</a:t>
-            </a:r>
-            <a:endParaRPr lang="zh-CN" altLang="en-US" sz="1200"/>
-          </a:p>
-        </p:txBody>
-      </p:sp>
-      <p:cxnSp>
-        <p:nvCxnSpPr>
-          <p:cNvPr id="27" name="直接箭头连接符 12"/>
-          <p:cNvCxnSpPr>
-            <a:stCxn id="6" idx="2"/>
-            <a:endCxn id="26" idx="1"/>
-          </p:cNvCxnSpPr>
-          <p:nvPr/>
-        </p:nvCxnSpPr>
-        <p:spPr>
-          <a:xfrm rot="16200000" flipH="1">
-            <a:off x="1256714" y="2029407"/>
-            <a:ext cx="1688637" cy="621456"/>
-          </a:xfrm>
-          <a:prstGeom prst="bentConnector2">
-            <a:avLst/>
-          </a:prstGeom>
-          <a:ln w="28575">
-            <a:headEnd type="none" w="med" len="med"/>
-            <a:tailEnd type="triangle" w="med" len="lg"/>
-          </a:ln>
-        </p:spPr>
-        <p:style>
-          <a:lnRef idx="1">
-            <a:schemeClr val="accent1"/>
-          </a:lnRef>
-          <a:fillRef idx="0">
-            <a:schemeClr val="accent1"/>
-          </a:fillRef>
-          <a:effectRef idx="0">
-            <a:schemeClr val="accent1"/>
-          </a:effectRef>
-          <a:fontRef idx="minor">
-            <a:schemeClr val="tx1"/>
-          </a:fontRef>
-        </p:style>
-      </p:cxnSp>
-      <p:sp>
-        <p:nvSpPr>
-          <p:cNvPr id="41" name="矩形 40"/>
-          <p:cNvSpPr/>
-          <p:nvPr/>
-        </p:nvSpPr>
-        <p:spPr>
-          <a:xfrm>
-            <a:off x="2366854" y="3420519"/>
-            <a:ext cx="2710763" cy="223127"/>
-          </a:xfrm>
-          <a:prstGeom prst="rect">
-            <a:avLst/>
-          </a:prstGeom>
-        </p:spPr>
-        <p:style>
-          <a:lnRef idx="1">
-            <a:schemeClr val="accent6"/>
-          </a:lnRef>
-          <a:fillRef idx="2">
-            <a:schemeClr val="accent6"/>
-          </a:fillRef>
-          <a:effectRef idx="1">
-            <a:schemeClr val="accent6"/>
-          </a:effectRef>
-          <a:fontRef idx="minor">
-            <a:schemeClr val="dk1"/>
-          </a:fontRef>
-        </p:style>
-        <p:txBody>
-          <a:bodyPr rtlCol="0" anchor="ctr"/>
-          <a:lstStyle/>
-          <a:p>
-            <a:pPr algn="ctr"/>
-            <a:r>
-              <a:rPr lang="en-US" altLang="zh-CN" sz="1200" smtClean="0"/>
-              <a:t>data:FRenderableData</a:t>
-            </a:r>
-            <a:endParaRPr lang="zh-CN" altLang="en-US" sz="1200"/>
-          </a:p>
-        </p:txBody>
-      </p:sp>
-      <p:sp>
-        <p:nvSpPr>
-          <p:cNvPr id="49" name="矩形 48"/>
-          <p:cNvSpPr/>
-          <p:nvPr/>
-        </p:nvSpPr>
-        <p:spPr>
-          <a:xfrm>
-            <a:off x="2411761" y="5566289"/>
-            <a:ext cx="2710763" cy="223127"/>
-          </a:xfrm>
-          <a:prstGeom prst="rect">
-            <a:avLst/>
-          </a:prstGeom>
-        </p:spPr>
-        <p:style>
-          <a:lnRef idx="1">
-            <a:schemeClr val="accent6"/>
-          </a:lnRef>
-          <a:fillRef idx="2">
-            <a:schemeClr val="accent6"/>
-          </a:fillRef>
-          <a:effectRef idx="1">
-            <a:schemeClr val="accent6"/>
-          </a:effectRef>
-          <a:fontRef idx="minor">
-            <a:schemeClr val="dk1"/>
-          </a:fontRef>
-        </p:style>
-        <p:txBody>
-          <a:bodyPr rtlCol="0" anchor="ctr"/>
-          <a:lstStyle/>
-          <a:p>
-            <a:pPr algn="ctr"/>
-            <a:r>
-              <a:rPr lang="en-US" altLang="zh-CN" sz="1200" smtClean="0"/>
-              <a:t>effects:GRenderableEffectPtrs</a:t>
-            </a:r>
-            <a:endParaRPr lang="zh-CN" altLang="en-US" sz="1200"/>
-          </a:p>
-        </p:txBody>
-      </p:sp>
-      <p:cxnSp>
-        <p:nvCxnSpPr>
-          <p:cNvPr id="51" name="直接箭头连接符 12"/>
-          <p:cNvCxnSpPr>
-            <a:stCxn id="6" idx="2"/>
-            <a:endCxn id="7" idx="1"/>
-          </p:cNvCxnSpPr>
-          <p:nvPr/>
-        </p:nvCxnSpPr>
-        <p:spPr>
-          <a:xfrm rot="16200000" flipH="1">
-            <a:off x="488979" y="2797142"/>
-            <a:ext cx="3224106" cy="621456"/>
-          </a:xfrm>
-          <a:prstGeom prst="bentConnector2">
-            <a:avLst/>
-          </a:prstGeom>
-          <a:ln w="28575">
-            <a:headEnd type="none" w="med" len="med"/>
-            <a:tailEnd type="triangle" w="med" len="lg"/>
-          </a:ln>
-        </p:spPr>
-        <p:style>
-          <a:lnRef idx="1">
-            <a:schemeClr val="accent1"/>
-          </a:lnRef>
-          <a:fillRef idx="0">
-            <a:schemeClr val="accent1"/>
-          </a:fillRef>
-          <a:effectRef idx="0">
-            <a:schemeClr val="accent1"/>
-          </a:effectRef>
-          <a:fontRef idx="minor">
-            <a:schemeClr val="tx1"/>
-          </a:fontRef>
-        </p:style>
-      </p:cxnSp>
-      <p:cxnSp>
-        <p:nvCxnSpPr>
-          <p:cNvPr id="54" name="直接箭头连接符 12"/>
-          <p:cNvCxnSpPr>
-            <a:stCxn id="6" idx="2"/>
-            <a:endCxn id="49" idx="1"/>
-          </p:cNvCxnSpPr>
-          <p:nvPr/>
-        </p:nvCxnSpPr>
-        <p:spPr>
-          <a:xfrm rot="16200000" flipH="1">
-            <a:off x="10014" y="3276106"/>
-            <a:ext cx="4182036" cy="621457"/>
-          </a:xfrm>
-          <a:prstGeom prst="bentConnector2">
-            <a:avLst/>
-          </a:prstGeom>
-          <a:ln w="28575">
-            <a:headEnd type="none" w="med" len="med"/>
-            <a:tailEnd type="triangle" w="med" len="lg"/>
-          </a:ln>
-        </p:spPr>
-        <p:style>
-          <a:lnRef idx="1">
-            <a:schemeClr val="accent1"/>
-          </a:lnRef>
-          <a:fillRef idx="0">
-            <a:schemeClr val="accent1"/>
-          </a:fillRef>
-          <a:effectRef idx="0">
-            <a:schemeClr val="accent1"/>
-          </a:effectRef>
-          <a:fontRef idx="minor">
-            <a:schemeClr val="tx1"/>
-          </a:fontRef>
-        </p:style>
-      </p:cxnSp>
-      <p:sp>
-        <p:nvSpPr>
-          <p:cNvPr id="58" name="矩形 57"/>
-          <p:cNvSpPr/>
-          <p:nvPr/>
-        </p:nvSpPr>
-        <p:spPr>
-          <a:xfrm>
-            <a:off x="2411761" y="5206249"/>
-            <a:ext cx="2710763" cy="223127"/>
-          </a:xfrm>
-          <a:prstGeom prst="rect">
-            <a:avLst/>
-          </a:prstGeom>
-        </p:spPr>
-        <p:style>
-          <a:lnRef idx="1">
-            <a:schemeClr val="accent5"/>
-          </a:lnRef>
-          <a:fillRef idx="2">
-            <a:schemeClr val="accent5"/>
-          </a:fillRef>
-          <a:effectRef idx="1">
-            <a:schemeClr val="accent5"/>
-          </a:effectRef>
-          <a:fontRef idx="minor">
-            <a:schemeClr val="dk1"/>
-          </a:fontRef>
-        </p:style>
-        <p:txBody>
-          <a:bodyPr rtlCol="0" anchor="ctr"/>
-          <a:lstStyle/>
-          <a:p>
-            <a:pPr algn="ctr"/>
-            <a:r>
-              <a:rPr lang="en-US" altLang="zh-CN" sz="1200" smtClean="0"/>
-              <a:t>activeEffect:FRenderableEffect</a:t>
-            </a:r>
-            <a:endParaRPr lang="zh-CN" altLang="en-US" sz="1200"/>
-          </a:p>
-        </p:txBody>
-      </p:sp>
-      <p:cxnSp>
-        <p:nvCxnSpPr>
-          <p:cNvPr id="59" name="直接箭头连接符 12"/>
-          <p:cNvCxnSpPr>
-            <a:stCxn id="6" idx="2"/>
-            <a:endCxn id="58" idx="1"/>
-          </p:cNvCxnSpPr>
-          <p:nvPr/>
-        </p:nvCxnSpPr>
-        <p:spPr>
-          <a:xfrm rot="16200000" flipH="1">
-            <a:off x="190034" y="3096086"/>
-            <a:ext cx="3821996" cy="621457"/>
-          </a:xfrm>
-          <a:prstGeom prst="bentConnector2">
-            <a:avLst/>
-          </a:prstGeom>
-          <a:ln w="28575">
-            <a:headEnd type="none" w="med" len="med"/>
-            <a:tailEnd type="triangle" w="med" len="lg"/>
-          </a:ln>
-        </p:spPr>
-        <p:style>
-          <a:lnRef idx="1">
-            <a:schemeClr val="accent1"/>
-          </a:lnRef>
-          <a:fillRef idx="0">
-            <a:schemeClr val="accent1"/>
-          </a:fillRef>
-          <a:effectRef idx="0">
-            <a:schemeClr val="accent1"/>
-          </a:effectRef>
-          <a:fontRef idx="minor">
-            <a:schemeClr val="tx1"/>
-          </a:fontRef>
-        </p:style>
-      </p:cxnSp>
-      <p:sp>
-        <p:nvSpPr>
-          <p:cNvPr id="85" name="矩形 84"/>
-          <p:cNvSpPr/>
-          <p:nvPr/>
-        </p:nvSpPr>
-        <p:spPr>
-          <a:xfrm>
-            <a:off x="2411760" y="1992770"/>
-            <a:ext cx="2710763" cy="223127"/>
-          </a:xfrm>
-          <a:prstGeom prst="rect">
-            <a:avLst/>
-          </a:prstGeom>
-        </p:spPr>
-        <p:style>
-          <a:lnRef idx="1">
-            <a:schemeClr val="accent5"/>
-          </a:lnRef>
-          <a:fillRef idx="2">
-            <a:schemeClr val="accent5"/>
-          </a:fillRef>
-          <a:effectRef idx="1">
-            <a:schemeClr val="accent5"/>
-          </a:effectRef>
-          <a:fontRef idx="minor">
-            <a:schemeClr val="dk1"/>
-          </a:fontRef>
-        </p:style>
-        <p:txBody>
-          <a:bodyPr rtlCol="0" anchor="ctr"/>
-          <a:lstStyle/>
-          <a:p>
-            <a:pPr algn="ctr"/>
-            <a:r>
-              <a:rPr lang="en-US" altLang="zh-CN" sz="1200" smtClean="0"/>
-              <a:t>matrix:SMatrix3d</a:t>
-            </a:r>
-            <a:endParaRPr lang="zh-CN" altLang="en-US" sz="1200"/>
-          </a:p>
-        </p:txBody>
-      </p:sp>
-      <p:cxnSp>
-        <p:nvCxnSpPr>
-          <p:cNvPr id="86" name="直接箭头连接符 12"/>
-          <p:cNvCxnSpPr>
-            <a:stCxn id="6" idx="2"/>
-            <a:endCxn id="85" idx="1"/>
-          </p:cNvCxnSpPr>
-          <p:nvPr/>
-        </p:nvCxnSpPr>
-        <p:spPr>
-          <a:xfrm rot="16200000" flipH="1">
-            <a:off x="1796774" y="1489347"/>
-            <a:ext cx="608517" cy="621456"/>
-          </a:xfrm>
-          <a:prstGeom prst="bentConnector2">
-            <a:avLst/>
-          </a:prstGeom>
-          <a:ln w="28575">
-            <a:headEnd type="none" w="med" len="med"/>
-            <a:tailEnd type="triangle" w="med" len="lg"/>
-          </a:ln>
-        </p:spPr>
-        <p:style>
-          <a:lnRef idx="1">
-            <a:schemeClr val="accent1"/>
-          </a:lnRef>
-          <a:fillRef idx="0">
-            <a:schemeClr val="accent1"/>
-          </a:fillRef>
-          <a:effectRef idx="0">
-            <a:schemeClr val="accent1"/>
-          </a:effectRef>
-          <a:fontRef idx="minor">
-            <a:schemeClr val="tx1"/>
-          </a:fontRef>
-        </p:style>
-      </p:cxnSp>
-      <p:sp>
-        <p:nvSpPr>
-          <p:cNvPr id="110" name="矩形 109"/>
-          <p:cNvSpPr/>
-          <p:nvPr/>
-        </p:nvSpPr>
-        <p:spPr>
-          <a:xfrm>
-            <a:off x="2411760" y="1632730"/>
-            <a:ext cx="2710763" cy="223127"/>
-          </a:xfrm>
-          <a:prstGeom prst="rect">
-            <a:avLst/>
-          </a:prstGeom>
-        </p:spPr>
-        <p:style>
-          <a:lnRef idx="1">
-            <a:schemeClr val="accent5"/>
-          </a:lnRef>
-          <a:fillRef idx="2">
-            <a:schemeClr val="accent5"/>
-          </a:fillRef>
-          <a:effectRef idx="1">
-            <a:schemeClr val="accent5"/>
-          </a:effectRef>
-          <a:fontRef idx="minor">
-            <a:schemeClr val="dk1"/>
-          </a:fontRef>
-        </p:style>
-        <p:txBody>
-          <a:bodyPr rtlCol="0" anchor="ctr"/>
-          <a:lstStyle/>
-          <a:p>
-            <a:pPr algn="ctr"/>
-            <a:r>
-              <a:rPr lang="en-US" altLang="zh-CN" sz="1200" smtClean="0"/>
-              <a:t>options:SRenderableOptions</a:t>
-            </a:r>
-            <a:endParaRPr lang="zh-CN" altLang="en-US" sz="1200"/>
-          </a:p>
-        </p:txBody>
-      </p:sp>
-      <p:cxnSp>
-        <p:nvCxnSpPr>
-          <p:cNvPr id="111" name="直接箭头连接符 12"/>
-          <p:cNvCxnSpPr>
-            <a:stCxn id="6" idx="2"/>
-            <a:endCxn id="110" idx="1"/>
-          </p:cNvCxnSpPr>
-          <p:nvPr/>
-        </p:nvCxnSpPr>
-        <p:spPr>
-          <a:xfrm rot="16200000" flipH="1">
-            <a:off x="1976794" y="1309327"/>
-            <a:ext cx="248477" cy="621456"/>
-          </a:xfrm>
-          <a:prstGeom prst="bentConnector2">
-            <a:avLst/>
-          </a:prstGeom>
-          <a:ln w="28575">
-            <a:headEnd type="none" w="med" len="med"/>
-            <a:tailEnd type="triangle" w="med" len="lg"/>
-          </a:ln>
-        </p:spPr>
-        <p:style>
-          <a:lnRef idx="1">
-            <a:schemeClr val="accent1"/>
-          </a:lnRef>
-          <a:fillRef idx="0">
-            <a:schemeClr val="accent1"/>
-          </a:fillRef>
-          <a:effectRef idx="0">
-            <a:schemeClr val="accent1"/>
-          </a:effectRef>
-          <a:fontRef idx="minor">
-            <a:schemeClr val="tx1"/>
-          </a:fontRef>
-        </p:style>
-      </p:cxnSp>
-      <p:sp>
-        <p:nvSpPr>
-          <p:cNvPr id="124" name="TextBox 123"/>
-          <p:cNvSpPr txBox="1"/>
-          <p:nvPr/>
-        </p:nvSpPr>
-        <p:spPr>
-          <a:xfrm>
-            <a:off x="5254530" y="1632730"/>
-            <a:ext cx="3168353" cy="276999"/>
-          </a:xfrm>
-          <a:prstGeom prst="rect">
-            <a:avLst/>
-          </a:prstGeom>
-          <a:noFill/>
-        </p:spPr>
-        <p:txBody>
-          <a:bodyPr wrap="square" rtlCol="0">
-            <a:spAutoFit/>
-          </a:bodyPr>
-          <a:lstStyle/>
-          <a:p>
-            <a:r>
-              <a:rPr lang="zh-CN" altLang="en-US" sz="1200" smtClean="0"/>
-              <a:t>配置信息集合</a:t>
-            </a:r>
-            <a:endParaRPr lang="zh-CN" altLang="en-US" sz="1200"/>
-          </a:p>
-        </p:txBody>
-      </p:sp>
-      <p:sp>
-        <p:nvSpPr>
-          <p:cNvPr id="125" name="TextBox 124"/>
-          <p:cNvSpPr txBox="1"/>
-          <p:nvPr/>
-        </p:nvSpPr>
-        <p:spPr>
-          <a:xfrm>
-            <a:off x="5254530" y="1992770"/>
-            <a:ext cx="3168353" cy="276999"/>
-          </a:xfrm>
-          <a:prstGeom prst="rect">
-            <a:avLst/>
-          </a:prstGeom>
-          <a:noFill/>
-        </p:spPr>
-        <p:txBody>
-          <a:bodyPr wrap="square" rtlCol="0">
-            <a:spAutoFit/>
-          </a:bodyPr>
-          <a:lstStyle/>
-          <a:p>
-            <a:r>
-              <a:rPr lang="zh-CN" altLang="en-US" sz="1200" smtClean="0"/>
-              <a:t>空间矩阵</a:t>
-            </a:r>
-            <a:endParaRPr lang="zh-CN" altLang="en-US" sz="1200"/>
-          </a:p>
-        </p:txBody>
-      </p:sp>
-      <p:sp>
-        <p:nvSpPr>
-          <p:cNvPr id="126" name="TextBox 125"/>
-          <p:cNvSpPr txBox="1"/>
-          <p:nvPr/>
-        </p:nvSpPr>
-        <p:spPr>
-          <a:xfrm>
-            <a:off x="5254530" y="2352810"/>
-            <a:ext cx="3168353" cy="276999"/>
-          </a:xfrm>
-          <a:prstGeom prst="rect">
-            <a:avLst/>
-          </a:prstGeom>
-          <a:noFill/>
-        </p:spPr>
-        <p:txBody>
-          <a:bodyPr wrap="square" rtlCol="0">
-            <a:spAutoFit/>
-          </a:bodyPr>
-          <a:lstStyle/>
-          <a:p>
-            <a:r>
-              <a:rPr lang="zh-CN" altLang="en-US" sz="1200"/>
-              <a:t>当前</a:t>
-            </a:r>
-            <a:r>
-              <a:rPr lang="zh-CN" altLang="en-US" sz="1200" smtClean="0"/>
-              <a:t>材质（由参考材质和光源材质计算获得）</a:t>
-            </a:r>
-            <a:endParaRPr lang="zh-CN" altLang="en-US" sz="1200"/>
-          </a:p>
-        </p:txBody>
-      </p:sp>
-      <p:sp>
-        <p:nvSpPr>
-          <p:cNvPr id="127" name="TextBox 126"/>
-          <p:cNvSpPr txBox="1"/>
-          <p:nvPr/>
-        </p:nvSpPr>
-        <p:spPr>
-          <a:xfrm>
-            <a:off x="5254530" y="2712850"/>
-            <a:ext cx="3168353" cy="276999"/>
-          </a:xfrm>
-          <a:prstGeom prst="rect">
-            <a:avLst/>
-          </a:prstGeom>
-          <a:noFill/>
-        </p:spPr>
-        <p:txBody>
-          <a:bodyPr wrap="square" rtlCol="0">
-            <a:spAutoFit/>
-          </a:bodyPr>
-          <a:lstStyle/>
-          <a:p>
-            <a:r>
-              <a:rPr lang="zh-CN" altLang="en-US" sz="1200"/>
-              <a:t>参考</a:t>
-            </a:r>
-            <a:r>
-              <a:rPr lang="zh-CN" altLang="en-US" sz="1200" smtClean="0"/>
-              <a:t>材质</a:t>
-            </a:r>
-            <a:endParaRPr lang="zh-CN" altLang="en-US" sz="1200"/>
-          </a:p>
-        </p:txBody>
-      </p:sp>
-      <p:sp>
-        <p:nvSpPr>
-          <p:cNvPr id="128" name="TextBox 127"/>
-          <p:cNvSpPr txBox="1"/>
-          <p:nvPr/>
-        </p:nvSpPr>
-        <p:spPr>
-          <a:xfrm>
-            <a:off x="5254530" y="3072890"/>
-            <a:ext cx="3168353" cy="276999"/>
-          </a:xfrm>
-          <a:prstGeom prst="rect">
-            <a:avLst/>
-          </a:prstGeom>
-          <a:noFill/>
-        </p:spPr>
-        <p:txBody>
-          <a:bodyPr wrap="square" rtlCol="0">
-            <a:spAutoFit/>
-          </a:bodyPr>
-          <a:lstStyle/>
-          <a:p>
-            <a:r>
-              <a:rPr lang="zh-CN" altLang="en-US" sz="1200" smtClean="0"/>
-              <a:t>可见信息（空间排序和可视化处理用）</a:t>
-            </a:r>
-            <a:endParaRPr lang="zh-CN" altLang="en-US" sz="1200"/>
-          </a:p>
-        </p:txBody>
-      </p:sp>
-      <p:sp>
-        <p:nvSpPr>
-          <p:cNvPr id="129" name="TextBox 128"/>
-          <p:cNvSpPr txBox="1"/>
-          <p:nvPr/>
-        </p:nvSpPr>
-        <p:spPr>
-          <a:xfrm>
-            <a:off x="6793801" y="836712"/>
-            <a:ext cx="3168353" cy="276999"/>
-          </a:xfrm>
-          <a:prstGeom prst="rect">
-            <a:avLst/>
-          </a:prstGeom>
-          <a:noFill/>
-        </p:spPr>
-        <p:txBody>
-          <a:bodyPr wrap="square" rtlCol="0">
-            <a:spAutoFit/>
-          </a:bodyPr>
-          <a:lstStyle/>
-          <a:p>
-            <a:r>
-              <a:rPr lang="zh-CN" altLang="en-US" sz="1200"/>
-              <a:t>当前激活</a:t>
-            </a:r>
-            <a:r>
-              <a:rPr lang="zh-CN" altLang="en-US" sz="1200" smtClean="0"/>
-              <a:t>的效果器</a:t>
-            </a:r>
-            <a:endParaRPr lang="zh-CN" altLang="en-US" sz="1200"/>
-          </a:p>
-        </p:txBody>
-      </p:sp>
-      <p:sp>
-        <p:nvSpPr>
-          <p:cNvPr id="131" name="TextBox 130"/>
-          <p:cNvSpPr txBox="1"/>
-          <p:nvPr/>
-        </p:nvSpPr>
-        <p:spPr>
-          <a:xfrm>
-            <a:off x="5209625" y="3431869"/>
-            <a:ext cx="3168353" cy="276999"/>
-          </a:xfrm>
-          <a:prstGeom prst="rect">
-            <a:avLst/>
-          </a:prstGeom>
-          <a:noFill/>
-        </p:spPr>
-        <p:txBody>
-          <a:bodyPr wrap="square" rtlCol="0">
-            <a:spAutoFit/>
-          </a:bodyPr>
-          <a:lstStyle/>
-          <a:p>
-            <a:r>
-              <a:rPr lang="zh-CN" altLang="en-US" sz="1200"/>
-              <a:t>属性</a:t>
-            </a:r>
-            <a:r>
-              <a:rPr lang="zh-CN" altLang="en-US" sz="1200" smtClean="0"/>
-              <a:t>流集合</a:t>
-            </a:r>
-            <a:endParaRPr lang="zh-CN" altLang="en-US" sz="1200"/>
-          </a:p>
-        </p:txBody>
-      </p:sp>
-      <p:sp>
-        <p:nvSpPr>
-          <p:cNvPr id="132" name="TextBox 131"/>
-          <p:cNvSpPr txBox="1"/>
-          <p:nvPr/>
-        </p:nvSpPr>
-        <p:spPr>
-          <a:xfrm>
-            <a:off x="6910717" y="4919720"/>
-            <a:ext cx="3168353" cy="276999"/>
-          </a:xfrm>
-          <a:prstGeom prst="rect">
-            <a:avLst/>
-          </a:prstGeom>
-          <a:noFill/>
-        </p:spPr>
-        <p:txBody>
-          <a:bodyPr wrap="square" rtlCol="0">
-            <a:spAutoFit/>
-          </a:bodyPr>
-          <a:lstStyle/>
-          <a:p>
-            <a:r>
-              <a:rPr lang="zh-CN" altLang="en-US" sz="1200" smtClean="0"/>
-              <a:t>取样器集合</a:t>
-            </a:r>
-            <a:endParaRPr lang="zh-CN" altLang="en-US" sz="1200"/>
-          </a:p>
-        </p:txBody>
-      </p:sp>
-      <p:sp>
-        <p:nvSpPr>
-          <p:cNvPr id="133" name="TextBox 132"/>
-          <p:cNvSpPr txBox="1"/>
-          <p:nvPr/>
-        </p:nvSpPr>
-        <p:spPr>
-          <a:xfrm>
-            <a:off x="7322636" y="4245035"/>
-            <a:ext cx="3168353" cy="276999"/>
-          </a:xfrm>
-          <a:prstGeom prst="rect">
-            <a:avLst/>
-          </a:prstGeom>
-          <a:noFill/>
-        </p:spPr>
-        <p:txBody>
-          <a:bodyPr wrap="square" rtlCol="0">
-            <a:spAutoFit/>
-          </a:bodyPr>
-          <a:lstStyle/>
-          <a:p>
-            <a:r>
-              <a:rPr lang="zh-CN" altLang="en-US" sz="1200" smtClean="0"/>
-              <a:t>顶点索引缓冲</a:t>
-            </a:r>
-            <a:endParaRPr lang="zh-CN" altLang="en-US" sz="1200"/>
-          </a:p>
-        </p:txBody>
-      </p:sp>
-      <p:sp>
-        <p:nvSpPr>
-          <p:cNvPr id="138" name="矩形 137"/>
-          <p:cNvSpPr/>
-          <p:nvPr/>
-        </p:nvSpPr>
-        <p:spPr>
-          <a:xfrm>
-            <a:off x="4127944" y="5919226"/>
-            <a:ext cx="2710763" cy="223127"/>
-          </a:xfrm>
-          <a:prstGeom prst="rect">
-            <a:avLst/>
-          </a:prstGeom>
-        </p:spPr>
-        <p:style>
-          <a:lnRef idx="1">
-            <a:schemeClr val="accent3"/>
-          </a:lnRef>
-          <a:fillRef idx="2">
-            <a:schemeClr val="accent3"/>
-          </a:fillRef>
-          <a:effectRef idx="1">
-            <a:schemeClr val="accent3"/>
-          </a:effectRef>
-          <a:fontRef idx="minor">
-            <a:schemeClr val="dk1"/>
-          </a:fontRef>
-        </p:style>
-        <p:txBody>
-          <a:bodyPr rtlCol="0" anchor="ctr"/>
-          <a:lstStyle/>
-          <a:p>
-            <a:pPr algn="ctr"/>
-            <a:r>
-              <a:rPr lang="en-US" altLang="zh-CN" sz="1200" smtClean="0"/>
-              <a:t>effect:FRenderableEffect</a:t>
-            </a:r>
-            <a:endParaRPr lang="zh-CN" altLang="en-US" sz="1200"/>
-          </a:p>
-        </p:txBody>
-      </p:sp>
-      <p:cxnSp>
-        <p:nvCxnSpPr>
-          <p:cNvPr id="139" name="直接箭头连接符 12"/>
-          <p:cNvCxnSpPr>
-            <a:stCxn id="49" idx="2"/>
-            <a:endCxn id="138" idx="1"/>
-          </p:cNvCxnSpPr>
-          <p:nvPr/>
-        </p:nvCxnSpPr>
-        <p:spPr>
-          <a:xfrm rot="16200000" flipH="1">
-            <a:off x="3826856" y="5729702"/>
-            <a:ext cx="241374" cy="360801"/>
-          </a:xfrm>
-          <a:prstGeom prst="bentConnector2">
-            <a:avLst/>
-          </a:prstGeom>
-          <a:ln w="28575">
-            <a:headEnd type="none" w="med" len="med"/>
-            <a:tailEnd type="triangle" w="med" len="lg"/>
-          </a:ln>
-        </p:spPr>
-        <p:style>
-          <a:lnRef idx="1">
-            <a:schemeClr val="accent1"/>
-          </a:lnRef>
-          <a:fillRef idx="0">
-            <a:schemeClr val="accent1"/>
-          </a:fillRef>
-          <a:effectRef idx="0">
-            <a:schemeClr val="accent1"/>
-          </a:effectRef>
-          <a:fontRef idx="minor">
-            <a:schemeClr val="tx1"/>
-          </a:fontRef>
-        </p:style>
-      </p:cxnSp>
-      <p:sp>
-        <p:nvSpPr>
-          <p:cNvPr id="148" name="矩形 147"/>
-          <p:cNvSpPr/>
-          <p:nvPr/>
-        </p:nvSpPr>
-        <p:spPr>
-          <a:xfrm>
-            <a:off x="5865625" y="6502393"/>
-            <a:ext cx="2710763" cy="223127"/>
-          </a:xfrm>
-          <a:prstGeom prst="rect">
-            <a:avLst/>
-          </a:prstGeom>
-        </p:spPr>
-        <p:style>
-          <a:lnRef idx="1">
-            <a:schemeClr val="accent3"/>
-          </a:lnRef>
-          <a:fillRef idx="2">
-            <a:schemeClr val="accent3"/>
-          </a:fillRef>
-          <a:effectRef idx="1">
-            <a:schemeClr val="accent3"/>
-          </a:effectRef>
-          <a:fontRef idx="minor">
-            <a:schemeClr val="dk1"/>
-          </a:fontRef>
-        </p:style>
-        <p:txBody>
-          <a:bodyPr rtlCol="0" anchor="ctr"/>
-          <a:lstStyle/>
-          <a:p>
-            <a:pPr algn="ctr"/>
-            <a:r>
-              <a:rPr lang="en-US" altLang="zh-CN" sz="1200" smtClean="0"/>
-              <a:t>layout:FRenderableLayout</a:t>
-            </a:r>
-            <a:endParaRPr lang="zh-CN" altLang="en-US" sz="1200"/>
-          </a:p>
-        </p:txBody>
-      </p:sp>
-      <p:sp>
-        <p:nvSpPr>
-          <p:cNvPr id="149" name="矩形 148"/>
-          <p:cNvSpPr/>
-          <p:nvPr/>
-        </p:nvSpPr>
-        <p:spPr>
-          <a:xfrm>
-            <a:off x="5865626" y="6214361"/>
-            <a:ext cx="2710763" cy="223127"/>
-          </a:xfrm>
-          <a:prstGeom prst="rect">
-            <a:avLst/>
-          </a:prstGeom>
-        </p:spPr>
-        <p:style>
-          <a:lnRef idx="1">
-            <a:schemeClr val="accent3"/>
-          </a:lnRef>
-          <a:fillRef idx="2">
-            <a:schemeClr val="accent3"/>
-          </a:fillRef>
-          <a:effectRef idx="1">
-            <a:schemeClr val="accent3"/>
-          </a:effectRef>
-          <a:fontRef idx="minor">
-            <a:schemeClr val="dk1"/>
-          </a:fontRef>
-        </p:style>
-        <p:txBody>
-          <a:bodyPr rtlCol="0" anchor="ctr"/>
-          <a:lstStyle/>
-          <a:p>
-            <a:pPr algn="ctr"/>
-            <a:r>
-              <a:rPr lang="en-US" altLang="zh-CN" sz="1200" smtClean="0"/>
-              <a:t>effect:FEffect</a:t>
-            </a:r>
-            <a:endParaRPr lang="zh-CN" altLang="en-US" sz="1200"/>
-          </a:p>
-        </p:txBody>
-      </p:sp>
-      <p:cxnSp>
-        <p:nvCxnSpPr>
-          <p:cNvPr id="156" name="直接箭头连接符 12"/>
-          <p:cNvCxnSpPr>
-            <a:stCxn id="138" idx="2"/>
-            <a:endCxn id="149" idx="1"/>
-          </p:cNvCxnSpPr>
-          <p:nvPr/>
-        </p:nvCxnSpPr>
-        <p:spPr>
-          <a:xfrm rot="16200000" flipH="1">
-            <a:off x="5582690" y="6042989"/>
-            <a:ext cx="183572" cy="382300"/>
-          </a:xfrm>
-          <a:prstGeom prst="bentConnector2">
-            <a:avLst/>
-          </a:prstGeom>
-          <a:ln w="28575">
-            <a:headEnd type="none" w="med" len="med"/>
-            <a:tailEnd type="triangle" w="med" len="lg"/>
-          </a:ln>
-        </p:spPr>
-        <p:style>
-          <a:lnRef idx="1">
-            <a:schemeClr val="accent1"/>
-          </a:lnRef>
-          <a:fillRef idx="0">
-            <a:schemeClr val="accent1"/>
-          </a:fillRef>
-          <a:effectRef idx="0">
-            <a:schemeClr val="accent1"/>
-          </a:effectRef>
-          <a:fontRef idx="minor">
-            <a:schemeClr val="tx1"/>
-          </a:fontRef>
-        </p:style>
-      </p:cxnSp>
-      <p:cxnSp>
-        <p:nvCxnSpPr>
-          <p:cNvPr id="160" name="直接箭头连接符 12"/>
-          <p:cNvCxnSpPr>
-            <a:stCxn id="138" idx="2"/>
-            <a:endCxn id="148" idx="1"/>
-          </p:cNvCxnSpPr>
-          <p:nvPr/>
-        </p:nvCxnSpPr>
-        <p:spPr>
-          <a:xfrm rot="16200000" flipH="1">
-            <a:off x="5438673" y="6187005"/>
-            <a:ext cx="471604" cy="382299"/>
-          </a:xfrm>
-          <a:prstGeom prst="bentConnector2">
-            <a:avLst/>
-          </a:prstGeom>
-          <a:ln w="28575">
-            <a:headEnd type="none" w="med" len="med"/>
-            <a:tailEnd type="triangle" w="med" len="lg"/>
-          </a:ln>
-        </p:spPr>
-        <p:style>
-          <a:lnRef idx="1">
-            <a:schemeClr val="accent1"/>
-          </a:lnRef>
-          <a:fillRef idx="0">
-            <a:schemeClr val="accent1"/>
-          </a:fillRef>
-          <a:effectRef idx="0">
-            <a:schemeClr val="accent1"/>
-          </a:effectRef>
-          <a:fontRef idx="minor">
-            <a:schemeClr val="tx1"/>
-          </a:fontRef>
-        </p:style>
-      </p:cxnSp>
-      <p:sp>
-        <p:nvSpPr>
-          <p:cNvPr id="50" name="矩形 49"/>
-          <p:cNvSpPr/>
-          <p:nvPr/>
-        </p:nvSpPr>
-        <p:spPr>
-          <a:xfrm>
-            <a:off x="4443982" y="4245035"/>
-            <a:ext cx="2710763" cy="223127"/>
-          </a:xfrm>
-          <a:prstGeom prst="rect">
-            <a:avLst/>
-          </a:prstGeom>
-        </p:spPr>
-        <p:style>
-          <a:lnRef idx="1">
-            <a:schemeClr val="accent5"/>
-          </a:lnRef>
-          <a:fillRef idx="2">
-            <a:schemeClr val="accent5"/>
-          </a:fillRef>
-          <a:effectRef idx="1">
-            <a:schemeClr val="accent5"/>
-          </a:effectRef>
-          <a:fontRef idx="minor">
-            <a:schemeClr val="dk1"/>
-          </a:fontRef>
-        </p:style>
-        <p:txBody>
-          <a:bodyPr rtlCol="0" anchor="ctr"/>
-          <a:lstStyle/>
-          <a:p>
-            <a:pPr algn="ctr"/>
-            <a:r>
-              <a:rPr lang="en-US" altLang="zh-CN" sz="1200" smtClean="0"/>
-              <a:t>indexBuffer:FRenderIndexBuffer</a:t>
-            </a:r>
-            <a:endParaRPr lang="zh-CN" altLang="en-US" sz="1200"/>
-          </a:p>
-        </p:txBody>
-      </p:sp>
-      <p:cxnSp>
-        <p:nvCxnSpPr>
-          <p:cNvPr id="55" name="直接箭头连接符 12"/>
-          <p:cNvCxnSpPr>
-            <a:stCxn id="41" idx="2"/>
-            <a:endCxn id="50" idx="1"/>
-          </p:cNvCxnSpPr>
-          <p:nvPr/>
-        </p:nvCxnSpPr>
-        <p:spPr>
-          <a:xfrm rot="16200000" flipH="1">
-            <a:off x="3726633" y="3639249"/>
-            <a:ext cx="712953" cy="721746"/>
-          </a:xfrm>
-          <a:prstGeom prst="bentConnector2">
-            <a:avLst/>
-          </a:prstGeom>
-          <a:ln w="28575">
-            <a:headEnd type="none" w="med" len="med"/>
-            <a:tailEnd type="triangle" w="med" len="lg"/>
-          </a:ln>
-        </p:spPr>
-        <p:style>
-          <a:lnRef idx="1">
-            <a:schemeClr val="accent1"/>
-          </a:lnRef>
-          <a:fillRef idx="0">
-            <a:schemeClr val="accent1"/>
-          </a:fillRef>
-          <a:effectRef idx="0">
-            <a:schemeClr val="accent1"/>
-          </a:effectRef>
-          <a:fontRef idx="minor">
-            <a:schemeClr val="tx1"/>
-          </a:fontRef>
-        </p:style>
-      </p:cxnSp>
+      <p:graphicFrame>
+        <p:nvGraphicFramePr>
+          <p:cNvPr id="9" name="内容占位符 8"/>
+          <p:cNvGraphicFramePr>
+            <a:graphicFrameLocks noGrp="1"/>
+          </p:cNvGraphicFramePr>
+          <p:nvPr>
+            <p:ph idx="1"/>
+            <p:extLst>
+              <p:ext uri="{D42A27DB-BD31-4B8C-83A1-F6EECF244321}">
+                <p14:modId xmlns:p14="http://schemas.microsoft.com/office/powerpoint/2010/main" val="1080639862"/>
+              </p:ext>
+            </p:extLst>
+          </p:nvPr>
+        </p:nvGraphicFramePr>
+        <p:xfrm>
+          <a:off x="457200" y="1600200"/>
+          <a:ext cx="8229600" cy="4853140"/>
+        </p:xfrm>
+        <a:graphic>
+          <a:graphicData uri="http://schemas.openxmlformats.org/drawingml/2006/table">
+            <a:tbl>
+              <a:tblPr firstRow="1" bandRow="1">
+                <a:tableStyleId>{5C22544A-7EE6-4342-B048-85BDC9FD1C3A}</a:tableStyleId>
+              </a:tblPr>
+              <a:tblGrid>
+                <a:gridCol w="1450504"/>
+                <a:gridCol w="1080120"/>
+                <a:gridCol w="5698976"/>
+              </a:tblGrid>
+              <a:tr h="242657">
+                <a:tc>
+                  <a:txBody>
+                    <a:bodyPr/>
+                    <a:lstStyle/>
+                    <a:p>
+                      <a:r>
+                        <a:rPr lang="zh-CN" altLang="en-US" sz="900" smtClean="0"/>
+                        <a:t>类型</a:t>
+                      </a:r>
+                      <a:endParaRPr lang="zh-CN" altLang="en-US" sz="900"/>
+                    </a:p>
+                  </a:txBody>
+                  <a:tcPr/>
+                </a:tc>
+                <a:tc>
+                  <a:txBody>
+                    <a:bodyPr/>
+                    <a:lstStyle/>
+                    <a:p>
+                      <a:r>
+                        <a:rPr lang="zh-CN" altLang="en-US" sz="900" smtClean="0"/>
+                        <a:t>定义</a:t>
+                      </a:r>
+                      <a:endParaRPr lang="zh-CN" altLang="en-US" sz="900"/>
+                    </a:p>
+                  </a:txBody>
+                  <a:tcPr/>
+                </a:tc>
+                <a:tc>
+                  <a:txBody>
+                    <a:bodyPr/>
+                    <a:lstStyle/>
+                    <a:p>
+                      <a:r>
+                        <a:rPr lang="zh-CN" altLang="en-US" sz="900" smtClean="0"/>
+                        <a:t>说明</a:t>
+                      </a:r>
+                      <a:endParaRPr lang="zh-CN" altLang="en-US" sz="900"/>
+                    </a:p>
+                  </a:txBody>
+                  <a:tcPr/>
+                </a:tc>
+              </a:tr>
+              <a:tr h="242657">
+                <a:tc>
+                  <a:txBody>
+                    <a:bodyPr/>
+                    <a:lstStyle/>
+                    <a:p>
+                      <a:r>
+                        <a:rPr lang="en-US" altLang="zh-CN" sz="900" smtClean="0"/>
+                        <a:t>Attribute</a:t>
+                      </a:r>
+                      <a:endParaRPr lang="zh-CN" altLang="en-US" sz="900"/>
+                    </a:p>
+                  </a:txBody>
+                  <a:tcPr/>
+                </a:tc>
+                <a:tc>
+                  <a:txBody>
+                    <a:bodyPr/>
+                    <a:lstStyle/>
+                    <a:p>
+                      <a:endParaRPr lang="zh-CN" altLang="en-US" sz="900"/>
+                    </a:p>
+                  </a:txBody>
+                  <a:tcPr/>
+                </a:tc>
+                <a:tc>
+                  <a:txBody>
+                    <a:bodyPr/>
+                    <a:lstStyle/>
+                    <a:p>
+                      <a:endParaRPr lang="zh-CN" altLang="en-US" sz="900"/>
+                    </a:p>
+                  </a:txBody>
+                  <a:tcPr/>
+                </a:tc>
+              </a:tr>
+              <a:tr h="242657">
+                <a:tc>
+                  <a:txBody>
+                    <a:bodyPr/>
+                    <a:lstStyle/>
+                    <a:p>
+                      <a:endParaRPr lang="zh-CN" altLang="en-US" sz="900"/>
+                    </a:p>
+                  </a:txBody>
+                  <a:tcPr/>
+                </a:tc>
+                <a:tc>
+                  <a:txBody>
+                    <a:bodyPr/>
+                    <a:lstStyle/>
+                    <a:p>
+                      <a:endParaRPr lang="zh-CN" altLang="en-US" sz="900"/>
+                    </a:p>
+                  </a:txBody>
+                  <a:tcPr/>
+                </a:tc>
+                <a:tc>
+                  <a:txBody>
+                    <a:bodyPr/>
+                    <a:lstStyle/>
+                    <a:p>
+                      <a:endParaRPr lang="zh-CN" altLang="en-US" sz="900"/>
+                    </a:p>
+                  </a:txBody>
+                  <a:tcPr/>
+                </a:tc>
+              </a:tr>
+              <a:tr h="242657">
+                <a:tc>
+                  <a:txBody>
+                    <a:bodyPr/>
+                    <a:lstStyle/>
+                    <a:p>
+                      <a:endParaRPr lang="zh-CN" altLang="en-US" sz="900"/>
+                    </a:p>
+                  </a:txBody>
+                  <a:tcPr/>
+                </a:tc>
+                <a:tc>
+                  <a:txBody>
+                    <a:bodyPr/>
+                    <a:lstStyle/>
+                    <a:p>
+                      <a:endParaRPr lang="zh-CN" altLang="en-US" sz="900"/>
+                    </a:p>
+                  </a:txBody>
+                  <a:tcPr/>
+                </a:tc>
+                <a:tc>
+                  <a:txBody>
+                    <a:bodyPr/>
+                    <a:lstStyle/>
+                    <a:p>
+                      <a:endParaRPr lang="zh-CN" altLang="en-US" sz="900"/>
+                    </a:p>
+                  </a:txBody>
+                  <a:tcPr/>
+                </a:tc>
+              </a:tr>
+              <a:tr h="242657">
+                <a:tc>
+                  <a:txBody>
+                    <a:bodyPr/>
+                    <a:lstStyle/>
+                    <a:p>
+                      <a:endParaRPr lang="zh-CN" altLang="en-US" sz="900"/>
+                    </a:p>
+                  </a:txBody>
+                  <a:tcPr/>
+                </a:tc>
+                <a:tc>
+                  <a:txBody>
+                    <a:bodyPr/>
+                    <a:lstStyle/>
+                    <a:p>
+                      <a:endParaRPr lang="zh-CN" altLang="en-US" sz="900"/>
+                    </a:p>
+                  </a:txBody>
+                  <a:tcPr/>
+                </a:tc>
+                <a:tc>
+                  <a:txBody>
+                    <a:bodyPr/>
+                    <a:lstStyle/>
+                    <a:p>
+                      <a:endParaRPr lang="zh-CN" altLang="en-US" sz="900"/>
+                    </a:p>
+                  </a:txBody>
+                  <a:tcPr/>
+                </a:tc>
+              </a:tr>
+              <a:tr h="242657">
+                <a:tc>
+                  <a:txBody>
+                    <a:bodyPr/>
+                    <a:lstStyle/>
+                    <a:p>
+                      <a:endParaRPr lang="zh-CN" altLang="en-US" sz="900"/>
+                    </a:p>
+                  </a:txBody>
+                  <a:tcPr/>
+                </a:tc>
+                <a:tc>
+                  <a:txBody>
+                    <a:bodyPr/>
+                    <a:lstStyle/>
+                    <a:p>
+                      <a:endParaRPr lang="zh-CN" altLang="en-US" sz="900"/>
+                    </a:p>
+                  </a:txBody>
+                  <a:tcPr/>
+                </a:tc>
+                <a:tc>
+                  <a:txBody>
+                    <a:bodyPr/>
+                    <a:lstStyle/>
+                    <a:p>
+                      <a:endParaRPr lang="zh-CN" altLang="en-US" sz="900"/>
+                    </a:p>
+                  </a:txBody>
+                  <a:tcPr/>
+                </a:tc>
+              </a:tr>
+              <a:tr h="242657">
+                <a:tc>
+                  <a:txBody>
+                    <a:bodyPr/>
+                    <a:lstStyle/>
+                    <a:p>
+                      <a:endParaRPr lang="zh-CN" altLang="en-US" sz="900"/>
+                    </a:p>
+                  </a:txBody>
+                  <a:tcPr/>
+                </a:tc>
+                <a:tc>
+                  <a:txBody>
+                    <a:bodyPr/>
+                    <a:lstStyle/>
+                    <a:p>
+                      <a:endParaRPr lang="zh-CN" altLang="en-US" sz="900"/>
+                    </a:p>
+                  </a:txBody>
+                  <a:tcPr/>
+                </a:tc>
+                <a:tc>
+                  <a:txBody>
+                    <a:bodyPr/>
+                    <a:lstStyle/>
+                    <a:p>
+                      <a:endParaRPr lang="zh-CN" altLang="en-US" sz="900"/>
+                    </a:p>
+                  </a:txBody>
+                  <a:tcPr/>
+                </a:tc>
+              </a:tr>
+              <a:tr h="242657">
+                <a:tc>
+                  <a:txBody>
+                    <a:bodyPr/>
+                    <a:lstStyle/>
+                    <a:p>
+                      <a:endParaRPr lang="zh-CN" altLang="en-US" sz="900"/>
+                    </a:p>
+                  </a:txBody>
+                  <a:tcPr/>
+                </a:tc>
+                <a:tc>
+                  <a:txBody>
+                    <a:bodyPr/>
+                    <a:lstStyle/>
+                    <a:p>
+                      <a:endParaRPr lang="zh-CN" altLang="en-US" sz="900"/>
+                    </a:p>
+                  </a:txBody>
+                  <a:tcPr/>
+                </a:tc>
+                <a:tc>
+                  <a:txBody>
+                    <a:bodyPr/>
+                    <a:lstStyle/>
+                    <a:p>
+                      <a:endParaRPr lang="zh-CN" altLang="en-US" sz="900"/>
+                    </a:p>
+                  </a:txBody>
+                  <a:tcPr/>
+                </a:tc>
+              </a:tr>
+              <a:tr h="242657">
+                <a:tc>
+                  <a:txBody>
+                    <a:bodyPr/>
+                    <a:lstStyle/>
+                    <a:p>
+                      <a:endParaRPr lang="zh-CN" altLang="en-US" sz="900"/>
+                    </a:p>
+                  </a:txBody>
+                  <a:tcPr/>
+                </a:tc>
+                <a:tc>
+                  <a:txBody>
+                    <a:bodyPr/>
+                    <a:lstStyle/>
+                    <a:p>
+                      <a:endParaRPr lang="zh-CN" altLang="en-US" sz="900"/>
+                    </a:p>
+                  </a:txBody>
+                  <a:tcPr/>
+                </a:tc>
+                <a:tc>
+                  <a:txBody>
+                    <a:bodyPr/>
+                    <a:lstStyle/>
+                    <a:p>
+                      <a:endParaRPr lang="zh-CN" altLang="en-US" sz="900"/>
+                    </a:p>
+                  </a:txBody>
+                  <a:tcPr/>
+                </a:tc>
+              </a:tr>
+              <a:tr h="242657">
+                <a:tc>
+                  <a:txBody>
+                    <a:bodyPr/>
+                    <a:lstStyle/>
+                    <a:p>
+                      <a:endParaRPr lang="zh-CN" altLang="en-US" sz="900"/>
+                    </a:p>
+                  </a:txBody>
+                  <a:tcPr/>
+                </a:tc>
+                <a:tc>
+                  <a:txBody>
+                    <a:bodyPr/>
+                    <a:lstStyle/>
+                    <a:p>
+                      <a:endParaRPr lang="zh-CN" altLang="en-US" sz="900"/>
+                    </a:p>
+                  </a:txBody>
+                  <a:tcPr/>
+                </a:tc>
+                <a:tc>
+                  <a:txBody>
+                    <a:bodyPr/>
+                    <a:lstStyle/>
+                    <a:p>
+                      <a:endParaRPr lang="zh-CN" altLang="en-US" sz="900"/>
+                    </a:p>
+                  </a:txBody>
+                  <a:tcPr/>
+                </a:tc>
+              </a:tr>
+              <a:tr h="242657">
+                <a:tc>
+                  <a:txBody>
+                    <a:bodyPr/>
+                    <a:lstStyle/>
+                    <a:p>
+                      <a:endParaRPr lang="zh-CN" altLang="en-US" sz="900"/>
+                    </a:p>
+                  </a:txBody>
+                  <a:tcPr/>
+                </a:tc>
+                <a:tc>
+                  <a:txBody>
+                    <a:bodyPr/>
+                    <a:lstStyle/>
+                    <a:p>
+                      <a:endParaRPr lang="zh-CN" altLang="en-US" sz="900"/>
+                    </a:p>
+                  </a:txBody>
+                  <a:tcPr/>
+                </a:tc>
+                <a:tc>
+                  <a:txBody>
+                    <a:bodyPr/>
+                    <a:lstStyle/>
+                    <a:p>
+                      <a:endParaRPr lang="zh-CN" altLang="en-US" sz="900"/>
+                    </a:p>
+                  </a:txBody>
+                  <a:tcPr/>
+                </a:tc>
+              </a:tr>
+              <a:tr h="242657">
+                <a:tc>
+                  <a:txBody>
+                    <a:bodyPr/>
+                    <a:lstStyle/>
+                    <a:p>
+                      <a:endParaRPr lang="zh-CN" altLang="en-US" sz="900"/>
+                    </a:p>
+                  </a:txBody>
+                  <a:tcPr/>
+                </a:tc>
+                <a:tc>
+                  <a:txBody>
+                    <a:bodyPr/>
+                    <a:lstStyle/>
+                    <a:p>
+                      <a:endParaRPr lang="zh-CN" altLang="en-US" sz="900"/>
+                    </a:p>
+                  </a:txBody>
+                  <a:tcPr/>
+                </a:tc>
+                <a:tc>
+                  <a:txBody>
+                    <a:bodyPr/>
+                    <a:lstStyle/>
+                    <a:p>
+                      <a:endParaRPr lang="zh-CN" altLang="en-US" sz="900"/>
+                    </a:p>
+                  </a:txBody>
+                  <a:tcPr/>
+                </a:tc>
+              </a:tr>
+              <a:tr h="242657">
+                <a:tc>
+                  <a:txBody>
+                    <a:bodyPr/>
+                    <a:lstStyle/>
+                    <a:p>
+                      <a:endParaRPr lang="zh-CN" altLang="en-US" sz="900"/>
+                    </a:p>
+                  </a:txBody>
+                  <a:tcPr/>
+                </a:tc>
+                <a:tc>
+                  <a:txBody>
+                    <a:bodyPr/>
+                    <a:lstStyle/>
+                    <a:p>
+                      <a:endParaRPr lang="zh-CN" altLang="en-US" sz="900"/>
+                    </a:p>
+                  </a:txBody>
+                  <a:tcPr/>
+                </a:tc>
+                <a:tc>
+                  <a:txBody>
+                    <a:bodyPr/>
+                    <a:lstStyle/>
+                    <a:p>
+                      <a:endParaRPr lang="zh-CN" altLang="en-US" sz="900"/>
+                    </a:p>
+                  </a:txBody>
+                  <a:tcPr/>
+                </a:tc>
+              </a:tr>
+              <a:tr h="242657">
+                <a:tc>
+                  <a:txBody>
+                    <a:bodyPr/>
+                    <a:lstStyle/>
+                    <a:p>
+                      <a:endParaRPr lang="zh-CN" altLang="en-US" sz="900"/>
+                    </a:p>
+                  </a:txBody>
+                  <a:tcPr/>
+                </a:tc>
+                <a:tc>
+                  <a:txBody>
+                    <a:bodyPr/>
+                    <a:lstStyle/>
+                    <a:p>
+                      <a:endParaRPr lang="zh-CN" altLang="en-US" sz="900"/>
+                    </a:p>
+                  </a:txBody>
+                  <a:tcPr/>
+                </a:tc>
+                <a:tc>
+                  <a:txBody>
+                    <a:bodyPr/>
+                    <a:lstStyle/>
+                    <a:p>
+                      <a:endParaRPr lang="zh-CN" altLang="en-US" sz="900"/>
+                    </a:p>
+                  </a:txBody>
+                  <a:tcPr/>
+                </a:tc>
+              </a:tr>
+              <a:tr h="242657">
+                <a:tc>
+                  <a:txBody>
+                    <a:bodyPr/>
+                    <a:lstStyle/>
+                    <a:p>
+                      <a:endParaRPr lang="zh-CN" altLang="en-US" sz="900"/>
+                    </a:p>
+                  </a:txBody>
+                  <a:tcPr/>
+                </a:tc>
+                <a:tc>
+                  <a:txBody>
+                    <a:bodyPr/>
+                    <a:lstStyle/>
+                    <a:p>
+                      <a:endParaRPr lang="zh-CN" altLang="en-US" sz="900"/>
+                    </a:p>
+                  </a:txBody>
+                  <a:tcPr/>
+                </a:tc>
+                <a:tc>
+                  <a:txBody>
+                    <a:bodyPr/>
+                    <a:lstStyle/>
+                    <a:p>
+                      <a:endParaRPr lang="zh-CN" altLang="en-US" sz="900"/>
+                    </a:p>
+                  </a:txBody>
+                  <a:tcPr/>
+                </a:tc>
+              </a:tr>
+              <a:tr h="242657">
+                <a:tc>
+                  <a:txBody>
+                    <a:bodyPr/>
+                    <a:lstStyle/>
+                    <a:p>
+                      <a:endParaRPr lang="zh-CN" altLang="en-US" sz="900"/>
+                    </a:p>
+                  </a:txBody>
+                  <a:tcPr/>
+                </a:tc>
+                <a:tc>
+                  <a:txBody>
+                    <a:bodyPr/>
+                    <a:lstStyle/>
+                    <a:p>
+                      <a:endParaRPr lang="zh-CN" altLang="en-US" sz="900"/>
+                    </a:p>
+                  </a:txBody>
+                  <a:tcPr/>
+                </a:tc>
+                <a:tc>
+                  <a:txBody>
+                    <a:bodyPr/>
+                    <a:lstStyle/>
+                    <a:p>
+                      <a:endParaRPr lang="zh-CN" altLang="en-US" sz="900"/>
+                    </a:p>
+                  </a:txBody>
+                  <a:tcPr/>
+                </a:tc>
+              </a:tr>
+              <a:tr h="242657">
+                <a:tc>
+                  <a:txBody>
+                    <a:bodyPr/>
+                    <a:lstStyle/>
+                    <a:p>
+                      <a:endParaRPr lang="zh-CN" altLang="en-US" sz="900"/>
+                    </a:p>
+                  </a:txBody>
+                  <a:tcPr/>
+                </a:tc>
+                <a:tc>
+                  <a:txBody>
+                    <a:bodyPr/>
+                    <a:lstStyle/>
+                    <a:p>
+                      <a:endParaRPr lang="zh-CN" altLang="en-US" sz="900"/>
+                    </a:p>
+                  </a:txBody>
+                  <a:tcPr/>
+                </a:tc>
+                <a:tc>
+                  <a:txBody>
+                    <a:bodyPr/>
+                    <a:lstStyle/>
+                    <a:p>
+                      <a:endParaRPr lang="zh-CN" altLang="en-US" sz="900"/>
+                    </a:p>
+                  </a:txBody>
+                  <a:tcPr/>
+                </a:tc>
+              </a:tr>
+              <a:tr h="242657">
+                <a:tc>
+                  <a:txBody>
+                    <a:bodyPr/>
+                    <a:lstStyle/>
+                    <a:p>
+                      <a:endParaRPr lang="zh-CN" altLang="en-US" sz="900"/>
+                    </a:p>
+                  </a:txBody>
+                  <a:tcPr/>
+                </a:tc>
+                <a:tc>
+                  <a:txBody>
+                    <a:bodyPr/>
+                    <a:lstStyle/>
+                    <a:p>
+                      <a:endParaRPr lang="zh-CN" altLang="en-US" sz="900"/>
+                    </a:p>
+                  </a:txBody>
+                  <a:tcPr/>
+                </a:tc>
+                <a:tc>
+                  <a:txBody>
+                    <a:bodyPr/>
+                    <a:lstStyle/>
+                    <a:p>
+                      <a:endParaRPr lang="zh-CN" altLang="en-US" sz="900"/>
+                    </a:p>
+                  </a:txBody>
+                  <a:tcPr/>
+                </a:tc>
+              </a:tr>
+              <a:tr h="242657">
+                <a:tc>
+                  <a:txBody>
+                    <a:bodyPr/>
+                    <a:lstStyle/>
+                    <a:p>
+                      <a:endParaRPr lang="zh-CN" altLang="en-US" sz="900"/>
+                    </a:p>
+                  </a:txBody>
+                  <a:tcPr/>
+                </a:tc>
+                <a:tc>
+                  <a:txBody>
+                    <a:bodyPr/>
+                    <a:lstStyle/>
+                    <a:p>
+                      <a:endParaRPr lang="zh-CN" altLang="en-US" sz="900"/>
+                    </a:p>
+                  </a:txBody>
+                  <a:tcPr/>
+                </a:tc>
+                <a:tc>
+                  <a:txBody>
+                    <a:bodyPr/>
+                    <a:lstStyle/>
+                    <a:p>
+                      <a:endParaRPr lang="zh-CN" altLang="en-US" sz="900"/>
+                    </a:p>
+                  </a:txBody>
+                  <a:tcPr/>
+                </a:tc>
+              </a:tr>
+              <a:tr h="242657">
+                <a:tc>
+                  <a:txBody>
+                    <a:bodyPr/>
+                    <a:lstStyle/>
+                    <a:p>
+                      <a:endParaRPr lang="zh-CN" altLang="en-US" sz="900"/>
+                    </a:p>
+                  </a:txBody>
+                  <a:tcPr/>
+                </a:tc>
+                <a:tc>
+                  <a:txBody>
+                    <a:bodyPr/>
+                    <a:lstStyle/>
+                    <a:p>
+                      <a:endParaRPr lang="zh-CN" altLang="en-US" sz="900"/>
+                    </a:p>
+                  </a:txBody>
+                  <a:tcPr/>
+                </a:tc>
+                <a:tc>
+                  <a:txBody>
+                    <a:bodyPr/>
+                    <a:lstStyle/>
+                    <a:p>
+                      <a:endParaRPr lang="zh-CN" altLang="en-US" sz="900"/>
+                    </a:p>
+                  </a:txBody>
+                  <a:tcPr/>
+                </a:tc>
+              </a:tr>
+            </a:tbl>
+          </a:graphicData>
+        </a:graphic>
+      </p:graphicFrame>
     </p:spTree>
     <p:extLst>
       <p:ext uri="{BB962C8B-B14F-4D97-AF65-F5344CB8AC3E}">
-        <p14:creationId xmlns:p14="http://schemas.microsoft.com/office/powerpoint/2010/main" val="1077149208"/>
+        <p14:creationId xmlns:p14="http://schemas.microsoft.com/office/powerpoint/2010/main" val="3531034887"/>
+      </p:ext>
+    </p:extLst>
+  </p:cSld>
+  <p:clrMapOvr>
+    <a:masterClrMapping/>
+  </p:clrMapOvr>
+</p:sld>
+</file>
+
+<file path=ppt/slides/slide9.xml><?xml version="1.0" encoding="utf-8"?>
+<p:sld xmlns:a="http://schemas.openxmlformats.org/drawingml/2006/main" xmlns:r="http://schemas.openxmlformats.org/officeDocument/2006/relationships" xmlns:p="http://schemas.openxmlformats.org/presentationml/2006/main">
+  <p:cSld>
+    <p:spTree>
+      <p:nvGrpSpPr>
+        <p:cNvPr id="1" name=""/>
+        <p:cNvGrpSpPr/>
+        <p:nvPr/>
+      </p:nvGrpSpPr>
+      <p:grpSpPr>
+        <a:xfrm>
+          <a:off x="0" y="0"/>
+          <a:ext cx="0" cy="0"/>
+          <a:chOff x="0" y="0"/>
+          <a:chExt cx="0" cy="0"/>
+        </a:xfrm>
+      </p:grpSpPr>
+      <p:sp>
+        <p:nvSpPr>
+          <p:cNvPr id="2" name="标题 1"/>
+          <p:cNvSpPr>
+            <a:spLocks noGrp="1"/>
+          </p:cNvSpPr>
+          <p:nvPr>
+            <p:ph type="title"/>
+          </p:nvPr>
+        </p:nvSpPr>
+        <p:spPr/>
+        <p:txBody>
+          <a:bodyPr/>
+          <a:lstStyle/>
+          <a:p>
+            <a:r>
+              <a:rPr lang="zh-CN" altLang="en-US" smtClean="0"/>
+              <a:t>渲染器建立和管理</a:t>
+            </a:r>
+            <a:endParaRPr lang="zh-CN" altLang="en-US"/>
+          </a:p>
+        </p:txBody>
+      </p:sp>
+      <p:graphicFrame>
+        <p:nvGraphicFramePr>
+          <p:cNvPr id="9" name="内容占位符 8"/>
+          <p:cNvGraphicFramePr>
+            <a:graphicFrameLocks noGrp="1"/>
+          </p:cNvGraphicFramePr>
+          <p:nvPr>
+            <p:ph idx="1"/>
+            <p:extLst>
+              <p:ext uri="{D42A27DB-BD31-4B8C-83A1-F6EECF244321}">
+                <p14:modId xmlns:p14="http://schemas.microsoft.com/office/powerpoint/2010/main" val="1041050742"/>
+              </p:ext>
+            </p:extLst>
+          </p:nvPr>
+        </p:nvGraphicFramePr>
+        <p:xfrm>
+          <a:off x="457200" y="1600200"/>
+          <a:ext cx="8229600" cy="4853140"/>
+        </p:xfrm>
+        <a:graphic>
+          <a:graphicData uri="http://schemas.openxmlformats.org/drawingml/2006/table">
+            <a:tbl>
+              <a:tblPr firstRow="1" bandRow="1">
+                <a:tableStyleId>{5C22544A-7EE6-4342-B048-85BDC9FD1C3A}</a:tableStyleId>
+              </a:tblPr>
+              <a:tblGrid>
+                <a:gridCol w="1450504"/>
+                <a:gridCol w="1080120"/>
+                <a:gridCol w="5698976"/>
+              </a:tblGrid>
+              <a:tr h="242657">
+                <a:tc>
+                  <a:txBody>
+                    <a:bodyPr/>
+                    <a:lstStyle/>
+                    <a:p>
+                      <a:r>
+                        <a:rPr lang="zh-CN" altLang="en-US" sz="900" smtClean="0"/>
+                        <a:t>类型</a:t>
+                      </a:r>
+                      <a:endParaRPr lang="zh-CN" altLang="en-US" sz="900"/>
+                    </a:p>
+                  </a:txBody>
+                  <a:tcPr/>
+                </a:tc>
+                <a:tc>
+                  <a:txBody>
+                    <a:bodyPr/>
+                    <a:lstStyle/>
+                    <a:p>
+                      <a:r>
+                        <a:rPr lang="zh-CN" altLang="en-US" sz="900" smtClean="0"/>
+                        <a:t>定义</a:t>
+                      </a:r>
+                      <a:endParaRPr lang="zh-CN" altLang="en-US" sz="900"/>
+                    </a:p>
+                  </a:txBody>
+                  <a:tcPr/>
+                </a:tc>
+                <a:tc>
+                  <a:txBody>
+                    <a:bodyPr/>
+                    <a:lstStyle/>
+                    <a:p>
+                      <a:r>
+                        <a:rPr lang="zh-CN" altLang="en-US" sz="900" smtClean="0"/>
+                        <a:t>说明</a:t>
+                      </a:r>
+                      <a:endParaRPr lang="zh-CN" altLang="en-US" sz="900"/>
+                    </a:p>
+                  </a:txBody>
+                  <a:tcPr/>
+                </a:tc>
+              </a:tr>
+              <a:tr h="242657">
+                <a:tc>
+                  <a:txBody>
+                    <a:bodyPr/>
+                    <a:lstStyle/>
+                    <a:p>
+                      <a:r>
+                        <a:rPr lang="en-US" altLang="zh-CN" sz="900" smtClean="0"/>
+                        <a:t>Attribute</a:t>
+                      </a:r>
+                      <a:endParaRPr lang="zh-CN" altLang="en-US" sz="900"/>
+                    </a:p>
+                  </a:txBody>
+                  <a:tcPr/>
+                </a:tc>
+                <a:tc>
+                  <a:txBody>
+                    <a:bodyPr/>
+                    <a:lstStyle/>
+                    <a:p>
+                      <a:endParaRPr lang="zh-CN" altLang="en-US" sz="900"/>
+                    </a:p>
+                  </a:txBody>
+                  <a:tcPr/>
+                </a:tc>
+                <a:tc>
+                  <a:txBody>
+                    <a:bodyPr/>
+                    <a:lstStyle/>
+                    <a:p>
+                      <a:endParaRPr lang="zh-CN" altLang="en-US" sz="900"/>
+                    </a:p>
+                  </a:txBody>
+                  <a:tcPr/>
+                </a:tc>
+              </a:tr>
+              <a:tr h="242657">
+                <a:tc>
+                  <a:txBody>
+                    <a:bodyPr/>
+                    <a:lstStyle/>
+                    <a:p>
+                      <a:endParaRPr lang="zh-CN" altLang="en-US" sz="900"/>
+                    </a:p>
+                  </a:txBody>
+                  <a:tcPr/>
+                </a:tc>
+                <a:tc>
+                  <a:txBody>
+                    <a:bodyPr/>
+                    <a:lstStyle/>
+                    <a:p>
+                      <a:endParaRPr lang="zh-CN" altLang="en-US" sz="900"/>
+                    </a:p>
+                  </a:txBody>
+                  <a:tcPr/>
+                </a:tc>
+                <a:tc>
+                  <a:txBody>
+                    <a:bodyPr/>
+                    <a:lstStyle/>
+                    <a:p>
+                      <a:endParaRPr lang="zh-CN" altLang="en-US" sz="900"/>
+                    </a:p>
+                  </a:txBody>
+                  <a:tcPr/>
+                </a:tc>
+              </a:tr>
+              <a:tr h="242657">
+                <a:tc>
+                  <a:txBody>
+                    <a:bodyPr/>
+                    <a:lstStyle/>
+                    <a:p>
+                      <a:endParaRPr lang="zh-CN" altLang="en-US" sz="900"/>
+                    </a:p>
+                  </a:txBody>
+                  <a:tcPr/>
+                </a:tc>
+                <a:tc>
+                  <a:txBody>
+                    <a:bodyPr/>
+                    <a:lstStyle/>
+                    <a:p>
+                      <a:endParaRPr lang="zh-CN" altLang="en-US" sz="900"/>
+                    </a:p>
+                  </a:txBody>
+                  <a:tcPr/>
+                </a:tc>
+                <a:tc>
+                  <a:txBody>
+                    <a:bodyPr/>
+                    <a:lstStyle/>
+                    <a:p>
+                      <a:endParaRPr lang="zh-CN" altLang="en-US" sz="900"/>
+                    </a:p>
+                  </a:txBody>
+                  <a:tcPr/>
+                </a:tc>
+              </a:tr>
+              <a:tr h="242657">
+                <a:tc>
+                  <a:txBody>
+                    <a:bodyPr/>
+                    <a:lstStyle/>
+                    <a:p>
+                      <a:endParaRPr lang="zh-CN" altLang="en-US" sz="900"/>
+                    </a:p>
+                  </a:txBody>
+                  <a:tcPr/>
+                </a:tc>
+                <a:tc>
+                  <a:txBody>
+                    <a:bodyPr/>
+                    <a:lstStyle/>
+                    <a:p>
+                      <a:endParaRPr lang="zh-CN" altLang="en-US" sz="900"/>
+                    </a:p>
+                  </a:txBody>
+                  <a:tcPr/>
+                </a:tc>
+                <a:tc>
+                  <a:txBody>
+                    <a:bodyPr/>
+                    <a:lstStyle/>
+                    <a:p>
+                      <a:endParaRPr lang="zh-CN" altLang="en-US" sz="900"/>
+                    </a:p>
+                  </a:txBody>
+                  <a:tcPr/>
+                </a:tc>
+              </a:tr>
+              <a:tr h="242657">
+                <a:tc>
+                  <a:txBody>
+                    <a:bodyPr/>
+                    <a:lstStyle/>
+                    <a:p>
+                      <a:endParaRPr lang="zh-CN" altLang="en-US" sz="900"/>
+                    </a:p>
+                  </a:txBody>
+                  <a:tcPr/>
+                </a:tc>
+                <a:tc>
+                  <a:txBody>
+                    <a:bodyPr/>
+                    <a:lstStyle/>
+                    <a:p>
+                      <a:endParaRPr lang="zh-CN" altLang="en-US" sz="900"/>
+                    </a:p>
+                  </a:txBody>
+                  <a:tcPr/>
+                </a:tc>
+                <a:tc>
+                  <a:txBody>
+                    <a:bodyPr/>
+                    <a:lstStyle/>
+                    <a:p>
+                      <a:endParaRPr lang="zh-CN" altLang="en-US" sz="900"/>
+                    </a:p>
+                  </a:txBody>
+                  <a:tcPr/>
+                </a:tc>
+              </a:tr>
+              <a:tr h="242657">
+                <a:tc>
+                  <a:txBody>
+                    <a:bodyPr/>
+                    <a:lstStyle/>
+                    <a:p>
+                      <a:endParaRPr lang="zh-CN" altLang="en-US" sz="900"/>
+                    </a:p>
+                  </a:txBody>
+                  <a:tcPr/>
+                </a:tc>
+                <a:tc>
+                  <a:txBody>
+                    <a:bodyPr/>
+                    <a:lstStyle/>
+                    <a:p>
+                      <a:endParaRPr lang="zh-CN" altLang="en-US" sz="900"/>
+                    </a:p>
+                  </a:txBody>
+                  <a:tcPr/>
+                </a:tc>
+                <a:tc>
+                  <a:txBody>
+                    <a:bodyPr/>
+                    <a:lstStyle/>
+                    <a:p>
+                      <a:endParaRPr lang="zh-CN" altLang="en-US" sz="900"/>
+                    </a:p>
+                  </a:txBody>
+                  <a:tcPr/>
+                </a:tc>
+              </a:tr>
+              <a:tr h="242657">
+                <a:tc>
+                  <a:txBody>
+                    <a:bodyPr/>
+                    <a:lstStyle/>
+                    <a:p>
+                      <a:endParaRPr lang="zh-CN" altLang="en-US" sz="900"/>
+                    </a:p>
+                  </a:txBody>
+                  <a:tcPr/>
+                </a:tc>
+                <a:tc>
+                  <a:txBody>
+                    <a:bodyPr/>
+                    <a:lstStyle/>
+                    <a:p>
+                      <a:endParaRPr lang="zh-CN" altLang="en-US" sz="900"/>
+                    </a:p>
+                  </a:txBody>
+                  <a:tcPr/>
+                </a:tc>
+                <a:tc>
+                  <a:txBody>
+                    <a:bodyPr/>
+                    <a:lstStyle/>
+                    <a:p>
+                      <a:endParaRPr lang="zh-CN" altLang="en-US" sz="900"/>
+                    </a:p>
+                  </a:txBody>
+                  <a:tcPr/>
+                </a:tc>
+              </a:tr>
+              <a:tr h="242657">
+                <a:tc>
+                  <a:txBody>
+                    <a:bodyPr/>
+                    <a:lstStyle/>
+                    <a:p>
+                      <a:endParaRPr lang="zh-CN" altLang="en-US" sz="900"/>
+                    </a:p>
+                  </a:txBody>
+                  <a:tcPr/>
+                </a:tc>
+                <a:tc>
+                  <a:txBody>
+                    <a:bodyPr/>
+                    <a:lstStyle/>
+                    <a:p>
+                      <a:endParaRPr lang="zh-CN" altLang="en-US" sz="900"/>
+                    </a:p>
+                  </a:txBody>
+                  <a:tcPr/>
+                </a:tc>
+                <a:tc>
+                  <a:txBody>
+                    <a:bodyPr/>
+                    <a:lstStyle/>
+                    <a:p>
+                      <a:endParaRPr lang="zh-CN" altLang="en-US" sz="900"/>
+                    </a:p>
+                  </a:txBody>
+                  <a:tcPr/>
+                </a:tc>
+              </a:tr>
+              <a:tr h="242657">
+                <a:tc>
+                  <a:txBody>
+                    <a:bodyPr/>
+                    <a:lstStyle/>
+                    <a:p>
+                      <a:endParaRPr lang="zh-CN" altLang="en-US" sz="900"/>
+                    </a:p>
+                  </a:txBody>
+                  <a:tcPr/>
+                </a:tc>
+                <a:tc>
+                  <a:txBody>
+                    <a:bodyPr/>
+                    <a:lstStyle/>
+                    <a:p>
+                      <a:endParaRPr lang="zh-CN" altLang="en-US" sz="900"/>
+                    </a:p>
+                  </a:txBody>
+                  <a:tcPr/>
+                </a:tc>
+                <a:tc>
+                  <a:txBody>
+                    <a:bodyPr/>
+                    <a:lstStyle/>
+                    <a:p>
+                      <a:endParaRPr lang="zh-CN" altLang="en-US" sz="900"/>
+                    </a:p>
+                  </a:txBody>
+                  <a:tcPr/>
+                </a:tc>
+              </a:tr>
+              <a:tr h="242657">
+                <a:tc>
+                  <a:txBody>
+                    <a:bodyPr/>
+                    <a:lstStyle/>
+                    <a:p>
+                      <a:endParaRPr lang="zh-CN" altLang="en-US" sz="900"/>
+                    </a:p>
+                  </a:txBody>
+                  <a:tcPr/>
+                </a:tc>
+                <a:tc>
+                  <a:txBody>
+                    <a:bodyPr/>
+                    <a:lstStyle/>
+                    <a:p>
+                      <a:endParaRPr lang="zh-CN" altLang="en-US" sz="900"/>
+                    </a:p>
+                  </a:txBody>
+                  <a:tcPr/>
+                </a:tc>
+                <a:tc>
+                  <a:txBody>
+                    <a:bodyPr/>
+                    <a:lstStyle/>
+                    <a:p>
+                      <a:endParaRPr lang="zh-CN" altLang="en-US" sz="900"/>
+                    </a:p>
+                  </a:txBody>
+                  <a:tcPr/>
+                </a:tc>
+              </a:tr>
+              <a:tr h="242657">
+                <a:tc>
+                  <a:txBody>
+                    <a:bodyPr/>
+                    <a:lstStyle/>
+                    <a:p>
+                      <a:endParaRPr lang="zh-CN" altLang="en-US" sz="900"/>
+                    </a:p>
+                  </a:txBody>
+                  <a:tcPr/>
+                </a:tc>
+                <a:tc>
+                  <a:txBody>
+                    <a:bodyPr/>
+                    <a:lstStyle/>
+                    <a:p>
+                      <a:endParaRPr lang="zh-CN" altLang="en-US" sz="900"/>
+                    </a:p>
+                  </a:txBody>
+                  <a:tcPr/>
+                </a:tc>
+                <a:tc>
+                  <a:txBody>
+                    <a:bodyPr/>
+                    <a:lstStyle/>
+                    <a:p>
+                      <a:endParaRPr lang="zh-CN" altLang="en-US" sz="900"/>
+                    </a:p>
+                  </a:txBody>
+                  <a:tcPr/>
+                </a:tc>
+              </a:tr>
+              <a:tr h="242657">
+                <a:tc>
+                  <a:txBody>
+                    <a:bodyPr/>
+                    <a:lstStyle/>
+                    <a:p>
+                      <a:endParaRPr lang="zh-CN" altLang="en-US" sz="900"/>
+                    </a:p>
+                  </a:txBody>
+                  <a:tcPr/>
+                </a:tc>
+                <a:tc>
+                  <a:txBody>
+                    <a:bodyPr/>
+                    <a:lstStyle/>
+                    <a:p>
+                      <a:endParaRPr lang="zh-CN" altLang="en-US" sz="900"/>
+                    </a:p>
+                  </a:txBody>
+                  <a:tcPr/>
+                </a:tc>
+                <a:tc>
+                  <a:txBody>
+                    <a:bodyPr/>
+                    <a:lstStyle/>
+                    <a:p>
+                      <a:endParaRPr lang="zh-CN" altLang="en-US" sz="900"/>
+                    </a:p>
+                  </a:txBody>
+                  <a:tcPr/>
+                </a:tc>
+              </a:tr>
+              <a:tr h="242657">
+                <a:tc>
+                  <a:txBody>
+                    <a:bodyPr/>
+                    <a:lstStyle/>
+                    <a:p>
+                      <a:endParaRPr lang="zh-CN" altLang="en-US" sz="900"/>
+                    </a:p>
+                  </a:txBody>
+                  <a:tcPr/>
+                </a:tc>
+                <a:tc>
+                  <a:txBody>
+                    <a:bodyPr/>
+                    <a:lstStyle/>
+                    <a:p>
+                      <a:endParaRPr lang="zh-CN" altLang="en-US" sz="900"/>
+                    </a:p>
+                  </a:txBody>
+                  <a:tcPr/>
+                </a:tc>
+                <a:tc>
+                  <a:txBody>
+                    <a:bodyPr/>
+                    <a:lstStyle/>
+                    <a:p>
+                      <a:endParaRPr lang="zh-CN" altLang="en-US" sz="900"/>
+                    </a:p>
+                  </a:txBody>
+                  <a:tcPr/>
+                </a:tc>
+              </a:tr>
+              <a:tr h="242657">
+                <a:tc>
+                  <a:txBody>
+                    <a:bodyPr/>
+                    <a:lstStyle/>
+                    <a:p>
+                      <a:endParaRPr lang="zh-CN" altLang="en-US" sz="900"/>
+                    </a:p>
+                  </a:txBody>
+                  <a:tcPr/>
+                </a:tc>
+                <a:tc>
+                  <a:txBody>
+                    <a:bodyPr/>
+                    <a:lstStyle/>
+                    <a:p>
+                      <a:endParaRPr lang="zh-CN" altLang="en-US" sz="900"/>
+                    </a:p>
+                  </a:txBody>
+                  <a:tcPr/>
+                </a:tc>
+                <a:tc>
+                  <a:txBody>
+                    <a:bodyPr/>
+                    <a:lstStyle/>
+                    <a:p>
+                      <a:endParaRPr lang="zh-CN" altLang="en-US" sz="900"/>
+                    </a:p>
+                  </a:txBody>
+                  <a:tcPr/>
+                </a:tc>
+              </a:tr>
+              <a:tr h="242657">
+                <a:tc>
+                  <a:txBody>
+                    <a:bodyPr/>
+                    <a:lstStyle/>
+                    <a:p>
+                      <a:endParaRPr lang="zh-CN" altLang="en-US" sz="900"/>
+                    </a:p>
+                  </a:txBody>
+                  <a:tcPr/>
+                </a:tc>
+                <a:tc>
+                  <a:txBody>
+                    <a:bodyPr/>
+                    <a:lstStyle/>
+                    <a:p>
+                      <a:endParaRPr lang="zh-CN" altLang="en-US" sz="900"/>
+                    </a:p>
+                  </a:txBody>
+                  <a:tcPr/>
+                </a:tc>
+                <a:tc>
+                  <a:txBody>
+                    <a:bodyPr/>
+                    <a:lstStyle/>
+                    <a:p>
+                      <a:endParaRPr lang="zh-CN" altLang="en-US" sz="900"/>
+                    </a:p>
+                  </a:txBody>
+                  <a:tcPr/>
+                </a:tc>
+              </a:tr>
+              <a:tr h="242657">
+                <a:tc>
+                  <a:txBody>
+                    <a:bodyPr/>
+                    <a:lstStyle/>
+                    <a:p>
+                      <a:endParaRPr lang="zh-CN" altLang="en-US" sz="900"/>
+                    </a:p>
+                  </a:txBody>
+                  <a:tcPr/>
+                </a:tc>
+                <a:tc>
+                  <a:txBody>
+                    <a:bodyPr/>
+                    <a:lstStyle/>
+                    <a:p>
+                      <a:endParaRPr lang="zh-CN" altLang="en-US" sz="900"/>
+                    </a:p>
+                  </a:txBody>
+                  <a:tcPr/>
+                </a:tc>
+                <a:tc>
+                  <a:txBody>
+                    <a:bodyPr/>
+                    <a:lstStyle/>
+                    <a:p>
+                      <a:endParaRPr lang="zh-CN" altLang="en-US" sz="900"/>
+                    </a:p>
+                  </a:txBody>
+                  <a:tcPr/>
+                </a:tc>
+              </a:tr>
+              <a:tr h="242657">
+                <a:tc>
+                  <a:txBody>
+                    <a:bodyPr/>
+                    <a:lstStyle/>
+                    <a:p>
+                      <a:endParaRPr lang="zh-CN" altLang="en-US" sz="900"/>
+                    </a:p>
+                  </a:txBody>
+                  <a:tcPr/>
+                </a:tc>
+                <a:tc>
+                  <a:txBody>
+                    <a:bodyPr/>
+                    <a:lstStyle/>
+                    <a:p>
+                      <a:endParaRPr lang="zh-CN" altLang="en-US" sz="900"/>
+                    </a:p>
+                  </a:txBody>
+                  <a:tcPr/>
+                </a:tc>
+                <a:tc>
+                  <a:txBody>
+                    <a:bodyPr/>
+                    <a:lstStyle/>
+                    <a:p>
+                      <a:endParaRPr lang="zh-CN" altLang="en-US" sz="900"/>
+                    </a:p>
+                  </a:txBody>
+                  <a:tcPr/>
+                </a:tc>
+              </a:tr>
+              <a:tr h="242657">
+                <a:tc>
+                  <a:txBody>
+                    <a:bodyPr/>
+                    <a:lstStyle/>
+                    <a:p>
+                      <a:endParaRPr lang="zh-CN" altLang="en-US" sz="900"/>
+                    </a:p>
+                  </a:txBody>
+                  <a:tcPr/>
+                </a:tc>
+                <a:tc>
+                  <a:txBody>
+                    <a:bodyPr/>
+                    <a:lstStyle/>
+                    <a:p>
+                      <a:endParaRPr lang="zh-CN" altLang="en-US" sz="900"/>
+                    </a:p>
+                  </a:txBody>
+                  <a:tcPr/>
+                </a:tc>
+                <a:tc>
+                  <a:txBody>
+                    <a:bodyPr/>
+                    <a:lstStyle/>
+                    <a:p>
+                      <a:endParaRPr lang="zh-CN" altLang="en-US" sz="900"/>
+                    </a:p>
+                  </a:txBody>
+                  <a:tcPr/>
+                </a:tc>
+              </a:tr>
+              <a:tr h="242657">
+                <a:tc>
+                  <a:txBody>
+                    <a:bodyPr/>
+                    <a:lstStyle/>
+                    <a:p>
+                      <a:endParaRPr lang="zh-CN" altLang="en-US" sz="900"/>
+                    </a:p>
+                  </a:txBody>
+                  <a:tcPr/>
+                </a:tc>
+                <a:tc>
+                  <a:txBody>
+                    <a:bodyPr/>
+                    <a:lstStyle/>
+                    <a:p>
+                      <a:endParaRPr lang="zh-CN" altLang="en-US" sz="900"/>
+                    </a:p>
+                  </a:txBody>
+                  <a:tcPr/>
+                </a:tc>
+                <a:tc>
+                  <a:txBody>
+                    <a:bodyPr/>
+                    <a:lstStyle/>
+                    <a:p>
+                      <a:endParaRPr lang="zh-CN" altLang="en-US" sz="900"/>
+                    </a:p>
+                  </a:txBody>
+                  <a:tcPr/>
+                </a:tc>
+              </a:tr>
+            </a:tbl>
+          </a:graphicData>
+        </a:graphic>
+      </p:graphicFrame>
+    </p:spTree>
+    <p:extLst>
+      <p:ext uri="{BB962C8B-B14F-4D97-AF65-F5344CB8AC3E}">
+        <p14:creationId xmlns:p14="http://schemas.microsoft.com/office/powerpoint/2010/main" val="3718216692"/>
       </p:ext>
     </p:extLst>
   </p:cSld>
